--- a/DataHorizon1.pptx
+++ b/DataHorizon1.pptx
@@ -5,14 +5,21 @@
     <p:sldMasterId id="2147483648" r:id="rId1"/>
   </p:sldMasterIdLst>
   <p:notesMasterIdLst>
-    <p:notesMasterId r:id="rId7"/>
+    <p:notesMasterId r:id="rId14"/>
   </p:notesMasterIdLst>
   <p:sldIdLst>
     <p:sldId id="256" r:id="rId2"/>
-    <p:sldId id="263" r:id="rId3"/>
-    <p:sldId id="264" r:id="rId4"/>
-    <p:sldId id="258" r:id="rId5"/>
-    <p:sldId id="262" r:id="rId6"/>
+    <p:sldId id="2076137435" r:id="rId3"/>
+    <p:sldId id="263" r:id="rId4"/>
+    <p:sldId id="264" r:id="rId5"/>
+    <p:sldId id="258" r:id="rId6"/>
+    <p:sldId id="262" r:id="rId7"/>
+    <p:sldId id="265" r:id="rId8"/>
+    <p:sldId id="267" r:id="rId9"/>
+    <p:sldId id="259" r:id="rId10"/>
+    <p:sldId id="2076137430" r:id="rId11"/>
+    <p:sldId id="2076137433" r:id="rId12"/>
+    <p:sldId id="2076137434" r:id="rId13"/>
   </p:sldIdLst>
   <p:sldSz cx="12192000" cy="6858000"/>
   <p:notesSz cx="6858000" cy="9144000"/>
@@ -112,6 +119,34 @@
     </a:lvl9pPr>
   </p:defaultTextStyle>
   <p:extLst>
+    <p:ext uri="{521415D9-36F7-43E2-AB2F-B90AF26B5E84}">
+      <p14:sectionLst xmlns:p14="http://schemas.microsoft.com/office/powerpoint/2010/main">
+        <p14:section name="Default Section" id="{5C43CF57-C879-417E-9F02-7EAAC337B7F8}">
+          <p14:sldIdLst>
+            <p14:sldId id="256"/>
+            <p14:sldId id="2076137435"/>
+            <p14:sldId id="263"/>
+            <p14:sldId id="264"/>
+            <p14:sldId id="258"/>
+            <p14:sldId id="262"/>
+          </p14:sldIdLst>
+        </p14:section>
+        <p14:section name="Business Use Case" id="{E4E67D10-2275-44CB-B79A-825E47A22A6A}">
+          <p14:sldIdLst>
+            <p14:sldId id="265"/>
+            <p14:sldId id="267"/>
+            <p14:sldId id="259"/>
+            <p14:sldId id="2076137430"/>
+            <p14:sldId id="2076137433"/>
+          </p14:sldIdLst>
+        </p14:section>
+        <p14:section name="Default Section" id="{93DF2190-59A1-46BF-A6E2-A18DD02F1D74}">
+          <p14:sldIdLst>
+            <p14:sldId id="2076137434"/>
+          </p14:sldIdLst>
+        </p14:section>
+      </p14:sectionLst>
+    </p:ext>
     <p:ext uri="{EFAFB233-063F-42B5-8137-9DF3F51BA10A}">
       <p15:sldGuideLst xmlns:p15="http://schemas.microsoft.com/office/powerpoint/2012/main"/>
     </p:ext>
@@ -122,10 +157,7 @@
 <file path=ppt/revisionInfo.xml><?xml version="1.0" encoding="utf-8"?>
 <p1510:revInfo xmlns:a="http://schemas.openxmlformats.org/drawingml/2006/main" xmlns:r="http://schemas.openxmlformats.org/officeDocument/2006/relationships" xmlns:p1510="http://schemas.microsoft.com/office/powerpoint/2015/10/main">
   <p1510:revLst>
-    <p1510:client id="{3A382F9F-3973-4F89-B748-8257E7F506B7}" v="131" dt="2021-05-03T15:24:19.969"/>
-    <p1510:client id="{59BDC92C-E005-43EE-A9E2-9F0E5EA05E03}" v="322" dt="2021-05-03T15:40:04.511"/>
-    <p1510:client id="{7FB59BFC-9BAB-4F6F-8E00-DC1D1AF74284}" v="6" dt="2021-05-03T15:26:38.641"/>
-    <p1510:client id="{E659E575-8356-4870-9E81-21DA92A883A8}" v="58" dt="2021-05-03T15:28:06.847"/>
+    <p1510:client id="{2C7B8DDC-BCC4-4D9E-A9A3-1A37F5839308}" v="10" dt="2021-05-14T12:24:21.822"/>
   </p1510:revLst>
 </p1510:revInfo>
 </file>
@@ -134,27 +166,81 @@
 <pc:chgInfo xmlns:a="http://schemas.openxmlformats.org/drawingml/2006/main" xmlns:r="http://schemas.openxmlformats.org/officeDocument/2006/relationships" xmlns:ac="http://schemas.microsoft.com/office/drawing/2013/main/command" xmlns:pc="http://schemas.microsoft.com/office/powerpoint/2013/main/command">
   <pc:docChgLst>
     <pc:chgData name="Balamurugan Balakreshnan" userId="35e9483b-bf32-4d17-a07b-837bc83be0f5" providerId="ADAL" clId="{2C7B8DDC-BCC4-4D9E-A9A3-1A37F5839308}"/>
-    <pc:docChg chg="custSel modSld">
-      <pc:chgData name="Balamurugan Balakreshnan" userId="35e9483b-bf32-4d17-a07b-837bc83be0f5" providerId="ADAL" clId="{2C7B8DDC-BCC4-4D9E-A9A3-1A37F5839308}" dt="2021-05-03T15:57:24.852" v="976" actId="22"/>
+    <pc:docChg chg="custSel addSld delSld modSld delSection modSection">
+      <pc:chgData name="Balamurugan Balakreshnan" userId="35e9483b-bf32-4d17-a07b-837bc83be0f5" providerId="ADAL" clId="{2C7B8DDC-BCC4-4D9E-A9A3-1A37F5839308}" dt="2021-05-14T12:24:06.580" v="1125" actId="26606"/>
       <pc:docMkLst>
         <pc:docMk/>
       </pc:docMkLst>
-      <pc:sldChg chg="modNotesTx">
-        <pc:chgData name="Balamurugan Balakreshnan" userId="35e9483b-bf32-4d17-a07b-837bc83be0f5" providerId="ADAL" clId="{2C7B8DDC-BCC4-4D9E-A9A3-1A37F5839308}" dt="2021-05-03T15:51:18.423" v="769" actId="313"/>
+      <pc:sldChg chg="addSp delSp add del setBg delDesignElem">
+        <pc:chgData name="Balamurugan Balakreshnan" userId="35e9483b-bf32-4d17-a07b-837bc83be0f5" providerId="ADAL" clId="{2C7B8DDC-BCC4-4D9E-A9A3-1A37F5839308}" dt="2021-05-03T16:32:54.135" v="990" actId="47"/>
+        <pc:sldMkLst>
+          <pc:docMk/>
+          <pc:sldMk cId="1962781629" sldId="256"/>
+        </pc:sldMkLst>
+        <pc:spChg chg="add del">
+          <ac:chgData name="Balamurugan Balakreshnan" userId="35e9483b-bf32-4d17-a07b-837bc83be0f5" providerId="ADAL" clId="{2C7B8DDC-BCC4-4D9E-A9A3-1A37F5839308}" dt="2021-05-03T16:24:10.061" v="989"/>
+          <ac:spMkLst>
+            <pc:docMk/>
+            <pc:sldMk cId="1962781629" sldId="256"/>
+            <ac:spMk id="8" creationId="{A8DB9CD9-59B1-4D73-BC4C-98796A48EF9B}"/>
+          </ac:spMkLst>
+        </pc:spChg>
+        <pc:spChg chg="add del">
+          <ac:chgData name="Balamurugan Balakreshnan" userId="35e9483b-bf32-4d17-a07b-837bc83be0f5" providerId="ADAL" clId="{2C7B8DDC-BCC4-4D9E-A9A3-1A37F5839308}" dt="2021-05-03T16:24:10.061" v="989"/>
+          <ac:spMkLst>
+            <pc:docMk/>
+            <pc:sldMk cId="1962781629" sldId="256"/>
+            <ac:spMk id="20" creationId="{8874A6A9-41FF-4E33-AFA8-F9F81436A59E}"/>
+          </ac:spMkLst>
+        </pc:spChg>
+        <pc:grpChg chg="add del">
+          <ac:chgData name="Balamurugan Balakreshnan" userId="35e9483b-bf32-4d17-a07b-837bc83be0f5" providerId="ADAL" clId="{2C7B8DDC-BCC4-4D9E-A9A3-1A37F5839308}" dt="2021-05-03T16:24:10.061" v="989"/>
+          <ac:grpSpMkLst>
+            <pc:docMk/>
+            <pc:sldMk cId="1962781629" sldId="256"/>
+            <ac:grpSpMk id="12" creationId="{721D730E-1F97-4071-B143-B05E6D2599BC}"/>
+          </ac:grpSpMkLst>
+        </pc:grpChg>
+      </pc:sldChg>
+      <pc:sldChg chg="add del modNotesTx">
+        <pc:chgData name="Balamurugan Balakreshnan" userId="35e9483b-bf32-4d17-a07b-837bc83be0f5" providerId="ADAL" clId="{2C7B8DDC-BCC4-4D9E-A9A3-1A37F5839308}" dt="2021-05-03T16:32:54.135" v="990" actId="47"/>
         <pc:sldMkLst>
           <pc:docMk/>
           <pc:sldMk cId="2701775586" sldId="258"/>
         </pc:sldMkLst>
       </pc:sldChg>
-      <pc:sldChg chg="modNotesTx">
-        <pc:chgData name="Balamurugan Balakreshnan" userId="35e9483b-bf32-4d17-a07b-837bc83be0f5" providerId="ADAL" clId="{2C7B8DDC-BCC4-4D9E-A9A3-1A37F5839308}" dt="2021-05-03T15:51:47.480" v="817" actId="20577"/>
+      <pc:sldChg chg="addSp delSp add del setBg delDesignElem">
+        <pc:chgData name="Balamurugan Balakreshnan" userId="35e9483b-bf32-4d17-a07b-837bc83be0f5" providerId="ADAL" clId="{2C7B8DDC-BCC4-4D9E-A9A3-1A37F5839308}" dt="2021-05-03T16:32:54.135" v="990" actId="47"/>
+        <pc:sldMkLst>
+          <pc:docMk/>
+          <pc:sldMk cId="2251119522" sldId="259"/>
+        </pc:sldMkLst>
+        <pc:spChg chg="add del">
+          <ac:chgData name="Balamurugan Balakreshnan" userId="35e9483b-bf32-4d17-a07b-837bc83be0f5" providerId="ADAL" clId="{2C7B8DDC-BCC4-4D9E-A9A3-1A37F5839308}" dt="2021-05-03T16:24:10.061" v="989"/>
+          <ac:spMkLst>
+            <pc:docMk/>
+            <pc:sldMk cId="2251119522" sldId="259"/>
+            <ac:spMk id="28" creationId="{4C608BEB-860E-4094-8511-78603564A75E}"/>
+          </ac:spMkLst>
+        </pc:spChg>
+        <pc:cxnChg chg="add del">
+          <ac:chgData name="Balamurugan Balakreshnan" userId="35e9483b-bf32-4d17-a07b-837bc83be0f5" providerId="ADAL" clId="{2C7B8DDC-BCC4-4D9E-A9A3-1A37F5839308}" dt="2021-05-03T16:24:10.061" v="989"/>
+          <ac:cxnSpMkLst>
+            <pc:docMk/>
+            <pc:sldMk cId="2251119522" sldId="259"/>
+            <ac:cxnSpMk id="29" creationId="{1F16A8D4-FE87-4604-88B2-394B5D1EB437}"/>
+          </ac:cxnSpMkLst>
+        </pc:cxnChg>
+      </pc:sldChg>
+      <pc:sldChg chg="add del modNotesTx">
+        <pc:chgData name="Balamurugan Balakreshnan" userId="35e9483b-bf32-4d17-a07b-837bc83be0f5" providerId="ADAL" clId="{2C7B8DDC-BCC4-4D9E-A9A3-1A37F5839308}" dt="2021-05-03T16:32:54.135" v="990" actId="47"/>
         <pc:sldMkLst>
           <pc:docMk/>
           <pc:sldMk cId="45177834" sldId="262"/>
         </pc:sldMkLst>
       </pc:sldChg>
-      <pc:sldChg chg="addSp modSp mod modNotesTx">
-        <pc:chgData name="Balamurugan Balakreshnan" userId="35e9483b-bf32-4d17-a07b-837bc83be0f5" providerId="ADAL" clId="{2C7B8DDC-BCC4-4D9E-A9A3-1A37F5839308}" dt="2021-05-03T15:56:15.819" v="975" actId="1076"/>
+      <pc:sldChg chg="addSp delSp modSp add del mod setBg delDesignElem modNotesTx">
+        <pc:chgData name="Balamurugan Balakreshnan" userId="35e9483b-bf32-4d17-a07b-837bc83be0f5" providerId="ADAL" clId="{2C7B8DDC-BCC4-4D9E-A9A3-1A37F5839308}" dt="2021-05-03T16:32:54.135" v="990" actId="47"/>
         <pc:sldMkLst>
           <pc:docMk/>
           <pc:sldMk cId="3688729884" sldId="263"/>
@@ -175,9 +261,17 @@
             <ac:spMk id="3" creationId="{66F4A7E2-5AA2-4726-A786-FE0B825B9CBD}"/>
           </ac:spMkLst>
         </pc:spChg>
+        <pc:spChg chg="add del">
+          <ac:chgData name="Balamurugan Balakreshnan" userId="35e9483b-bf32-4d17-a07b-837bc83be0f5" providerId="ADAL" clId="{2C7B8DDC-BCC4-4D9E-A9A3-1A37F5839308}" dt="2021-05-03T16:24:10.061" v="989"/>
+          <ac:spMkLst>
+            <pc:docMk/>
+            <pc:sldMk cId="3688729884" sldId="263"/>
+            <ac:spMk id="10" creationId="{955A2079-FA98-4876-80F0-72364A7D2EA4}"/>
+          </ac:spMkLst>
+        </pc:spChg>
       </pc:sldChg>
-      <pc:sldChg chg="addSp modSp mod modNotesTx">
-        <pc:chgData name="Balamurugan Balakreshnan" userId="35e9483b-bf32-4d17-a07b-837bc83be0f5" providerId="ADAL" clId="{2C7B8DDC-BCC4-4D9E-A9A3-1A37F5839308}" dt="2021-05-03T15:57:24.852" v="976" actId="22"/>
+      <pc:sldChg chg="addSp delSp modSp add del mod setBg delDesignElem modNotesTx">
+        <pc:chgData name="Balamurugan Balakreshnan" userId="35e9483b-bf32-4d17-a07b-837bc83be0f5" providerId="ADAL" clId="{2C7B8DDC-BCC4-4D9E-A9A3-1A37F5839308}" dt="2021-05-03T16:32:54.135" v="990" actId="47"/>
         <pc:sldMkLst>
           <pc:docMk/>
           <pc:sldMk cId="3588126079" sldId="264"/>
@@ -196,6 +290,177 @@
             <pc:docMk/>
             <pc:sldMk cId="3588126079" sldId="264"/>
             <ac:spMk id="4" creationId="{43C49DBE-FDF0-4781-A668-A96A04B6900B}"/>
+          </ac:spMkLst>
+        </pc:spChg>
+        <pc:spChg chg="add del">
+          <ac:chgData name="Balamurugan Balakreshnan" userId="35e9483b-bf32-4d17-a07b-837bc83be0f5" providerId="ADAL" clId="{2C7B8DDC-BCC4-4D9E-A9A3-1A37F5839308}" dt="2021-05-03T16:24:10.061" v="989"/>
+          <ac:spMkLst>
+            <pc:docMk/>
+            <pc:sldMk cId="3588126079" sldId="264"/>
+            <ac:spMk id="10" creationId="{F821940F-7A1D-4ACC-85B4-A932898ABB37}"/>
+          </ac:spMkLst>
+        </pc:spChg>
+        <pc:spChg chg="add del">
+          <ac:chgData name="Balamurugan Balakreshnan" userId="35e9483b-bf32-4d17-a07b-837bc83be0f5" providerId="ADAL" clId="{2C7B8DDC-BCC4-4D9E-A9A3-1A37F5839308}" dt="2021-05-03T16:24:10.061" v="989"/>
+          <ac:spMkLst>
+            <pc:docMk/>
+            <pc:sldMk cId="3588126079" sldId="264"/>
+            <ac:spMk id="12" creationId="{16674508-81D3-48CF-96BF-7FC60EAA572A}"/>
+          </ac:spMkLst>
+        </pc:spChg>
+      </pc:sldChg>
+      <pc:sldChg chg="addSp delSp add del setBg delDesignElem">
+        <pc:chgData name="Balamurugan Balakreshnan" userId="35e9483b-bf32-4d17-a07b-837bc83be0f5" providerId="ADAL" clId="{2C7B8DDC-BCC4-4D9E-A9A3-1A37F5839308}" dt="2021-05-03T16:32:54.135" v="990" actId="47"/>
+        <pc:sldMkLst>
+          <pc:docMk/>
+          <pc:sldMk cId="2761115306" sldId="265"/>
+        </pc:sldMkLst>
+        <pc:spChg chg="add del">
+          <ac:chgData name="Balamurugan Balakreshnan" userId="35e9483b-bf32-4d17-a07b-837bc83be0f5" providerId="ADAL" clId="{2C7B8DDC-BCC4-4D9E-A9A3-1A37F5839308}" dt="2021-05-03T16:24:10.061" v="989"/>
+          <ac:spMkLst>
+            <pc:docMk/>
+            <pc:sldMk cId="2761115306" sldId="265"/>
+            <ac:spMk id="27" creationId="{777A147A-9ED8-46B4-8660-1B3C2AA880B5}"/>
+          </ac:spMkLst>
+        </pc:spChg>
+        <pc:spChg chg="add del">
+          <ac:chgData name="Balamurugan Balakreshnan" userId="35e9483b-bf32-4d17-a07b-837bc83be0f5" providerId="ADAL" clId="{2C7B8DDC-BCC4-4D9E-A9A3-1A37F5839308}" dt="2021-05-03T16:24:10.061" v="989"/>
+          <ac:spMkLst>
+            <pc:docMk/>
+            <pc:sldMk cId="2761115306" sldId="265"/>
+            <ac:spMk id="28" creationId="{5D6C15A0-C087-4593-8414-2B4EC1CDC3DE}"/>
+          </ac:spMkLst>
+        </pc:spChg>
+      </pc:sldChg>
+      <pc:sldChg chg="addSp delSp add del setBg delDesignElem">
+        <pc:chgData name="Balamurugan Balakreshnan" userId="35e9483b-bf32-4d17-a07b-837bc83be0f5" providerId="ADAL" clId="{2C7B8DDC-BCC4-4D9E-A9A3-1A37F5839308}" dt="2021-05-03T16:32:54.135" v="990" actId="47"/>
+        <pc:sldMkLst>
+          <pc:docMk/>
+          <pc:sldMk cId="3334779664" sldId="267"/>
+        </pc:sldMkLst>
+        <pc:spChg chg="add del">
+          <ac:chgData name="Balamurugan Balakreshnan" userId="35e9483b-bf32-4d17-a07b-837bc83be0f5" providerId="ADAL" clId="{2C7B8DDC-BCC4-4D9E-A9A3-1A37F5839308}" dt="2021-05-03T16:24:10.061" v="989"/>
+          <ac:spMkLst>
+            <pc:docMk/>
+            <pc:sldMk cId="3334779664" sldId="267"/>
+            <ac:spMk id="48" creationId="{4C608BEB-860E-4094-8511-78603564A75E}"/>
+          </ac:spMkLst>
+        </pc:spChg>
+        <pc:cxnChg chg="add del">
+          <ac:chgData name="Balamurugan Balakreshnan" userId="35e9483b-bf32-4d17-a07b-837bc83be0f5" providerId="ADAL" clId="{2C7B8DDC-BCC4-4D9E-A9A3-1A37F5839308}" dt="2021-05-03T16:24:10.061" v="989"/>
+          <ac:cxnSpMkLst>
+            <pc:docMk/>
+            <pc:sldMk cId="3334779664" sldId="267"/>
+            <ac:cxnSpMk id="49" creationId="{1F16A8D4-FE87-4604-88B2-394B5D1EB437}"/>
+          </ac:cxnSpMkLst>
+        </pc:cxnChg>
+      </pc:sldChg>
+      <pc:sldChg chg="addSp delSp add del setBg delDesignElem">
+        <pc:chgData name="Balamurugan Balakreshnan" userId="35e9483b-bf32-4d17-a07b-837bc83be0f5" providerId="ADAL" clId="{2C7B8DDC-BCC4-4D9E-A9A3-1A37F5839308}" dt="2021-05-03T16:32:54.135" v="990" actId="47"/>
+        <pc:sldMkLst>
+          <pc:docMk/>
+          <pc:sldMk cId="1066071701" sldId="2076137430"/>
+        </pc:sldMkLst>
+        <pc:spChg chg="add del">
+          <ac:chgData name="Balamurugan Balakreshnan" userId="35e9483b-bf32-4d17-a07b-837bc83be0f5" providerId="ADAL" clId="{2C7B8DDC-BCC4-4D9E-A9A3-1A37F5839308}" dt="2021-05-03T16:24:10.061" v="989"/>
+          <ac:spMkLst>
+            <pc:docMk/>
+            <pc:sldMk cId="1066071701" sldId="2076137430"/>
+            <ac:spMk id="9" creationId="{D1D34770-47A8-402C-AF23-2B653F2D88C1}"/>
+          </ac:spMkLst>
+        </pc:spChg>
+      </pc:sldChg>
+      <pc:sldChg chg="addSp delSp add del setBg delDesignElem">
+        <pc:chgData name="Balamurugan Balakreshnan" userId="35e9483b-bf32-4d17-a07b-837bc83be0f5" providerId="ADAL" clId="{2C7B8DDC-BCC4-4D9E-A9A3-1A37F5839308}" dt="2021-05-03T16:32:54.135" v="990" actId="47"/>
+        <pc:sldMkLst>
+          <pc:docMk/>
+          <pc:sldMk cId="3231585242" sldId="2076137433"/>
+        </pc:sldMkLst>
+        <pc:spChg chg="add del">
+          <ac:chgData name="Balamurugan Balakreshnan" userId="35e9483b-bf32-4d17-a07b-837bc83be0f5" providerId="ADAL" clId="{2C7B8DDC-BCC4-4D9E-A9A3-1A37F5839308}" dt="2021-05-03T16:24:10.061" v="989"/>
+          <ac:spMkLst>
+            <pc:docMk/>
+            <pc:sldMk cId="3231585242" sldId="2076137433"/>
+            <ac:spMk id="19" creationId="{D1D34770-47A8-402C-AF23-2B653F2D88C1}"/>
+          </ac:spMkLst>
+        </pc:spChg>
+      </pc:sldChg>
+      <pc:sldChg chg="addSp modSp new mod setBg">
+        <pc:chgData name="Balamurugan Balakreshnan" userId="35e9483b-bf32-4d17-a07b-837bc83be0f5" providerId="ADAL" clId="{2C7B8DDC-BCC4-4D9E-A9A3-1A37F5839308}" dt="2021-05-14T12:24:06.580" v="1125" actId="26606"/>
+        <pc:sldMkLst>
+          <pc:docMk/>
+          <pc:sldMk cId="1249944605" sldId="2076137434"/>
+        </pc:sldMkLst>
+        <pc:spChg chg="mod">
+          <ac:chgData name="Balamurugan Balakreshnan" userId="35e9483b-bf32-4d17-a07b-837bc83be0f5" providerId="ADAL" clId="{2C7B8DDC-BCC4-4D9E-A9A3-1A37F5839308}" dt="2021-05-14T12:24:06.580" v="1125" actId="26606"/>
+          <ac:spMkLst>
+            <pc:docMk/>
+            <pc:sldMk cId="1249944605" sldId="2076137434"/>
+            <ac:spMk id="2" creationId="{7C4D99FE-8C6D-4EFE-9205-324A3AF95275}"/>
+          </ac:spMkLst>
+        </pc:spChg>
+        <pc:spChg chg="mod">
+          <ac:chgData name="Balamurugan Balakreshnan" userId="35e9483b-bf32-4d17-a07b-837bc83be0f5" providerId="ADAL" clId="{2C7B8DDC-BCC4-4D9E-A9A3-1A37F5839308}" dt="2021-05-14T12:24:06.580" v="1125" actId="26606"/>
+          <ac:spMkLst>
+            <pc:docMk/>
+            <pc:sldMk cId="1249944605" sldId="2076137434"/>
+            <ac:spMk id="3" creationId="{029B6321-46E4-4681-8BC3-5866B15E4A09}"/>
+          </ac:spMkLst>
+        </pc:spChg>
+        <pc:spChg chg="add">
+          <ac:chgData name="Balamurugan Balakreshnan" userId="35e9483b-bf32-4d17-a07b-837bc83be0f5" providerId="ADAL" clId="{2C7B8DDC-BCC4-4D9E-A9A3-1A37F5839308}" dt="2021-05-14T12:24:06.580" v="1125" actId="26606"/>
+          <ac:spMkLst>
+            <pc:docMk/>
+            <pc:sldMk cId="1249944605" sldId="2076137434"/>
+            <ac:spMk id="8" creationId="{46D6306C-ED4F-4AAE-B4A5-EEA6AFAD726E}"/>
+          </ac:spMkLst>
+        </pc:spChg>
+        <pc:spChg chg="add">
+          <ac:chgData name="Balamurugan Balakreshnan" userId="35e9483b-bf32-4d17-a07b-837bc83be0f5" providerId="ADAL" clId="{2C7B8DDC-BCC4-4D9E-A9A3-1A37F5839308}" dt="2021-05-14T12:24:06.580" v="1125" actId="26606"/>
+          <ac:spMkLst>
+            <pc:docMk/>
+            <pc:sldMk cId="1249944605" sldId="2076137434"/>
+            <ac:spMk id="10" creationId="{0EC5361D-F897-4856-B945-0455A365EB24}"/>
+          </ac:spMkLst>
+        </pc:spChg>
+        <pc:spChg chg="add">
+          <ac:chgData name="Balamurugan Balakreshnan" userId="35e9483b-bf32-4d17-a07b-837bc83be0f5" providerId="ADAL" clId="{2C7B8DDC-BCC4-4D9E-A9A3-1A37F5839308}" dt="2021-05-14T12:24:06.580" v="1125" actId="26606"/>
+          <ac:spMkLst>
+            <pc:docMk/>
+            <pc:sldMk cId="1249944605" sldId="2076137434"/>
+            <ac:spMk id="12" creationId="{4508C0C5-2268-42B5-B3C8-4D0899E05F8C}"/>
+          </ac:spMkLst>
+        </pc:spChg>
+        <pc:spChg chg="add">
+          <ac:chgData name="Balamurugan Balakreshnan" userId="35e9483b-bf32-4d17-a07b-837bc83be0f5" providerId="ADAL" clId="{2C7B8DDC-BCC4-4D9E-A9A3-1A37F5839308}" dt="2021-05-14T12:24:06.580" v="1125" actId="26606"/>
+          <ac:spMkLst>
+            <pc:docMk/>
+            <pc:sldMk cId="1249944605" sldId="2076137434"/>
+            <ac:spMk id="14" creationId="{141ACBDB-38F8-4B34-8183-BD95B4E55A62}"/>
+          </ac:spMkLst>
+        </pc:spChg>
+        <pc:spChg chg="add">
+          <ac:chgData name="Balamurugan Balakreshnan" userId="35e9483b-bf32-4d17-a07b-837bc83be0f5" providerId="ADAL" clId="{2C7B8DDC-BCC4-4D9E-A9A3-1A37F5839308}" dt="2021-05-14T12:24:06.580" v="1125" actId="26606"/>
+          <ac:spMkLst>
+            <pc:docMk/>
+            <pc:sldMk cId="1249944605" sldId="2076137434"/>
+            <ac:spMk id="16" creationId="{DE00DB52-3455-4E2F-867B-A6D0516E175B}"/>
+          </ac:spMkLst>
+        </pc:spChg>
+        <pc:spChg chg="add">
+          <ac:chgData name="Balamurugan Balakreshnan" userId="35e9483b-bf32-4d17-a07b-837bc83be0f5" providerId="ADAL" clId="{2C7B8DDC-BCC4-4D9E-A9A3-1A37F5839308}" dt="2021-05-14T12:24:06.580" v="1125" actId="26606"/>
+          <ac:spMkLst>
+            <pc:docMk/>
+            <pc:sldMk cId="1249944605" sldId="2076137434"/>
+            <ac:spMk id="18" creationId="{9E914C83-E0D8-4953-92D5-169D28CB43AE}"/>
+          </ac:spMkLst>
+        </pc:spChg>
+        <pc:spChg chg="add">
+          <ac:chgData name="Balamurugan Balakreshnan" userId="35e9483b-bf32-4d17-a07b-837bc83be0f5" providerId="ADAL" clId="{2C7B8DDC-BCC4-4D9E-A9A3-1A37F5839308}" dt="2021-05-14T12:24:06.580" v="1125" actId="26606"/>
+          <ac:spMkLst>
+            <pc:docMk/>
+            <pc:sldMk cId="1249944605" sldId="2076137434"/>
+            <ac:spMk id="20" creationId="{3512E083-F550-46AF-8490-767ECFD00CB7}"/>
           </ac:spMkLst>
         </pc:spChg>
       </pc:sldChg>
@@ -3989,7 +4254,7 @@
         <a:lstStyle/>
         <a:p>
           <a:r>
-            <a:rPr lang="en-US" dirty="0"/>
+            <a:rPr lang="en-US"/>
             <a:t>Vision</a:t>
           </a:r>
         </a:p>
@@ -4025,7 +4290,7 @@
         <a:lstStyle/>
         <a:p>
           <a:r>
-            <a:rPr lang="en-US" dirty="0"/>
+            <a:rPr lang="en-US"/>
             <a:t>Execution</a:t>
           </a:r>
         </a:p>
@@ -4061,7 +4326,7 @@
         <a:lstStyle/>
         <a:p>
           <a:r>
-            <a:rPr lang="en-US" dirty="0"/>
+            <a:rPr lang="en-US"/>
             <a:t>Strategy</a:t>
           </a:r>
         </a:p>
@@ -4192,55 +4457,55 @@
         <a:lstStyle/>
         <a:p>
           <a:r>
-            <a:rPr lang="en-US" sz="1600" dirty="0"/>
+            <a:rPr lang="en-US" sz="1600"/>
             <a:t>Lift &amp; Shift</a:t>
           </a:r>
         </a:p>
         <a:p>
           <a:r>
-            <a:rPr lang="en-US" sz="1600" dirty="0"/>
+            <a:rPr lang="en-US" sz="1600"/>
             <a:t>Data Quality Strategy</a:t>
           </a:r>
         </a:p>
         <a:p>
           <a:r>
-            <a:rPr lang="en-US" sz="1600" dirty="0"/>
+            <a:rPr lang="en-US" sz="1600"/>
             <a:t>Master data management</a:t>
           </a:r>
         </a:p>
         <a:p>
           <a:r>
-            <a:rPr lang="en-US" sz="1600" dirty="0"/>
+            <a:rPr lang="en-US" sz="1600"/>
             <a:t>Data Governance Strategy</a:t>
           </a:r>
         </a:p>
         <a:p>
           <a:r>
-            <a:rPr lang="en-US" sz="1600" dirty="0"/>
+            <a:rPr lang="en-US" sz="1600"/>
             <a:t>AI/ML Strategy</a:t>
           </a:r>
         </a:p>
         <a:p>
           <a:r>
-            <a:rPr lang="en-US" sz="1600" dirty="0"/>
+            <a:rPr lang="en-US" sz="1600"/>
             <a:t>Security and Compliance</a:t>
           </a:r>
         </a:p>
         <a:p>
           <a:r>
-            <a:rPr lang="en-US" sz="1600" dirty="0"/>
+            <a:rPr lang="en-US" sz="1600"/>
             <a:t>Monitoring</a:t>
           </a:r>
         </a:p>
         <a:p>
           <a:r>
-            <a:rPr lang="en-US" sz="1600" dirty="0"/>
+            <a:rPr lang="en-US" sz="1600"/>
             <a:t>Business intelligence</a:t>
           </a:r>
         </a:p>
         <a:p>
           <a:r>
-            <a:rPr lang="en-US" sz="1600" dirty="0"/>
+            <a:rPr lang="en-US" sz="1600"/>
             <a:t>PaaS Modernization</a:t>
           </a:r>
         </a:p>
@@ -4276,67 +4541,67 @@
         <a:lstStyle/>
         <a:p>
           <a:r>
-            <a:rPr lang="en-US" sz="1600" dirty="0"/>
+            <a:rPr lang="en-US" sz="1600"/>
             <a:t>Cloud data platform</a:t>
           </a:r>
         </a:p>
         <a:p>
           <a:r>
-            <a:rPr lang="en-US" sz="1600" dirty="0"/>
+            <a:rPr lang="en-US" sz="1600"/>
             <a:t>PaaS Modernization</a:t>
           </a:r>
         </a:p>
         <a:p>
           <a:r>
-            <a:rPr lang="en-US" sz="1600" dirty="0"/>
+            <a:rPr lang="en-US" sz="1600"/>
             <a:t>Data Governance &amp; DQ/Strategy</a:t>
           </a:r>
         </a:p>
         <a:p>
           <a:r>
-            <a:rPr lang="en-US" sz="1600" dirty="0"/>
+            <a:rPr lang="en-US" sz="1600"/>
             <a:t>Master data management</a:t>
           </a:r>
         </a:p>
         <a:p>
           <a:r>
-            <a:rPr lang="en-US" sz="1600" dirty="0"/>
+            <a:rPr lang="en-US" sz="1600"/>
             <a:t>Predictive Analytics</a:t>
           </a:r>
         </a:p>
         <a:p>
           <a:r>
-            <a:rPr lang="en-US" sz="1600" dirty="0"/>
+            <a:rPr lang="en-US" sz="1600"/>
             <a:t>Policy Based Data Security</a:t>
           </a:r>
         </a:p>
         <a:p>
           <a:r>
-            <a:rPr lang="en-US" sz="1600" dirty="0"/>
+            <a:rPr lang="en-US" sz="1600"/>
             <a:t>Security, Compliance and Privacy</a:t>
           </a:r>
         </a:p>
         <a:p>
           <a:r>
-            <a:rPr lang="en-US" sz="1600" dirty="0"/>
+            <a:rPr lang="en-US" sz="1600"/>
             <a:t>Legal</a:t>
           </a:r>
         </a:p>
         <a:p>
           <a:r>
-            <a:rPr lang="en-US" sz="1600" dirty="0"/>
+            <a:rPr lang="en-US" sz="1600"/>
             <a:t>Business Data Model</a:t>
           </a:r>
         </a:p>
         <a:p>
           <a:r>
-            <a:rPr lang="en-US" sz="1600" dirty="0"/>
+            <a:rPr lang="en-US" sz="1600"/>
             <a:t>Self Service BI</a:t>
           </a:r>
         </a:p>
         <a:p>
           <a:r>
-            <a:rPr lang="en-US" sz="1600" dirty="0"/>
+            <a:rPr lang="en-US" sz="1600"/>
             <a:t>Data Driven Decision</a:t>
           </a:r>
         </a:p>
@@ -4372,67 +4637,67 @@
         <a:lstStyle/>
         <a:p>
           <a:r>
-            <a:rPr lang="en-US" sz="1600" dirty="0"/>
+            <a:rPr lang="en-US" sz="1600"/>
             <a:t>Data as a Service</a:t>
           </a:r>
         </a:p>
         <a:p>
           <a:r>
-            <a:rPr lang="en-US" sz="1600" dirty="0"/>
+            <a:rPr lang="en-US" sz="1600"/>
             <a:t>Business Value with Data and AI</a:t>
           </a:r>
         </a:p>
         <a:p>
           <a:r>
-            <a:rPr lang="en-US" sz="1600" dirty="0"/>
+            <a:rPr lang="en-US" sz="1600"/>
             <a:t>Revenue based Data and AI Insights</a:t>
           </a:r>
         </a:p>
         <a:p>
           <a:r>
-            <a:rPr lang="en-US" sz="1600" dirty="0"/>
+            <a:rPr lang="en-US" sz="1600"/>
             <a:t>Business Data model</a:t>
           </a:r>
         </a:p>
         <a:p>
           <a:r>
-            <a:rPr lang="en-US" sz="1600" dirty="0"/>
+            <a:rPr lang="en-US" sz="1600"/>
             <a:t>Data Sharing for Revenue</a:t>
           </a:r>
         </a:p>
         <a:p>
           <a:r>
-            <a:rPr lang="en-US" sz="1600" dirty="0"/>
+            <a:rPr lang="en-US" sz="1600"/>
             <a:t>Data Asset tracking</a:t>
           </a:r>
         </a:p>
         <a:p>
           <a:r>
-            <a:rPr lang="en-US" sz="1600" dirty="0"/>
+            <a:rPr lang="en-US" sz="1600"/>
             <a:t>Data auditing and compliance for legal requirements</a:t>
           </a:r>
         </a:p>
         <a:p>
           <a:r>
-            <a:rPr lang="en-US" sz="1600" dirty="0"/>
+            <a:rPr lang="en-US" sz="1600"/>
             <a:t>Self Service Data Science</a:t>
           </a:r>
         </a:p>
         <a:p>
           <a:r>
-            <a:rPr lang="en-US" sz="1600" dirty="0"/>
+            <a:rPr lang="en-US" sz="1600"/>
             <a:t>Customer centric Value</a:t>
           </a:r>
         </a:p>
         <a:p>
           <a:r>
-            <a:rPr lang="en-US" sz="1600" dirty="0"/>
+            <a:rPr lang="en-US" sz="1600"/>
             <a:t>Data to Drive business</a:t>
           </a:r>
         </a:p>
         <a:p>
           <a:r>
-            <a:rPr lang="en-US" sz="1600" dirty="0"/>
+            <a:rPr lang="en-US" sz="1600"/>
             <a:t>Data Governance Strategy</a:t>
           </a:r>
         </a:p>
@@ -4441,7 +4706,6 @@
             <a:rPr lang="en-US" sz="1600"/>
             <a:t>Data Security/MDM</a:t>
           </a:r>
-          <a:endParaRPr lang="en-US" sz="1600" dirty="0"/>
         </a:p>
       </dgm:t>
     </dgm:pt>
@@ -4606,7 +4870,7 @@
         <a:lstStyle/>
         <a:p>
           <a:r>
-            <a:rPr lang="en-US" dirty="0"/>
+            <a:rPr lang="en-US"/>
             <a:t>1</a:t>
           </a:r>
         </a:p>
@@ -4642,7 +4906,7 @@
         <a:lstStyle/>
         <a:p>
           <a:r>
-            <a:rPr lang="en-US" dirty="0"/>
+            <a:rPr lang="en-US"/>
             <a:t>1-3</a:t>
           </a:r>
         </a:p>
@@ -4678,7 +4942,7 @@
         <a:lstStyle/>
         <a:p>
           <a:r>
-            <a:rPr lang="en-US" dirty="0"/>
+            <a:rPr lang="en-US"/>
             <a:t>1-5</a:t>
           </a:r>
         </a:p>
@@ -4794,43 +5058,43 @@
         <a:lstStyle/>
         <a:p>
           <a:r>
-            <a:rPr lang="en-US" dirty="0"/>
+            <a:rPr lang="en-US"/>
             <a:t>RPA with AI</a:t>
           </a:r>
         </a:p>
         <a:p>
           <a:r>
-            <a:rPr lang="en-US" dirty="0"/>
+            <a:rPr lang="en-US"/>
             <a:t>Cognitive AI</a:t>
           </a:r>
         </a:p>
         <a:p>
           <a:r>
-            <a:rPr lang="en-US" dirty="0"/>
+            <a:rPr lang="en-US"/>
             <a:t>Demand Forecasting</a:t>
           </a:r>
         </a:p>
         <a:p>
           <a:r>
-            <a:rPr lang="en-US" dirty="0"/>
+            <a:rPr lang="en-US"/>
             <a:t>Conversational UI</a:t>
           </a:r>
         </a:p>
         <a:p>
           <a:r>
-            <a:rPr lang="en-US" dirty="0"/>
+            <a:rPr lang="en-US"/>
             <a:t>AI Strategy</a:t>
           </a:r>
         </a:p>
         <a:p>
           <a:r>
-            <a:rPr lang="en-US" dirty="0"/>
+            <a:rPr lang="en-US"/>
             <a:t>AI Insights Organization Design/Process/Support</a:t>
           </a:r>
         </a:p>
         <a:p>
           <a:r>
-            <a:rPr lang="en-US" dirty="0"/>
+            <a:rPr lang="en-US"/>
             <a:t>AI Tools Strategy</a:t>
           </a:r>
         </a:p>
@@ -4866,60 +5130,60 @@
         <a:lstStyle/>
         <a:p>
           <a:r>
-            <a:rPr lang="en-US" sz="1600" dirty="0"/>
+            <a:rPr lang="en-US" sz="1600"/>
             <a:t>AI Driven Decision Making</a:t>
           </a:r>
         </a:p>
         <a:p>
           <a:r>
-            <a:rPr lang="en-US" sz="1600" dirty="0"/>
+            <a:rPr lang="en-US" sz="1600"/>
             <a:t>AI Governance and Security Model</a:t>
           </a:r>
         </a:p>
         <a:p>
           <a:r>
-            <a:rPr lang="en-US" sz="1600" dirty="0"/>
+            <a:rPr lang="en-US" sz="1600"/>
             <a:t>AI Insights creation</a:t>
           </a:r>
         </a:p>
         <a:p>
           <a:r>
-            <a:rPr lang="en-US" sz="1600" dirty="0"/>
+            <a:rPr lang="en-US" sz="1600"/>
             <a:t>AI Insights organization design, Process/Support</a:t>
           </a:r>
         </a:p>
         <a:p>
           <a:r>
-            <a:rPr lang="en-US" sz="1600" dirty="0"/>
+            <a:rPr lang="en-US" sz="1600"/>
             <a:t>ML/DL Governance</a:t>
           </a:r>
         </a:p>
         <a:p>
           <a:r>
-            <a:rPr lang="en-US" sz="1600" dirty="0"/>
+            <a:rPr lang="en-US" sz="1600"/>
             <a:t>Cognitive AI Governance</a:t>
           </a:r>
         </a:p>
         <a:p>
           <a:r>
-            <a:rPr lang="en-US" sz="1600" dirty="0"/>
+            <a:rPr lang="en-US" sz="1600"/>
             <a:t>Process Improvement – AI</a:t>
           </a:r>
         </a:p>
         <a:p>
           <a:r>
-            <a:rPr lang="en-US" sz="1600" dirty="0"/>
+            <a:rPr lang="en-US" sz="1600"/>
             <a:t>Conversation UI</a:t>
           </a:r>
         </a:p>
         <a:p>
           <a:r>
-            <a:rPr lang="en-US" sz="1600" dirty="0"/>
+            <a:rPr lang="en-US" sz="1600"/>
             <a:t>Pre-Built AI Tools- business domain</a:t>
           </a:r>
         </a:p>
         <a:p>
-          <a:endParaRPr lang="en-US" sz="1400" dirty="0"/>
+          <a:endParaRPr lang="en-US" sz="1400"/>
         </a:p>
       </dgm:t>
     </dgm:pt>
@@ -4953,57 +5217,57 @@
         <a:lstStyle/>
         <a:p>
           <a:r>
-            <a:rPr lang="en-US" sz="1600" dirty="0"/>
+            <a:rPr lang="en-US" sz="1600"/>
             <a:t>AI Driven decision making</a:t>
           </a:r>
         </a:p>
         <a:p>
           <a:r>
-            <a:rPr lang="en-US" sz="1600" dirty="0"/>
+            <a:rPr lang="en-US" sz="1600"/>
             <a:t>AI Driven Actions</a:t>
           </a:r>
         </a:p>
         <a:p>
           <a:r>
-            <a:rPr lang="en-US" sz="1600" dirty="0"/>
+            <a:rPr lang="en-US" sz="1600"/>
             <a:t>AI Driven Service – Revenue model</a:t>
           </a:r>
         </a:p>
         <a:p>
           <a:r>
-            <a:rPr lang="en-US" sz="1600" dirty="0"/>
+            <a:rPr lang="en-US" sz="1600"/>
             <a:t>AI Governance and Security</a:t>
           </a:r>
         </a:p>
         <a:p>
           <a:r>
-            <a:rPr lang="en-US" sz="1600" dirty="0"/>
+            <a:rPr lang="en-US" sz="1600"/>
             <a:t>Process Improvement – AI</a:t>
           </a:r>
         </a:p>
         <a:p>
           <a:r>
-            <a:rPr lang="en-US" sz="1600" dirty="0"/>
+            <a:rPr lang="en-US" sz="1600"/>
             <a:t>AI Optimization</a:t>
           </a:r>
         </a:p>
         <a:p>
           <a:r>
-            <a:rPr lang="en-US" sz="1600" dirty="0"/>
+            <a:rPr lang="en-US" sz="1600"/>
             <a:t>AI Tools – Business Domain</a:t>
           </a:r>
         </a:p>
         <a:p>
           <a:r>
-            <a:rPr lang="en-US" sz="1600" dirty="0"/>
+            <a:rPr lang="en-US" sz="1600"/>
             <a:t>Build AI services</a:t>
           </a:r>
         </a:p>
         <a:p>
-          <a:endParaRPr lang="en-US" sz="1200" dirty="0"/>
+          <a:endParaRPr lang="en-US" sz="1200"/>
         </a:p>
         <a:p>
-          <a:endParaRPr lang="en-US" sz="1200" dirty="0"/>
+          <a:endParaRPr lang="en-US" sz="1200"/>
         </a:p>
       </dgm:t>
     </dgm:pt>
@@ -5168,7 +5432,7 @@
         <a:lstStyle/>
         <a:p>
           <a:r>
-            <a:rPr lang="en-US" dirty="0"/>
+            <a:rPr lang="en-US"/>
             <a:t>1</a:t>
           </a:r>
         </a:p>
@@ -5204,7 +5468,7 @@
         <a:lstStyle/>
         <a:p>
           <a:r>
-            <a:rPr lang="en-US" dirty="0"/>
+            <a:rPr lang="en-US"/>
             <a:t>1-3</a:t>
           </a:r>
         </a:p>
@@ -5240,7 +5504,7 @@
         <a:lstStyle/>
         <a:p>
           <a:r>
-            <a:rPr lang="en-US" dirty="0"/>
+            <a:rPr lang="en-US"/>
             <a:t>1-5</a:t>
           </a:r>
         </a:p>
@@ -5411,7 +5675,7 @@
             <a:buNone/>
           </a:pPr>
           <a:r>
-            <a:rPr lang="en-US" sz="3100" kern="1200" dirty="0"/>
+            <a:rPr lang="en-US" sz="3100" kern="1200"/>
             <a:t>Vision</a:t>
           </a:r>
         </a:p>
@@ -5490,7 +5754,7 @@
             <a:buNone/>
           </a:pPr>
           <a:r>
-            <a:rPr lang="en-US" sz="3100" kern="1200" dirty="0"/>
+            <a:rPr lang="en-US" sz="3100" kern="1200"/>
             <a:t>Execution</a:t>
           </a:r>
         </a:p>
@@ -5569,7 +5833,7 @@
             <a:buNone/>
           </a:pPr>
           <a:r>
-            <a:rPr lang="en-US" sz="3100" kern="1200" dirty="0"/>
+            <a:rPr lang="en-US" sz="3100" kern="1200"/>
             <a:t>Strategy</a:t>
           </a:r>
         </a:p>
@@ -5694,7 +5958,7 @@
             <a:buNone/>
           </a:pPr>
           <a:r>
-            <a:rPr lang="en-US" sz="1600" kern="1200" dirty="0"/>
+            <a:rPr lang="en-US" sz="1600" kern="1200"/>
             <a:t>Lift &amp; Shift</a:t>
           </a:r>
         </a:p>
@@ -5712,7 +5976,7 @@
             <a:buNone/>
           </a:pPr>
           <a:r>
-            <a:rPr lang="en-US" sz="1600" kern="1200" dirty="0"/>
+            <a:rPr lang="en-US" sz="1600" kern="1200"/>
             <a:t>Data Quality Strategy</a:t>
           </a:r>
         </a:p>
@@ -5730,7 +5994,7 @@
             <a:buNone/>
           </a:pPr>
           <a:r>
-            <a:rPr lang="en-US" sz="1600" kern="1200" dirty="0"/>
+            <a:rPr lang="en-US" sz="1600" kern="1200"/>
             <a:t>Master data management</a:t>
           </a:r>
         </a:p>
@@ -5748,7 +6012,7 @@
             <a:buNone/>
           </a:pPr>
           <a:r>
-            <a:rPr lang="en-US" sz="1600" kern="1200" dirty="0"/>
+            <a:rPr lang="en-US" sz="1600" kern="1200"/>
             <a:t>Data Governance Strategy</a:t>
           </a:r>
         </a:p>
@@ -5766,7 +6030,7 @@
             <a:buNone/>
           </a:pPr>
           <a:r>
-            <a:rPr lang="en-US" sz="1600" kern="1200" dirty="0"/>
+            <a:rPr lang="en-US" sz="1600" kern="1200"/>
             <a:t>AI/ML Strategy</a:t>
           </a:r>
         </a:p>
@@ -5784,7 +6048,7 @@
             <a:buNone/>
           </a:pPr>
           <a:r>
-            <a:rPr lang="en-US" sz="1600" kern="1200" dirty="0"/>
+            <a:rPr lang="en-US" sz="1600" kern="1200"/>
             <a:t>Security and Compliance</a:t>
           </a:r>
         </a:p>
@@ -5802,7 +6066,7 @@
             <a:buNone/>
           </a:pPr>
           <a:r>
-            <a:rPr lang="en-US" sz="1600" kern="1200" dirty="0"/>
+            <a:rPr lang="en-US" sz="1600" kern="1200"/>
             <a:t>Monitoring</a:t>
           </a:r>
         </a:p>
@@ -5820,7 +6084,7 @@
             <a:buNone/>
           </a:pPr>
           <a:r>
-            <a:rPr lang="en-US" sz="1600" kern="1200" dirty="0"/>
+            <a:rPr lang="en-US" sz="1600" kern="1200"/>
             <a:t>Business intelligence</a:t>
           </a:r>
         </a:p>
@@ -5838,7 +6102,7 @@
             <a:buNone/>
           </a:pPr>
           <a:r>
-            <a:rPr lang="en-US" sz="1600" kern="1200" dirty="0"/>
+            <a:rPr lang="en-US" sz="1600" kern="1200"/>
             <a:t>PaaS Modernization</a:t>
           </a:r>
         </a:p>
@@ -6003,7 +6267,7 @@
             <a:buNone/>
           </a:pPr>
           <a:r>
-            <a:rPr lang="en-US" sz="1600" kern="1200" dirty="0"/>
+            <a:rPr lang="en-US" sz="1600" kern="1200"/>
             <a:t>Cloud data platform</a:t>
           </a:r>
         </a:p>
@@ -6021,7 +6285,7 @@
             <a:buNone/>
           </a:pPr>
           <a:r>
-            <a:rPr lang="en-US" sz="1600" kern="1200" dirty="0"/>
+            <a:rPr lang="en-US" sz="1600" kern="1200"/>
             <a:t>PaaS Modernization</a:t>
           </a:r>
         </a:p>
@@ -6039,7 +6303,7 @@
             <a:buNone/>
           </a:pPr>
           <a:r>
-            <a:rPr lang="en-US" sz="1600" kern="1200" dirty="0"/>
+            <a:rPr lang="en-US" sz="1600" kern="1200"/>
             <a:t>Data Governance &amp; DQ/Strategy</a:t>
           </a:r>
         </a:p>
@@ -6057,7 +6321,7 @@
             <a:buNone/>
           </a:pPr>
           <a:r>
-            <a:rPr lang="en-US" sz="1600" kern="1200" dirty="0"/>
+            <a:rPr lang="en-US" sz="1600" kern="1200"/>
             <a:t>Master data management</a:t>
           </a:r>
         </a:p>
@@ -6075,7 +6339,7 @@
             <a:buNone/>
           </a:pPr>
           <a:r>
-            <a:rPr lang="en-US" sz="1600" kern="1200" dirty="0"/>
+            <a:rPr lang="en-US" sz="1600" kern="1200"/>
             <a:t>Predictive Analytics</a:t>
           </a:r>
         </a:p>
@@ -6093,7 +6357,7 @@
             <a:buNone/>
           </a:pPr>
           <a:r>
-            <a:rPr lang="en-US" sz="1600" kern="1200" dirty="0"/>
+            <a:rPr lang="en-US" sz="1600" kern="1200"/>
             <a:t>Policy Based Data Security</a:t>
           </a:r>
         </a:p>
@@ -6111,7 +6375,7 @@
             <a:buNone/>
           </a:pPr>
           <a:r>
-            <a:rPr lang="en-US" sz="1600" kern="1200" dirty="0"/>
+            <a:rPr lang="en-US" sz="1600" kern="1200"/>
             <a:t>Security, Compliance and Privacy</a:t>
           </a:r>
         </a:p>
@@ -6129,7 +6393,7 @@
             <a:buNone/>
           </a:pPr>
           <a:r>
-            <a:rPr lang="en-US" sz="1600" kern="1200" dirty="0"/>
+            <a:rPr lang="en-US" sz="1600" kern="1200"/>
             <a:t>Legal</a:t>
           </a:r>
         </a:p>
@@ -6147,7 +6411,7 @@
             <a:buNone/>
           </a:pPr>
           <a:r>
-            <a:rPr lang="en-US" sz="1600" kern="1200" dirty="0"/>
+            <a:rPr lang="en-US" sz="1600" kern="1200"/>
             <a:t>Business Data Model</a:t>
           </a:r>
         </a:p>
@@ -6165,7 +6429,7 @@
             <a:buNone/>
           </a:pPr>
           <a:r>
-            <a:rPr lang="en-US" sz="1600" kern="1200" dirty="0"/>
+            <a:rPr lang="en-US" sz="1600" kern="1200"/>
             <a:t>Self Service BI</a:t>
           </a:r>
         </a:p>
@@ -6183,7 +6447,7 @@
             <a:buNone/>
           </a:pPr>
           <a:r>
-            <a:rPr lang="en-US" sz="1600" kern="1200" dirty="0"/>
+            <a:rPr lang="en-US" sz="1600" kern="1200"/>
             <a:t>Data Driven Decision</a:t>
           </a:r>
         </a:p>
@@ -6348,7 +6612,7 @@
             <a:buNone/>
           </a:pPr>
           <a:r>
-            <a:rPr lang="en-US" sz="1600" kern="1200" dirty="0"/>
+            <a:rPr lang="en-US" sz="1600" kern="1200"/>
             <a:t>Data as a Service</a:t>
           </a:r>
         </a:p>
@@ -6366,7 +6630,7 @@
             <a:buNone/>
           </a:pPr>
           <a:r>
-            <a:rPr lang="en-US" sz="1600" kern="1200" dirty="0"/>
+            <a:rPr lang="en-US" sz="1600" kern="1200"/>
             <a:t>Business Value with Data and AI</a:t>
           </a:r>
         </a:p>
@@ -6384,7 +6648,7 @@
             <a:buNone/>
           </a:pPr>
           <a:r>
-            <a:rPr lang="en-US" sz="1600" kern="1200" dirty="0"/>
+            <a:rPr lang="en-US" sz="1600" kern="1200"/>
             <a:t>Revenue based Data and AI Insights</a:t>
           </a:r>
         </a:p>
@@ -6402,7 +6666,7 @@
             <a:buNone/>
           </a:pPr>
           <a:r>
-            <a:rPr lang="en-US" sz="1600" kern="1200" dirty="0"/>
+            <a:rPr lang="en-US" sz="1600" kern="1200"/>
             <a:t>Business Data model</a:t>
           </a:r>
         </a:p>
@@ -6420,7 +6684,7 @@
             <a:buNone/>
           </a:pPr>
           <a:r>
-            <a:rPr lang="en-US" sz="1600" kern="1200" dirty="0"/>
+            <a:rPr lang="en-US" sz="1600" kern="1200"/>
             <a:t>Data Sharing for Revenue</a:t>
           </a:r>
         </a:p>
@@ -6438,7 +6702,7 @@
             <a:buNone/>
           </a:pPr>
           <a:r>
-            <a:rPr lang="en-US" sz="1600" kern="1200" dirty="0"/>
+            <a:rPr lang="en-US" sz="1600" kern="1200"/>
             <a:t>Data Asset tracking</a:t>
           </a:r>
         </a:p>
@@ -6456,7 +6720,7 @@
             <a:buNone/>
           </a:pPr>
           <a:r>
-            <a:rPr lang="en-US" sz="1600" kern="1200" dirty="0"/>
+            <a:rPr lang="en-US" sz="1600" kern="1200"/>
             <a:t>Data auditing and compliance for legal requirements</a:t>
           </a:r>
         </a:p>
@@ -6474,7 +6738,7 @@
             <a:buNone/>
           </a:pPr>
           <a:r>
-            <a:rPr lang="en-US" sz="1600" kern="1200" dirty="0"/>
+            <a:rPr lang="en-US" sz="1600" kern="1200"/>
             <a:t>Self Service Data Science</a:t>
           </a:r>
         </a:p>
@@ -6492,7 +6756,7 @@
             <a:buNone/>
           </a:pPr>
           <a:r>
-            <a:rPr lang="en-US" sz="1600" kern="1200" dirty="0"/>
+            <a:rPr lang="en-US" sz="1600" kern="1200"/>
             <a:t>Customer centric Value</a:t>
           </a:r>
         </a:p>
@@ -6510,7 +6774,7 @@
             <a:buNone/>
           </a:pPr>
           <a:r>
-            <a:rPr lang="en-US" sz="1600" kern="1200" dirty="0"/>
+            <a:rPr lang="en-US" sz="1600" kern="1200"/>
             <a:t>Data to Drive business</a:t>
           </a:r>
         </a:p>
@@ -6528,7 +6792,7 @@
             <a:buNone/>
           </a:pPr>
           <a:r>
-            <a:rPr lang="en-US" sz="1600" kern="1200" dirty="0"/>
+            <a:rPr lang="en-US" sz="1600" kern="1200"/>
             <a:t>Data Governance Strategy</a:t>
           </a:r>
         </a:p>
@@ -6549,7 +6813,6 @@
             <a:rPr lang="en-US" sz="1600" kern="1200"/>
             <a:t>Data Security/MDM</a:t>
           </a:r>
-          <a:endParaRPr lang="en-US" sz="1600" kern="1200" dirty="0"/>
         </a:p>
       </dsp:txBody>
       <dsp:txXfrm>
@@ -6637,7 +6900,7 @@
             <a:buNone/>
           </a:pPr>
           <a:r>
-            <a:rPr lang="en-US" sz="1900" kern="1200" dirty="0"/>
+            <a:rPr lang="en-US" sz="1900" kern="1200"/>
             <a:t>1</a:t>
           </a:r>
         </a:p>
@@ -6715,7 +6978,7 @@
             <a:buNone/>
           </a:pPr>
           <a:r>
-            <a:rPr lang="en-US" sz="1900" kern="1200" dirty="0"/>
+            <a:rPr lang="en-US" sz="1900" kern="1200"/>
             <a:t>1-3</a:t>
           </a:r>
         </a:p>
@@ -6793,7 +7056,7 @@
             <a:buNone/>
           </a:pPr>
           <a:r>
-            <a:rPr lang="en-US" sz="1900" kern="1200" dirty="0"/>
+            <a:rPr lang="en-US" sz="1900" kern="1200"/>
             <a:t>1-5</a:t>
           </a:r>
         </a:p>
@@ -6918,7 +7181,7 @@
             <a:buNone/>
           </a:pPr>
           <a:r>
-            <a:rPr lang="en-US" sz="1500" kern="1200" dirty="0"/>
+            <a:rPr lang="en-US" sz="1500" kern="1200"/>
             <a:t>RPA with AI</a:t>
           </a:r>
         </a:p>
@@ -6936,7 +7199,7 @@
             <a:buNone/>
           </a:pPr>
           <a:r>
-            <a:rPr lang="en-US" sz="1500" kern="1200" dirty="0"/>
+            <a:rPr lang="en-US" sz="1500" kern="1200"/>
             <a:t>Cognitive AI</a:t>
           </a:r>
         </a:p>
@@ -6954,7 +7217,7 @@
             <a:buNone/>
           </a:pPr>
           <a:r>
-            <a:rPr lang="en-US" sz="1500" kern="1200" dirty="0"/>
+            <a:rPr lang="en-US" sz="1500" kern="1200"/>
             <a:t>Demand Forecasting</a:t>
           </a:r>
         </a:p>
@@ -6972,7 +7235,7 @@
             <a:buNone/>
           </a:pPr>
           <a:r>
-            <a:rPr lang="en-US" sz="1500" kern="1200" dirty="0"/>
+            <a:rPr lang="en-US" sz="1500" kern="1200"/>
             <a:t>Conversational UI</a:t>
           </a:r>
         </a:p>
@@ -6990,7 +7253,7 @@
             <a:buNone/>
           </a:pPr>
           <a:r>
-            <a:rPr lang="en-US" sz="1500" kern="1200" dirty="0"/>
+            <a:rPr lang="en-US" sz="1500" kern="1200"/>
             <a:t>AI Strategy</a:t>
           </a:r>
         </a:p>
@@ -7008,7 +7271,7 @@
             <a:buNone/>
           </a:pPr>
           <a:r>
-            <a:rPr lang="en-US" sz="1500" kern="1200" dirty="0"/>
+            <a:rPr lang="en-US" sz="1500" kern="1200"/>
             <a:t>AI Insights Organization Design/Process/Support</a:t>
           </a:r>
         </a:p>
@@ -7026,7 +7289,7 @@
             <a:buNone/>
           </a:pPr>
           <a:r>
-            <a:rPr lang="en-US" sz="1500" kern="1200" dirty="0"/>
+            <a:rPr lang="en-US" sz="1500" kern="1200"/>
             <a:t>AI Tools Strategy</a:t>
           </a:r>
         </a:p>
@@ -7191,7 +7454,7 @@
             <a:buNone/>
           </a:pPr>
           <a:r>
-            <a:rPr lang="en-US" sz="1600" kern="1200" dirty="0"/>
+            <a:rPr lang="en-US" sz="1600" kern="1200"/>
             <a:t>AI Driven Decision Making</a:t>
           </a:r>
         </a:p>
@@ -7209,7 +7472,7 @@
             <a:buNone/>
           </a:pPr>
           <a:r>
-            <a:rPr lang="en-US" sz="1600" kern="1200" dirty="0"/>
+            <a:rPr lang="en-US" sz="1600" kern="1200"/>
             <a:t>AI Governance and Security Model</a:t>
           </a:r>
         </a:p>
@@ -7227,7 +7490,7 @@
             <a:buNone/>
           </a:pPr>
           <a:r>
-            <a:rPr lang="en-US" sz="1600" kern="1200" dirty="0"/>
+            <a:rPr lang="en-US" sz="1600" kern="1200"/>
             <a:t>AI Insights creation</a:t>
           </a:r>
         </a:p>
@@ -7245,7 +7508,7 @@
             <a:buNone/>
           </a:pPr>
           <a:r>
-            <a:rPr lang="en-US" sz="1600" kern="1200" dirty="0"/>
+            <a:rPr lang="en-US" sz="1600" kern="1200"/>
             <a:t>AI Insights organization design, Process/Support</a:t>
           </a:r>
         </a:p>
@@ -7263,7 +7526,7 @@
             <a:buNone/>
           </a:pPr>
           <a:r>
-            <a:rPr lang="en-US" sz="1600" kern="1200" dirty="0"/>
+            <a:rPr lang="en-US" sz="1600" kern="1200"/>
             <a:t>ML/DL Governance</a:t>
           </a:r>
         </a:p>
@@ -7281,7 +7544,7 @@
             <a:buNone/>
           </a:pPr>
           <a:r>
-            <a:rPr lang="en-US" sz="1600" kern="1200" dirty="0"/>
+            <a:rPr lang="en-US" sz="1600" kern="1200"/>
             <a:t>Cognitive AI Governance</a:t>
           </a:r>
         </a:p>
@@ -7299,7 +7562,7 @@
             <a:buNone/>
           </a:pPr>
           <a:r>
-            <a:rPr lang="en-US" sz="1600" kern="1200" dirty="0"/>
+            <a:rPr lang="en-US" sz="1600" kern="1200"/>
             <a:t>Process Improvement – AI</a:t>
           </a:r>
         </a:p>
@@ -7317,7 +7580,7 @@
             <a:buNone/>
           </a:pPr>
           <a:r>
-            <a:rPr lang="en-US" sz="1600" kern="1200" dirty="0"/>
+            <a:rPr lang="en-US" sz="1600" kern="1200"/>
             <a:t>Conversation UI</a:t>
           </a:r>
         </a:p>
@@ -7335,7 +7598,7 @@
             <a:buNone/>
           </a:pPr>
           <a:r>
-            <a:rPr lang="en-US" sz="1600" kern="1200" dirty="0"/>
+            <a:rPr lang="en-US" sz="1600" kern="1200"/>
             <a:t>Pre-Built AI Tools- business domain</a:t>
           </a:r>
         </a:p>
@@ -7352,7 +7615,7 @@
             </a:spcAft>
             <a:buNone/>
           </a:pPr>
-          <a:endParaRPr lang="en-US" sz="1400" kern="1200" dirty="0"/>
+          <a:endParaRPr lang="en-US" sz="1400" kern="1200"/>
         </a:p>
       </dsp:txBody>
       <dsp:txXfrm>
@@ -7515,7 +7778,7 @@
             <a:buNone/>
           </a:pPr>
           <a:r>
-            <a:rPr lang="en-US" sz="1600" kern="1200" dirty="0"/>
+            <a:rPr lang="en-US" sz="1600" kern="1200"/>
             <a:t>AI Driven decision making</a:t>
           </a:r>
         </a:p>
@@ -7533,7 +7796,7 @@
             <a:buNone/>
           </a:pPr>
           <a:r>
-            <a:rPr lang="en-US" sz="1600" kern="1200" dirty="0"/>
+            <a:rPr lang="en-US" sz="1600" kern="1200"/>
             <a:t>AI Driven Actions</a:t>
           </a:r>
         </a:p>
@@ -7551,7 +7814,7 @@
             <a:buNone/>
           </a:pPr>
           <a:r>
-            <a:rPr lang="en-US" sz="1600" kern="1200" dirty="0"/>
+            <a:rPr lang="en-US" sz="1600" kern="1200"/>
             <a:t>AI Driven Service – Revenue model</a:t>
           </a:r>
         </a:p>
@@ -7569,7 +7832,7 @@
             <a:buNone/>
           </a:pPr>
           <a:r>
-            <a:rPr lang="en-US" sz="1600" kern="1200" dirty="0"/>
+            <a:rPr lang="en-US" sz="1600" kern="1200"/>
             <a:t>AI Governance and Security</a:t>
           </a:r>
         </a:p>
@@ -7587,7 +7850,7 @@
             <a:buNone/>
           </a:pPr>
           <a:r>
-            <a:rPr lang="en-US" sz="1600" kern="1200" dirty="0"/>
+            <a:rPr lang="en-US" sz="1600" kern="1200"/>
             <a:t>Process Improvement – AI</a:t>
           </a:r>
         </a:p>
@@ -7605,7 +7868,7 @@
             <a:buNone/>
           </a:pPr>
           <a:r>
-            <a:rPr lang="en-US" sz="1600" kern="1200" dirty="0"/>
+            <a:rPr lang="en-US" sz="1600" kern="1200"/>
             <a:t>AI Optimization</a:t>
           </a:r>
         </a:p>
@@ -7623,7 +7886,7 @@
             <a:buNone/>
           </a:pPr>
           <a:r>
-            <a:rPr lang="en-US" sz="1600" kern="1200" dirty="0"/>
+            <a:rPr lang="en-US" sz="1600" kern="1200"/>
             <a:t>AI Tools – Business Domain</a:t>
           </a:r>
         </a:p>
@@ -7641,7 +7904,7 @@
             <a:buNone/>
           </a:pPr>
           <a:r>
-            <a:rPr lang="en-US" sz="1600" kern="1200" dirty="0"/>
+            <a:rPr lang="en-US" sz="1600" kern="1200"/>
             <a:t>Build AI services</a:t>
           </a:r>
         </a:p>
@@ -7658,7 +7921,7 @@
             </a:spcAft>
             <a:buNone/>
           </a:pPr>
-          <a:endParaRPr lang="en-US" sz="1200" kern="1200" dirty="0"/>
+          <a:endParaRPr lang="en-US" sz="1200" kern="1200"/>
         </a:p>
         <a:p>
           <a:pPr marL="0" lvl="0" indent="0" algn="l" defTabSz="711200">
@@ -7673,7 +7936,7 @@
             </a:spcAft>
             <a:buNone/>
           </a:pPr>
-          <a:endParaRPr lang="en-US" sz="1200" kern="1200" dirty="0"/>
+          <a:endParaRPr lang="en-US" sz="1200" kern="1200"/>
         </a:p>
       </dsp:txBody>
       <dsp:txXfrm>
@@ -7761,7 +8024,7 @@
             <a:buNone/>
           </a:pPr>
           <a:r>
-            <a:rPr lang="en-US" sz="1900" kern="1200" dirty="0"/>
+            <a:rPr lang="en-US" sz="1900" kern="1200"/>
             <a:t>1</a:t>
           </a:r>
         </a:p>
@@ -7839,7 +8102,7 @@
             <a:buNone/>
           </a:pPr>
           <a:r>
-            <a:rPr lang="en-US" sz="1900" kern="1200" dirty="0"/>
+            <a:rPr lang="en-US" sz="1900" kern="1200"/>
             <a:t>1-3</a:t>
           </a:r>
         </a:p>
@@ -7917,7 +8180,7 @@
             <a:buNone/>
           </a:pPr>
           <a:r>
-            <a:rPr lang="en-US" sz="1900" kern="1200" dirty="0"/>
+            <a:rPr lang="en-US" sz="1900" kern="1200"/>
             <a:t>1-5</a:t>
           </a:r>
         </a:p>
@@ -15106,7 +15369,7 @@
           <a:p>
             <a:fld id="{08F82613-80F1-417B-8FAD-8EE15CD28668}" type="datetimeFigureOut">
               <a:rPr lang="en-US" smtClean="0"/>
-              <a:t>5/3/2021</a:t>
+              <a:t>5/14/2021</a:t>
             </a:fld>
             <a:endParaRPr lang="en-US"/>
           </a:p>
@@ -15506,6 +15769,9 @@
               <a:t>CAO – Chief Analytics Officer</a:t>
             </a:r>
           </a:p>
+          <a:p>
+            <a:endParaRPr lang="en-US" dirty="0"/>
+          </a:p>
         </p:txBody>
       </p:sp>
       <p:sp>
@@ -15523,18 +15789,78 @@
           <a:bodyPr/>
           <a:lstStyle/>
           <a:p>
+            <a:pPr marL="0" marR="0" lvl="0" indent="0" algn="r" defTabSz="914400" rtl="0" eaLnBrk="1" fontAlgn="auto" latinLnBrk="0" hangingPunct="1">
+              <a:lnSpc>
+                <a:spcPct val="100000"/>
+              </a:lnSpc>
+              <a:spcBef>
+                <a:spcPts val="0"/>
+              </a:spcBef>
+              <a:spcAft>
+                <a:spcPts val="0"/>
+              </a:spcAft>
+              <a:buClrTx/>
+              <a:buSzTx/>
+              <a:buFontTx/>
+              <a:buNone/>
+              <a:tabLst/>
+              <a:defRPr/>
+            </a:pPr>
             <a:fld id="{8EF9B5A4-07C2-4C79-8DD9-C07F21C11DE3}" type="slidenum">
-              <a:rPr lang="en-US" smtClean="0"/>
-              <a:t>2</a:t>
+              <a:rPr kumimoji="0" lang="en-US" sz="1200" b="0" i="0" u="none" strike="noStrike" kern="1200" cap="none" spc="0" normalizeH="0" baseline="0" noProof="0" smtClean="0">
+                <a:ln>
+                  <a:noFill/>
+                </a:ln>
+                <a:solidFill>
+                  <a:prstClr val="black"/>
+                </a:solidFill>
+                <a:effectLst/>
+                <a:uLnTx/>
+                <a:uFillTx/>
+                <a:latin typeface="Calibri" panose="020F0502020204030204"/>
+                <a:ea typeface="+mn-ea"/>
+                <a:cs typeface="+mn-cs"/>
+              </a:rPr>
+              <a:pPr marL="0" marR="0" lvl="0" indent="0" algn="r" defTabSz="914400" rtl="0" eaLnBrk="1" fontAlgn="auto" latinLnBrk="0" hangingPunct="1">
+                <a:lnSpc>
+                  <a:spcPct val="100000"/>
+                </a:lnSpc>
+                <a:spcBef>
+                  <a:spcPts val="0"/>
+                </a:spcBef>
+                <a:spcAft>
+                  <a:spcPts val="0"/>
+                </a:spcAft>
+                <a:buClrTx/>
+                <a:buSzTx/>
+                <a:buFontTx/>
+                <a:buNone/>
+                <a:tabLst/>
+                <a:defRPr/>
+              </a:pPr>
+              <a:t>3</a:t>
             </a:fld>
-            <a:endParaRPr lang="en-US"/>
+            <a:endParaRPr kumimoji="0" lang="en-US" sz="1200" b="0" i="0" u="none" strike="noStrike" kern="1200" cap="none" spc="0" normalizeH="0" baseline="0" noProof="0">
+              <a:ln>
+                <a:noFill/>
+              </a:ln>
+              <a:solidFill>
+                <a:prstClr val="black"/>
+              </a:solidFill>
+              <a:effectLst/>
+              <a:uLnTx/>
+              <a:uFillTx/>
+              <a:latin typeface="Calibri" panose="020F0502020204030204"/>
+              <a:ea typeface="+mn-ea"/>
+              <a:cs typeface="+mn-cs"/>
+            </a:endParaRPr>
           </a:p>
         </p:txBody>
       </p:sp>
     </p:spTree>
     <p:extLst>
       <p:ext uri="{BB962C8B-B14F-4D97-AF65-F5344CB8AC3E}">
-        <p14:creationId xmlns:p14="http://schemas.microsoft.com/office/powerpoint/2010/main" val="1480223154"/>
+        <p14:creationId xmlns:p14="http://schemas.microsoft.com/office/powerpoint/2010/main" val="3028598637"/>
       </p:ext>
     </p:extLst>
   </p:cSld>
@@ -15588,14 +15914,84 @@
           <a:bodyPr/>
           <a:lstStyle/>
           <a:p>
+            <a:r>
+              <a:rPr lang="en-US">
+                <a:latin typeface="Segoe UI"/>
+                <a:cs typeface="Segoe UI"/>
+              </a:rPr>
+              <a:t>CDO's vision is to</a:t>
+            </a:r>
+            <a:r>
+              <a:rPr lang="en-US" b="0" i="0">
+                <a:effectLst/>
+                <a:latin typeface="Segoe UI"/>
+                <a:cs typeface="Segoe UI"/>
+              </a:rPr>
+              <a:t> </a:t>
+            </a:r>
+            <a:r>
+              <a:rPr lang="en-US">
+                <a:latin typeface="Segoe UI"/>
+                <a:cs typeface="Segoe UI"/>
+              </a:rPr>
+              <a:t>establish</a:t>
+            </a:r>
+            <a:r>
+              <a:rPr lang="en-US" b="0" i="0">
+                <a:effectLst/>
+                <a:latin typeface="Segoe UI"/>
+                <a:cs typeface="Segoe UI"/>
+              </a:rPr>
+              <a:t> a centralized organization to manage and create data assets-based business for future. </a:t>
+            </a:r>
+            <a:r>
+              <a:rPr lang="en-US">
+                <a:latin typeface="Segoe UI"/>
+                <a:cs typeface="Segoe UI"/>
+              </a:rPr>
+              <a:t>There is</a:t>
+            </a:r>
+            <a:r>
+              <a:rPr lang="en-US" b="0" i="0">
+                <a:effectLst/>
+                <a:latin typeface="Segoe UI"/>
+                <a:cs typeface="Segoe UI"/>
+              </a:rPr>
+              <a:t> also emphasis on Self service BI, Data driven Decision making and Advanced analytics like Machine learning or Artificial Intelligence</a:t>
+            </a:r>
+          </a:p>
+          <a:p>
             <a:pPr algn="l"/>
+            <a:endParaRPr lang="en-US" b="0" i="0" dirty="0">
+              <a:effectLst/>
+              <a:latin typeface="Segoe UI" panose="020B0502040204020203" pitchFamily="34" charset="0"/>
+            </a:endParaRPr>
+          </a:p>
+          <a:p>
+            <a:pPr marL="285750" marR="0" lvl="0" indent="-285750" algn="l" defTabSz="914400" rtl="0" eaLnBrk="1" fontAlgn="auto" latinLnBrk="0" hangingPunct="1">
+              <a:lnSpc>
+                <a:spcPct val="100000"/>
+              </a:lnSpc>
+              <a:spcBef>
+                <a:spcPts val="0"/>
+              </a:spcBef>
+              <a:spcAft>
+                <a:spcPts val="0"/>
+              </a:spcAft>
+              <a:buClrTx/>
+              <a:buSzTx/>
+              <a:buFont typeface="Arial"/>
+              <a:buChar char="•"/>
+              <a:tabLst/>
+              <a:defRPr/>
+            </a:pPr>
             <a:r>
-              <a:rPr lang="en-US" b="0" i="0" dirty="0">
-                <a:effectLst/>
-                <a:latin typeface="Segoe UI" panose="020B0502040204020203" pitchFamily="34" charset="0"/>
-              </a:rPr>
-              <a:t>CDO wants to setup a centralized organization to manage and create data assets-based business for future. This also emphasis on Self service BI, Data driven Decision making and Advanced analytics like Machine learning or Artificial Intelligence</a:t>
+              <a:rPr lang="en-US" sz="1200" dirty="0"/>
+              <a:t>Centralized governance and management</a:t>
             </a:r>
+            <a:endParaRPr lang="en-US" sz="1200">
+              <a:cs typeface="Calibri" panose="020F0502020204030204"/>
+            </a:endParaRPr>
           </a:p>
           <a:p>
             <a:pPr marL="171450" indent="-171450" algn="l">
@@ -15603,9 +15999,10 @@
               <a:buChar char="-"/>
             </a:pPr>
             <a:r>
-              <a:rPr lang="en-US" b="0" i="0" dirty="0">
+              <a:rPr lang="en-US" b="0" i="0">
                 <a:effectLst/>
-                <a:latin typeface="Segoe UI" panose="020B0502040204020203" pitchFamily="34" charset="0"/>
+                <a:latin typeface="Segoe UI"/>
+                <a:cs typeface="Segoe UI"/>
               </a:rPr>
               <a:t>Self service BI</a:t>
             </a:r>
@@ -15616,9 +16013,10 @@
               <a:buChar char="-"/>
             </a:pPr>
             <a:r>
-              <a:rPr lang="en-US" b="0" i="0" dirty="0">
+              <a:rPr lang="en-US" b="0" i="0">
                 <a:effectLst/>
-                <a:latin typeface="Segoe UI" panose="020B0502040204020203" pitchFamily="34" charset="0"/>
+                <a:latin typeface="Segoe UI"/>
+                <a:cs typeface="Segoe UI"/>
               </a:rPr>
               <a:t>Data Driven decision making</a:t>
             </a:r>
@@ -15629,9 +16027,10 @@
               <a:buChar char="-"/>
             </a:pPr>
             <a:r>
-              <a:rPr lang="en-US" b="0" i="0" dirty="0">
+              <a:rPr lang="en-US" b="0" i="0">
                 <a:effectLst/>
-                <a:latin typeface="Segoe UI" panose="020B0502040204020203" pitchFamily="34" charset="0"/>
+                <a:latin typeface="Segoe UI"/>
+                <a:cs typeface="Segoe UI"/>
               </a:rPr>
               <a:t>Machine learning/AI based Insights</a:t>
             </a:r>
@@ -15642,9 +16041,10 @@
               <a:buChar char="-"/>
             </a:pPr>
             <a:r>
-              <a:rPr lang="en-US" b="0" i="0" dirty="0">
+              <a:rPr lang="en-US" b="0" i="0">
                 <a:effectLst/>
-                <a:latin typeface="Segoe UI" panose="020B0502040204020203" pitchFamily="34" charset="0"/>
+                <a:latin typeface="Segoe UI"/>
+                <a:cs typeface="Segoe UI"/>
               </a:rPr>
               <a:t>Data asset-based revenue – internal and external</a:t>
             </a:r>
@@ -15655,9 +16055,10 @@
               <a:buChar char="-"/>
             </a:pPr>
             <a:r>
-              <a:rPr lang="en-US" b="0" i="0" dirty="0">
+              <a:rPr lang="en-US" b="0" i="0">
                 <a:effectLst/>
-                <a:latin typeface="Segoe UI" panose="020B0502040204020203" pitchFamily="34" charset="0"/>
+                <a:latin typeface="Segoe UI"/>
+                <a:cs typeface="Segoe UI"/>
               </a:rPr>
               <a:t>Becoming True intelligent organization</a:t>
             </a:r>
@@ -15670,41 +16071,272 @@
             </a:endParaRPr>
           </a:p>
           <a:p>
-            <a:pPr algn="l"/>
+            <a:pPr marL="285750" marR="0" lvl="0" indent="-285750" algn="l" defTabSz="914400" rtl="0" eaLnBrk="1" fontAlgn="auto" latinLnBrk="0" hangingPunct="1">
+              <a:lnSpc>
+                <a:spcPct val="100000"/>
+              </a:lnSpc>
+              <a:spcBef>
+                <a:spcPts val="0"/>
+              </a:spcBef>
+              <a:spcAft>
+                <a:spcPts val="0"/>
+              </a:spcAft>
+              <a:buClrTx/>
+              <a:buSzTx/>
+              <a:buFont typeface="Arial"/>
+              <a:buChar char="•"/>
+              <a:tabLst/>
+              <a:defRPr/>
+            </a:pPr>
             <a:r>
-              <a:rPr lang="en-US" b="0" i="0" dirty="0">
-                <a:effectLst/>
-                <a:latin typeface="Segoe UI" panose="020B0502040204020203" pitchFamily="34" charset="0"/>
+              <a:rPr lang="en-US" sz="1200" dirty="0"/>
+              <a:t>Set up organization for data:</a:t>
+            </a:r>
+            <a:endParaRPr lang="en-US">
+              <a:cs typeface="Calibri" panose="020F0502020204030204"/>
+            </a:endParaRPr>
+          </a:p>
+          <a:p>
+            <a:pPr>
+              <a:defRPr/>
+            </a:pPr>
+            <a:r>
+              <a:rPr lang="en-US">
+                <a:latin typeface="Segoe UI"/>
+                <a:cs typeface="Segoe UI"/>
               </a:rPr>
-              <a:t>Because we don't have that in Microsoft technically, we should also have a data support line to talk about all our </a:t>
+              <a:t>This involves </a:t>
             </a:r>
             <a:r>
-              <a:rPr lang="en-US" b="0" i="0" dirty="0" err="1">
+              <a:rPr lang="en-US" b="0" i="0">
                 <a:effectLst/>
-                <a:latin typeface="Segoe UI" panose="020B0502040204020203" pitchFamily="34" charset="0"/>
+                <a:latin typeface="Segoe UI"/>
+                <a:cs typeface="Segoe UI"/>
               </a:rPr>
-              <a:t>msx</a:t>
+              <a:t>figuring out how many teams, how many team members, their process and policy</a:t>
             </a:r>
             <a:r>
-              <a:rPr lang="en-US" b="0" i="0" dirty="0">
-                <a:effectLst/>
-                <a:latin typeface="Segoe UI" panose="020B0502040204020203" pitchFamily="34" charset="0"/>
+              <a:rPr lang="en-US">
+                <a:latin typeface="Segoe UI"/>
+                <a:cs typeface="Segoe UI"/>
               </a:rPr>
-              <a:t> reporting </a:t>
+              <a:t> such as </a:t>
             </a:r>
             <a:r>
-              <a:rPr lang="en-US" b="0" i="0" dirty="0" err="1">
+              <a:rPr lang="en-US" b="0" i="0">
                 <a:effectLst/>
-                <a:latin typeface="Segoe UI" panose="020B0502040204020203" pitchFamily="34" charset="0"/>
+                <a:latin typeface="Segoe UI"/>
+                <a:cs typeface="Segoe UI"/>
               </a:rPr>
-              <a:t>etc</a:t>
+              <a:t>ETL/ELT. </a:t>
+            </a:r>
+            <a:endParaRPr lang="en-US">
+              <a:latin typeface="Segoe UI"/>
+              <a:cs typeface="Segoe UI"/>
+            </a:endParaRPr>
+          </a:p>
+          <a:p>
+            <a:pPr>
+              <a:defRPr/>
+            </a:pPr>
+            <a:r>
+              <a:rPr lang="en-US">
+                <a:latin typeface="Segoe UI"/>
+                <a:cs typeface="Segoe UI"/>
+              </a:rPr>
+              <a:t>Teams could include ML</a:t>
             </a:r>
             <a:r>
-              <a:rPr lang="en-US" b="0" i="0" dirty="0">
+              <a:rPr lang="en-US" b="0" i="0">
                 <a:effectLst/>
-                <a:latin typeface="Segoe UI" panose="020B0502040204020203" pitchFamily="34" charset="0"/>
+                <a:latin typeface="Segoe UI"/>
+                <a:cs typeface="Segoe UI"/>
               </a:rPr>
-              <a:t> because we are data driven culture</a:t>
+              <a:t> engineering, Data scientists, Business Analyst team, compliance team, legal team </a:t>
+            </a:r>
+            <a:r>
+              <a:rPr lang="en-US">
+                <a:latin typeface="Segoe UI"/>
+                <a:cs typeface="Segoe UI"/>
+              </a:rPr>
+              <a:t>and</a:t>
+            </a:r>
+            <a:r>
+              <a:rPr lang="en-US" b="0" i="0">
+                <a:effectLst/>
+                <a:latin typeface="Segoe UI"/>
+                <a:cs typeface="Segoe UI"/>
+              </a:rPr>
+              <a:t> onboarding team</a:t>
+            </a:r>
+            <a:r>
+              <a:rPr lang="en-US">
+                <a:latin typeface="Segoe UI"/>
+                <a:cs typeface="Segoe UI"/>
+              </a:rPr>
+              <a:t>.</a:t>
+            </a:r>
+            <a:endParaRPr lang="en-US" b="0" i="0">
+              <a:effectLst/>
+              <a:latin typeface="Segoe UI"/>
+              <a:cs typeface="Segoe UI"/>
+            </a:endParaRPr>
+          </a:p>
+          <a:p>
+            <a:pPr>
+              <a:defRPr/>
+            </a:pPr>
+            <a:r>
+              <a:rPr lang="en-US">
+                <a:latin typeface="Segoe UI"/>
+                <a:cs typeface="Segoe UI"/>
+              </a:rPr>
+              <a:t>What we </a:t>
+            </a:r>
+            <a:r>
+              <a:rPr lang="en-US" b="0" i="0">
+                <a:effectLst/>
+                <a:latin typeface="Segoe UI"/>
+                <a:cs typeface="Segoe UI"/>
+              </a:rPr>
+              <a:t>see mostly is companies have their teams inside their data org </a:t>
+            </a:r>
+            <a:r>
+              <a:rPr lang="en-US">
+                <a:latin typeface="Segoe UI"/>
+                <a:cs typeface="Segoe UI"/>
+              </a:rPr>
+              <a:t>such as</a:t>
+            </a:r>
+            <a:r>
+              <a:rPr lang="en-US" b="0" i="0">
+                <a:effectLst/>
+                <a:latin typeface="Segoe UI"/>
+                <a:cs typeface="Segoe UI"/>
+              </a:rPr>
+              <a:t> </a:t>
+            </a:r>
+            <a:r>
+              <a:rPr lang="en-US">
+                <a:latin typeface="Segoe UI"/>
+                <a:cs typeface="Segoe UI"/>
+              </a:rPr>
+              <a:t>infrastructure</a:t>
+            </a:r>
+            <a:r>
+              <a:rPr lang="en-US" b="0" i="0">
+                <a:effectLst/>
+                <a:latin typeface="Segoe UI"/>
+                <a:cs typeface="Segoe UI"/>
+              </a:rPr>
+              <a:t>, security , firewall</a:t>
+            </a:r>
+            <a:r>
+              <a:rPr lang="en-US">
+                <a:latin typeface="Segoe UI"/>
+                <a:cs typeface="Segoe UI"/>
+              </a:rPr>
+              <a:t> and</a:t>
+            </a:r>
+            <a:r>
+              <a:rPr lang="en-US" b="0" i="0">
+                <a:effectLst/>
+                <a:latin typeface="Segoe UI"/>
+                <a:cs typeface="Segoe UI"/>
+              </a:rPr>
+              <a:t> identity are separate</a:t>
+            </a:r>
+            <a:r>
+              <a:rPr lang="en-US">
+                <a:latin typeface="Segoe UI"/>
+                <a:cs typeface="Segoe UI"/>
+              </a:rPr>
+              <a:t>.</a:t>
+            </a:r>
+            <a:endParaRPr lang="en-US" b="0" i="0">
+              <a:effectLst/>
+              <a:latin typeface="Segoe UI"/>
+              <a:cs typeface="Segoe UI"/>
+            </a:endParaRPr>
+          </a:p>
+          <a:p>
+            <a:pPr marL="0" marR="0" lvl="0" indent="0" algn="l" defTabSz="914400" rtl="0" eaLnBrk="1" fontAlgn="auto" latinLnBrk="0" hangingPunct="1">
+              <a:lnSpc>
+                <a:spcPct val="100000"/>
+              </a:lnSpc>
+              <a:spcBef>
+                <a:spcPts val="0"/>
+              </a:spcBef>
+              <a:spcAft>
+                <a:spcPts val="0"/>
+              </a:spcAft>
+              <a:buClrTx/>
+              <a:buSzTx/>
+              <a:buFontTx/>
+              <a:buNone/>
+              <a:tabLst/>
+              <a:defRPr/>
+            </a:pPr>
+            <a:endParaRPr lang="en-US" b="0" i="0" dirty="0">
+              <a:effectLst/>
+              <a:latin typeface="Segoe UI" panose="020B0502040204020203" pitchFamily="34" charset="0"/>
+            </a:endParaRPr>
+          </a:p>
+          <a:p>
+            <a:pPr marL="285750" indent="-285750">
+              <a:buFont typeface="Arial"/>
+              <a:buChar char="•"/>
+              <a:defRPr/>
+            </a:pPr>
+            <a:r>
+              <a:rPr lang="en-US" sz="1200" dirty="0"/>
+              <a:t>Set up platforms for data applications</a:t>
+            </a:r>
+            <a:r>
+              <a:rPr lang="en-US" sz="1200" b="0" i="0" dirty="0">
+                <a:effectLst/>
+                <a:latin typeface="+mn-lt"/>
+                <a:cs typeface="Calibri" panose="020F0502020204030204"/>
+              </a:rPr>
+              <a:t>:</a:t>
+            </a:r>
+            <a:r>
+              <a:rPr lang="en-US">
+                <a:cs typeface="Calibri" panose="020F0502020204030204"/>
+              </a:rPr>
+              <a:t> </a:t>
+            </a:r>
+            <a:endParaRPr lang="en-US" sz="1200" b="0" i="0">
+              <a:effectLst/>
+              <a:latin typeface="+mn-lt"/>
+              <a:cs typeface="Calibri" panose="020F0502020204030204"/>
+            </a:endParaRPr>
+          </a:p>
+          <a:p>
+            <a:pPr marL="0" marR="0" lvl="0" indent="0" algn="l" defTabSz="914400" rtl="0" eaLnBrk="1" fontAlgn="auto" latinLnBrk="0" hangingPunct="1">
+              <a:lnSpc>
+                <a:spcPct val="100000"/>
+              </a:lnSpc>
+              <a:spcBef>
+                <a:spcPts val="0"/>
+              </a:spcBef>
+              <a:spcAft>
+                <a:spcPts val="0"/>
+              </a:spcAft>
+              <a:buClrTx/>
+              <a:buSzTx/>
+              <a:buFontTx/>
+              <a:buNone/>
+              <a:tabLst/>
+              <a:defRPr/>
+            </a:pPr>
+            <a:r>
+              <a:rPr lang="en-US" sz="1200" b="0" i="0" dirty="0">
+                <a:effectLst/>
+                <a:latin typeface="+mn-lt"/>
+                <a:cs typeface="Calibri" panose="020F0502020204030204"/>
+              </a:rPr>
+              <a:t>Provide and acquire necessary technology for build a data organization. Also build skills internally to manage and operate.</a:t>
             </a:r>
           </a:p>
           <a:p>
@@ -15725,31 +16357,47 @@
               <a:tabLst/>
               <a:defRPr/>
             </a:pPr>
+            <a:endParaRPr lang="en-US" sz="1200" b="0" i="0" dirty="0">
+              <a:effectLst/>
+              <a:latin typeface="+mn-lt"/>
+              <a:cs typeface="Calibri" panose="020F0502020204030204"/>
+            </a:endParaRPr>
+          </a:p>
+          <a:p>
+            <a:pPr marL="285750" marR="0" lvl="0" indent="-285750" algn="l" defTabSz="914400" rtl="0" eaLnBrk="1" fontAlgn="auto" latinLnBrk="0" hangingPunct="1">
+              <a:lnSpc>
+                <a:spcPct val="100000"/>
+              </a:lnSpc>
+              <a:spcBef>
+                <a:spcPts val="0"/>
+              </a:spcBef>
+              <a:spcAft>
+                <a:spcPts val="0"/>
+              </a:spcAft>
+              <a:buClrTx/>
+              <a:buSzTx/>
+              <a:buFont typeface="Arial"/>
+              <a:buChar char="•"/>
+              <a:tabLst/>
+              <a:defRPr/>
+            </a:pPr>
             <a:r>
-              <a:rPr lang="en-US" b="0" i="0" dirty="0">
-                <a:effectLst/>
-                <a:latin typeface="Segoe UI" panose="020B0502040204020203" pitchFamily="34" charset="0"/>
-              </a:rPr>
-              <a:t>for example: </a:t>
+              <a:rPr lang="en-US" sz="1200" dirty="0"/>
+              <a:t>Provide data security and compliance</a:t>
             </a:r>
             <a:r>
-              <a:rPr lang="en-US" b="0" i="0" dirty="0" err="1">
+              <a:rPr lang="en-US" sz="1200" b="0" i="0" dirty="0">
                 <a:effectLst/>
-                <a:latin typeface="Segoe UI" panose="020B0502040204020203" pitchFamily="34" charset="0"/>
+                <a:latin typeface="+mn-lt"/>
+                <a:cs typeface="Calibri" panose="020F0502020204030204"/>
               </a:rPr>
-              <a:t>bala</a:t>
+              <a:t>:</a:t>
             </a:r>
-            <a:r>
-              <a:rPr lang="en-US" b="0" i="0" dirty="0">
-                <a:effectLst/>
-                <a:latin typeface="Segoe UI" panose="020B0502040204020203" pitchFamily="34" charset="0"/>
-              </a:rPr>
-              <a:t> is a business user i want to do report so asking a support folks what the process is, how to submit and then follow up instead me hunting and finding the right person and then managers have hunt to find details</a:t>
-            </a:r>
-            <a:endParaRPr lang="en-US" dirty="0"/>
-          </a:p>
-          <a:p>
-            <a:endParaRPr lang="en-US" dirty="0"/>
+            <a:endParaRPr lang="en-US" sz="1200" b="0" i="0">
+              <a:effectLst/>
+              <a:latin typeface="+mn-lt"/>
+              <a:cs typeface="Calibri" panose="020F0502020204030204"/>
+            </a:endParaRPr>
           </a:p>
           <a:p>
             <a:pPr marL="0" marR="0" lvl="0" indent="0" algn="l" defTabSz="914400" rtl="0" eaLnBrk="1" fontAlgn="auto" latinLnBrk="0" hangingPunct="1">
@@ -15770,12 +16418,241 @@
               <a:defRPr/>
             </a:pPr>
             <a:r>
+              <a:rPr lang="en-US" sz="1200" b="0" i="0" dirty="0">
+                <a:effectLst/>
+                <a:latin typeface="+mn-lt"/>
+                <a:cs typeface="Calibri" panose="020F0502020204030204"/>
+              </a:rPr>
+              <a:t>Provide Security and compliance standards for data driven applications and self service. Comply with various countries regulations on data.</a:t>
+            </a:r>
+            <a:endParaRPr lang="en-US" b="0" i="0" dirty="0">
+              <a:effectLst/>
+              <a:latin typeface="Segoe UI" panose="020B0502040204020203" pitchFamily="34" charset="0"/>
+            </a:endParaRPr>
+          </a:p>
+          <a:p>
+            <a:pPr algn="l"/>
+            <a:endParaRPr lang="en-US" b="0" i="0" dirty="0">
+              <a:effectLst/>
+              <a:latin typeface="Segoe UI" panose="020B0502040204020203" pitchFamily="34" charset="0"/>
+            </a:endParaRPr>
+          </a:p>
+          <a:p>
+            <a:pPr marL="285750" marR="0" lvl="0" indent="-285750" algn="l" defTabSz="914400" rtl="0" eaLnBrk="1" fontAlgn="auto" latinLnBrk="0" hangingPunct="1">
+              <a:lnSpc>
+                <a:spcPct val="100000"/>
+              </a:lnSpc>
+              <a:spcBef>
+                <a:spcPts val="0"/>
+              </a:spcBef>
+              <a:spcAft>
+                <a:spcPts val="0"/>
+              </a:spcAft>
+              <a:buClrTx/>
+              <a:buSzTx/>
+              <a:buFont typeface="Arial"/>
+              <a:buChar char="•"/>
+              <a:tabLst/>
+              <a:defRPr/>
+            </a:pPr>
+            <a:r>
+              <a:rPr lang="en-US" sz="1200" dirty="0"/>
+              <a:t>Establish customer support for data </a:t>
+            </a:r>
+            <a:r>
+              <a:rPr lang="en-US" sz="1200" b="0" i="0" dirty="0">
+                <a:effectLst/>
+                <a:latin typeface="+mn-lt"/>
+                <a:cs typeface="Calibri" panose="020F0502020204030204"/>
+              </a:rPr>
+              <a:t>:</a:t>
+            </a:r>
+            <a:endParaRPr lang="en-US" b="0" i="0">
+              <a:effectLst/>
+              <a:latin typeface="Segoe UI" panose="020B0502040204020203" pitchFamily="34" charset="0"/>
+              <a:cs typeface="Segoe UI" panose="020B0502040204020203" pitchFamily="34" charset="0"/>
+            </a:endParaRPr>
+          </a:p>
+          <a:p>
+            <a:r>
               <a:rPr lang="en-US" b="0" i="0" dirty="0">
                 <a:effectLst/>
-                <a:latin typeface="Segoe UI" panose="020B0502040204020203" pitchFamily="34" charset="0"/>
+                <a:latin typeface="Segoe UI"/>
+                <a:cs typeface="Segoe UI"/>
               </a:rPr>
-              <a:t>that is figuring out how many teams, how many team members, their process and policy</a:t>
+              <a:t>Because we don't have that in Microsoft technically, we should also have a data support line to talk about all our </a:t>
             </a:r>
+            <a:r>
+              <a:rPr lang="en-US" dirty="0">
+                <a:latin typeface="Segoe UI"/>
+                <a:cs typeface="Segoe UI"/>
+              </a:rPr>
+              <a:t>MSX reporting</a:t>
+            </a:r>
+            <a:r>
+              <a:rPr lang="en-US" b="0" i="0" dirty="0">
+                <a:effectLst/>
+                <a:latin typeface="Segoe UI"/>
+                <a:cs typeface="Segoe UI"/>
+              </a:rPr>
+              <a:t> etc</a:t>
+            </a:r>
+            <a:r>
+              <a:rPr lang="en-US" dirty="0">
+                <a:latin typeface="Segoe UI"/>
+                <a:cs typeface="Segoe UI"/>
+              </a:rPr>
+              <a:t>.</a:t>
+            </a:r>
+            <a:r>
+              <a:rPr lang="en-US" b="0" i="0" dirty="0">
+                <a:effectLst/>
+                <a:latin typeface="Segoe UI"/>
+                <a:cs typeface="Segoe UI"/>
+              </a:rPr>
+              <a:t> because we are data driven culture</a:t>
+            </a:r>
+            <a:r>
+              <a:rPr lang="en-US" dirty="0">
+                <a:latin typeface="Segoe UI"/>
+                <a:cs typeface="Segoe UI"/>
+              </a:rPr>
+              <a:t>. For </a:t>
+            </a:r>
+            <a:r>
+              <a:rPr lang="en-US" b="0" i="0" dirty="0">
+                <a:effectLst/>
+                <a:latin typeface="Segoe UI"/>
+                <a:cs typeface="Segoe UI"/>
+              </a:rPr>
+              <a:t>example: </a:t>
+            </a:r>
+            <a:r>
+              <a:rPr lang="en-US" dirty="0">
+                <a:latin typeface="Segoe UI"/>
+                <a:cs typeface="Segoe UI"/>
+              </a:rPr>
+              <a:t>Bala</a:t>
+            </a:r>
+            <a:r>
+              <a:rPr lang="en-US" b="0" i="0" dirty="0">
+                <a:effectLst/>
+                <a:latin typeface="Segoe UI"/>
+                <a:cs typeface="Segoe UI"/>
+              </a:rPr>
+              <a:t> is a business user</a:t>
+            </a:r>
+            <a:r>
+              <a:rPr lang="en-US" dirty="0">
+                <a:latin typeface="Segoe UI"/>
+                <a:cs typeface="Segoe UI"/>
+              </a:rPr>
+              <a:t>, he would like to create a</a:t>
+            </a:r>
+            <a:r>
+              <a:rPr lang="en-US" b="0" i="0" dirty="0">
+                <a:effectLst/>
+                <a:latin typeface="Segoe UI"/>
+                <a:cs typeface="Segoe UI"/>
+              </a:rPr>
+              <a:t> report</a:t>
+            </a:r>
+            <a:r>
+              <a:rPr lang="en-US" dirty="0">
+                <a:latin typeface="Segoe UI"/>
+                <a:cs typeface="Segoe UI"/>
+              </a:rPr>
+              <a:t>, </a:t>
+            </a:r>
+            <a:r>
+              <a:rPr lang="en-US" b="0" i="0" dirty="0">
+                <a:effectLst/>
+                <a:latin typeface="Segoe UI"/>
+                <a:cs typeface="Segoe UI"/>
+              </a:rPr>
+              <a:t>so</a:t>
+            </a:r>
+            <a:r>
+              <a:rPr lang="en-US" dirty="0">
+                <a:latin typeface="Segoe UI"/>
+                <a:cs typeface="Segoe UI"/>
+              </a:rPr>
+              <a:t> he would work with the</a:t>
+            </a:r>
+            <a:r>
+              <a:rPr lang="en-US" b="0" i="0" dirty="0">
+                <a:effectLst/>
+                <a:latin typeface="Segoe UI"/>
+                <a:cs typeface="Segoe UI"/>
+              </a:rPr>
+              <a:t> support folks</a:t>
+            </a:r>
+            <a:r>
+              <a:rPr lang="en-US" dirty="0">
+                <a:latin typeface="Segoe UI"/>
+                <a:cs typeface="Segoe UI"/>
+              </a:rPr>
+              <a:t> on</a:t>
+            </a:r>
+            <a:r>
+              <a:rPr lang="en-US" b="0" i="0" dirty="0">
+                <a:effectLst/>
+                <a:latin typeface="Segoe UI"/>
+                <a:cs typeface="Segoe UI"/>
+              </a:rPr>
+              <a:t> what the process is, how to submit and then follow up instead </a:t>
+            </a:r>
+            <a:r>
+              <a:rPr lang="en-US" dirty="0">
+                <a:latin typeface="Segoe UI"/>
+                <a:cs typeface="Segoe UI"/>
+              </a:rPr>
+              <a:t>of Bala</a:t>
+            </a:r>
+            <a:r>
+              <a:rPr lang="en-US" b="0" i="0" dirty="0">
+                <a:effectLst/>
+                <a:latin typeface="Segoe UI"/>
+                <a:cs typeface="Segoe UI"/>
+              </a:rPr>
+              <a:t> hunting and finding the right person and then managers have hunt to find details</a:t>
+            </a:r>
+            <a:r>
+              <a:rPr lang="en-US" dirty="0">
+                <a:latin typeface="Segoe UI"/>
+                <a:cs typeface="Segoe UI"/>
+              </a:rPr>
+              <a:t>.</a:t>
+            </a:r>
+          </a:p>
+          <a:p>
+            <a:endParaRPr lang="en-US" dirty="0"/>
+          </a:p>
+          <a:p>
+            <a:pPr marL="285750" marR="0" lvl="0" indent="-285750" algn="l" defTabSz="914400" rtl="0" eaLnBrk="1" fontAlgn="auto" latinLnBrk="0" hangingPunct="1">
+              <a:lnSpc>
+                <a:spcPct val="100000"/>
+              </a:lnSpc>
+              <a:spcBef>
+                <a:spcPts val="0"/>
+              </a:spcBef>
+              <a:spcAft>
+                <a:spcPts val="0"/>
+              </a:spcAft>
+              <a:buClrTx/>
+              <a:buSzTx/>
+              <a:buFont typeface="Arial"/>
+              <a:buChar char="•"/>
+              <a:tabLst/>
+              <a:defRPr/>
+            </a:pPr>
+            <a:r>
+              <a:rPr lang="en-US" sz="1200" dirty="0"/>
+              <a:t>Provide standards and guidance on Data solutions:</a:t>
+            </a:r>
+            <a:endParaRPr lang="en-US" sz="1200">
+              <a:cs typeface="Calibri"/>
+            </a:endParaRPr>
           </a:p>
           <a:p>
             <a:pPr marL="0" marR="0" lvl="0" indent="0" algn="l" defTabSz="914400" rtl="0" eaLnBrk="1" fontAlgn="auto" latinLnBrk="0" hangingPunct="1">
@@ -15796,41 +16673,20 @@
               <a:defRPr/>
             </a:pPr>
             <a:r>
-              <a:rPr lang="en-US" b="0" i="0" dirty="0">
-                <a:effectLst/>
-                <a:latin typeface="Segoe UI" panose="020B0502040204020203" pitchFamily="34" charset="0"/>
+              <a:rPr lang="en-US" sz="1200" dirty="0">
+                <a:cs typeface="Calibri"/>
               </a:rPr>
-              <a:t>like ETL/ELT. ML engineering, Data scientists, Business Analyst team, compliance team, legal team , onboarding team</a:t>
+              <a:t>Provide Process, policy on how to onboard and develop data driven applications adhere to enterprise standards</a:t>
             </a:r>
-          </a:p>
-          <a:p>
-            <a:pPr marL="0" marR="0" lvl="0" indent="0" algn="l" defTabSz="914400" rtl="0" eaLnBrk="1" fontAlgn="auto" latinLnBrk="0" hangingPunct="1">
-              <a:lnSpc>
-                <a:spcPct val="100000"/>
-              </a:lnSpc>
-              <a:spcBef>
-                <a:spcPts val="0"/>
-              </a:spcBef>
-              <a:spcAft>
-                <a:spcPts val="0"/>
-              </a:spcAft>
-              <a:buClrTx/>
-              <a:buSzTx/>
-              <a:buFontTx/>
-              <a:buNone/>
-              <a:tabLst/>
-              <a:defRPr/>
-            </a:pPr>
             <a:r>
-              <a:rPr lang="en-US" b="0" i="0" dirty="0">
-                <a:effectLst/>
-                <a:latin typeface="Segoe UI" panose="020B0502040204020203" pitchFamily="34" charset="0"/>
+              <a:rPr lang="en-US">
+                <a:cs typeface="Calibri"/>
               </a:rPr>
-              <a:t>what i see mostly is companies have their teams inside their data org like how infra, security , firewall, identity are separate</a:t>
+              <a:t>.</a:t>
             </a:r>
-          </a:p>
-          <a:p>
-            <a:endParaRPr lang="en-US" dirty="0"/>
+            <a:endParaRPr lang="en-US" sz="1200" dirty="0">
+              <a:cs typeface="Calibri"/>
+            </a:endParaRPr>
           </a:p>
         </p:txBody>
       </p:sp>
@@ -15849,11 +16705,71 @@
           <a:bodyPr/>
           <a:lstStyle/>
           <a:p>
+            <a:pPr marL="0" marR="0" lvl="0" indent="0" algn="r" defTabSz="914400" rtl="0" eaLnBrk="1" fontAlgn="auto" latinLnBrk="0" hangingPunct="1">
+              <a:lnSpc>
+                <a:spcPct val="100000"/>
+              </a:lnSpc>
+              <a:spcBef>
+                <a:spcPts val="0"/>
+              </a:spcBef>
+              <a:spcAft>
+                <a:spcPts val="0"/>
+              </a:spcAft>
+              <a:buClrTx/>
+              <a:buSzTx/>
+              <a:buFontTx/>
+              <a:buNone/>
+              <a:tabLst/>
+              <a:defRPr/>
+            </a:pPr>
             <a:fld id="{8EF9B5A4-07C2-4C79-8DD9-C07F21C11DE3}" type="slidenum">
-              <a:rPr lang="en-US" smtClean="0"/>
-              <a:t>3</a:t>
+              <a:rPr kumimoji="0" lang="en-US" sz="1200" b="0" i="0" u="none" strike="noStrike" kern="1200" cap="none" spc="0" normalizeH="0" baseline="0" noProof="0" smtClean="0">
+                <a:ln>
+                  <a:noFill/>
+                </a:ln>
+                <a:solidFill>
+                  <a:prstClr val="black"/>
+                </a:solidFill>
+                <a:effectLst/>
+                <a:uLnTx/>
+                <a:uFillTx/>
+                <a:latin typeface="Calibri" panose="020F0502020204030204"/>
+                <a:ea typeface="+mn-ea"/>
+                <a:cs typeface="+mn-cs"/>
+              </a:rPr>
+              <a:pPr marL="0" marR="0" lvl="0" indent="0" algn="r" defTabSz="914400" rtl="0" eaLnBrk="1" fontAlgn="auto" latinLnBrk="0" hangingPunct="1">
+                <a:lnSpc>
+                  <a:spcPct val="100000"/>
+                </a:lnSpc>
+                <a:spcBef>
+                  <a:spcPts val="0"/>
+                </a:spcBef>
+                <a:spcAft>
+                  <a:spcPts val="0"/>
+                </a:spcAft>
+                <a:buClrTx/>
+                <a:buSzTx/>
+                <a:buFontTx/>
+                <a:buNone/>
+                <a:tabLst/>
+                <a:defRPr/>
+              </a:pPr>
+              <a:t>4</a:t>
             </a:fld>
-            <a:endParaRPr lang="en-US"/>
+            <a:endParaRPr kumimoji="0" lang="en-US" sz="1200" b="0" i="0" u="none" strike="noStrike" kern="1200" cap="none" spc="0" normalizeH="0" baseline="0" noProof="0">
+              <a:ln>
+                <a:noFill/>
+              </a:ln>
+              <a:solidFill>
+                <a:prstClr val="black"/>
+              </a:solidFill>
+              <a:effectLst/>
+              <a:uLnTx/>
+              <a:uFillTx/>
+              <a:latin typeface="Calibri" panose="020F0502020204030204"/>
+              <a:ea typeface="+mn-ea"/>
+              <a:cs typeface="+mn-cs"/>
+            </a:endParaRPr>
           </a:p>
         </p:txBody>
       </p:sp>
@@ -15958,6 +16874,9 @@
               <a:t>The above model can target any use case for their current needs and future needs </a:t>
             </a:r>
           </a:p>
+          <a:p>
+            <a:endParaRPr lang="en-US" dirty="0"/>
+          </a:p>
         </p:txBody>
       </p:sp>
       <p:sp>
@@ -15975,18 +16894,78 @@
           <a:bodyPr/>
           <a:lstStyle/>
           <a:p>
+            <a:pPr marL="0" marR="0" lvl="0" indent="0" algn="r" defTabSz="914400" rtl="0" eaLnBrk="1" fontAlgn="auto" latinLnBrk="0" hangingPunct="1">
+              <a:lnSpc>
+                <a:spcPct val="100000"/>
+              </a:lnSpc>
+              <a:spcBef>
+                <a:spcPts val="0"/>
+              </a:spcBef>
+              <a:spcAft>
+                <a:spcPts val="0"/>
+              </a:spcAft>
+              <a:buClrTx/>
+              <a:buSzTx/>
+              <a:buFontTx/>
+              <a:buNone/>
+              <a:tabLst/>
+              <a:defRPr/>
+            </a:pPr>
             <a:fld id="{8EF9B5A4-07C2-4C79-8DD9-C07F21C11DE3}" type="slidenum">
-              <a:rPr lang="en-US" smtClean="0"/>
-              <a:t>4</a:t>
+              <a:rPr kumimoji="0" lang="en-US" sz="1200" b="0" i="0" u="none" strike="noStrike" kern="1200" cap="none" spc="0" normalizeH="0" baseline="0" noProof="0" smtClean="0">
+                <a:ln>
+                  <a:noFill/>
+                </a:ln>
+                <a:solidFill>
+                  <a:prstClr val="black"/>
+                </a:solidFill>
+                <a:effectLst/>
+                <a:uLnTx/>
+                <a:uFillTx/>
+                <a:latin typeface="Calibri" panose="020F0502020204030204"/>
+                <a:ea typeface="+mn-ea"/>
+                <a:cs typeface="+mn-cs"/>
+              </a:rPr>
+              <a:pPr marL="0" marR="0" lvl="0" indent="0" algn="r" defTabSz="914400" rtl="0" eaLnBrk="1" fontAlgn="auto" latinLnBrk="0" hangingPunct="1">
+                <a:lnSpc>
+                  <a:spcPct val="100000"/>
+                </a:lnSpc>
+                <a:spcBef>
+                  <a:spcPts val="0"/>
+                </a:spcBef>
+                <a:spcAft>
+                  <a:spcPts val="0"/>
+                </a:spcAft>
+                <a:buClrTx/>
+                <a:buSzTx/>
+                <a:buFontTx/>
+                <a:buNone/>
+                <a:tabLst/>
+                <a:defRPr/>
+              </a:pPr>
+              <a:t>5</a:t>
             </a:fld>
-            <a:endParaRPr lang="en-US"/>
+            <a:endParaRPr kumimoji="0" lang="en-US" sz="1200" b="0" i="0" u="none" strike="noStrike" kern="1200" cap="none" spc="0" normalizeH="0" baseline="0" noProof="0">
+              <a:ln>
+                <a:noFill/>
+              </a:ln>
+              <a:solidFill>
+                <a:prstClr val="black"/>
+              </a:solidFill>
+              <a:effectLst/>
+              <a:uLnTx/>
+              <a:uFillTx/>
+              <a:latin typeface="Calibri" panose="020F0502020204030204"/>
+              <a:ea typeface="+mn-ea"/>
+              <a:cs typeface="+mn-cs"/>
+            </a:endParaRPr>
           </a:p>
         </p:txBody>
       </p:sp>
     </p:spTree>
     <p:extLst>
       <p:ext uri="{BB962C8B-B14F-4D97-AF65-F5344CB8AC3E}">
-        <p14:creationId xmlns:p14="http://schemas.microsoft.com/office/powerpoint/2010/main" val="371450041"/>
+        <p14:creationId xmlns:p14="http://schemas.microsoft.com/office/powerpoint/2010/main" val="609337717"/>
       </p:ext>
     </p:extLst>
   </p:cSld>
@@ -16112,18 +17091,78 @@
           <a:bodyPr/>
           <a:lstStyle/>
           <a:p>
+            <a:pPr marL="0" marR="0" lvl="0" indent="0" algn="r" defTabSz="914400" rtl="0" eaLnBrk="1" fontAlgn="auto" latinLnBrk="0" hangingPunct="1">
+              <a:lnSpc>
+                <a:spcPct val="100000"/>
+              </a:lnSpc>
+              <a:spcBef>
+                <a:spcPts val="0"/>
+              </a:spcBef>
+              <a:spcAft>
+                <a:spcPts val="0"/>
+              </a:spcAft>
+              <a:buClrTx/>
+              <a:buSzTx/>
+              <a:buFontTx/>
+              <a:buNone/>
+              <a:tabLst/>
+              <a:defRPr/>
+            </a:pPr>
             <a:fld id="{8EF9B5A4-07C2-4C79-8DD9-C07F21C11DE3}" type="slidenum">
-              <a:rPr lang="en-US" smtClean="0"/>
-              <a:t>5</a:t>
+              <a:rPr kumimoji="0" lang="en-US" sz="1200" b="0" i="0" u="none" strike="noStrike" kern="1200" cap="none" spc="0" normalizeH="0" baseline="0" noProof="0" smtClean="0">
+                <a:ln>
+                  <a:noFill/>
+                </a:ln>
+                <a:solidFill>
+                  <a:prstClr val="black"/>
+                </a:solidFill>
+                <a:effectLst/>
+                <a:uLnTx/>
+                <a:uFillTx/>
+                <a:latin typeface="Calibri" panose="020F0502020204030204"/>
+                <a:ea typeface="+mn-ea"/>
+                <a:cs typeface="+mn-cs"/>
+              </a:rPr>
+              <a:pPr marL="0" marR="0" lvl="0" indent="0" algn="r" defTabSz="914400" rtl="0" eaLnBrk="1" fontAlgn="auto" latinLnBrk="0" hangingPunct="1">
+                <a:lnSpc>
+                  <a:spcPct val="100000"/>
+                </a:lnSpc>
+                <a:spcBef>
+                  <a:spcPts val="0"/>
+                </a:spcBef>
+                <a:spcAft>
+                  <a:spcPts val="0"/>
+                </a:spcAft>
+                <a:buClrTx/>
+                <a:buSzTx/>
+                <a:buFontTx/>
+                <a:buNone/>
+                <a:tabLst/>
+                <a:defRPr/>
+              </a:pPr>
+              <a:t>6</a:t>
             </a:fld>
-            <a:endParaRPr lang="en-US"/>
+            <a:endParaRPr kumimoji="0" lang="en-US" sz="1200" b="0" i="0" u="none" strike="noStrike" kern="1200" cap="none" spc="0" normalizeH="0" baseline="0" noProof="0">
+              <a:ln>
+                <a:noFill/>
+              </a:ln>
+              <a:solidFill>
+                <a:prstClr val="black"/>
+              </a:solidFill>
+              <a:effectLst/>
+              <a:uLnTx/>
+              <a:uFillTx/>
+              <a:latin typeface="Calibri" panose="020F0502020204030204"/>
+              <a:ea typeface="+mn-ea"/>
+              <a:cs typeface="+mn-cs"/>
+            </a:endParaRPr>
           </a:p>
         </p:txBody>
       </p:sp>
     </p:spTree>
     <p:extLst>
       <p:ext uri="{BB962C8B-B14F-4D97-AF65-F5344CB8AC3E}">
-        <p14:creationId xmlns:p14="http://schemas.microsoft.com/office/powerpoint/2010/main" val="1866061102"/>
+        <p14:creationId xmlns:p14="http://schemas.microsoft.com/office/powerpoint/2010/main" val="2527410966"/>
       </p:ext>
     </p:extLst>
   </p:cSld>
@@ -16280,7 +17319,7 @@
           <a:p>
             <a:fld id="{758B186F-0B28-4FD4-AB02-ABE5A9BA43A3}" type="datetimeFigureOut">
               <a:rPr lang="en-US" smtClean="0"/>
-              <a:t>5/3/2021</a:t>
+              <a:t>5/14/2021</a:t>
             </a:fld>
             <a:endParaRPr lang="en-US"/>
           </a:p>
@@ -16478,7 +17517,7 @@
           <a:p>
             <a:fld id="{758B186F-0B28-4FD4-AB02-ABE5A9BA43A3}" type="datetimeFigureOut">
               <a:rPr lang="en-US" smtClean="0"/>
-              <a:t>5/3/2021</a:t>
+              <a:t>5/14/2021</a:t>
             </a:fld>
             <a:endParaRPr lang="en-US"/>
           </a:p>
@@ -16686,7 +17725,7 @@
           <a:p>
             <a:fld id="{758B186F-0B28-4FD4-AB02-ABE5A9BA43A3}" type="datetimeFigureOut">
               <a:rPr lang="en-US" smtClean="0"/>
-              <a:t>5/3/2021</a:t>
+              <a:t>5/14/2021</a:t>
             </a:fld>
             <a:endParaRPr lang="en-US"/>
           </a:p>
@@ -16884,7 +17923,7 @@
           <a:p>
             <a:fld id="{758B186F-0B28-4FD4-AB02-ABE5A9BA43A3}" type="datetimeFigureOut">
               <a:rPr lang="en-US" smtClean="0"/>
-              <a:t>5/3/2021</a:t>
+              <a:t>5/14/2021</a:t>
             </a:fld>
             <a:endParaRPr lang="en-US"/>
           </a:p>
@@ -17159,7 +18198,7 @@
           <a:p>
             <a:fld id="{758B186F-0B28-4FD4-AB02-ABE5A9BA43A3}" type="datetimeFigureOut">
               <a:rPr lang="en-US" smtClean="0"/>
-              <a:t>5/3/2021</a:t>
+              <a:t>5/14/2021</a:t>
             </a:fld>
             <a:endParaRPr lang="en-US"/>
           </a:p>
@@ -17424,7 +18463,7 @@
           <a:p>
             <a:fld id="{758B186F-0B28-4FD4-AB02-ABE5A9BA43A3}" type="datetimeFigureOut">
               <a:rPr lang="en-US" smtClean="0"/>
-              <a:t>5/3/2021</a:t>
+              <a:t>5/14/2021</a:t>
             </a:fld>
             <a:endParaRPr lang="en-US"/>
           </a:p>
@@ -17836,7 +18875,7 @@
           <a:p>
             <a:fld id="{758B186F-0B28-4FD4-AB02-ABE5A9BA43A3}" type="datetimeFigureOut">
               <a:rPr lang="en-US" smtClean="0"/>
-              <a:t>5/3/2021</a:t>
+              <a:t>5/14/2021</a:t>
             </a:fld>
             <a:endParaRPr lang="en-US"/>
           </a:p>
@@ -17977,7 +19016,7 @@
           <a:p>
             <a:fld id="{758B186F-0B28-4FD4-AB02-ABE5A9BA43A3}" type="datetimeFigureOut">
               <a:rPr lang="en-US" smtClean="0"/>
-              <a:t>5/3/2021</a:t>
+              <a:t>5/14/2021</a:t>
             </a:fld>
             <a:endParaRPr lang="en-US"/>
           </a:p>
@@ -18090,7 +19129,7 @@
           <a:p>
             <a:fld id="{758B186F-0B28-4FD4-AB02-ABE5A9BA43A3}" type="datetimeFigureOut">
               <a:rPr lang="en-US" smtClean="0"/>
-              <a:t>5/3/2021</a:t>
+              <a:t>5/14/2021</a:t>
             </a:fld>
             <a:endParaRPr lang="en-US"/>
           </a:p>
@@ -18401,7 +19440,7 @@
           <a:p>
             <a:fld id="{758B186F-0B28-4FD4-AB02-ABE5A9BA43A3}" type="datetimeFigureOut">
               <a:rPr lang="en-US" smtClean="0"/>
-              <a:t>5/3/2021</a:t>
+              <a:t>5/14/2021</a:t>
             </a:fld>
             <a:endParaRPr lang="en-US"/>
           </a:p>
@@ -18689,7 +19728,7 @@
           <a:p>
             <a:fld id="{758B186F-0B28-4FD4-AB02-ABE5A9BA43A3}" type="datetimeFigureOut">
               <a:rPr lang="en-US" smtClean="0"/>
-              <a:t>5/3/2021</a:t>
+              <a:t>5/14/2021</a:t>
             </a:fld>
             <a:endParaRPr lang="en-US"/>
           </a:p>
@@ -18930,7 +19969,7 @@
           <a:p>
             <a:fld id="{758B186F-0B28-4FD4-AB02-ABE5A9BA43A3}" type="datetimeFigureOut">
               <a:rPr lang="en-US" smtClean="0"/>
-              <a:t>5/3/2021</a:t>
+              <a:t>5/14/2021</a:t>
             </a:fld>
             <a:endParaRPr lang="en-US"/>
           </a:p>
@@ -19410,8 +20449,37 @@
           <a:bodyPr rtlCol="0" anchor="ctr"/>
           <a:lstStyle/>
           <a:p>
-            <a:pPr algn="ctr"/>
-            <a:endParaRPr lang="en-US"/>
+            <a:pPr marL="0" marR="0" lvl="0" indent="0" algn="ctr" defTabSz="914400" rtl="0" eaLnBrk="1" fontAlgn="auto" latinLnBrk="0" hangingPunct="1">
+              <a:lnSpc>
+                <a:spcPct val="100000"/>
+              </a:lnSpc>
+              <a:spcBef>
+                <a:spcPts val="0"/>
+              </a:spcBef>
+              <a:spcAft>
+                <a:spcPts val="0"/>
+              </a:spcAft>
+              <a:buClrTx/>
+              <a:buSzTx/>
+              <a:buFontTx/>
+              <a:buNone/>
+              <a:tabLst/>
+              <a:defRPr/>
+            </a:pPr>
+            <a:endParaRPr kumimoji="0" lang="en-US" sz="1800" b="0" i="0" u="none" strike="noStrike" kern="1200" cap="none" spc="0" normalizeH="0" baseline="0" noProof="0">
+              <a:ln>
+                <a:noFill/>
+              </a:ln>
+              <a:solidFill>
+                <a:prstClr val="white"/>
+              </a:solidFill>
+              <a:effectLst/>
+              <a:uLnTx/>
+              <a:uFillTx/>
+              <a:latin typeface="Calibri" panose="020F0502020204030204"/>
+              <a:ea typeface="+mn-ea"/>
+              <a:cs typeface="+mn-cs"/>
+            </a:endParaRPr>
           </a:p>
         </p:txBody>
       </p:sp>
@@ -19486,8 +20554,37 @@
           <a:bodyPr rtlCol="0" anchor="ctr"/>
           <a:lstStyle/>
           <a:p>
-            <a:pPr algn="ctr"/>
-            <a:endParaRPr lang="en-US"/>
+            <a:pPr marL="0" marR="0" lvl="0" indent="0" algn="ctr" defTabSz="914400" rtl="0" eaLnBrk="1" fontAlgn="auto" latinLnBrk="0" hangingPunct="1">
+              <a:lnSpc>
+                <a:spcPct val="100000"/>
+              </a:lnSpc>
+              <a:spcBef>
+                <a:spcPts val="0"/>
+              </a:spcBef>
+              <a:spcAft>
+                <a:spcPts val="0"/>
+              </a:spcAft>
+              <a:buClrTx/>
+              <a:buSzTx/>
+              <a:buFontTx/>
+              <a:buNone/>
+              <a:tabLst/>
+              <a:defRPr/>
+            </a:pPr>
+            <a:endParaRPr kumimoji="0" lang="en-US" sz="1800" b="0" i="0" u="none" strike="noStrike" kern="1200" cap="none" spc="0" normalizeH="0" baseline="0" noProof="0">
+              <a:ln>
+                <a:noFill/>
+              </a:ln>
+              <a:solidFill>
+                <a:prstClr val="white"/>
+              </a:solidFill>
+              <a:effectLst/>
+              <a:uLnTx/>
+              <a:uFillTx/>
+              <a:latin typeface="Calibri" panose="020F0502020204030204"/>
+              <a:ea typeface="+mn-ea"/>
+              <a:cs typeface="+mn-cs"/>
+            </a:endParaRPr>
           </a:p>
         </p:txBody>
       </p:sp>
@@ -20272,8 +21369,37 @@
             </a:bodyPr>
             <a:lstStyle/>
             <a:p>
-              <a:pPr algn="ctr"/>
-              <a:endParaRPr lang="en-US" dirty="0"/>
+              <a:pPr marL="0" marR="0" lvl="0" indent="0" algn="ctr" defTabSz="914400" rtl="0" eaLnBrk="1" fontAlgn="auto" latinLnBrk="0" hangingPunct="1">
+                <a:lnSpc>
+                  <a:spcPct val="100000"/>
+                </a:lnSpc>
+                <a:spcBef>
+                  <a:spcPts val="0"/>
+                </a:spcBef>
+                <a:spcAft>
+                  <a:spcPts val="0"/>
+                </a:spcAft>
+                <a:buClrTx/>
+                <a:buSzTx/>
+                <a:buFontTx/>
+                <a:buNone/>
+                <a:tabLst/>
+                <a:defRPr/>
+              </a:pPr>
+              <a:endParaRPr kumimoji="0" lang="en-US" sz="1800" b="0" i="0" u="none" strike="noStrike" kern="1200" cap="none" spc="0" normalizeH="0" baseline="0" noProof="0">
+                <a:ln>
+                  <a:noFill/>
+                </a:ln>
+                <a:solidFill>
+                  <a:prstClr val="white"/>
+                </a:solidFill>
+                <a:effectLst/>
+                <a:uLnTx/>
+                <a:uFillTx/>
+                <a:latin typeface="Calibri" panose="020F0502020204030204"/>
+                <a:ea typeface="+mn-ea"/>
+                <a:cs typeface="+mn-cs"/>
+              </a:endParaRPr>
             </a:p>
           </p:txBody>
         </p:sp>
@@ -20640,8 +21766,37 @@
             </a:bodyPr>
             <a:lstStyle/>
             <a:p>
-              <a:pPr algn="ctr"/>
-              <a:endParaRPr lang="en-US" dirty="0"/>
+              <a:pPr marL="0" marR="0" lvl="0" indent="0" algn="ctr" defTabSz="914400" rtl="0" eaLnBrk="1" fontAlgn="auto" latinLnBrk="0" hangingPunct="1">
+                <a:lnSpc>
+                  <a:spcPct val="100000"/>
+                </a:lnSpc>
+                <a:spcBef>
+                  <a:spcPts val="0"/>
+                </a:spcBef>
+                <a:spcAft>
+                  <a:spcPts val="0"/>
+                </a:spcAft>
+                <a:buClrTx/>
+                <a:buSzTx/>
+                <a:buFontTx/>
+                <a:buNone/>
+                <a:tabLst/>
+                <a:defRPr/>
+              </a:pPr>
+              <a:endParaRPr kumimoji="0" lang="en-US" sz="1800" b="0" i="0" u="none" strike="noStrike" kern="1200" cap="none" spc="0" normalizeH="0" baseline="0" noProof="0">
+                <a:ln>
+                  <a:noFill/>
+                </a:ln>
+                <a:solidFill>
+                  <a:prstClr val="white"/>
+                </a:solidFill>
+                <a:effectLst/>
+                <a:uLnTx/>
+                <a:uFillTx/>
+                <a:latin typeface="Calibri" panose="020F0502020204030204"/>
+                <a:ea typeface="+mn-ea"/>
+                <a:cs typeface="+mn-cs"/>
+              </a:endParaRPr>
             </a:p>
           </p:txBody>
         </p:sp>
@@ -21023,8 +22178,37 @@
             </a:bodyPr>
             <a:lstStyle/>
             <a:p>
-              <a:pPr algn="ctr"/>
-              <a:endParaRPr lang="en-US" dirty="0"/>
+              <a:pPr marL="0" marR="0" lvl="0" indent="0" algn="ctr" defTabSz="914400" rtl="0" eaLnBrk="1" fontAlgn="auto" latinLnBrk="0" hangingPunct="1">
+                <a:lnSpc>
+                  <a:spcPct val="100000"/>
+                </a:lnSpc>
+                <a:spcBef>
+                  <a:spcPts val="0"/>
+                </a:spcBef>
+                <a:spcAft>
+                  <a:spcPts val="0"/>
+                </a:spcAft>
+                <a:buClrTx/>
+                <a:buSzTx/>
+                <a:buFontTx/>
+                <a:buNone/>
+                <a:tabLst/>
+                <a:defRPr/>
+              </a:pPr>
+              <a:endParaRPr kumimoji="0" lang="en-US" sz="1800" b="0" i="0" u="none" strike="noStrike" kern="1200" cap="none" spc="0" normalizeH="0" baseline="0" noProof="0">
+                <a:ln>
+                  <a:noFill/>
+                </a:ln>
+                <a:solidFill>
+                  <a:prstClr val="white"/>
+                </a:solidFill>
+                <a:effectLst/>
+                <a:uLnTx/>
+                <a:uFillTx/>
+                <a:latin typeface="Calibri" panose="020F0502020204030204"/>
+                <a:ea typeface="+mn-ea"/>
+                <a:cs typeface="+mn-cs"/>
+              </a:endParaRPr>
             </a:p>
           </p:txBody>
         </p:sp>
@@ -21914,8 +23098,37 @@
             </a:bodyPr>
             <a:lstStyle/>
             <a:p>
-              <a:pPr algn="ctr"/>
-              <a:endParaRPr lang="en-US" dirty="0"/>
+              <a:pPr marL="0" marR="0" lvl="0" indent="0" algn="ctr" defTabSz="914400" rtl="0" eaLnBrk="1" fontAlgn="auto" latinLnBrk="0" hangingPunct="1">
+                <a:lnSpc>
+                  <a:spcPct val="100000"/>
+                </a:lnSpc>
+                <a:spcBef>
+                  <a:spcPts val="0"/>
+                </a:spcBef>
+                <a:spcAft>
+                  <a:spcPts val="0"/>
+                </a:spcAft>
+                <a:buClrTx/>
+                <a:buSzTx/>
+                <a:buFontTx/>
+                <a:buNone/>
+                <a:tabLst/>
+                <a:defRPr/>
+              </a:pPr>
+              <a:endParaRPr kumimoji="0" lang="en-US" sz="1800" b="0" i="0" u="none" strike="noStrike" kern="1200" cap="none" spc="0" normalizeH="0" baseline="0" noProof="0">
+                <a:ln>
+                  <a:noFill/>
+                </a:ln>
+                <a:solidFill>
+                  <a:prstClr val="white"/>
+                </a:solidFill>
+                <a:effectLst/>
+                <a:uLnTx/>
+                <a:uFillTx/>
+                <a:latin typeface="Calibri" panose="020F0502020204030204"/>
+                <a:ea typeface="+mn-ea"/>
+                <a:cs typeface="+mn-cs"/>
+              </a:endParaRPr>
             </a:p>
           </p:txBody>
         </p:sp>
@@ -23095,11 +24308,36 @@
             </a:bodyPr>
             <a:lstStyle/>
             <a:p>
-              <a:pPr algn="ctr"/>
-              <a:endParaRPr lang="en-US" dirty="0">
+              <a:pPr marL="0" marR="0" lvl="0" indent="0" algn="ctr" defTabSz="914400" rtl="0" eaLnBrk="1" fontAlgn="auto" latinLnBrk="0" hangingPunct="1">
+                <a:lnSpc>
+                  <a:spcPct val="100000"/>
+                </a:lnSpc>
+                <a:spcBef>
+                  <a:spcPts val="0"/>
+                </a:spcBef>
+                <a:spcAft>
+                  <a:spcPts val="0"/>
+                </a:spcAft>
+                <a:buClrTx/>
+                <a:buSzTx/>
+                <a:buFontTx/>
+                <a:buNone/>
+                <a:tabLst/>
+                <a:defRPr/>
+              </a:pPr>
+              <a:endParaRPr kumimoji="0" lang="en-US" sz="1800" b="0" i="0" u="none" strike="noStrike" kern="1200" cap="none" spc="0" normalizeH="0" baseline="0" noProof="0">
+                <a:ln>
+                  <a:noFill/>
+                </a:ln>
                 <a:solidFill>
-                  <a:schemeClr val="lt1"/>
+                  <a:prstClr val="white"/>
                 </a:solidFill>
+                <a:effectLst/>
+                <a:uLnTx/>
+                <a:uFillTx/>
+                <a:latin typeface="Calibri" panose="020F0502020204030204"/>
+                <a:ea typeface="+mn-ea"/>
+                <a:cs typeface="+mn-cs"/>
               </a:endParaRPr>
             </a:p>
           </p:txBody>
@@ -25200,8 +26438,37 @@
             </a:bodyPr>
             <a:lstStyle/>
             <a:p>
-              <a:pPr algn="ctr"/>
-              <a:endParaRPr lang="en-US" dirty="0"/>
+              <a:pPr marL="0" marR="0" lvl="0" indent="0" algn="ctr" defTabSz="914400" rtl="0" eaLnBrk="1" fontAlgn="auto" latinLnBrk="0" hangingPunct="1">
+                <a:lnSpc>
+                  <a:spcPct val="100000"/>
+                </a:lnSpc>
+                <a:spcBef>
+                  <a:spcPts val="0"/>
+                </a:spcBef>
+                <a:spcAft>
+                  <a:spcPts val="0"/>
+                </a:spcAft>
+                <a:buClrTx/>
+                <a:buSzTx/>
+                <a:buFontTx/>
+                <a:buNone/>
+                <a:tabLst/>
+                <a:defRPr/>
+              </a:pPr>
+              <a:endParaRPr kumimoji="0" lang="en-US" sz="1800" b="0" i="0" u="none" strike="noStrike" kern="1200" cap="none" spc="0" normalizeH="0" baseline="0" noProof="0">
+                <a:ln>
+                  <a:noFill/>
+                </a:ln>
+                <a:solidFill>
+                  <a:prstClr val="white"/>
+                </a:solidFill>
+                <a:effectLst/>
+                <a:uLnTx/>
+                <a:uFillTx/>
+                <a:latin typeface="Calibri" panose="020F0502020204030204"/>
+                <a:ea typeface="+mn-ea"/>
+                <a:cs typeface="+mn-cs"/>
+              </a:endParaRPr>
             </a:p>
           </p:txBody>
         </p:sp>
@@ -26391,8 +27658,37 @@
             </a:bodyPr>
             <a:lstStyle/>
             <a:p>
-              <a:pPr algn="ctr"/>
-              <a:endParaRPr lang="en-US" dirty="0"/>
+              <a:pPr marL="0" marR="0" lvl="0" indent="0" algn="ctr" defTabSz="914400" rtl="0" eaLnBrk="1" fontAlgn="auto" latinLnBrk="0" hangingPunct="1">
+                <a:lnSpc>
+                  <a:spcPct val="100000"/>
+                </a:lnSpc>
+                <a:spcBef>
+                  <a:spcPts val="0"/>
+                </a:spcBef>
+                <a:spcAft>
+                  <a:spcPts val="0"/>
+                </a:spcAft>
+                <a:buClrTx/>
+                <a:buSzTx/>
+                <a:buFontTx/>
+                <a:buNone/>
+                <a:tabLst/>
+                <a:defRPr/>
+              </a:pPr>
+              <a:endParaRPr kumimoji="0" lang="en-US" sz="1800" b="0" i="0" u="none" strike="noStrike" kern="1200" cap="none" spc="0" normalizeH="0" baseline="0" noProof="0">
+                <a:ln>
+                  <a:noFill/>
+                </a:ln>
+                <a:solidFill>
+                  <a:prstClr val="white"/>
+                </a:solidFill>
+                <a:effectLst/>
+                <a:uLnTx/>
+                <a:uFillTx/>
+                <a:latin typeface="Calibri" panose="020F0502020204030204"/>
+                <a:ea typeface="+mn-ea"/>
+                <a:cs typeface="+mn-cs"/>
+              </a:endParaRPr>
             </a:p>
           </p:txBody>
         </p:sp>
@@ -26426,7 +27722,7 @@
           <a:lstStyle/>
           <a:p>
             <a:r>
-              <a:rPr lang="en-US" sz="5200" dirty="0">
+              <a:rPr lang="en-US" sz="5200">
                 <a:solidFill>
                   <a:schemeClr val="tx2"/>
                 </a:solidFill>
@@ -26465,7 +27761,7 @@
           <a:lstStyle/>
           <a:p>
             <a:r>
-              <a:rPr lang="en-US" dirty="0">
+              <a:rPr lang="en-US">
                 <a:solidFill>
                   <a:schemeClr val="tx2"/>
                 </a:solidFill>
@@ -26475,7 +27771,7 @@
           </a:p>
           <a:p>
             <a:r>
-              <a:rPr lang="en-US" dirty="0">
+              <a:rPr lang="en-US">
                 <a:solidFill>
                   <a:schemeClr val="tx2"/>
                 </a:solidFill>
@@ -26498,7 +27794,3508 @@
 </p:sld>
 </file>
 
+<file path=ppt/slides/slide10.xml><?xml version="1.0" encoding="utf-8"?>
+<p:sld xmlns:a="http://schemas.openxmlformats.org/drawingml/2006/main" xmlns:r="http://schemas.openxmlformats.org/officeDocument/2006/relationships" xmlns:p="http://schemas.openxmlformats.org/presentationml/2006/main">
+  <p:cSld>
+    <p:bg>
+      <p:bgPr>
+        <a:solidFill>
+          <a:schemeClr val="bg1"/>
+        </a:solidFill>
+        <a:effectLst/>
+      </p:bgPr>
+    </p:bg>
+    <p:spTree>
+      <p:nvGrpSpPr>
+        <p:cNvPr id="1" name=""/>
+        <p:cNvGrpSpPr/>
+        <p:nvPr/>
+      </p:nvGrpSpPr>
+      <p:grpSpPr>
+        <a:xfrm>
+          <a:off x="0" y="0"/>
+          <a:ext cx="0" cy="0"/>
+          <a:chOff x="0" y="0"/>
+          <a:chExt cx="0" cy="0"/>
+        </a:xfrm>
+      </p:grpSpPr>
+      <p:sp useBgFill="1">
+        <p:nvSpPr>
+          <p:cNvPr id="24" name="Rectangle 23">
+            <a:extLst>
+              <a:ext uri="{FF2B5EF4-FFF2-40B4-BE49-F238E27FC236}">
+                <a16:creationId xmlns:a16="http://schemas.microsoft.com/office/drawing/2014/main" id="{100EDD19-6802-4EC3-95CE-CFFAB042CFD6}"/>
+              </a:ext>
+              <a:ext uri="{C183D7F6-B498-43B3-948B-1728B52AA6E4}">
+                <adec:decorative xmlns:adec="http://schemas.microsoft.com/office/drawing/2017/decorative" val="1"/>
+              </a:ext>
+            </a:extLst>
+          </p:cNvPr>
+          <p:cNvSpPr>
+            <a:spLocks noGrp="1" noRot="1" noChangeAspect="1" noMove="1" noResize="1" noEditPoints="1" noAdjustHandles="1" noChangeArrowheads="1" noChangeShapeType="1" noTextEdit="1"/>
+          </p:cNvSpPr>
+          <p:nvPr>
+            <p:extLst>
+              <p:ext uri="{386F3935-93C4-4BCD-93E2-E3B085C9AB24}">
+                <p16:designElem xmlns:p16="http://schemas.microsoft.com/office/powerpoint/2015/main" val="1"/>
+              </p:ext>
+            </p:extLst>
+          </p:nvPr>
+        </p:nvSpPr>
+        <p:spPr>
+          <a:xfrm>
+            <a:off x="0" y="0"/>
+            <a:ext cx="12188952" cy="6858000"/>
+          </a:xfrm>
+          <a:prstGeom prst="rect">
+            <a:avLst/>
+          </a:prstGeom>
+          <a:ln>
+            <a:noFill/>
+          </a:ln>
+        </p:spPr>
+        <p:style>
+          <a:lnRef idx="2">
+            <a:schemeClr val="accent1">
+              <a:shade val="50000"/>
+            </a:schemeClr>
+          </a:lnRef>
+          <a:fillRef idx="1">
+            <a:schemeClr val="accent1"/>
+          </a:fillRef>
+          <a:effectRef idx="0">
+            <a:schemeClr val="accent1"/>
+          </a:effectRef>
+          <a:fontRef idx="minor">
+            <a:schemeClr val="lt1"/>
+          </a:fontRef>
+        </p:style>
+        <p:txBody>
+          <a:bodyPr rtlCol="0" anchor="ctr"/>
+          <a:lstStyle/>
+          <a:p>
+            <a:pPr marL="0" marR="0" lvl="0" indent="0" algn="ctr" defTabSz="914400" rtl="0" eaLnBrk="1" fontAlgn="auto" latinLnBrk="0" hangingPunct="1">
+              <a:lnSpc>
+                <a:spcPct val="100000"/>
+              </a:lnSpc>
+              <a:spcBef>
+                <a:spcPts val="0"/>
+              </a:spcBef>
+              <a:spcAft>
+                <a:spcPts val="0"/>
+              </a:spcAft>
+              <a:buClrTx/>
+              <a:buSzTx/>
+              <a:buFontTx/>
+              <a:buNone/>
+              <a:tabLst/>
+              <a:defRPr/>
+            </a:pPr>
+            <a:endParaRPr kumimoji="0" lang="en-US" sz="1800" b="0" i="0" u="none" strike="noStrike" kern="1200" cap="none" spc="0" normalizeH="0" baseline="0" noProof="0">
+              <a:ln>
+                <a:noFill/>
+              </a:ln>
+              <a:solidFill>
+                <a:prstClr val="white"/>
+              </a:solidFill>
+              <a:effectLst/>
+              <a:uLnTx/>
+              <a:uFillTx/>
+              <a:latin typeface="Calibri" panose="020F0502020204030204"/>
+              <a:ea typeface="+mn-ea"/>
+              <a:cs typeface="+mn-cs"/>
+            </a:endParaRPr>
+          </a:p>
+        </p:txBody>
+      </p:sp>
+      <p:sp>
+        <p:nvSpPr>
+          <p:cNvPr id="2" name="Title 1">
+            <a:extLst>
+              <a:ext uri="{FF2B5EF4-FFF2-40B4-BE49-F238E27FC236}">
+                <a16:creationId xmlns:a16="http://schemas.microsoft.com/office/drawing/2014/main" id="{535983F1-D69B-4FFC-9F59-099AD23A5D56}"/>
+              </a:ext>
+            </a:extLst>
+          </p:cNvPr>
+          <p:cNvSpPr>
+            <a:spLocks noGrp="1"/>
+          </p:cNvSpPr>
+          <p:nvPr>
+            <p:ph type="title"/>
+          </p:nvPr>
+        </p:nvSpPr>
+        <p:spPr>
+          <a:xfrm>
+            <a:off x="838200" y="365125"/>
+            <a:ext cx="10515600" cy="1325563"/>
+          </a:xfrm>
+        </p:spPr>
+        <p:txBody>
+          <a:bodyPr>
+            <a:normAutofit/>
+          </a:bodyPr>
+          <a:lstStyle/>
+          <a:p>
+            <a:r>
+              <a:rPr lang="en-US" sz="5000"/>
+              <a:t>Azure AI Use Cases – Drive Consumption</a:t>
+            </a:r>
+          </a:p>
+        </p:txBody>
+      </p:sp>
+      <p:sp>
+        <p:nvSpPr>
+          <p:cNvPr id="26" name="sketch line">
+            <a:extLst>
+              <a:ext uri="{FF2B5EF4-FFF2-40B4-BE49-F238E27FC236}">
+                <a16:creationId xmlns:a16="http://schemas.microsoft.com/office/drawing/2014/main" id="{DB17E863-922E-4C26-BD64-E8FD41D28661}"/>
+              </a:ext>
+              <a:ext uri="{C183D7F6-B498-43B3-948B-1728B52AA6E4}">
+                <adec:decorative xmlns:adec="http://schemas.microsoft.com/office/drawing/2017/decorative" val="1"/>
+              </a:ext>
+            </a:extLst>
+          </p:cNvPr>
+          <p:cNvSpPr>
+            <a:spLocks noGrp="1" noRot="1" noChangeAspect="1" noMove="1" noResize="1" noEditPoints="1" noAdjustHandles="1" noChangeArrowheads="1" noChangeShapeType="1" noTextEdit="1"/>
+          </p:cNvSpPr>
+          <p:nvPr>
+            <p:extLst>
+              <p:ext uri="{386F3935-93C4-4BCD-93E2-E3B085C9AB24}">
+                <p16:designElem xmlns:p16="http://schemas.microsoft.com/office/powerpoint/2015/main" val="1"/>
+              </p:ext>
+            </p:extLst>
+          </p:nvPr>
+        </p:nvSpPr>
+        <p:spPr>
+          <a:xfrm>
+            <a:off x="669036" y="1677373"/>
+            <a:ext cx="10853928" cy="18288"/>
+          </a:xfrm>
+          <a:custGeom>
+            <a:avLst/>
+            <a:gdLst>
+              <a:gd name="connsiteX0" fmla="*/ 0 w 10853928"/>
+              <a:gd name="connsiteY0" fmla="*/ 0 h 18288"/>
+              <a:gd name="connsiteX1" fmla="*/ 461292 w 10853928"/>
+              <a:gd name="connsiteY1" fmla="*/ 0 h 18288"/>
+              <a:gd name="connsiteX2" fmla="*/ 1139662 w 10853928"/>
+              <a:gd name="connsiteY2" fmla="*/ 0 h 18288"/>
+              <a:gd name="connsiteX3" fmla="*/ 1926572 w 10853928"/>
+              <a:gd name="connsiteY3" fmla="*/ 0 h 18288"/>
+              <a:gd name="connsiteX4" fmla="*/ 2279325 w 10853928"/>
+              <a:gd name="connsiteY4" fmla="*/ 0 h 18288"/>
+              <a:gd name="connsiteX5" fmla="*/ 2632078 w 10853928"/>
+              <a:gd name="connsiteY5" fmla="*/ 0 h 18288"/>
+              <a:gd name="connsiteX6" fmla="*/ 3527527 w 10853928"/>
+              <a:gd name="connsiteY6" fmla="*/ 0 h 18288"/>
+              <a:gd name="connsiteX7" fmla="*/ 4205897 w 10853928"/>
+              <a:gd name="connsiteY7" fmla="*/ 0 h 18288"/>
+              <a:gd name="connsiteX8" fmla="*/ 4558650 w 10853928"/>
+              <a:gd name="connsiteY8" fmla="*/ 0 h 18288"/>
+              <a:gd name="connsiteX9" fmla="*/ 5237020 w 10853928"/>
+              <a:gd name="connsiteY9" fmla="*/ 0 h 18288"/>
+              <a:gd name="connsiteX10" fmla="*/ 6132469 w 10853928"/>
+              <a:gd name="connsiteY10" fmla="*/ 0 h 18288"/>
+              <a:gd name="connsiteX11" fmla="*/ 6702301 w 10853928"/>
+              <a:gd name="connsiteY11" fmla="*/ 0 h 18288"/>
+              <a:gd name="connsiteX12" fmla="*/ 7272132 w 10853928"/>
+              <a:gd name="connsiteY12" fmla="*/ 0 h 18288"/>
+              <a:gd name="connsiteX13" fmla="*/ 7950502 w 10853928"/>
+              <a:gd name="connsiteY13" fmla="*/ 0 h 18288"/>
+              <a:gd name="connsiteX14" fmla="*/ 8737412 w 10853928"/>
+              <a:gd name="connsiteY14" fmla="*/ 0 h 18288"/>
+              <a:gd name="connsiteX15" fmla="*/ 9524322 w 10853928"/>
+              <a:gd name="connsiteY15" fmla="*/ 0 h 18288"/>
+              <a:gd name="connsiteX16" fmla="*/ 10853928 w 10853928"/>
+              <a:gd name="connsiteY16" fmla="*/ 0 h 18288"/>
+              <a:gd name="connsiteX17" fmla="*/ 10853928 w 10853928"/>
+              <a:gd name="connsiteY17" fmla="*/ 18288 h 18288"/>
+              <a:gd name="connsiteX18" fmla="*/ 10392636 w 10853928"/>
+              <a:gd name="connsiteY18" fmla="*/ 18288 h 18288"/>
+              <a:gd name="connsiteX19" fmla="*/ 9497187 w 10853928"/>
+              <a:gd name="connsiteY19" fmla="*/ 18288 h 18288"/>
+              <a:gd name="connsiteX20" fmla="*/ 8818817 w 10853928"/>
+              <a:gd name="connsiteY20" fmla="*/ 18288 h 18288"/>
+              <a:gd name="connsiteX21" fmla="*/ 8466064 w 10853928"/>
+              <a:gd name="connsiteY21" fmla="*/ 18288 h 18288"/>
+              <a:gd name="connsiteX22" fmla="*/ 7787693 w 10853928"/>
+              <a:gd name="connsiteY22" fmla="*/ 18288 h 18288"/>
+              <a:gd name="connsiteX23" fmla="*/ 7217862 w 10853928"/>
+              <a:gd name="connsiteY23" fmla="*/ 18288 h 18288"/>
+              <a:gd name="connsiteX24" fmla="*/ 6648031 w 10853928"/>
+              <a:gd name="connsiteY24" fmla="*/ 18288 h 18288"/>
+              <a:gd name="connsiteX25" fmla="*/ 6078200 w 10853928"/>
+              <a:gd name="connsiteY25" fmla="*/ 18288 h 18288"/>
+              <a:gd name="connsiteX26" fmla="*/ 5508368 w 10853928"/>
+              <a:gd name="connsiteY26" fmla="*/ 18288 h 18288"/>
+              <a:gd name="connsiteX27" fmla="*/ 4721459 w 10853928"/>
+              <a:gd name="connsiteY27" fmla="*/ 18288 h 18288"/>
+              <a:gd name="connsiteX28" fmla="*/ 4043088 w 10853928"/>
+              <a:gd name="connsiteY28" fmla="*/ 18288 h 18288"/>
+              <a:gd name="connsiteX29" fmla="*/ 3690336 w 10853928"/>
+              <a:gd name="connsiteY29" fmla="*/ 18288 h 18288"/>
+              <a:gd name="connsiteX30" fmla="*/ 3120504 w 10853928"/>
+              <a:gd name="connsiteY30" fmla="*/ 18288 h 18288"/>
+              <a:gd name="connsiteX31" fmla="*/ 2333595 w 10853928"/>
+              <a:gd name="connsiteY31" fmla="*/ 18288 h 18288"/>
+              <a:gd name="connsiteX32" fmla="*/ 1872303 w 10853928"/>
+              <a:gd name="connsiteY32" fmla="*/ 18288 h 18288"/>
+              <a:gd name="connsiteX33" fmla="*/ 976854 w 10853928"/>
+              <a:gd name="connsiteY33" fmla="*/ 18288 h 18288"/>
+              <a:gd name="connsiteX34" fmla="*/ 0 w 10853928"/>
+              <a:gd name="connsiteY34" fmla="*/ 18288 h 18288"/>
+              <a:gd name="connsiteX35" fmla="*/ 0 w 10853928"/>
+              <a:gd name="connsiteY35" fmla="*/ 0 h 18288"/>
+            </a:gdLst>
+            <a:ahLst/>
+            <a:cxnLst>
+              <a:cxn ang="0">
+                <a:pos x="connsiteX0" y="connsiteY0"/>
+              </a:cxn>
+              <a:cxn ang="0">
+                <a:pos x="connsiteX1" y="connsiteY1"/>
+              </a:cxn>
+              <a:cxn ang="0">
+                <a:pos x="connsiteX2" y="connsiteY2"/>
+              </a:cxn>
+              <a:cxn ang="0">
+                <a:pos x="connsiteX3" y="connsiteY3"/>
+              </a:cxn>
+              <a:cxn ang="0">
+                <a:pos x="connsiteX4" y="connsiteY4"/>
+              </a:cxn>
+              <a:cxn ang="0">
+                <a:pos x="connsiteX5" y="connsiteY5"/>
+              </a:cxn>
+              <a:cxn ang="0">
+                <a:pos x="connsiteX6" y="connsiteY6"/>
+              </a:cxn>
+              <a:cxn ang="0">
+                <a:pos x="connsiteX7" y="connsiteY7"/>
+              </a:cxn>
+              <a:cxn ang="0">
+                <a:pos x="connsiteX8" y="connsiteY8"/>
+              </a:cxn>
+              <a:cxn ang="0">
+                <a:pos x="connsiteX9" y="connsiteY9"/>
+              </a:cxn>
+              <a:cxn ang="0">
+                <a:pos x="connsiteX10" y="connsiteY10"/>
+              </a:cxn>
+              <a:cxn ang="0">
+                <a:pos x="connsiteX11" y="connsiteY11"/>
+              </a:cxn>
+              <a:cxn ang="0">
+                <a:pos x="connsiteX12" y="connsiteY12"/>
+              </a:cxn>
+              <a:cxn ang="0">
+                <a:pos x="connsiteX13" y="connsiteY13"/>
+              </a:cxn>
+              <a:cxn ang="0">
+                <a:pos x="connsiteX14" y="connsiteY14"/>
+              </a:cxn>
+              <a:cxn ang="0">
+                <a:pos x="connsiteX15" y="connsiteY15"/>
+              </a:cxn>
+              <a:cxn ang="0">
+                <a:pos x="connsiteX16" y="connsiteY16"/>
+              </a:cxn>
+              <a:cxn ang="0">
+                <a:pos x="connsiteX17" y="connsiteY17"/>
+              </a:cxn>
+              <a:cxn ang="0">
+                <a:pos x="connsiteX18" y="connsiteY18"/>
+              </a:cxn>
+              <a:cxn ang="0">
+                <a:pos x="connsiteX19" y="connsiteY19"/>
+              </a:cxn>
+              <a:cxn ang="0">
+                <a:pos x="connsiteX20" y="connsiteY20"/>
+              </a:cxn>
+              <a:cxn ang="0">
+                <a:pos x="connsiteX21" y="connsiteY21"/>
+              </a:cxn>
+              <a:cxn ang="0">
+                <a:pos x="connsiteX22" y="connsiteY22"/>
+              </a:cxn>
+              <a:cxn ang="0">
+                <a:pos x="connsiteX23" y="connsiteY23"/>
+              </a:cxn>
+              <a:cxn ang="0">
+                <a:pos x="connsiteX24" y="connsiteY24"/>
+              </a:cxn>
+              <a:cxn ang="0">
+                <a:pos x="connsiteX25" y="connsiteY25"/>
+              </a:cxn>
+              <a:cxn ang="0">
+                <a:pos x="connsiteX26" y="connsiteY26"/>
+              </a:cxn>
+              <a:cxn ang="0">
+                <a:pos x="connsiteX27" y="connsiteY27"/>
+              </a:cxn>
+              <a:cxn ang="0">
+                <a:pos x="connsiteX28" y="connsiteY28"/>
+              </a:cxn>
+              <a:cxn ang="0">
+                <a:pos x="connsiteX29" y="connsiteY29"/>
+              </a:cxn>
+              <a:cxn ang="0">
+                <a:pos x="connsiteX30" y="connsiteY30"/>
+              </a:cxn>
+              <a:cxn ang="0">
+                <a:pos x="connsiteX31" y="connsiteY31"/>
+              </a:cxn>
+              <a:cxn ang="0">
+                <a:pos x="connsiteX32" y="connsiteY32"/>
+              </a:cxn>
+              <a:cxn ang="0">
+                <a:pos x="connsiteX33" y="connsiteY33"/>
+              </a:cxn>
+              <a:cxn ang="0">
+                <a:pos x="connsiteX34" y="connsiteY34"/>
+              </a:cxn>
+              <a:cxn ang="0">
+                <a:pos x="connsiteX35" y="connsiteY35"/>
+              </a:cxn>
+            </a:cxnLst>
+            <a:rect l="l" t="t" r="r" b="b"/>
+            <a:pathLst>
+              <a:path w="10853928" h="18288" fill="none" extrusionOk="0">
+                <a:moveTo>
+                  <a:pt x="0" y="0"/>
+                </a:moveTo>
+                <a:cubicBezTo>
+                  <a:pt x="146993" y="-19076"/>
+                  <a:pt x="347684" y="-4790"/>
+                  <a:pt x="461292" y="0"/>
+                </a:cubicBezTo>
+                <a:cubicBezTo>
+                  <a:pt x="574900" y="4790"/>
+                  <a:pt x="808367" y="19821"/>
+                  <a:pt x="1139662" y="0"/>
+                </a:cubicBezTo>
+                <a:cubicBezTo>
+                  <a:pt x="1470957" y="-19821"/>
+                  <a:pt x="1627405" y="5721"/>
+                  <a:pt x="1926572" y="0"/>
+                </a:cubicBezTo>
+                <a:cubicBezTo>
+                  <a:pt x="2225739" y="-5721"/>
+                  <a:pt x="2137730" y="-3235"/>
+                  <a:pt x="2279325" y="0"/>
+                </a:cubicBezTo>
+                <a:cubicBezTo>
+                  <a:pt x="2420920" y="3235"/>
+                  <a:pt x="2456518" y="9685"/>
+                  <a:pt x="2632078" y="0"/>
+                </a:cubicBezTo>
+                <a:cubicBezTo>
+                  <a:pt x="2807638" y="-9685"/>
+                  <a:pt x="3211516" y="-43007"/>
+                  <a:pt x="3527527" y="0"/>
+                </a:cubicBezTo>
+                <a:cubicBezTo>
+                  <a:pt x="3843538" y="43007"/>
+                  <a:pt x="4058833" y="22042"/>
+                  <a:pt x="4205897" y="0"/>
+                </a:cubicBezTo>
+                <a:cubicBezTo>
+                  <a:pt x="4352961" y="-22042"/>
+                  <a:pt x="4474805" y="-11846"/>
+                  <a:pt x="4558650" y="0"/>
+                </a:cubicBezTo>
+                <a:cubicBezTo>
+                  <a:pt x="4642495" y="11846"/>
+                  <a:pt x="5041928" y="-6069"/>
+                  <a:pt x="5237020" y="0"/>
+                </a:cubicBezTo>
+                <a:cubicBezTo>
+                  <a:pt x="5432112" y="6069"/>
+                  <a:pt x="5943266" y="-17479"/>
+                  <a:pt x="6132469" y="0"/>
+                </a:cubicBezTo>
+                <a:cubicBezTo>
+                  <a:pt x="6321672" y="17479"/>
+                  <a:pt x="6483872" y="26234"/>
+                  <a:pt x="6702301" y="0"/>
+                </a:cubicBezTo>
+                <a:cubicBezTo>
+                  <a:pt x="6920730" y="-26234"/>
+                  <a:pt x="6991194" y="-15156"/>
+                  <a:pt x="7272132" y="0"/>
+                </a:cubicBezTo>
+                <a:cubicBezTo>
+                  <a:pt x="7553070" y="15156"/>
+                  <a:pt x="7684444" y="-32961"/>
+                  <a:pt x="7950502" y="0"/>
+                </a:cubicBezTo>
+                <a:cubicBezTo>
+                  <a:pt x="8216560" y="32961"/>
+                  <a:pt x="8493290" y="-10491"/>
+                  <a:pt x="8737412" y="0"/>
+                </a:cubicBezTo>
+                <a:cubicBezTo>
+                  <a:pt x="8981534" y="10491"/>
+                  <a:pt x="9191586" y="-13899"/>
+                  <a:pt x="9524322" y="0"/>
+                </a:cubicBezTo>
+                <a:cubicBezTo>
+                  <a:pt x="9857058" y="13899"/>
+                  <a:pt x="10297509" y="7485"/>
+                  <a:pt x="10853928" y="0"/>
+                </a:cubicBezTo>
+                <a:cubicBezTo>
+                  <a:pt x="10854574" y="4451"/>
+                  <a:pt x="10854418" y="9226"/>
+                  <a:pt x="10853928" y="18288"/>
+                </a:cubicBezTo>
+                <a:cubicBezTo>
+                  <a:pt x="10691638" y="28522"/>
+                  <a:pt x="10574319" y="29578"/>
+                  <a:pt x="10392636" y="18288"/>
+                </a:cubicBezTo>
+                <a:cubicBezTo>
+                  <a:pt x="10210953" y="6998"/>
+                  <a:pt x="9836277" y="-16742"/>
+                  <a:pt x="9497187" y="18288"/>
+                </a:cubicBezTo>
+                <a:cubicBezTo>
+                  <a:pt x="9158097" y="53318"/>
+                  <a:pt x="9119479" y="30714"/>
+                  <a:pt x="8818817" y="18288"/>
+                </a:cubicBezTo>
+                <a:cubicBezTo>
+                  <a:pt x="8518155" y="5863"/>
+                  <a:pt x="8640037" y="6483"/>
+                  <a:pt x="8466064" y="18288"/>
+                </a:cubicBezTo>
+                <a:cubicBezTo>
+                  <a:pt x="8292091" y="30093"/>
+                  <a:pt x="7997656" y="18914"/>
+                  <a:pt x="7787693" y="18288"/>
+                </a:cubicBezTo>
+                <a:cubicBezTo>
+                  <a:pt x="7577730" y="17662"/>
+                  <a:pt x="7412468" y="21416"/>
+                  <a:pt x="7217862" y="18288"/>
+                </a:cubicBezTo>
+                <a:cubicBezTo>
+                  <a:pt x="7023256" y="15160"/>
+                  <a:pt x="6898018" y="14824"/>
+                  <a:pt x="6648031" y="18288"/>
+                </a:cubicBezTo>
+                <a:cubicBezTo>
+                  <a:pt x="6398044" y="21752"/>
+                  <a:pt x="6254402" y="38625"/>
+                  <a:pt x="6078200" y="18288"/>
+                </a:cubicBezTo>
+                <a:cubicBezTo>
+                  <a:pt x="5901998" y="-2049"/>
+                  <a:pt x="5622886" y="3213"/>
+                  <a:pt x="5508368" y="18288"/>
+                </a:cubicBezTo>
+                <a:cubicBezTo>
+                  <a:pt x="5393850" y="33363"/>
+                  <a:pt x="5036260" y="26830"/>
+                  <a:pt x="4721459" y="18288"/>
+                </a:cubicBezTo>
+                <a:cubicBezTo>
+                  <a:pt x="4406658" y="9746"/>
+                  <a:pt x="4239221" y="41551"/>
+                  <a:pt x="4043088" y="18288"/>
+                </a:cubicBezTo>
+                <a:cubicBezTo>
+                  <a:pt x="3846955" y="-4975"/>
+                  <a:pt x="3818802" y="34658"/>
+                  <a:pt x="3690336" y="18288"/>
+                </a:cubicBezTo>
+                <a:cubicBezTo>
+                  <a:pt x="3561870" y="1918"/>
+                  <a:pt x="3265491" y="42194"/>
+                  <a:pt x="3120504" y="18288"/>
+                </a:cubicBezTo>
+                <a:cubicBezTo>
+                  <a:pt x="2975517" y="-5618"/>
+                  <a:pt x="2720254" y="36673"/>
+                  <a:pt x="2333595" y="18288"/>
+                </a:cubicBezTo>
+                <a:cubicBezTo>
+                  <a:pt x="1946936" y="-97"/>
+                  <a:pt x="2097241" y="5776"/>
+                  <a:pt x="1872303" y="18288"/>
+                </a:cubicBezTo>
+                <a:cubicBezTo>
+                  <a:pt x="1647365" y="30800"/>
+                  <a:pt x="1282708" y="45380"/>
+                  <a:pt x="976854" y="18288"/>
+                </a:cubicBezTo>
+                <a:cubicBezTo>
+                  <a:pt x="671000" y="-8804"/>
+                  <a:pt x="408401" y="-12775"/>
+                  <a:pt x="0" y="18288"/>
+                </a:cubicBezTo>
+                <a:cubicBezTo>
+                  <a:pt x="-213" y="9468"/>
+                  <a:pt x="187" y="4459"/>
+                  <a:pt x="0" y="0"/>
+                </a:cubicBezTo>
+                <a:close/>
+              </a:path>
+              <a:path w="10853928" h="18288" stroke="0" extrusionOk="0">
+                <a:moveTo>
+                  <a:pt x="0" y="0"/>
+                </a:moveTo>
+                <a:cubicBezTo>
+                  <a:pt x="267322" y="15284"/>
+                  <a:pt x="415388" y="-21048"/>
+                  <a:pt x="569831" y="0"/>
+                </a:cubicBezTo>
+                <a:cubicBezTo>
+                  <a:pt x="724274" y="21048"/>
+                  <a:pt x="769333" y="-2353"/>
+                  <a:pt x="922584" y="0"/>
+                </a:cubicBezTo>
+                <a:cubicBezTo>
+                  <a:pt x="1075835" y="2353"/>
+                  <a:pt x="1399490" y="-145"/>
+                  <a:pt x="1818033" y="0"/>
+                </a:cubicBezTo>
+                <a:cubicBezTo>
+                  <a:pt x="2236576" y="145"/>
+                  <a:pt x="2145330" y="5482"/>
+                  <a:pt x="2387864" y="0"/>
+                </a:cubicBezTo>
+                <a:cubicBezTo>
+                  <a:pt x="2630398" y="-5482"/>
+                  <a:pt x="2793207" y="18487"/>
+                  <a:pt x="2957695" y="0"/>
+                </a:cubicBezTo>
+                <a:cubicBezTo>
+                  <a:pt x="3122183" y="-18487"/>
+                  <a:pt x="3579141" y="19003"/>
+                  <a:pt x="3853144" y="0"/>
+                </a:cubicBezTo>
+                <a:cubicBezTo>
+                  <a:pt x="4127147" y="-19003"/>
+                  <a:pt x="4209857" y="12211"/>
+                  <a:pt x="4314436" y="0"/>
+                </a:cubicBezTo>
+                <a:cubicBezTo>
+                  <a:pt x="4419015" y="-12211"/>
+                  <a:pt x="4762459" y="-17220"/>
+                  <a:pt x="5209885" y="0"/>
+                </a:cubicBezTo>
+                <a:cubicBezTo>
+                  <a:pt x="5657311" y="17220"/>
+                  <a:pt x="5692663" y="-3290"/>
+                  <a:pt x="6105335" y="0"/>
+                </a:cubicBezTo>
+                <a:cubicBezTo>
+                  <a:pt x="6518007" y="3290"/>
+                  <a:pt x="6455516" y="-5124"/>
+                  <a:pt x="6783705" y="0"/>
+                </a:cubicBezTo>
+                <a:cubicBezTo>
+                  <a:pt x="7111894" y="5124"/>
+                  <a:pt x="7441941" y="-17829"/>
+                  <a:pt x="7679154" y="0"/>
+                </a:cubicBezTo>
+                <a:cubicBezTo>
+                  <a:pt x="7916367" y="17829"/>
+                  <a:pt x="8102967" y="-24363"/>
+                  <a:pt x="8248985" y="0"/>
+                </a:cubicBezTo>
+                <a:cubicBezTo>
+                  <a:pt x="8395003" y="24363"/>
+                  <a:pt x="8552393" y="25505"/>
+                  <a:pt x="8818817" y="0"/>
+                </a:cubicBezTo>
+                <a:cubicBezTo>
+                  <a:pt x="9085241" y="-25505"/>
+                  <a:pt x="9411308" y="38000"/>
+                  <a:pt x="9605726" y="0"/>
+                </a:cubicBezTo>
+                <a:cubicBezTo>
+                  <a:pt x="9800144" y="-38000"/>
+                  <a:pt x="10006468" y="-25741"/>
+                  <a:pt x="10175558" y="0"/>
+                </a:cubicBezTo>
+                <a:cubicBezTo>
+                  <a:pt x="10344648" y="25741"/>
+                  <a:pt x="10696282" y="695"/>
+                  <a:pt x="10853928" y="0"/>
+                </a:cubicBezTo>
+                <a:cubicBezTo>
+                  <a:pt x="10853521" y="8690"/>
+                  <a:pt x="10853774" y="14141"/>
+                  <a:pt x="10853928" y="18288"/>
+                </a:cubicBezTo>
+                <a:cubicBezTo>
+                  <a:pt x="10608124" y="24255"/>
+                  <a:pt x="10343415" y="22307"/>
+                  <a:pt x="10067018" y="18288"/>
+                </a:cubicBezTo>
+                <a:cubicBezTo>
+                  <a:pt x="9790621" y="14270"/>
+                  <a:pt x="9843266" y="3564"/>
+                  <a:pt x="9714266" y="18288"/>
+                </a:cubicBezTo>
+                <a:cubicBezTo>
+                  <a:pt x="9585266" y="33012"/>
+                  <a:pt x="9379484" y="1875"/>
+                  <a:pt x="9252974" y="18288"/>
+                </a:cubicBezTo>
+                <a:cubicBezTo>
+                  <a:pt x="9126464" y="34701"/>
+                  <a:pt x="8580678" y="-4904"/>
+                  <a:pt x="8357525" y="18288"/>
+                </a:cubicBezTo>
+                <a:cubicBezTo>
+                  <a:pt x="8134372" y="41480"/>
+                  <a:pt x="7903199" y="26458"/>
+                  <a:pt x="7679154" y="18288"/>
+                </a:cubicBezTo>
+                <a:cubicBezTo>
+                  <a:pt x="7455109" y="10118"/>
+                  <a:pt x="7435944" y="27109"/>
+                  <a:pt x="7217862" y="18288"/>
+                </a:cubicBezTo>
+                <a:cubicBezTo>
+                  <a:pt x="6999780" y="9467"/>
+                  <a:pt x="6680409" y="18985"/>
+                  <a:pt x="6539492" y="18288"/>
+                </a:cubicBezTo>
+                <a:cubicBezTo>
+                  <a:pt x="6398575" y="17592"/>
+                  <a:pt x="6312077" y="33018"/>
+                  <a:pt x="6186739" y="18288"/>
+                </a:cubicBezTo>
+                <a:cubicBezTo>
+                  <a:pt x="6061401" y="3558"/>
+                  <a:pt x="5947033" y="12075"/>
+                  <a:pt x="5833986" y="18288"/>
+                </a:cubicBezTo>
+                <a:cubicBezTo>
+                  <a:pt x="5720939" y="24501"/>
+                  <a:pt x="5482226" y="8586"/>
+                  <a:pt x="5155616" y="18288"/>
+                </a:cubicBezTo>
+                <a:cubicBezTo>
+                  <a:pt x="4829006" y="27991"/>
+                  <a:pt x="4841274" y="29316"/>
+                  <a:pt x="4694324" y="18288"/>
+                </a:cubicBezTo>
+                <a:cubicBezTo>
+                  <a:pt x="4547374" y="7260"/>
+                  <a:pt x="4077675" y="7013"/>
+                  <a:pt x="3907414" y="18288"/>
+                </a:cubicBezTo>
+                <a:cubicBezTo>
+                  <a:pt x="3737153" y="29564"/>
+                  <a:pt x="3538393" y="21630"/>
+                  <a:pt x="3446122" y="18288"/>
+                </a:cubicBezTo>
+                <a:cubicBezTo>
+                  <a:pt x="3353851" y="14946"/>
+                  <a:pt x="2990320" y="-8091"/>
+                  <a:pt x="2659212" y="18288"/>
+                </a:cubicBezTo>
+                <a:cubicBezTo>
+                  <a:pt x="2328104" y="44667"/>
+                  <a:pt x="2427653" y="9607"/>
+                  <a:pt x="2306460" y="18288"/>
+                </a:cubicBezTo>
+                <a:cubicBezTo>
+                  <a:pt x="2185267" y="26969"/>
+                  <a:pt x="1719763" y="3717"/>
+                  <a:pt x="1519550" y="18288"/>
+                </a:cubicBezTo>
+                <a:cubicBezTo>
+                  <a:pt x="1319337" y="32860"/>
+                  <a:pt x="1167371" y="17040"/>
+                  <a:pt x="1058258" y="18288"/>
+                </a:cubicBezTo>
+                <a:cubicBezTo>
+                  <a:pt x="949145" y="19536"/>
+                  <a:pt x="780234" y="31447"/>
+                  <a:pt x="705505" y="18288"/>
+                </a:cubicBezTo>
+                <a:cubicBezTo>
+                  <a:pt x="630776" y="5129"/>
+                  <a:pt x="215796" y="30056"/>
+                  <a:pt x="0" y="18288"/>
+                </a:cubicBezTo>
+                <a:cubicBezTo>
+                  <a:pt x="-53" y="11301"/>
+                  <a:pt x="-649" y="7756"/>
+                  <a:pt x="0" y="0"/>
+                </a:cubicBezTo>
+                <a:close/>
+              </a:path>
+            </a:pathLst>
+          </a:custGeom>
+          <a:solidFill>
+            <a:schemeClr val="accent2"/>
+          </a:solidFill>
+          <a:ln w="41275" cap="rnd">
+            <a:solidFill>
+              <a:schemeClr val="accent2"/>
+            </a:solidFill>
+            <a:round/>
+            <a:extLst>
+              <a:ext uri="{C807C97D-BFC1-408E-A445-0C87EB9F89A2}">
+                <ask:lineSketchStyleProps xmlns:ask="http://schemas.microsoft.com/office/drawing/2018/sketchyshapes" sd="1219033472">
+                  <a:prstGeom prst="rect">
+                    <a:avLst/>
+                  </a:prstGeom>
+                  <ask:type>
+                    <ask:lineSketchFreehand/>
+                  </ask:type>
+                </ask:lineSketchStyleProps>
+              </a:ext>
+            </a:extLst>
+          </a:ln>
+        </p:spPr>
+        <p:style>
+          <a:lnRef idx="2">
+            <a:schemeClr val="accent1">
+              <a:shade val="50000"/>
+            </a:schemeClr>
+          </a:lnRef>
+          <a:fillRef idx="1">
+            <a:schemeClr val="accent1"/>
+          </a:fillRef>
+          <a:effectRef idx="0">
+            <a:schemeClr val="accent1"/>
+          </a:effectRef>
+          <a:fontRef idx="minor">
+            <a:schemeClr val="lt1"/>
+          </a:fontRef>
+        </p:style>
+        <p:txBody>
+          <a:bodyPr rtlCol="0" anchor="ctr"/>
+          <a:lstStyle/>
+          <a:p>
+            <a:pPr marL="0" marR="0" lvl="0" indent="0" algn="ctr" defTabSz="914400" rtl="0" eaLnBrk="1" fontAlgn="auto" latinLnBrk="0" hangingPunct="1">
+              <a:lnSpc>
+                <a:spcPct val="100000"/>
+              </a:lnSpc>
+              <a:spcBef>
+                <a:spcPts val="0"/>
+              </a:spcBef>
+              <a:spcAft>
+                <a:spcPts val="0"/>
+              </a:spcAft>
+              <a:buClrTx/>
+              <a:buSzTx/>
+              <a:buFontTx/>
+              <a:buNone/>
+              <a:tabLst/>
+              <a:defRPr/>
+            </a:pPr>
+            <a:endParaRPr kumimoji="0" lang="en-US" sz="1800" b="0" i="0" u="none" strike="noStrike" kern="1200" cap="none" spc="0" normalizeH="0" baseline="0" noProof="0">
+              <a:ln>
+                <a:noFill/>
+              </a:ln>
+              <a:solidFill>
+                <a:prstClr val="white"/>
+              </a:solidFill>
+              <a:effectLst/>
+              <a:uLnTx/>
+              <a:uFillTx/>
+              <a:latin typeface="Calibri" panose="020F0502020204030204"/>
+              <a:ea typeface="+mn-ea"/>
+              <a:cs typeface="+mn-cs"/>
+            </a:endParaRPr>
+          </a:p>
+        </p:txBody>
+      </p:sp>
+      <p:sp>
+        <p:nvSpPr>
+          <p:cNvPr id="3" name="Content Placeholder 2">
+            <a:extLst>
+              <a:ext uri="{FF2B5EF4-FFF2-40B4-BE49-F238E27FC236}">
+                <a16:creationId xmlns:a16="http://schemas.microsoft.com/office/drawing/2014/main" id="{8488D668-F214-4DA3-B821-5715F7AF73CF}"/>
+              </a:ext>
+            </a:extLst>
+          </p:cNvPr>
+          <p:cNvSpPr>
+            <a:spLocks noGrp="1"/>
+          </p:cNvSpPr>
+          <p:nvPr>
+            <p:ph idx="1"/>
+          </p:nvPr>
+        </p:nvSpPr>
+        <p:spPr>
+          <a:xfrm>
+            <a:off x="838200" y="1929384"/>
+            <a:ext cx="10515600" cy="4251960"/>
+          </a:xfrm>
+        </p:spPr>
+        <p:txBody>
+          <a:bodyPr>
+            <a:normAutofit/>
+          </a:bodyPr>
+          <a:lstStyle/>
+          <a:p>
+            <a:r>
+              <a:rPr lang="en-US" sz="2200"/>
+              <a:t>Customer 360 – Marketing/Advertisement</a:t>
+            </a:r>
+          </a:p>
+          <a:p>
+            <a:r>
+              <a:rPr lang="en-US" sz="2200"/>
+              <a:t>Demand Forecasting – </a:t>
+            </a:r>
+            <a:r>
+              <a:rPr lang="en-US" sz="2200">
+                <a:hlinkClick r:id="rId2"/>
+              </a:rPr>
+              <a:t>AutoML</a:t>
+            </a:r>
+            <a:r>
+              <a:rPr lang="en-US" sz="2200"/>
+              <a:t>  - </a:t>
+            </a:r>
+            <a:r>
+              <a:rPr lang="en-US" sz="2200">
+                <a:hlinkClick r:id="rId3"/>
+              </a:rPr>
+              <a:t>Forecast</a:t>
+            </a:r>
+            <a:endParaRPr lang="en-US" sz="2200"/>
+          </a:p>
+          <a:p>
+            <a:r>
+              <a:rPr lang="en-US" sz="2200"/>
+              <a:t>Churn/Co-Sell/Up-Sell</a:t>
+            </a:r>
+          </a:p>
+          <a:p>
+            <a:r>
+              <a:rPr lang="en-US" sz="2200"/>
+              <a:t>Knowledge Mining - </a:t>
+            </a:r>
+            <a:r>
+              <a:rPr lang="en-US" sz="2200">
+                <a:hlinkClick r:id="rId4"/>
+              </a:rPr>
+              <a:t>Demo</a:t>
+            </a:r>
+            <a:endParaRPr lang="en-US" sz="2200"/>
+          </a:p>
+          <a:p>
+            <a:r>
+              <a:rPr lang="en-US" sz="2200"/>
+              <a:t>RPA – Using Cognitive/Form Recognizer – </a:t>
+            </a:r>
+            <a:r>
+              <a:rPr lang="en-US" sz="2200">
+                <a:hlinkClick r:id="rId5"/>
+              </a:rPr>
+              <a:t>Form</a:t>
+            </a:r>
+            <a:endParaRPr lang="en-US" sz="2200"/>
+          </a:p>
+          <a:p>
+            <a:r>
+              <a:rPr lang="en-US" sz="2200"/>
+              <a:t>Intelligent Supply Chain</a:t>
+            </a:r>
+          </a:p>
+        </p:txBody>
+      </p:sp>
+    </p:spTree>
+    <p:extLst>
+      <p:ext uri="{BB962C8B-B14F-4D97-AF65-F5344CB8AC3E}">
+        <p14:creationId xmlns:p14="http://schemas.microsoft.com/office/powerpoint/2010/main" val="1066071701"/>
+      </p:ext>
+    </p:extLst>
+  </p:cSld>
+  <p:clrMapOvr>
+    <a:masterClrMapping/>
+  </p:clrMapOvr>
+</p:sld>
+</file>
+
+<file path=ppt/slides/slide11.xml><?xml version="1.0" encoding="utf-8"?>
+<p:sld xmlns:a="http://schemas.openxmlformats.org/drawingml/2006/main" xmlns:r="http://schemas.openxmlformats.org/officeDocument/2006/relationships" xmlns:p="http://schemas.openxmlformats.org/presentationml/2006/main">
+  <p:cSld>
+    <p:bg>
+      <p:bgPr>
+        <a:solidFill>
+          <a:schemeClr val="bg1"/>
+        </a:solidFill>
+        <a:effectLst/>
+      </p:bgPr>
+    </p:bg>
+    <p:spTree>
+      <p:nvGrpSpPr>
+        <p:cNvPr id="1" name=""/>
+        <p:cNvGrpSpPr/>
+        <p:nvPr/>
+      </p:nvGrpSpPr>
+      <p:grpSpPr>
+        <a:xfrm>
+          <a:off x="0" y="0"/>
+          <a:ext cx="0" cy="0"/>
+          <a:chOff x="0" y="0"/>
+          <a:chExt cx="0" cy="0"/>
+        </a:xfrm>
+      </p:grpSpPr>
+      <p:sp useBgFill="1">
+        <p:nvSpPr>
+          <p:cNvPr id="28" name="Rectangle 24">
+            <a:extLst>
+              <a:ext uri="{FF2B5EF4-FFF2-40B4-BE49-F238E27FC236}">
+                <a16:creationId xmlns:a16="http://schemas.microsoft.com/office/drawing/2014/main" id="{100EDD19-6802-4EC3-95CE-CFFAB042CFD6}"/>
+              </a:ext>
+              <a:ext uri="{C183D7F6-B498-43B3-948B-1728B52AA6E4}">
+                <adec:decorative xmlns:adec="http://schemas.microsoft.com/office/drawing/2017/decorative" val="1"/>
+              </a:ext>
+            </a:extLst>
+          </p:cNvPr>
+          <p:cNvSpPr>
+            <a:spLocks noGrp="1" noRot="1" noChangeAspect="1" noMove="1" noResize="1" noEditPoints="1" noAdjustHandles="1" noChangeArrowheads="1" noChangeShapeType="1" noTextEdit="1"/>
+          </p:cNvSpPr>
+          <p:nvPr>
+            <p:extLst>
+              <p:ext uri="{386F3935-93C4-4BCD-93E2-E3B085C9AB24}">
+                <p16:designElem xmlns:p16="http://schemas.microsoft.com/office/powerpoint/2015/main" val="1"/>
+              </p:ext>
+            </p:extLst>
+          </p:nvPr>
+        </p:nvSpPr>
+        <p:spPr>
+          <a:xfrm>
+            <a:off x="0" y="0"/>
+            <a:ext cx="12188952" cy="6858000"/>
+          </a:xfrm>
+          <a:prstGeom prst="rect">
+            <a:avLst/>
+          </a:prstGeom>
+          <a:ln>
+            <a:noFill/>
+          </a:ln>
+        </p:spPr>
+        <p:style>
+          <a:lnRef idx="2">
+            <a:schemeClr val="accent1">
+              <a:shade val="50000"/>
+            </a:schemeClr>
+          </a:lnRef>
+          <a:fillRef idx="1">
+            <a:schemeClr val="accent1"/>
+          </a:fillRef>
+          <a:effectRef idx="0">
+            <a:schemeClr val="accent1"/>
+          </a:effectRef>
+          <a:fontRef idx="minor">
+            <a:schemeClr val="lt1"/>
+          </a:fontRef>
+        </p:style>
+        <p:txBody>
+          <a:bodyPr rtlCol="0" anchor="ctr"/>
+          <a:lstStyle/>
+          <a:p>
+            <a:pPr marL="0" marR="0" lvl="0" indent="0" algn="ctr" defTabSz="914400" rtl="0" eaLnBrk="1" fontAlgn="auto" latinLnBrk="0" hangingPunct="1">
+              <a:lnSpc>
+                <a:spcPct val="100000"/>
+              </a:lnSpc>
+              <a:spcBef>
+                <a:spcPts val="0"/>
+              </a:spcBef>
+              <a:spcAft>
+                <a:spcPts val="0"/>
+              </a:spcAft>
+              <a:buClrTx/>
+              <a:buSzTx/>
+              <a:buFontTx/>
+              <a:buNone/>
+              <a:tabLst/>
+              <a:defRPr/>
+            </a:pPr>
+            <a:endParaRPr kumimoji="0" lang="en-US" sz="1800" b="0" i="0" u="none" strike="noStrike" kern="1200" cap="none" spc="0" normalizeH="0" baseline="0" noProof="0">
+              <a:ln>
+                <a:noFill/>
+              </a:ln>
+              <a:solidFill>
+                <a:prstClr val="white"/>
+              </a:solidFill>
+              <a:effectLst/>
+              <a:uLnTx/>
+              <a:uFillTx/>
+              <a:latin typeface="Calibri" panose="020F0502020204030204"/>
+              <a:ea typeface="+mn-ea"/>
+              <a:cs typeface="+mn-cs"/>
+            </a:endParaRPr>
+          </a:p>
+        </p:txBody>
+      </p:sp>
+      <p:sp>
+        <p:nvSpPr>
+          <p:cNvPr id="2" name="Title 1">
+            <a:extLst>
+              <a:ext uri="{FF2B5EF4-FFF2-40B4-BE49-F238E27FC236}">
+                <a16:creationId xmlns:a16="http://schemas.microsoft.com/office/drawing/2014/main" id="{D31034C6-318F-4E54-9EAE-3045EAA3013B}"/>
+              </a:ext>
+            </a:extLst>
+          </p:cNvPr>
+          <p:cNvSpPr>
+            <a:spLocks noGrp="1"/>
+          </p:cNvSpPr>
+          <p:nvPr>
+            <p:ph type="title"/>
+          </p:nvPr>
+        </p:nvSpPr>
+        <p:spPr>
+          <a:xfrm>
+            <a:off x="838200" y="365125"/>
+            <a:ext cx="10515600" cy="1325563"/>
+          </a:xfrm>
+        </p:spPr>
+        <p:txBody>
+          <a:bodyPr>
+            <a:normAutofit/>
+          </a:bodyPr>
+          <a:lstStyle/>
+          <a:p>
+            <a:r>
+              <a:rPr lang="en-US" sz="5400"/>
+              <a:t>RPA</a:t>
+            </a:r>
+          </a:p>
+        </p:txBody>
+      </p:sp>
+      <p:sp>
+        <p:nvSpPr>
+          <p:cNvPr id="27" name="sketch line">
+            <a:extLst>
+              <a:ext uri="{FF2B5EF4-FFF2-40B4-BE49-F238E27FC236}">
+                <a16:creationId xmlns:a16="http://schemas.microsoft.com/office/drawing/2014/main" id="{DB17E863-922E-4C26-BD64-E8FD41D28661}"/>
+              </a:ext>
+              <a:ext uri="{C183D7F6-B498-43B3-948B-1728B52AA6E4}">
+                <adec:decorative xmlns:adec="http://schemas.microsoft.com/office/drawing/2017/decorative" val="1"/>
+              </a:ext>
+            </a:extLst>
+          </p:cNvPr>
+          <p:cNvSpPr>
+            <a:spLocks noGrp="1" noRot="1" noChangeAspect="1" noMove="1" noResize="1" noEditPoints="1" noAdjustHandles="1" noChangeArrowheads="1" noChangeShapeType="1" noTextEdit="1"/>
+          </p:cNvSpPr>
+          <p:nvPr>
+            <p:extLst>
+              <p:ext uri="{386F3935-93C4-4BCD-93E2-E3B085C9AB24}">
+                <p16:designElem xmlns:p16="http://schemas.microsoft.com/office/powerpoint/2015/main" val="1"/>
+              </p:ext>
+            </p:extLst>
+          </p:nvPr>
+        </p:nvSpPr>
+        <p:spPr>
+          <a:xfrm>
+            <a:off x="669036" y="1677373"/>
+            <a:ext cx="10853928" cy="18288"/>
+          </a:xfrm>
+          <a:custGeom>
+            <a:avLst/>
+            <a:gdLst>
+              <a:gd name="connsiteX0" fmla="*/ 0 w 10853928"/>
+              <a:gd name="connsiteY0" fmla="*/ 0 h 18288"/>
+              <a:gd name="connsiteX1" fmla="*/ 461292 w 10853928"/>
+              <a:gd name="connsiteY1" fmla="*/ 0 h 18288"/>
+              <a:gd name="connsiteX2" fmla="*/ 1139662 w 10853928"/>
+              <a:gd name="connsiteY2" fmla="*/ 0 h 18288"/>
+              <a:gd name="connsiteX3" fmla="*/ 1926572 w 10853928"/>
+              <a:gd name="connsiteY3" fmla="*/ 0 h 18288"/>
+              <a:gd name="connsiteX4" fmla="*/ 2279325 w 10853928"/>
+              <a:gd name="connsiteY4" fmla="*/ 0 h 18288"/>
+              <a:gd name="connsiteX5" fmla="*/ 2632078 w 10853928"/>
+              <a:gd name="connsiteY5" fmla="*/ 0 h 18288"/>
+              <a:gd name="connsiteX6" fmla="*/ 3527527 w 10853928"/>
+              <a:gd name="connsiteY6" fmla="*/ 0 h 18288"/>
+              <a:gd name="connsiteX7" fmla="*/ 4205897 w 10853928"/>
+              <a:gd name="connsiteY7" fmla="*/ 0 h 18288"/>
+              <a:gd name="connsiteX8" fmla="*/ 4558650 w 10853928"/>
+              <a:gd name="connsiteY8" fmla="*/ 0 h 18288"/>
+              <a:gd name="connsiteX9" fmla="*/ 5237020 w 10853928"/>
+              <a:gd name="connsiteY9" fmla="*/ 0 h 18288"/>
+              <a:gd name="connsiteX10" fmla="*/ 6132469 w 10853928"/>
+              <a:gd name="connsiteY10" fmla="*/ 0 h 18288"/>
+              <a:gd name="connsiteX11" fmla="*/ 6702301 w 10853928"/>
+              <a:gd name="connsiteY11" fmla="*/ 0 h 18288"/>
+              <a:gd name="connsiteX12" fmla="*/ 7272132 w 10853928"/>
+              <a:gd name="connsiteY12" fmla="*/ 0 h 18288"/>
+              <a:gd name="connsiteX13" fmla="*/ 7950502 w 10853928"/>
+              <a:gd name="connsiteY13" fmla="*/ 0 h 18288"/>
+              <a:gd name="connsiteX14" fmla="*/ 8737412 w 10853928"/>
+              <a:gd name="connsiteY14" fmla="*/ 0 h 18288"/>
+              <a:gd name="connsiteX15" fmla="*/ 9524322 w 10853928"/>
+              <a:gd name="connsiteY15" fmla="*/ 0 h 18288"/>
+              <a:gd name="connsiteX16" fmla="*/ 10853928 w 10853928"/>
+              <a:gd name="connsiteY16" fmla="*/ 0 h 18288"/>
+              <a:gd name="connsiteX17" fmla="*/ 10853928 w 10853928"/>
+              <a:gd name="connsiteY17" fmla="*/ 18288 h 18288"/>
+              <a:gd name="connsiteX18" fmla="*/ 10392636 w 10853928"/>
+              <a:gd name="connsiteY18" fmla="*/ 18288 h 18288"/>
+              <a:gd name="connsiteX19" fmla="*/ 9497187 w 10853928"/>
+              <a:gd name="connsiteY19" fmla="*/ 18288 h 18288"/>
+              <a:gd name="connsiteX20" fmla="*/ 8818817 w 10853928"/>
+              <a:gd name="connsiteY20" fmla="*/ 18288 h 18288"/>
+              <a:gd name="connsiteX21" fmla="*/ 8466064 w 10853928"/>
+              <a:gd name="connsiteY21" fmla="*/ 18288 h 18288"/>
+              <a:gd name="connsiteX22" fmla="*/ 7787693 w 10853928"/>
+              <a:gd name="connsiteY22" fmla="*/ 18288 h 18288"/>
+              <a:gd name="connsiteX23" fmla="*/ 7217862 w 10853928"/>
+              <a:gd name="connsiteY23" fmla="*/ 18288 h 18288"/>
+              <a:gd name="connsiteX24" fmla="*/ 6648031 w 10853928"/>
+              <a:gd name="connsiteY24" fmla="*/ 18288 h 18288"/>
+              <a:gd name="connsiteX25" fmla="*/ 6078200 w 10853928"/>
+              <a:gd name="connsiteY25" fmla="*/ 18288 h 18288"/>
+              <a:gd name="connsiteX26" fmla="*/ 5508368 w 10853928"/>
+              <a:gd name="connsiteY26" fmla="*/ 18288 h 18288"/>
+              <a:gd name="connsiteX27" fmla="*/ 4721459 w 10853928"/>
+              <a:gd name="connsiteY27" fmla="*/ 18288 h 18288"/>
+              <a:gd name="connsiteX28" fmla="*/ 4043088 w 10853928"/>
+              <a:gd name="connsiteY28" fmla="*/ 18288 h 18288"/>
+              <a:gd name="connsiteX29" fmla="*/ 3690336 w 10853928"/>
+              <a:gd name="connsiteY29" fmla="*/ 18288 h 18288"/>
+              <a:gd name="connsiteX30" fmla="*/ 3120504 w 10853928"/>
+              <a:gd name="connsiteY30" fmla="*/ 18288 h 18288"/>
+              <a:gd name="connsiteX31" fmla="*/ 2333595 w 10853928"/>
+              <a:gd name="connsiteY31" fmla="*/ 18288 h 18288"/>
+              <a:gd name="connsiteX32" fmla="*/ 1872303 w 10853928"/>
+              <a:gd name="connsiteY32" fmla="*/ 18288 h 18288"/>
+              <a:gd name="connsiteX33" fmla="*/ 976854 w 10853928"/>
+              <a:gd name="connsiteY33" fmla="*/ 18288 h 18288"/>
+              <a:gd name="connsiteX34" fmla="*/ 0 w 10853928"/>
+              <a:gd name="connsiteY34" fmla="*/ 18288 h 18288"/>
+              <a:gd name="connsiteX35" fmla="*/ 0 w 10853928"/>
+              <a:gd name="connsiteY35" fmla="*/ 0 h 18288"/>
+            </a:gdLst>
+            <a:ahLst/>
+            <a:cxnLst>
+              <a:cxn ang="0">
+                <a:pos x="connsiteX0" y="connsiteY0"/>
+              </a:cxn>
+              <a:cxn ang="0">
+                <a:pos x="connsiteX1" y="connsiteY1"/>
+              </a:cxn>
+              <a:cxn ang="0">
+                <a:pos x="connsiteX2" y="connsiteY2"/>
+              </a:cxn>
+              <a:cxn ang="0">
+                <a:pos x="connsiteX3" y="connsiteY3"/>
+              </a:cxn>
+              <a:cxn ang="0">
+                <a:pos x="connsiteX4" y="connsiteY4"/>
+              </a:cxn>
+              <a:cxn ang="0">
+                <a:pos x="connsiteX5" y="connsiteY5"/>
+              </a:cxn>
+              <a:cxn ang="0">
+                <a:pos x="connsiteX6" y="connsiteY6"/>
+              </a:cxn>
+              <a:cxn ang="0">
+                <a:pos x="connsiteX7" y="connsiteY7"/>
+              </a:cxn>
+              <a:cxn ang="0">
+                <a:pos x="connsiteX8" y="connsiteY8"/>
+              </a:cxn>
+              <a:cxn ang="0">
+                <a:pos x="connsiteX9" y="connsiteY9"/>
+              </a:cxn>
+              <a:cxn ang="0">
+                <a:pos x="connsiteX10" y="connsiteY10"/>
+              </a:cxn>
+              <a:cxn ang="0">
+                <a:pos x="connsiteX11" y="connsiteY11"/>
+              </a:cxn>
+              <a:cxn ang="0">
+                <a:pos x="connsiteX12" y="connsiteY12"/>
+              </a:cxn>
+              <a:cxn ang="0">
+                <a:pos x="connsiteX13" y="connsiteY13"/>
+              </a:cxn>
+              <a:cxn ang="0">
+                <a:pos x="connsiteX14" y="connsiteY14"/>
+              </a:cxn>
+              <a:cxn ang="0">
+                <a:pos x="connsiteX15" y="connsiteY15"/>
+              </a:cxn>
+              <a:cxn ang="0">
+                <a:pos x="connsiteX16" y="connsiteY16"/>
+              </a:cxn>
+              <a:cxn ang="0">
+                <a:pos x="connsiteX17" y="connsiteY17"/>
+              </a:cxn>
+              <a:cxn ang="0">
+                <a:pos x="connsiteX18" y="connsiteY18"/>
+              </a:cxn>
+              <a:cxn ang="0">
+                <a:pos x="connsiteX19" y="connsiteY19"/>
+              </a:cxn>
+              <a:cxn ang="0">
+                <a:pos x="connsiteX20" y="connsiteY20"/>
+              </a:cxn>
+              <a:cxn ang="0">
+                <a:pos x="connsiteX21" y="connsiteY21"/>
+              </a:cxn>
+              <a:cxn ang="0">
+                <a:pos x="connsiteX22" y="connsiteY22"/>
+              </a:cxn>
+              <a:cxn ang="0">
+                <a:pos x="connsiteX23" y="connsiteY23"/>
+              </a:cxn>
+              <a:cxn ang="0">
+                <a:pos x="connsiteX24" y="connsiteY24"/>
+              </a:cxn>
+              <a:cxn ang="0">
+                <a:pos x="connsiteX25" y="connsiteY25"/>
+              </a:cxn>
+              <a:cxn ang="0">
+                <a:pos x="connsiteX26" y="connsiteY26"/>
+              </a:cxn>
+              <a:cxn ang="0">
+                <a:pos x="connsiteX27" y="connsiteY27"/>
+              </a:cxn>
+              <a:cxn ang="0">
+                <a:pos x="connsiteX28" y="connsiteY28"/>
+              </a:cxn>
+              <a:cxn ang="0">
+                <a:pos x="connsiteX29" y="connsiteY29"/>
+              </a:cxn>
+              <a:cxn ang="0">
+                <a:pos x="connsiteX30" y="connsiteY30"/>
+              </a:cxn>
+              <a:cxn ang="0">
+                <a:pos x="connsiteX31" y="connsiteY31"/>
+              </a:cxn>
+              <a:cxn ang="0">
+                <a:pos x="connsiteX32" y="connsiteY32"/>
+              </a:cxn>
+              <a:cxn ang="0">
+                <a:pos x="connsiteX33" y="connsiteY33"/>
+              </a:cxn>
+              <a:cxn ang="0">
+                <a:pos x="connsiteX34" y="connsiteY34"/>
+              </a:cxn>
+              <a:cxn ang="0">
+                <a:pos x="connsiteX35" y="connsiteY35"/>
+              </a:cxn>
+            </a:cxnLst>
+            <a:rect l="l" t="t" r="r" b="b"/>
+            <a:pathLst>
+              <a:path w="10853928" h="18288" fill="none" extrusionOk="0">
+                <a:moveTo>
+                  <a:pt x="0" y="0"/>
+                </a:moveTo>
+                <a:cubicBezTo>
+                  <a:pt x="146993" y="-19076"/>
+                  <a:pt x="347684" y="-4790"/>
+                  <a:pt x="461292" y="0"/>
+                </a:cubicBezTo>
+                <a:cubicBezTo>
+                  <a:pt x="574900" y="4790"/>
+                  <a:pt x="808367" y="19821"/>
+                  <a:pt x="1139662" y="0"/>
+                </a:cubicBezTo>
+                <a:cubicBezTo>
+                  <a:pt x="1470957" y="-19821"/>
+                  <a:pt x="1627405" y="5721"/>
+                  <a:pt x="1926572" y="0"/>
+                </a:cubicBezTo>
+                <a:cubicBezTo>
+                  <a:pt x="2225739" y="-5721"/>
+                  <a:pt x="2137730" y="-3235"/>
+                  <a:pt x="2279325" y="0"/>
+                </a:cubicBezTo>
+                <a:cubicBezTo>
+                  <a:pt x="2420920" y="3235"/>
+                  <a:pt x="2456518" y="9685"/>
+                  <a:pt x="2632078" y="0"/>
+                </a:cubicBezTo>
+                <a:cubicBezTo>
+                  <a:pt x="2807638" y="-9685"/>
+                  <a:pt x="3211516" y="-43007"/>
+                  <a:pt x="3527527" y="0"/>
+                </a:cubicBezTo>
+                <a:cubicBezTo>
+                  <a:pt x="3843538" y="43007"/>
+                  <a:pt x="4058833" y="22042"/>
+                  <a:pt x="4205897" y="0"/>
+                </a:cubicBezTo>
+                <a:cubicBezTo>
+                  <a:pt x="4352961" y="-22042"/>
+                  <a:pt x="4474805" y="-11846"/>
+                  <a:pt x="4558650" y="0"/>
+                </a:cubicBezTo>
+                <a:cubicBezTo>
+                  <a:pt x="4642495" y="11846"/>
+                  <a:pt x="5041928" y="-6069"/>
+                  <a:pt x="5237020" y="0"/>
+                </a:cubicBezTo>
+                <a:cubicBezTo>
+                  <a:pt x="5432112" y="6069"/>
+                  <a:pt x="5943266" y="-17479"/>
+                  <a:pt x="6132469" y="0"/>
+                </a:cubicBezTo>
+                <a:cubicBezTo>
+                  <a:pt x="6321672" y="17479"/>
+                  <a:pt x="6483872" y="26234"/>
+                  <a:pt x="6702301" y="0"/>
+                </a:cubicBezTo>
+                <a:cubicBezTo>
+                  <a:pt x="6920730" y="-26234"/>
+                  <a:pt x="6991194" y="-15156"/>
+                  <a:pt x="7272132" y="0"/>
+                </a:cubicBezTo>
+                <a:cubicBezTo>
+                  <a:pt x="7553070" y="15156"/>
+                  <a:pt x="7684444" y="-32961"/>
+                  <a:pt x="7950502" y="0"/>
+                </a:cubicBezTo>
+                <a:cubicBezTo>
+                  <a:pt x="8216560" y="32961"/>
+                  <a:pt x="8493290" y="-10491"/>
+                  <a:pt x="8737412" y="0"/>
+                </a:cubicBezTo>
+                <a:cubicBezTo>
+                  <a:pt x="8981534" y="10491"/>
+                  <a:pt x="9191586" y="-13899"/>
+                  <a:pt x="9524322" y="0"/>
+                </a:cubicBezTo>
+                <a:cubicBezTo>
+                  <a:pt x="9857058" y="13899"/>
+                  <a:pt x="10297509" y="7485"/>
+                  <a:pt x="10853928" y="0"/>
+                </a:cubicBezTo>
+                <a:cubicBezTo>
+                  <a:pt x="10854574" y="4451"/>
+                  <a:pt x="10854418" y="9226"/>
+                  <a:pt x="10853928" y="18288"/>
+                </a:cubicBezTo>
+                <a:cubicBezTo>
+                  <a:pt x="10691638" y="28522"/>
+                  <a:pt x="10574319" y="29578"/>
+                  <a:pt x="10392636" y="18288"/>
+                </a:cubicBezTo>
+                <a:cubicBezTo>
+                  <a:pt x="10210953" y="6998"/>
+                  <a:pt x="9836277" y="-16742"/>
+                  <a:pt x="9497187" y="18288"/>
+                </a:cubicBezTo>
+                <a:cubicBezTo>
+                  <a:pt x="9158097" y="53318"/>
+                  <a:pt x="9119479" y="30714"/>
+                  <a:pt x="8818817" y="18288"/>
+                </a:cubicBezTo>
+                <a:cubicBezTo>
+                  <a:pt x="8518155" y="5863"/>
+                  <a:pt x="8640037" y="6483"/>
+                  <a:pt x="8466064" y="18288"/>
+                </a:cubicBezTo>
+                <a:cubicBezTo>
+                  <a:pt x="8292091" y="30093"/>
+                  <a:pt x="7997656" y="18914"/>
+                  <a:pt x="7787693" y="18288"/>
+                </a:cubicBezTo>
+                <a:cubicBezTo>
+                  <a:pt x="7577730" y="17662"/>
+                  <a:pt x="7412468" y="21416"/>
+                  <a:pt x="7217862" y="18288"/>
+                </a:cubicBezTo>
+                <a:cubicBezTo>
+                  <a:pt x="7023256" y="15160"/>
+                  <a:pt x="6898018" y="14824"/>
+                  <a:pt x="6648031" y="18288"/>
+                </a:cubicBezTo>
+                <a:cubicBezTo>
+                  <a:pt x="6398044" y="21752"/>
+                  <a:pt x="6254402" y="38625"/>
+                  <a:pt x="6078200" y="18288"/>
+                </a:cubicBezTo>
+                <a:cubicBezTo>
+                  <a:pt x="5901998" y="-2049"/>
+                  <a:pt x="5622886" y="3213"/>
+                  <a:pt x="5508368" y="18288"/>
+                </a:cubicBezTo>
+                <a:cubicBezTo>
+                  <a:pt x="5393850" y="33363"/>
+                  <a:pt x="5036260" y="26830"/>
+                  <a:pt x="4721459" y="18288"/>
+                </a:cubicBezTo>
+                <a:cubicBezTo>
+                  <a:pt x="4406658" y="9746"/>
+                  <a:pt x="4239221" y="41551"/>
+                  <a:pt x="4043088" y="18288"/>
+                </a:cubicBezTo>
+                <a:cubicBezTo>
+                  <a:pt x="3846955" y="-4975"/>
+                  <a:pt x="3818802" y="34658"/>
+                  <a:pt x="3690336" y="18288"/>
+                </a:cubicBezTo>
+                <a:cubicBezTo>
+                  <a:pt x="3561870" y="1918"/>
+                  <a:pt x="3265491" y="42194"/>
+                  <a:pt x="3120504" y="18288"/>
+                </a:cubicBezTo>
+                <a:cubicBezTo>
+                  <a:pt x="2975517" y="-5618"/>
+                  <a:pt x="2720254" y="36673"/>
+                  <a:pt x="2333595" y="18288"/>
+                </a:cubicBezTo>
+                <a:cubicBezTo>
+                  <a:pt x="1946936" y="-97"/>
+                  <a:pt x="2097241" y="5776"/>
+                  <a:pt x="1872303" y="18288"/>
+                </a:cubicBezTo>
+                <a:cubicBezTo>
+                  <a:pt x="1647365" y="30800"/>
+                  <a:pt x="1282708" y="45380"/>
+                  <a:pt x="976854" y="18288"/>
+                </a:cubicBezTo>
+                <a:cubicBezTo>
+                  <a:pt x="671000" y="-8804"/>
+                  <a:pt x="408401" y="-12775"/>
+                  <a:pt x="0" y="18288"/>
+                </a:cubicBezTo>
+                <a:cubicBezTo>
+                  <a:pt x="-213" y="9468"/>
+                  <a:pt x="187" y="4459"/>
+                  <a:pt x="0" y="0"/>
+                </a:cubicBezTo>
+                <a:close/>
+              </a:path>
+              <a:path w="10853928" h="18288" stroke="0" extrusionOk="0">
+                <a:moveTo>
+                  <a:pt x="0" y="0"/>
+                </a:moveTo>
+                <a:cubicBezTo>
+                  <a:pt x="267322" y="15284"/>
+                  <a:pt x="415388" y="-21048"/>
+                  <a:pt x="569831" y="0"/>
+                </a:cubicBezTo>
+                <a:cubicBezTo>
+                  <a:pt x="724274" y="21048"/>
+                  <a:pt x="769333" y="-2353"/>
+                  <a:pt x="922584" y="0"/>
+                </a:cubicBezTo>
+                <a:cubicBezTo>
+                  <a:pt x="1075835" y="2353"/>
+                  <a:pt x="1399490" y="-145"/>
+                  <a:pt x="1818033" y="0"/>
+                </a:cubicBezTo>
+                <a:cubicBezTo>
+                  <a:pt x="2236576" y="145"/>
+                  <a:pt x="2145330" y="5482"/>
+                  <a:pt x="2387864" y="0"/>
+                </a:cubicBezTo>
+                <a:cubicBezTo>
+                  <a:pt x="2630398" y="-5482"/>
+                  <a:pt x="2793207" y="18487"/>
+                  <a:pt x="2957695" y="0"/>
+                </a:cubicBezTo>
+                <a:cubicBezTo>
+                  <a:pt x="3122183" y="-18487"/>
+                  <a:pt x="3579141" y="19003"/>
+                  <a:pt x="3853144" y="0"/>
+                </a:cubicBezTo>
+                <a:cubicBezTo>
+                  <a:pt x="4127147" y="-19003"/>
+                  <a:pt x="4209857" y="12211"/>
+                  <a:pt x="4314436" y="0"/>
+                </a:cubicBezTo>
+                <a:cubicBezTo>
+                  <a:pt x="4419015" y="-12211"/>
+                  <a:pt x="4762459" y="-17220"/>
+                  <a:pt x="5209885" y="0"/>
+                </a:cubicBezTo>
+                <a:cubicBezTo>
+                  <a:pt x="5657311" y="17220"/>
+                  <a:pt x="5692663" y="-3290"/>
+                  <a:pt x="6105335" y="0"/>
+                </a:cubicBezTo>
+                <a:cubicBezTo>
+                  <a:pt x="6518007" y="3290"/>
+                  <a:pt x="6455516" y="-5124"/>
+                  <a:pt x="6783705" y="0"/>
+                </a:cubicBezTo>
+                <a:cubicBezTo>
+                  <a:pt x="7111894" y="5124"/>
+                  <a:pt x="7441941" y="-17829"/>
+                  <a:pt x="7679154" y="0"/>
+                </a:cubicBezTo>
+                <a:cubicBezTo>
+                  <a:pt x="7916367" y="17829"/>
+                  <a:pt x="8102967" y="-24363"/>
+                  <a:pt x="8248985" y="0"/>
+                </a:cubicBezTo>
+                <a:cubicBezTo>
+                  <a:pt x="8395003" y="24363"/>
+                  <a:pt x="8552393" y="25505"/>
+                  <a:pt x="8818817" y="0"/>
+                </a:cubicBezTo>
+                <a:cubicBezTo>
+                  <a:pt x="9085241" y="-25505"/>
+                  <a:pt x="9411308" y="38000"/>
+                  <a:pt x="9605726" y="0"/>
+                </a:cubicBezTo>
+                <a:cubicBezTo>
+                  <a:pt x="9800144" y="-38000"/>
+                  <a:pt x="10006468" y="-25741"/>
+                  <a:pt x="10175558" y="0"/>
+                </a:cubicBezTo>
+                <a:cubicBezTo>
+                  <a:pt x="10344648" y="25741"/>
+                  <a:pt x="10696282" y="695"/>
+                  <a:pt x="10853928" y="0"/>
+                </a:cubicBezTo>
+                <a:cubicBezTo>
+                  <a:pt x="10853521" y="8690"/>
+                  <a:pt x="10853774" y="14141"/>
+                  <a:pt x="10853928" y="18288"/>
+                </a:cubicBezTo>
+                <a:cubicBezTo>
+                  <a:pt x="10608124" y="24255"/>
+                  <a:pt x="10343415" y="22307"/>
+                  <a:pt x="10067018" y="18288"/>
+                </a:cubicBezTo>
+                <a:cubicBezTo>
+                  <a:pt x="9790621" y="14270"/>
+                  <a:pt x="9843266" y="3564"/>
+                  <a:pt x="9714266" y="18288"/>
+                </a:cubicBezTo>
+                <a:cubicBezTo>
+                  <a:pt x="9585266" y="33012"/>
+                  <a:pt x="9379484" y="1875"/>
+                  <a:pt x="9252974" y="18288"/>
+                </a:cubicBezTo>
+                <a:cubicBezTo>
+                  <a:pt x="9126464" y="34701"/>
+                  <a:pt x="8580678" y="-4904"/>
+                  <a:pt x="8357525" y="18288"/>
+                </a:cubicBezTo>
+                <a:cubicBezTo>
+                  <a:pt x="8134372" y="41480"/>
+                  <a:pt x="7903199" y="26458"/>
+                  <a:pt x="7679154" y="18288"/>
+                </a:cubicBezTo>
+                <a:cubicBezTo>
+                  <a:pt x="7455109" y="10118"/>
+                  <a:pt x="7435944" y="27109"/>
+                  <a:pt x="7217862" y="18288"/>
+                </a:cubicBezTo>
+                <a:cubicBezTo>
+                  <a:pt x="6999780" y="9467"/>
+                  <a:pt x="6680409" y="18985"/>
+                  <a:pt x="6539492" y="18288"/>
+                </a:cubicBezTo>
+                <a:cubicBezTo>
+                  <a:pt x="6398575" y="17592"/>
+                  <a:pt x="6312077" y="33018"/>
+                  <a:pt x="6186739" y="18288"/>
+                </a:cubicBezTo>
+                <a:cubicBezTo>
+                  <a:pt x="6061401" y="3558"/>
+                  <a:pt x="5947033" y="12075"/>
+                  <a:pt x="5833986" y="18288"/>
+                </a:cubicBezTo>
+                <a:cubicBezTo>
+                  <a:pt x="5720939" y="24501"/>
+                  <a:pt x="5482226" y="8586"/>
+                  <a:pt x="5155616" y="18288"/>
+                </a:cubicBezTo>
+                <a:cubicBezTo>
+                  <a:pt x="4829006" y="27991"/>
+                  <a:pt x="4841274" y="29316"/>
+                  <a:pt x="4694324" y="18288"/>
+                </a:cubicBezTo>
+                <a:cubicBezTo>
+                  <a:pt x="4547374" y="7260"/>
+                  <a:pt x="4077675" y="7013"/>
+                  <a:pt x="3907414" y="18288"/>
+                </a:cubicBezTo>
+                <a:cubicBezTo>
+                  <a:pt x="3737153" y="29564"/>
+                  <a:pt x="3538393" y="21630"/>
+                  <a:pt x="3446122" y="18288"/>
+                </a:cubicBezTo>
+                <a:cubicBezTo>
+                  <a:pt x="3353851" y="14946"/>
+                  <a:pt x="2990320" y="-8091"/>
+                  <a:pt x="2659212" y="18288"/>
+                </a:cubicBezTo>
+                <a:cubicBezTo>
+                  <a:pt x="2328104" y="44667"/>
+                  <a:pt x="2427653" y="9607"/>
+                  <a:pt x="2306460" y="18288"/>
+                </a:cubicBezTo>
+                <a:cubicBezTo>
+                  <a:pt x="2185267" y="26969"/>
+                  <a:pt x="1719763" y="3717"/>
+                  <a:pt x="1519550" y="18288"/>
+                </a:cubicBezTo>
+                <a:cubicBezTo>
+                  <a:pt x="1319337" y="32860"/>
+                  <a:pt x="1167371" y="17040"/>
+                  <a:pt x="1058258" y="18288"/>
+                </a:cubicBezTo>
+                <a:cubicBezTo>
+                  <a:pt x="949145" y="19536"/>
+                  <a:pt x="780234" y="31447"/>
+                  <a:pt x="705505" y="18288"/>
+                </a:cubicBezTo>
+                <a:cubicBezTo>
+                  <a:pt x="630776" y="5129"/>
+                  <a:pt x="215796" y="30056"/>
+                  <a:pt x="0" y="18288"/>
+                </a:cubicBezTo>
+                <a:cubicBezTo>
+                  <a:pt x="-53" y="11301"/>
+                  <a:pt x="-649" y="7756"/>
+                  <a:pt x="0" y="0"/>
+                </a:cubicBezTo>
+                <a:close/>
+              </a:path>
+            </a:pathLst>
+          </a:custGeom>
+          <a:solidFill>
+            <a:schemeClr val="accent2"/>
+          </a:solidFill>
+          <a:ln w="41275" cap="rnd">
+            <a:solidFill>
+              <a:schemeClr val="accent2"/>
+            </a:solidFill>
+            <a:round/>
+            <a:extLst>
+              <a:ext uri="{C807C97D-BFC1-408E-A445-0C87EB9F89A2}">
+                <ask:lineSketchStyleProps xmlns:ask="http://schemas.microsoft.com/office/drawing/2018/sketchyshapes" sd="1219033472">
+                  <a:prstGeom prst="rect">
+                    <a:avLst/>
+                  </a:prstGeom>
+                  <ask:type>
+                    <ask:lineSketchFreehand/>
+                  </ask:type>
+                </ask:lineSketchStyleProps>
+              </a:ext>
+            </a:extLst>
+          </a:ln>
+        </p:spPr>
+        <p:style>
+          <a:lnRef idx="2">
+            <a:schemeClr val="accent1">
+              <a:shade val="50000"/>
+            </a:schemeClr>
+          </a:lnRef>
+          <a:fillRef idx="1">
+            <a:schemeClr val="accent1"/>
+          </a:fillRef>
+          <a:effectRef idx="0">
+            <a:schemeClr val="accent1"/>
+          </a:effectRef>
+          <a:fontRef idx="minor">
+            <a:schemeClr val="lt1"/>
+          </a:fontRef>
+        </p:style>
+        <p:txBody>
+          <a:bodyPr rtlCol="0" anchor="ctr"/>
+          <a:lstStyle/>
+          <a:p>
+            <a:pPr marL="0" marR="0" lvl="0" indent="0" algn="ctr" defTabSz="914400" rtl="0" eaLnBrk="1" fontAlgn="auto" latinLnBrk="0" hangingPunct="1">
+              <a:lnSpc>
+                <a:spcPct val="100000"/>
+              </a:lnSpc>
+              <a:spcBef>
+                <a:spcPts val="0"/>
+              </a:spcBef>
+              <a:spcAft>
+                <a:spcPts val="0"/>
+              </a:spcAft>
+              <a:buClrTx/>
+              <a:buSzTx/>
+              <a:buFontTx/>
+              <a:buNone/>
+              <a:tabLst/>
+              <a:defRPr/>
+            </a:pPr>
+            <a:endParaRPr kumimoji="0" lang="en-US" sz="1800" b="0" i="0" u="none" strike="noStrike" kern="1200" cap="none" spc="0" normalizeH="0" baseline="0" noProof="0">
+              <a:ln>
+                <a:noFill/>
+              </a:ln>
+              <a:solidFill>
+                <a:prstClr val="white"/>
+              </a:solidFill>
+              <a:effectLst/>
+              <a:uLnTx/>
+              <a:uFillTx/>
+              <a:latin typeface="Calibri" panose="020F0502020204030204"/>
+              <a:ea typeface="+mn-ea"/>
+              <a:cs typeface="+mn-cs"/>
+            </a:endParaRPr>
+          </a:p>
+        </p:txBody>
+      </p:sp>
+      <p:sp>
+        <p:nvSpPr>
+          <p:cNvPr id="20" name="Content Placeholder 2">
+            <a:extLst>
+              <a:ext uri="{FF2B5EF4-FFF2-40B4-BE49-F238E27FC236}">
+                <a16:creationId xmlns:a16="http://schemas.microsoft.com/office/drawing/2014/main" id="{19EBEE65-E88B-4655-93E8-59E09820BCE7}"/>
+              </a:ext>
+            </a:extLst>
+          </p:cNvPr>
+          <p:cNvSpPr>
+            <a:spLocks noGrp="1"/>
+          </p:cNvSpPr>
+          <p:nvPr>
+            <p:ph idx="1"/>
+          </p:nvPr>
+        </p:nvSpPr>
+        <p:spPr>
+          <a:xfrm>
+            <a:off x="838200" y="1929384"/>
+            <a:ext cx="10515600" cy="4251960"/>
+          </a:xfrm>
+        </p:spPr>
+        <p:txBody>
+          <a:bodyPr>
+            <a:normAutofit/>
+          </a:bodyPr>
+          <a:lstStyle/>
+          <a:p>
+            <a:r>
+              <a:rPr lang="en-US" sz="2200"/>
+              <a:t>Form Recognition</a:t>
+            </a:r>
+          </a:p>
+          <a:p>
+            <a:pPr lvl="1"/>
+            <a:r>
+              <a:rPr lang="en-US" sz="2200"/>
+              <a:t>W2 processing</a:t>
+            </a:r>
+          </a:p>
+          <a:p>
+            <a:pPr lvl="1"/>
+            <a:r>
+              <a:rPr lang="en-US" sz="2200"/>
+              <a:t>Mortgage from processing</a:t>
+            </a:r>
+          </a:p>
+          <a:p>
+            <a:pPr lvl="1"/>
+            <a:r>
+              <a:rPr lang="en-US" sz="2200"/>
+              <a:t>Pay Roll processing</a:t>
+            </a:r>
+          </a:p>
+          <a:p>
+            <a:pPr lvl="1"/>
+            <a:r>
+              <a:rPr lang="en-US" sz="2200"/>
+              <a:t>Work Order processing</a:t>
+            </a:r>
+          </a:p>
+          <a:p>
+            <a:pPr lvl="1"/>
+            <a:r>
+              <a:rPr lang="en-US" sz="2200"/>
+              <a:t>Order form processing</a:t>
+            </a:r>
+          </a:p>
+          <a:p>
+            <a:pPr lvl="1"/>
+            <a:r>
+              <a:rPr lang="en-US" sz="2200"/>
+              <a:t>Legal Forms</a:t>
+            </a:r>
+          </a:p>
+          <a:p>
+            <a:endParaRPr lang="en-US" sz="2200"/>
+          </a:p>
+        </p:txBody>
+      </p:sp>
+    </p:spTree>
+    <p:extLst>
+      <p:ext uri="{BB962C8B-B14F-4D97-AF65-F5344CB8AC3E}">
+        <p14:creationId xmlns:p14="http://schemas.microsoft.com/office/powerpoint/2010/main" val="3231585242"/>
+      </p:ext>
+    </p:extLst>
+  </p:cSld>
+  <p:clrMapOvr>
+    <a:masterClrMapping/>
+  </p:clrMapOvr>
+</p:sld>
+</file>
+
+<file path=ppt/slides/slide12.xml><?xml version="1.0" encoding="utf-8"?>
+<p:sld xmlns:a="http://schemas.openxmlformats.org/drawingml/2006/main" xmlns:r="http://schemas.openxmlformats.org/officeDocument/2006/relationships" xmlns:p="http://schemas.openxmlformats.org/presentationml/2006/main">
+  <p:cSld>
+    <p:bg>
+      <p:bgPr>
+        <a:solidFill>
+          <a:schemeClr val="bg1"/>
+        </a:solidFill>
+        <a:effectLst/>
+      </p:bgPr>
+    </p:bg>
+    <p:spTree>
+      <p:nvGrpSpPr>
+        <p:cNvPr id="1" name=""/>
+        <p:cNvGrpSpPr/>
+        <p:nvPr/>
+      </p:nvGrpSpPr>
+      <p:grpSpPr>
+        <a:xfrm>
+          <a:off x="0" y="0"/>
+          <a:ext cx="0" cy="0"/>
+          <a:chOff x="0" y="0"/>
+          <a:chExt cx="0" cy="0"/>
+        </a:xfrm>
+      </p:grpSpPr>
+      <p:sp>
+        <p:nvSpPr>
+          <p:cNvPr id="8" name="Rectangle 7">
+            <a:extLst>
+              <a:ext uri="{FF2B5EF4-FFF2-40B4-BE49-F238E27FC236}">
+                <a16:creationId xmlns:a16="http://schemas.microsoft.com/office/drawing/2014/main" id="{46D6306C-ED4F-4AAE-B4A5-EEA6AFAD726E}"/>
+              </a:ext>
+              <a:ext uri="{C183D7F6-B498-43B3-948B-1728B52AA6E4}">
+                <adec:decorative xmlns:adec="http://schemas.microsoft.com/office/drawing/2017/decorative" val="1"/>
+              </a:ext>
+            </a:extLst>
+          </p:cNvPr>
+          <p:cNvSpPr>
+            <a:spLocks noGrp="1" noRot="1" noChangeAspect="1" noMove="1" noResize="1" noEditPoints="1" noAdjustHandles="1" noChangeArrowheads="1" noChangeShapeType="1" noTextEdit="1"/>
+          </p:cNvSpPr>
+          <p:nvPr>
+            <p:extLst>
+              <p:ext uri="{386F3935-93C4-4BCD-93E2-E3B085C9AB24}">
+                <p16:designElem xmlns:p16="http://schemas.microsoft.com/office/powerpoint/2015/main" val="1"/>
+              </p:ext>
+            </p:extLst>
+          </p:nvPr>
+        </p:nvSpPr>
+        <p:spPr>
+          <a:xfrm>
+            <a:off x="0" y="0"/>
+            <a:ext cx="12192000" cy="6858000"/>
+          </a:xfrm>
+          <a:prstGeom prst="rect">
+            <a:avLst/>
+          </a:prstGeom>
+          <a:solidFill>
+            <a:schemeClr val="bg1"/>
+          </a:solidFill>
+          <a:ln>
+            <a:noFill/>
+          </a:ln>
+        </p:spPr>
+        <p:style>
+          <a:lnRef idx="2">
+            <a:schemeClr val="accent1">
+              <a:shade val="50000"/>
+            </a:schemeClr>
+          </a:lnRef>
+          <a:fillRef idx="1">
+            <a:schemeClr val="accent1"/>
+          </a:fillRef>
+          <a:effectRef idx="0">
+            <a:schemeClr val="accent1"/>
+          </a:effectRef>
+          <a:fontRef idx="minor">
+            <a:schemeClr val="lt1"/>
+          </a:fontRef>
+        </p:style>
+        <p:txBody>
+          <a:bodyPr rtlCol="0" anchor="ctr"/>
+          <a:lstStyle/>
+          <a:p>
+            <a:pPr algn="ctr"/>
+            <a:endParaRPr lang="en-US" dirty="0"/>
+          </a:p>
+        </p:txBody>
+      </p:sp>
+      <p:sp>
+        <p:nvSpPr>
+          <p:cNvPr id="2" name="Title 1">
+            <a:extLst>
+              <a:ext uri="{FF2B5EF4-FFF2-40B4-BE49-F238E27FC236}">
+                <a16:creationId xmlns:a16="http://schemas.microsoft.com/office/drawing/2014/main" id="{7C4D99FE-8C6D-4EFE-9205-324A3AF95275}"/>
+              </a:ext>
+            </a:extLst>
+          </p:cNvPr>
+          <p:cNvSpPr>
+            <a:spLocks noGrp="1"/>
+          </p:cNvSpPr>
+          <p:nvPr>
+            <p:ph type="title"/>
+          </p:nvPr>
+        </p:nvSpPr>
+        <p:spPr>
+          <a:xfrm>
+            <a:off x="643467" y="1698171"/>
+            <a:ext cx="3962061" cy="4516360"/>
+          </a:xfrm>
+        </p:spPr>
+        <p:txBody>
+          <a:bodyPr anchor="t">
+            <a:normAutofit/>
+          </a:bodyPr>
+          <a:lstStyle/>
+          <a:p>
+            <a:r>
+              <a:rPr lang="en-US" sz="3600" dirty="0"/>
+              <a:t>Why?</a:t>
+            </a:r>
+          </a:p>
+        </p:txBody>
+      </p:sp>
+      <p:sp>
+        <p:nvSpPr>
+          <p:cNvPr id="10" name="Rectangle 9">
+            <a:extLst>
+              <a:ext uri="{FF2B5EF4-FFF2-40B4-BE49-F238E27FC236}">
+                <a16:creationId xmlns:a16="http://schemas.microsoft.com/office/drawing/2014/main" id="{0EC5361D-F897-4856-B945-0455A365EB24}"/>
+              </a:ext>
+              <a:ext uri="{C183D7F6-B498-43B3-948B-1728B52AA6E4}">
+                <adec:decorative xmlns:adec="http://schemas.microsoft.com/office/drawing/2017/decorative" val="1"/>
+              </a:ext>
+            </a:extLst>
+          </p:cNvPr>
+          <p:cNvSpPr>
+            <a:spLocks noGrp="1" noRot="1" noChangeAspect="1" noMove="1" noResize="1" noEditPoints="1" noAdjustHandles="1" noChangeArrowheads="1" noChangeShapeType="1" noTextEdit="1"/>
+          </p:cNvSpPr>
+          <p:nvPr>
+            <p:extLst>
+              <p:ext uri="{386F3935-93C4-4BCD-93E2-E3B085C9AB24}">
+                <p16:designElem xmlns:p16="http://schemas.microsoft.com/office/powerpoint/2015/main" val="1"/>
+              </p:ext>
+            </p:extLst>
+          </p:nvPr>
+        </p:nvSpPr>
+        <p:spPr>
+          <a:xfrm rot="2700000">
+            <a:off x="415435" y="655140"/>
+            <a:ext cx="687472" cy="687472"/>
+          </a:xfrm>
+          <a:prstGeom prst="rect">
+            <a:avLst/>
+          </a:prstGeom>
+          <a:solidFill>
+            <a:schemeClr val="accent4">
+              <a:alpha val="30000"/>
+            </a:schemeClr>
+          </a:solidFill>
+          <a:ln>
+            <a:noFill/>
+          </a:ln>
+        </p:spPr>
+        <p:style>
+          <a:lnRef idx="2">
+            <a:schemeClr val="accent1">
+              <a:shade val="50000"/>
+            </a:schemeClr>
+          </a:lnRef>
+          <a:fillRef idx="1">
+            <a:schemeClr val="accent1"/>
+          </a:fillRef>
+          <a:effectRef idx="0">
+            <a:schemeClr val="accent1"/>
+          </a:effectRef>
+          <a:fontRef idx="minor">
+            <a:schemeClr val="lt1"/>
+          </a:fontRef>
+        </p:style>
+        <p:txBody>
+          <a:bodyPr rtlCol="0" anchor="ctr"/>
+          <a:lstStyle/>
+          <a:p>
+            <a:pPr algn="ctr"/>
+            <a:endParaRPr lang="en-US"/>
+          </a:p>
+        </p:txBody>
+      </p:sp>
+      <p:sp>
+        <p:nvSpPr>
+          <p:cNvPr id="12" name="Freeform: Shape 11">
+            <a:extLst>
+              <a:ext uri="{FF2B5EF4-FFF2-40B4-BE49-F238E27FC236}">
+                <a16:creationId xmlns:a16="http://schemas.microsoft.com/office/drawing/2014/main" id="{4508C0C5-2268-42B5-B3C8-4D0899E05F8C}"/>
+              </a:ext>
+              <a:ext uri="{C183D7F6-B498-43B3-948B-1728B52AA6E4}">
+                <adec:decorative xmlns:adec="http://schemas.microsoft.com/office/drawing/2017/decorative" val="1"/>
+              </a:ext>
+            </a:extLst>
+          </p:cNvPr>
+          <p:cNvSpPr>
+            <a:spLocks noGrp="1" noRot="1" noChangeAspect="1" noMove="1" noResize="1" noEditPoints="1" noAdjustHandles="1" noChangeArrowheads="1" noChangeShapeType="1" noTextEdit="1"/>
+          </p:cNvSpPr>
+          <p:nvPr>
+            <p:extLst>
+              <p:ext uri="{386F3935-93C4-4BCD-93E2-E3B085C9AB24}">
+                <p16:designElem xmlns:p16="http://schemas.microsoft.com/office/powerpoint/2015/main" val="1"/>
+              </p:ext>
+            </p:extLst>
+          </p:nvPr>
+        </p:nvSpPr>
+        <p:spPr>
+          <a:xfrm rot="10800000">
+            <a:off x="0" y="0"/>
+            <a:ext cx="2835357" cy="1480837"/>
+          </a:xfrm>
+          <a:custGeom>
+            <a:avLst/>
+            <a:gdLst>
+              <a:gd name="connsiteX0" fmla="*/ 2835357 w 2835357"/>
+              <a:gd name="connsiteY0" fmla="*/ 1480837 h 1480837"/>
+              <a:gd name="connsiteX1" fmla="*/ 0 w 2835357"/>
+              <a:gd name="connsiteY1" fmla="*/ 1480837 h 1480837"/>
+              <a:gd name="connsiteX2" fmla="*/ 1552727 w 2835357"/>
+              <a:gd name="connsiteY2" fmla="*/ 0 h 1480837"/>
+              <a:gd name="connsiteX3" fmla="*/ 2835357 w 2835357"/>
+              <a:gd name="connsiteY3" fmla="*/ 1223245 h 1480837"/>
+            </a:gdLst>
+            <a:ahLst/>
+            <a:cxnLst>
+              <a:cxn ang="0">
+                <a:pos x="connsiteX0" y="connsiteY0"/>
+              </a:cxn>
+              <a:cxn ang="0">
+                <a:pos x="connsiteX1" y="connsiteY1"/>
+              </a:cxn>
+              <a:cxn ang="0">
+                <a:pos x="connsiteX2" y="connsiteY2"/>
+              </a:cxn>
+              <a:cxn ang="0">
+                <a:pos x="connsiteX3" y="connsiteY3"/>
+              </a:cxn>
+            </a:cxnLst>
+            <a:rect l="l" t="t" r="r" b="b"/>
+            <a:pathLst>
+              <a:path w="2835357" h="1480837">
+                <a:moveTo>
+                  <a:pt x="2835357" y="1480837"/>
+                </a:moveTo>
+                <a:lnTo>
+                  <a:pt x="0" y="1480837"/>
+                </a:lnTo>
+                <a:lnTo>
+                  <a:pt x="1552727" y="0"/>
+                </a:lnTo>
+                <a:lnTo>
+                  <a:pt x="2835357" y="1223245"/>
+                </a:lnTo>
+                <a:close/>
+              </a:path>
+            </a:pathLst>
+          </a:custGeom>
+          <a:solidFill>
+            <a:schemeClr val="accent4">
+              <a:alpha val="30000"/>
+            </a:schemeClr>
+          </a:solidFill>
+          <a:ln>
+            <a:noFill/>
+          </a:ln>
+        </p:spPr>
+        <p:style>
+          <a:lnRef idx="2">
+            <a:schemeClr val="accent1">
+              <a:shade val="50000"/>
+            </a:schemeClr>
+          </a:lnRef>
+          <a:fillRef idx="1">
+            <a:schemeClr val="accent1"/>
+          </a:fillRef>
+          <a:effectRef idx="0">
+            <a:schemeClr val="accent1"/>
+          </a:effectRef>
+          <a:fontRef idx="minor">
+            <a:schemeClr val="lt1"/>
+          </a:fontRef>
+        </p:style>
+        <p:txBody>
+          <a:bodyPr wrap="square" rtlCol="0" anchor="ctr">
+            <a:noAutofit/>
+          </a:bodyPr>
+          <a:lstStyle/>
+          <a:p>
+            <a:pPr algn="ctr"/>
+            <a:endParaRPr lang="en-US" dirty="0"/>
+          </a:p>
+        </p:txBody>
+      </p:sp>
+      <p:sp>
+        <p:nvSpPr>
+          <p:cNvPr id="14" name="Freeform: Shape 13">
+            <a:extLst>
+              <a:ext uri="{FF2B5EF4-FFF2-40B4-BE49-F238E27FC236}">
+                <a16:creationId xmlns:a16="http://schemas.microsoft.com/office/drawing/2014/main" id="{141ACBDB-38F8-4B34-8183-BD95B4E55A62}"/>
+              </a:ext>
+              <a:ext uri="{C183D7F6-B498-43B3-948B-1728B52AA6E4}">
+                <adec:decorative xmlns:adec="http://schemas.microsoft.com/office/drawing/2017/decorative" val="1"/>
+              </a:ext>
+            </a:extLst>
+          </p:cNvPr>
+          <p:cNvSpPr>
+            <a:spLocks noGrp="1" noRot="1" noChangeAspect="1" noMove="1" noResize="1" noEditPoints="1" noAdjustHandles="1" noChangeArrowheads="1" noChangeShapeType="1" noTextEdit="1"/>
+          </p:cNvSpPr>
+          <p:nvPr>
+            <p:extLst>
+              <p:ext uri="{386F3935-93C4-4BCD-93E2-E3B085C9AB24}">
+                <p16:designElem xmlns:p16="http://schemas.microsoft.com/office/powerpoint/2015/main" val="1"/>
+              </p:ext>
+            </p:extLst>
+          </p:nvPr>
+        </p:nvSpPr>
+        <p:spPr>
+          <a:xfrm rot="2700000">
+            <a:off x="10739327" y="-253670"/>
+            <a:ext cx="1827638" cy="1376989"/>
+          </a:xfrm>
+          <a:custGeom>
+            <a:avLst/>
+            <a:gdLst>
+              <a:gd name="connsiteX0" fmla="*/ 0 w 1827638"/>
+              <a:gd name="connsiteY0" fmla="*/ 987379 h 1376989"/>
+              <a:gd name="connsiteX1" fmla="*/ 987379 w 1827638"/>
+              <a:gd name="connsiteY1" fmla="*/ 0 h 1376989"/>
+              <a:gd name="connsiteX2" fmla="*/ 1827638 w 1827638"/>
+              <a:gd name="connsiteY2" fmla="*/ 840260 h 1376989"/>
+              <a:gd name="connsiteX3" fmla="*/ 1827638 w 1827638"/>
+              <a:gd name="connsiteY3" fmla="*/ 1376989 h 1376989"/>
+              <a:gd name="connsiteX4" fmla="*/ 0 w 1827638"/>
+              <a:gd name="connsiteY4" fmla="*/ 1376989 h 1376989"/>
+            </a:gdLst>
+            <a:ahLst/>
+            <a:cxnLst>
+              <a:cxn ang="0">
+                <a:pos x="connsiteX0" y="connsiteY0"/>
+              </a:cxn>
+              <a:cxn ang="0">
+                <a:pos x="connsiteX1" y="connsiteY1"/>
+              </a:cxn>
+              <a:cxn ang="0">
+                <a:pos x="connsiteX2" y="connsiteY2"/>
+              </a:cxn>
+              <a:cxn ang="0">
+                <a:pos x="connsiteX3" y="connsiteY3"/>
+              </a:cxn>
+              <a:cxn ang="0">
+                <a:pos x="connsiteX4" y="connsiteY4"/>
+              </a:cxn>
+            </a:cxnLst>
+            <a:rect l="l" t="t" r="r" b="b"/>
+            <a:pathLst>
+              <a:path w="1827638" h="1376989">
+                <a:moveTo>
+                  <a:pt x="0" y="987379"/>
+                </a:moveTo>
+                <a:lnTo>
+                  <a:pt x="987379" y="0"/>
+                </a:lnTo>
+                <a:lnTo>
+                  <a:pt x="1827638" y="840260"/>
+                </a:lnTo>
+                <a:lnTo>
+                  <a:pt x="1827638" y="1376989"/>
+                </a:lnTo>
+                <a:lnTo>
+                  <a:pt x="0" y="1376989"/>
+                </a:lnTo>
+                <a:close/>
+              </a:path>
+            </a:pathLst>
+          </a:custGeom>
+          <a:solidFill>
+            <a:schemeClr val="accent1">
+              <a:alpha val="30000"/>
+            </a:schemeClr>
+          </a:solidFill>
+          <a:ln>
+            <a:noFill/>
+          </a:ln>
+        </p:spPr>
+        <p:style>
+          <a:lnRef idx="2">
+            <a:schemeClr val="accent1">
+              <a:shade val="50000"/>
+            </a:schemeClr>
+          </a:lnRef>
+          <a:fillRef idx="1">
+            <a:schemeClr val="accent1"/>
+          </a:fillRef>
+          <a:effectRef idx="0">
+            <a:schemeClr val="accent1"/>
+          </a:effectRef>
+          <a:fontRef idx="minor">
+            <a:schemeClr val="lt1"/>
+          </a:fontRef>
+        </p:style>
+        <p:txBody>
+          <a:bodyPr wrap="square" rtlCol="0" anchor="ctr">
+            <a:noAutofit/>
+          </a:bodyPr>
+          <a:lstStyle/>
+          <a:p>
+            <a:pPr algn="ctr"/>
+            <a:endParaRPr lang="en-US" dirty="0"/>
+          </a:p>
+        </p:txBody>
+      </p:sp>
+      <p:sp>
+        <p:nvSpPr>
+          <p:cNvPr id="16" name="Rectangle 15">
+            <a:extLst>
+              <a:ext uri="{FF2B5EF4-FFF2-40B4-BE49-F238E27FC236}">
+                <a16:creationId xmlns:a16="http://schemas.microsoft.com/office/drawing/2014/main" id="{DE00DB52-3455-4E2F-867B-A6D0516E175B}"/>
+              </a:ext>
+              <a:ext uri="{C183D7F6-B498-43B3-948B-1728B52AA6E4}">
+                <adec:decorative xmlns:adec="http://schemas.microsoft.com/office/drawing/2017/decorative" val="1"/>
+              </a:ext>
+            </a:extLst>
+          </p:cNvPr>
+          <p:cNvSpPr>
+            <a:spLocks noGrp="1" noRot="1" noChangeAspect="1" noMove="1" noResize="1" noEditPoints="1" noAdjustHandles="1" noChangeArrowheads="1" noChangeShapeType="1" noTextEdit="1"/>
+          </p:cNvSpPr>
+          <p:nvPr>
+            <p:extLst>
+              <p:ext uri="{386F3935-93C4-4BCD-93E2-E3B085C9AB24}">
+                <p16:designElem xmlns:p16="http://schemas.microsoft.com/office/powerpoint/2015/main" val="1"/>
+              </p:ext>
+            </p:extLst>
+          </p:nvPr>
+        </p:nvSpPr>
+        <p:spPr>
+          <a:xfrm rot="2700000">
+            <a:off x="10653800" y="422146"/>
+            <a:ext cx="645368" cy="645368"/>
+          </a:xfrm>
+          <a:prstGeom prst="rect">
+            <a:avLst/>
+          </a:prstGeom>
+          <a:solidFill>
+            <a:schemeClr val="accent1">
+              <a:alpha val="30000"/>
+            </a:schemeClr>
+          </a:solidFill>
+          <a:ln>
+            <a:noFill/>
+          </a:ln>
+        </p:spPr>
+        <p:style>
+          <a:lnRef idx="2">
+            <a:schemeClr val="accent1">
+              <a:shade val="50000"/>
+            </a:schemeClr>
+          </a:lnRef>
+          <a:fillRef idx="1">
+            <a:schemeClr val="accent1"/>
+          </a:fillRef>
+          <a:effectRef idx="0">
+            <a:schemeClr val="accent1"/>
+          </a:effectRef>
+          <a:fontRef idx="minor">
+            <a:schemeClr val="lt1"/>
+          </a:fontRef>
+        </p:style>
+        <p:txBody>
+          <a:bodyPr wrap="square" rtlCol="0" anchor="ctr">
+            <a:noAutofit/>
+          </a:bodyPr>
+          <a:lstStyle/>
+          <a:p>
+            <a:pPr algn="ctr"/>
+            <a:endParaRPr lang="en-US"/>
+          </a:p>
+        </p:txBody>
+      </p:sp>
+      <p:sp>
+        <p:nvSpPr>
+          <p:cNvPr id="3" name="Content Placeholder 2">
+            <a:extLst>
+              <a:ext uri="{FF2B5EF4-FFF2-40B4-BE49-F238E27FC236}">
+                <a16:creationId xmlns:a16="http://schemas.microsoft.com/office/drawing/2014/main" id="{029B6321-46E4-4681-8BC3-5866B15E4A09}"/>
+              </a:ext>
+            </a:extLst>
+          </p:cNvPr>
+          <p:cNvSpPr>
+            <a:spLocks noGrp="1"/>
+          </p:cNvSpPr>
+          <p:nvPr>
+            <p:ph idx="1"/>
+          </p:nvPr>
+        </p:nvSpPr>
+        <p:spPr>
+          <a:xfrm>
+            <a:off x="5070020" y="1698170"/>
+            <a:ext cx="6478513" cy="4516361"/>
+          </a:xfrm>
+        </p:spPr>
+        <p:txBody>
+          <a:bodyPr>
+            <a:normAutofit/>
+          </a:bodyPr>
+          <a:lstStyle/>
+          <a:p>
+            <a:r>
+              <a:rPr lang="en-US" sz="2000" dirty="0"/>
+              <a:t>Gartner – </a:t>
+            </a:r>
+            <a:r>
+              <a:rPr lang="en-US" sz="2000" dirty="0">
+                <a:hlinkClick r:id="rId2"/>
+              </a:rPr>
+              <a:t>Data Strategy</a:t>
+            </a:r>
+            <a:endParaRPr lang="en-US" sz="2000" dirty="0"/>
+          </a:p>
+          <a:p>
+            <a:r>
+              <a:rPr lang="en-US" sz="2000" dirty="0"/>
+              <a:t>HBR – </a:t>
+            </a:r>
+            <a:r>
+              <a:rPr lang="en-US" sz="2000" dirty="0">
+                <a:hlinkClick r:id="rId3"/>
+              </a:rPr>
+              <a:t>Data Strategy</a:t>
+            </a:r>
+            <a:endParaRPr lang="en-US" sz="2000" dirty="0"/>
+          </a:p>
+          <a:p>
+            <a:r>
+              <a:rPr lang="en-US" sz="2000" dirty="0"/>
+              <a:t>HBR – </a:t>
+            </a:r>
+            <a:r>
+              <a:rPr lang="en-US" sz="2000" dirty="0">
+                <a:hlinkClick r:id="rId4"/>
+              </a:rPr>
+              <a:t>Data Driven Culture</a:t>
+            </a:r>
+            <a:endParaRPr lang="en-US" sz="2000" dirty="0"/>
+          </a:p>
+          <a:p>
+            <a:r>
+              <a:rPr lang="en-US" sz="2000" dirty="0"/>
+              <a:t>Forbes Data Strategy – </a:t>
+            </a:r>
+            <a:r>
+              <a:rPr lang="en-US" sz="2000" dirty="0">
+                <a:hlinkClick r:id="rId5"/>
+              </a:rPr>
+              <a:t>Every Company</a:t>
+            </a:r>
+            <a:endParaRPr lang="en-US" sz="2000" dirty="0"/>
+          </a:p>
+          <a:p>
+            <a:r>
+              <a:rPr lang="en-US" sz="2000" dirty="0"/>
+              <a:t>Forbes - </a:t>
+            </a:r>
+            <a:r>
+              <a:rPr lang="en-US" sz="2000" i="0" dirty="0">
+                <a:effectLst/>
+                <a:latin typeface="Merriweather"/>
+                <a:hlinkClick r:id="rId6"/>
+              </a:rPr>
+              <a:t>Unlocking Digital Innovation Through A Successful Data Strategy</a:t>
+            </a:r>
+            <a:endParaRPr lang="en-US" sz="2000" i="0" dirty="0">
+              <a:effectLst/>
+              <a:latin typeface="Merriweather"/>
+            </a:endParaRPr>
+          </a:p>
+          <a:p>
+            <a:endParaRPr lang="en-US" sz="2000" dirty="0"/>
+          </a:p>
+        </p:txBody>
+      </p:sp>
+      <p:sp>
+        <p:nvSpPr>
+          <p:cNvPr id="18" name="Isosceles Triangle 17">
+            <a:extLst>
+              <a:ext uri="{FF2B5EF4-FFF2-40B4-BE49-F238E27FC236}">
+                <a16:creationId xmlns:a16="http://schemas.microsoft.com/office/drawing/2014/main" id="{9E914C83-E0D8-4953-92D5-169D28CB43AE}"/>
+              </a:ext>
+              <a:ext uri="{C183D7F6-B498-43B3-948B-1728B52AA6E4}">
+                <adec:decorative xmlns:adec="http://schemas.microsoft.com/office/drawing/2017/decorative" val="1"/>
+              </a:ext>
+            </a:extLst>
+          </p:cNvPr>
+          <p:cNvSpPr>
+            <a:spLocks noGrp="1" noRot="1" noChangeAspect="1" noMove="1" noResize="1" noEditPoints="1" noAdjustHandles="1" noChangeArrowheads="1" noChangeShapeType="1" noTextEdit="1"/>
+          </p:cNvSpPr>
+          <p:nvPr>
+            <p:extLst>
+              <p:ext uri="{386F3935-93C4-4BCD-93E2-E3B085C9AB24}">
+                <p16:designElem xmlns:p16="http://schemas.microsoft.com/office/powerpoint/2015/main" val="1"/>
+              </p:ext>
+            </p:extLst>
+          </p:nvPr>
+        </p:nvSpPr>
+        <p:spPr>
+          <a:xfrm>
+            <a:off x="8115423" y="6115501"/>
+            <a:ext cx="1494513" cy="742499"/>
+          </a:xfrm>
+          <a:prstGeom prst="triangle">
+            <a:avLst/>
+          </a:prstGeom>
+          <a:solidFill>
+            <a:schemeClr val="accent1">
+              <a:alpha val="30000"/>
+            </a:schemeClr>
+          </a:solidFill>
+          <a:ln>
+            <a:noFill/>
+          </a:ln>
+        </p:spPr>
+        <p:style>
+          <a:lnRef idx="2">
+            <a:schemeClr val="accent1">
+              <a:shade val="50000"/>
+            </a:schemeClr>
+          </a:lnRef>
+          <a:fillRef idx="1">
+            <a:schemeClr val="accent1"/>
+          </a:fillRef>
+          <a:effectRef idx="0">
+            <a:schemeClr val="accent1"/>
+          </a:effectRef>
+          <a:fontRef idx="minor">
+            <a:schemeClr val="lt1"/>
+          </a:fontRef>
+        </p:style>
+        <p:txBody>
+          <a:bodyPr wrap="square" rtlCol="0" anchor="ctr">
+            <a:noAutofit/>
+          </a:bodyPr>
+          <a:lstStyle/>
+          <a:p>
+            <a:pPr algn="ctr"/>
+            <a:endParaRPr lang="en-US"/>
+          </a:p>
+        </p:txBody>
+      </p:sp>
+      <p:sp>
+        <p:nvSpPr>
+          <p:cNvPr id="20" name="Isosceles Triangle 19">
+            <a:extLst>
+              <a:ext uri="{FF2B5EF4-FFF2-40B4-BE49-F238E27FC236}">
+                <a16:creationId xmlns:a16="http://schemas.microsoft.com/office/drawing/2014/main" id="{3512E083-F550-46AF-8490-767ECFD00CB7}"/>
+              </a:ext>
+              <a:ext uri="{C183D7F6-B498-43B3-948B-1728B52AA6E4}">
+                <adec:decorative xmlns:adec="http://schemas.microsoft.com/office/drawing/2017/decorative" val="1"/>
+              </a:ext>
+            </a:extLst>
+          </p:cNvPr>
+          <p:cNvSpPr>
+            <a:spLocks noGrp="1" noRot="1" noChangeAspect="1" noMove="1" noResize="1" noEditPoints="1" noAdjustHandles="1" noChangeArrowheads="1" noChangeShapeType="1" noTextEdit="1"/>
+          </p:cNvSpPr>
+          <p:nvPr>
+            <p:extLst>
+              <p:ext uri="{386F3935-93C4-4BCD-93E2-E3B085C9AB24}">
+                <p16:designElem xmlns:p16="http://schemas.microsoft.com/office/powerpoint/2015/main" val="1"/>
+              </p:ext>
+            </p:extLst>
+          </p:nvPr>
+        </p:nvSpPr>
+        <p:spPr>
+          <a:xfrm>
+            <a:off x="9167297" y="6453143"/>
+            <a:ext cx="814903" cy="404857"/>
+          </a:xfrm>
+          <a:prstGeom prst="triangle">
+            <a:avLst/>
+          </a:prstGeom>
+          <a:solidFill>
+            <a:schemeClr val="accent1">
+              <a:alpha val="30000"/>
+            </a:schemeClr>
+          </a:solidFill>
+          <a:ln>
+            <a:noFill/>
+          </a:ln>
+        </p:spPr>
+        <p:style>
+          <a:lnRef idx="2">
+            <a:schemeClr val="accent1">
+              <a:shade val="50000"/>
+            </a:schemeClr>
+          </a:lnRef>
+          <a:fillRef idx="1">
+            <a:schemeClr val="accent1"/>
+          </a:fillRef>
+          <a:effectRef idx="0">
+            <a:schemeClr val="accent1"/>
+          </a:effectRef>
+          <a:fontRef idx="minor">
+            <a:schemeClr val="lt1"/>
+          </a:fontRef>
+        </p:style>
+        <p:txBody>
+          <a:bodyPr wrap="square" rtlCol="0" anchor="ctr">
+            <a:noAutofit/>
+          </a:bodyPr>
+          <a:lstStyle/>
+          <a:p>
+            <a:pPr algn="ctr"/>
+            <a:endParaRPr lang="en-US"/>
+          </a:p>
+        </p:txBody>
+      </p:sp>
+    </p:spTree>
+    <p:extLst>
+      <p:ext uri="{BB962C8B-B14F-4D97-AF65-F5344CB8AC3E}">
+        <p14:creationId xmlns:p14="http://schemas.microsoft.com/office/powerpoint/2010/main" val="1249944605"/>
+      </p:ext>
+    </p:extLst>
+  </p:cSld>
+  <p:clrMapOvr>
+    <a:masterClrMapping/>
+  </p:clrMapOvr>
+</p:sld>
+</file>
+
 <file path=ppt/slides/slide2.xml><?xml version="1.0" encoding="utf-8"?>
+<p:sld xmlns:a="http://schemas.openxmlformats.org/drawingml/2006/main" xmlns:r="http://schemas.openxmlformats.org/officeDocument/2006/relationships" xmlns:p="http://schemas.openxmlformats.org/presentationml/2006/main">
+  <p:cSld>
+    <p:bg>
+      <p:bgPr>
+        <a:solidFill>
+          <a:schemeClr val="bg1"/>
+        </a:solidFill>
+        <a:effectLst/>
+      </p:bgPr>
+    </p:bg>
+    <p:spTree>
+      <p:nvGrpSpPr>
+        <p:cNvPr id="1" name=""/>
+        <p:cNvGrpSpPr/>
+        <p:nvPr/>
+      </p:nvGrpSpPr>
+      <p:grpSpPr>
+        <a:xfrm>
+          <a:off x="0" y="0"/>
+          <a:ext cx="0" cy="0"/>
+          <a:chOff x="0" y="0"/>
+          <a:chExt cx="0" cy="0"/>
+        </a:xfrm>
+      </p:grpSpPr>
+      <p:sp>
+        <p:nvSpPr>
+          <p:cNvPr id="8" name="Rectangle 7">
+            <a:extLst>
+              <a:ext uri="{FF2B5EF4-FFF2-40B4-BE49-F238E27FC236}">
+                <a16:creationId xmlns:a16="http://schemas.microsoft.com/office/drawing/2014/main" id="{46D6306C-ED4F-4AAE-B4A5-EEA6AFAD726E}"/>
+              </a:ext>
+              <a:ext uri="{C183D7F6-B498-43B3-948B-1728B52AA6E4}">
+                <adec:decorative xmlns:adec="http://schemas.microsoft.com/office/drawing/2017/decorative" val="1"/>
+              </a:ext>
+            </a:extLst>
+          </p:cNvPr>
+          <p:cNvSpPr>
+            <a:spLocks noGrp="1" noRot="1" noChangeAspect="1" noMove="1" noResize="1" noEditPoints="1" noAdjustHandles="1" noChangeArrowheads="1" noChangeShapeType="1" noTextEdit="1"/>
+          </p:cNvSpPr>
+          <p:nvPr>
+            <p:extLst>
+              <p:ext uri="{386F3935-93C4-4BCD-93E2-E3B085C9AB24}">
+                <p16:designElem xmlns:p16="http://schemas.microsoft.com/office/powerpoint/2015/main" val="1"/>
+              </p:ext>
+            </p:extLst>
+          </p:nvPr>
+        </p:nvSpPr>
+        <p:spPr>
+          <a:xfrm>
+            <a:off x="0" y="0"/>
+            <a:ext cx="12192000" cy="6858000"/>
+          </a:xfrm>
+          <a:prstGeom prst="rect">
+            <a:avLst/>
+          </a:prstGeom>
+          <a:solidFill>
+            <a:schemeClr val="bg1"/>
+          </a:solidFill>
+          <a:ln>
+            <a:noFill/>
+          </a:ln>
+        </p:spPr>
+        <p:style>
+          <a:lnRef idx="2">
+            <a:schemeClr val="accent1">
+              <a:shade val="50000"/>
+            </a:schemeClr>
+          </a:lnRef>
+          <a:fillRef idx="1">
+            <a:schemeClr val="accent1"/>
+          </a:fillRef>
+          <a:effectRef idx="0">
+            <a:schemeClr val="accent1"/>
+          </a:effectRef>
+          <a:fontRef idx="minor">
+            <a:schemeClr val="lt1"/>
+          </a:fontRef>
+        </p:style>
+        <p:txBody>
+          <a:bodyPr rtlCol="0" anchor="ctr"/>
+          <a:lstStyle/>
+          <a:p>
+            <a:pPr marL="0" marR="0" lvl="0" indent="0" algn="ctr" defTabSz="914400" rtl="0" eaLnBrk="1" fontAlgn="auto" latinLnBrk="0" hangingPunct="1">
+              <a:lnSpc>
+                <a:spcPct val="100000"/>
+              </a:lnSpc>
+              <a:spcBef>
+                <a:spcPts val="0"/>
+              </a:spcBef>
+              <a:spcAft>
+                <a:spcPts val="0"/>
+              </a:spcAft>
+              <a:buClrTx/>
+              <a:buSzTx/>
+              <a:buFontTx/>
+              <a:buNone/>
+              <a:tabLst/>
+              <a:defRPr/>
+            </a:pPr>
+            <a:endParaRPr kumimoji="0" lang="en-US" sz="1800" b="0" i="0" u="none" strike="noStrike" kern="1200" cap="none" spc="0" normalizeH="0" baseline="0" noProof="0" dirty="0">
+              <a:ln>
+                <a:noFill/>
+              </a:ln>
+              <a:solidFill>
+                <a:prstClr val="white"/>
+              </a:solidFill>
+              <a:effectLst/>
+              <a:uLnTx/>
+              <a:uFillTx/>
+              <a:latin typeface="Calibri" panose="020F0502020204030204"/>
+              <a:ea typeface="+mn-ea"/>
+              <a:cs typeface="+mn-cs"/>
+            </a:endParaRPr>
+          </a:p>
+        </p:txBody>
+      </p:sp>
+      <p:sp>
+        <p:nvSpPr>
+          <p:cNvPr id="2" name="Title 1">
+            <a:extLst>
+              <a:ext uri="{FF2B5EF4-FFF2-40B4-BE49-F238E27FC236}">
+                <a16:creationId xmlns:a16="http://schemas.microsoft.com/office/drawing/2014/main" id="{7C4D99FE-8C6D-4EFE-9205-324A3AF95275}"/>
+              </a:ext>
+            </a:extLst>
+          </p:cNvPr>
+          <p:cNvSpPr>
+            <a:spLocks noGrp="1"/>
+          </p:cNvSpPr>
+          <p:nvPr>
+            <p:ph type="title"/>
+          </p:nvPr>
+        </p:nvSpPr>
+        <p:spPr>
+          <a:xfrm>
+            <a:off x="643467" y="1698171"/>
+            <a:ext cx="3962061" cy="4516360"/>
+          </a:xfrm>
+        </p:spPr>
+        <p:txBody>
+          <a:bodyPr anchor="t">
+            <a:normAutofit/>
+          </a:bodyPr>
+          <a:lstStyle/>
+          <a:p>
+            <a:r>
+              <a:rPr lang="en-US" sz="3600" dirty="0"/>
+              <a:t>Why?</a:t>
+            </a:r>
+          </a:p>
+        </p:txBody>
+      </p:sp>
+      <p:sp>
+        <p:nvSpPr>
+          <p:cNvPr id="10" name="Rectangle 9">
+            <a:extLst>
+              <a:ext uri="{FF2B5EF4-FFF2-40B4-BE49-F238E27FC236}">
+                <a16:creationId xmlns:a16="http://schemas.microsoft.com/office/drawing/2014/main" id="{0EC5361D-F897-4856-B945-0455A365EB24}"/>
+              </a:ext>
+              <a:ext uri="{C183D7F6-B498-43B3-948B-1728B52AA6E4}">
+                <adec:decorative xmlns:adec="http://schemas.microsoft.com/office/drawing/2017/decorative" val="1"/>
+              </a:ext>
+            </a:extLst>
+          </p:cNvPr>
+          <p:cNvSpPr>
+            <a:spLocks noGrp="1" noRot="1" noChangeAspect="1" noMove="1" noResize="1" noEditPoints="1" noAdjustHandles="1" noChangeArrowheads="1" noChangeShapeType="1" noTextEdit="1"/>
+          </p:cNvSpPr>
+          <p:nvPr>
+            <p:extLst>
+              <p:ext uri="{386F3935-93C4-4BCD-93E2-E3B085C9AB24}">
+                <p16:designElem xmlns:p16="http://schemas.microsoft.com/office/powerpoint/2015/main" val="1"/>
+              </p:ext>
+            </p:extLst>
+          </p:nvPr>
+        </p:nvSpPr>
+        <p:spPr>
+          <a:xfrm rot="2700000">
+            <a:off x="415435" y="655140"/>
+            <a:ext cx="687472" cy="687472"/>
+          </a:xfrm>
+          <a:prstGeom prst="rect">
+            <a:avLst/>
+          </a:prstGeom>
+          <a:solidFill>
+            <a:schemeClr val="accent4">
+              <a:alpha val="30000"/>
+            </a:schemeClr>
+          </a:solidFill>
+          <a:ln>
+            <a:noFill/>
+          </a:ln>
+        </p:spPr>
+        <p:style>
+          <a:lnRef idx="2">
+            <a:schemeClr val="accent1">
+              <a:shade val="50000"/>
+            </a:schemeClr>
+          </a:lnRef>
+          <a:fillRef idx="1">
+            <a:schemeClr val="accent1"/>
+          </a:fillRef>
+          <a:effectRef idx="0">
+            <a:schemeClr val="accent1"/>
+          </a:effectRef>
+          <a:fontRef idx="minor">
+            <a:schemeClr val="lt1"/>
+          </a:fontRef>
+        </p:style>
+        <p:txBody>
+          <a:bodyPr rtlCol="0" anchor="ctr"/>
+          <a:lstStyle/>
+          <a:p>
+            <a:pPr marL="0" marR="0" lvl="0" indent="0" algn="ctr" defTabSz="914400" rtl="0" eaLnBrk="1" fontAlgn="auto" latinLnBrk="0" hangingPunct="1">
+              <a:lnSpc>
+                <a:spcPct val="100000"/>
+              </a:lnSpc>
+              <a:spcBef>
+                <a:spcPts val="0"/>
+              </a:spcBef>
+              <a:spcAft>
+                <a:spcPts val="0"/>
+              </a:spcAft>
+              <a:buClrTx/>
+              <a:buSzTx/>
+              <a:buFontTx/>
+              <a:buNone/>
+              <a:tabLst/>
+              <a:defRPr/>
+            </a:pPr>
+            <a:endParaRPr kumimoji="0" lang="en-US" sz="1800" b="0" i="0" u="none" strike="noStrike" kern="1200" cap="none" spc="0" normalizeH="0" baseline="0" noProof="0">
+              <a:ln>
+                <a:noFill/>
+              </a:ln>
+              <a:solidFill>
+                <a:prstClr val="white"/>
+              </a:solidFill>
+              <a:effectLst/>
+              <a:uLnTx/>
+              <a:uFillTx/>
+              <a:latin typeface="Calibri" panose="020F0502020204030204"/>
+              <a:ea typeface="+mn-ea"/>
+              <a:cs typeface="+mn-cs"/>
+            </a:endParaRPr>
+          </a:p>
+        </p:txBody>
+      </p:sp>
+      <p:sp>
+        <p:nvSpPr>
+          <p:cNvPr id="12" name="Freeform: Shape 11">
+            <a:extLst>
+              <a:ext uri="{FF2B5EF4-FFF2-40B4-BE49-F238E27FC236}">
+                <a16:creationId xmlns:a16="http://schemas.microsoft.com/office/drawing/2014/main" id="{4508C0C5-2268-42B5-B3C8-4D0899E05F8C}"/>
+              </a:ext>
+              <a:ext uri="{C183D7F6-B498-43B3-948B-1728B52AA6E4}">
+                <adec:decorative xmlns:adec="http://schemas.microsoft.com/office/drawing/2017/decorative" val="1"/>
+              </a:ext>
+            </a:extLst>
+          </p:cNvPr>
+          <p:cNvSpPr>
+            <a:spLocks noGrp="1" noRot="1" noChangeAspect="1" noMove="1" noResize="1" noEditPoints="1" noAdjustHandles="1" noChangeArrowheads="1" noChangeShapeType="1" noTextEdit="1"/>
+          </p:cNvSpPr>
+          <p:nvPr>
+            <p:extLst>
+              <p:ext uri="{386F3935-93C4-4BCD-93E2-E3B085C9AB24}">
+                <p16:designElem xmlns:p16="http://schemas.microsoft.com/office/powerpoint/2015/main" val="1"/>
+              </p:ext>
+            </p:extLst>
+          </p:nvPr>
+        </p:nvSpPr>
+        <p:spPr>
+          <a:xfrm rot="10800000">
+            <a:off x="0" y="0"/>
+            <a:ext cx="2835357" cy="1480837"/>
+          </a:xfrm>
+          <a:custGeom>
+            <a:avLst/>
+            <a:gdLst>
+              <a:gd name="connsiteX0" fmla="*/ 2835357 w 2835357"/>
+              <a:gd name="connsiteY0" fmla="*/ 1480837 h 1480837"/>
+              <a:gd name="connsiteX1" fmla="*/ 0 w 2835357"/>
+              <a:gd name="connsiteY1" fmla="*/ 1480837 h 1480837"/>
+              <a:gd name="connsiteX2" fmla="*/ 1552727 w 2835357"/>
+              <a:gd name="connsiteY2" fmla="*/ 0 h 1480837"/>
+              <a:gd name="connsiteX3" fmla="*/ 2835357 w 2835357"/>
+              <a:gd name="connsiteY3" fmla="*/ 1223245 h 1480837"/>
+            </a:gdLst>
+            <a:ahLst/>
+            <a:cxnLst>
+              <a:cxn ang="0">
+                <a:pos x="connsiteX0" y="connsiteY0"/>
+              </a:cxn>
+              <a:cxn ang="0">
+                <a:pos x="connsiteX1" y="connsiteY1"/>
+              </a:cxn>
+              <a:cxn ang="0">
+                <a:pos x="connsiteX2" y="connsiteY2"/>
+              </a:cxn>
+              <a:cxn ang="0">
+                <a:pos x="connsiteX3" y="connsiteY3"/>
+              </a:cxn>
+            </a:cxnLst>
+            <a:rect l="l" t="t" r="r" b="b"/>
+            <a:pathLst>
+              <a:path w="2835357" h="1480837">
+                <a:moveTo>
+                  <a:pt x="2835357" y="1480837"/>
+                </a:moveTo>
+                <a:lnTo>
+                  <a:pt x="0" y="1480837"/>
+                </a:lnTo>
+                <a:lnTo>
+                  <a:pt x="1552727" y="0"/>
+                </a:lnTo>
+                <a:lnTo>
+                  <a:pt x="2835357" y="1223245"/>
+                </a:lnTo>
+                <a:close/>
+              </a:path>
+            </a:pathLst>
+          </a:custGeom>
+          <a:solidFill>
+            <a:schemeClr val="accent4">
+              <a:alpha val="30000"/>
+            </a:schemeClr>
+          </a:solidFill>
+          <a:ln>
+            <a:noFill/>
+          </a:ln>
+        </p:spPr>
+        <p:style>
+          <a:lnRef idx="2">
+            <a:schemeClr val="accent1">
+              <a:shade val="50000"/>
+            </a:schemeClr>
+          </a:lnRef>
+          <a:fillRef idx="1">
+            <a:schemeClr val="accent1"/>
+          </a:fillRef>
+          <a:effectRef idx="0">
+            <a:schemeClr val="accent1"/>
+          </a:effectRef>
+          <a:fontRef idx="minor">
+            <a:schemeClr val="lt1"/>
+          </a:fontRef>
+        </p:style>
+        <p:txBody>
+          <a:bodyPr wrap="square" rtlCol="0" anchor="ctr">
+            <a:noAutofit/>
+          </a:bodyPr>
+          <a:lstStyle/>
+          <a:p>
+            <a:pPr marL="0" marR="0" lvl="0" indent="0" algn="ctr" defTabSz="914400" rtl="0" eaLnBrk="1" fontAlgn="auto" latinLnBrk="0" hangingPunct="1">
+              <a:lnSpc>
+                <a:spcPct val="100000"/>
+              </a:lnSpc>
+              <a:spcBef>
+                <a:spcPts val="0"/>
+              </a:spcBef>
+              <a:spcAft>
+                <a:spcPts val="0"/>
+              </a:spcAft>
+              <a:buClrTx/>
+              <a:buSzTx/>
+              <a:buFontTx/>
+              <a:buNone/>
+              <a:tabLst/>
+              <a:defRPr/>
+            </a:pPr>
+            <a:endParaRPr kumimoji="0" lang="en-US" sz="1800" b="0" i="0" u="none" strike="noStrike" kern="1200" cap="none" spc="0" normalizeH="0" baseline="0" noProof="0" dirty="0">
+              <a:ln>
+                <a:noFill/>
+              </a:ln>
+              <a:solidFill>
+                <a:prstClr val="white"/>
+              </a:solidFill>
+              <a:effectLst/>
+              <a:uLnTx/>
+              <a:uFillTx/>
+              <a:latin typeface="Calibri" panose="020F0502020204030204"/>
+              <a:ea typeface="+mn-ea"/>
+              <a:cs typeface="+mn-cs"/>
+            </a:endParaRPr>
+          </a:p>
+        </p:txBody>
+      </p:sp>
+      <p:sp>
+        <p:nvSpPr>
+          <p:cNvPr id="14" name="Freeform: Shape 13">
+            <a:extLst>
+              <a:ext uri="{FF2B5EF4-FFF2-40B4-BE49-F238E27FC236}">
+                <a16:creationId xmlns:a16="http://schemas.microsoft.com/office/drawing/2014/main" id="{141ACBDB-38F8-4B34-8183-BD95B4E55A62}"/>
+              </a:ext>
+              <a:ext uri="{C183D7F6-B498-43B3-948B-1728B52AA6E4}">
+                <adec:decorative xmlns:adec="http://schemas.microsoft.com/office/drawing/2017/decorative" val="1"/>
+              </a:ext>
+            </a:extLst>
+          </p:cNvPr>
+          <p:cNvSpPr>
+            <a:spLocks noGrp="1" noRot="1" noChangeAspect="1" noMove="1" noResize="1" noEditPoints="1" noAdjustHandles="1" noChangeArrowheads="1" noChangeShapeType="1" noTextEdit="1"/>
+          </p:cNvSpPr>
+          <p:nvPr>
+            <p:extLst>
+              <p:ext uri="{386F3935-93C4-4BCD-93E2-E3B085C9AB24}">
+                <p16:designElem xmlns:p16="http://schemas.microsoft.com/office/powerpoint/2015/main" val="1"/>
+              </p:ext>
+            </p:extLst>
+          </p:nvPr>
+        </p:nvSpPr>
+        <p:spPr>
+          <a:xfrm rot="2700000">
+            <a:off x="10739327" y="-253670"/>
+            <a:ext cx="1827638" cy="1376989"/>
+          </a:xfrm>
+          <a:custGeom>
+            <a:avLst/>
+            <a:gdLst>
+              <a:gd name="connsiteX0" fmla="*/ 0 w 1827638"/>
+              <a:gd name="connsiteY0" fmla="*/ 987379 h 1376989"/>
+              <a:gd name="connsiteX1" fmla="*/ 987379 w 1827638"/>
+              <a:gd name="connsiteY1" fmla="*/ 0 h 1376989"/>
+              <a:gd name="connsiteX2" fmla="*/ 1827638 w 1827638"/>
+              <a:gd name="connsiteY2" fmla="*/ 840260 h 1376989"/>
+              <a:gd name="connsiteX3" fmla="*/ 1827638 w 1827638"/>
+              <a:gd name="connsiteY3" fmla="*/ 1376989 h 1376989"/>
+              <a:gd name="connsiteX4" fmla="*/ 0 w 1827638"/>
+              <a:gd name="connsiteY4" fmla="*/ 1376989 h 1376989"/>
+            </a:gdLst>
+            <a:ahLst/>
+            <a:cxnLst>
+              <a:cxn ang="0">
+                <a:pos x="connsiteX0" y="connsiteY0"/>
+              </a:cxn>
+              <a:cxn ang="0">
+                <a:pos x="connsiteX1" y="connsiteY1"/>
+              </a:cxn>
+              <a:cxn ang="0">
+                <a:pos x="connsiteX2" y="connsiteY2"/>
+              </a:cxn>
+              <a:cxn ang="0">
+                <a:pos x="connsiteX3" y="connsiteY3"/>
+              </a:cxn>
+              <a:cxn ang="0">
+                <a:pos x="connsiteX4" y="connsiteY4"/>
+              </a:cxn>
+            </a:cxnLst>
+            <a:rect l="l" t="t" r="r" b="b"/>
+            <a:pathLst>
+              <a:path w="1827638" h="1376989">
+                <a:moveTo>
+                  <a:pt x="0" y="987379"/>
+                </a:moveTo>
+                <a:lnTo>
+                  <a:pt x="987379" y="0"/>
+                </a:lnTo>
+                <a:lnTo>
+                  <a:pt x="1827638" y="840260"/>
+                </a:lnTo>
+                <a:lnTo>
+                  <a:pt x="1827638" y="1376989"/>
+                </a:lnTo>
+                <a:lnTo>
+                  <a:pt x="0" y="1376989"/>
+                </a:lnTo>
+                <a:close/>
+              </a:path>
+            </a:pathLst>
+          </a:custGeom>
+          <a:solidFill>
+            <a:schemeClr val="accent1">
+              <a:alpha val="30000"/>
+            </a:schemeClr>
+          </a:solidFill>
+          <a:ln>
+            <a:noFill/>
+          </a:ln>
+        </p:spPr>
+        <p:style>
+          <a:lnRef idx="2">
+            <a:schemeClr val="accent1">
+              <a:shade val="50000"/>
+            </a:schemeClr>
+          </a:lnRef>
+          <a:fillRef idx="1">
+            <a:schemeClr val="accent1"/>
+          </a:fillRef>
+          <a:effectRef idx="0">
+            <a:schemeClr val="accent1"/>
+          </a:effectRef>
+          <a:fontRef idx="minor">
+            <a:schemeClr val="lt1"/>
+          </a:fontRef>
+        </p:style>
+        <p:txBody>
+          <a:bodyPr wrap="square" rtlCol="0" anchor="ctr">
+            <a:noAutofit/>
+          </a:bodyPr>
+          <a:lstStyle/>
+          <a:p>
+            <a:pPr marL="0" marR="0" lvl="0" indent="0" algn="ctr" defTabSz="914400" rtl="0" eaLnBrk="1" fontAlgn="auto" latinLnBrk="0" hangingPunct="1">
+              <a:lnSpc>
+                <a:spcPct val="100000"/>
+              </a:lnSpc>
+              <a:spcBef>
+                <a:spcPts val="0"/>
+              </a:spcBef>
+              <a:spcAft>
+                <a:spcPts val="0"/>
+              </a:spcAft>
+              <a:buClrTx/>
+              <a:buSzTx/>
+              <a:buFontTx/>
+              <a:buNone/>
+              <a:tabLst/>
+              <a:defRPr/>
+            </a:pPr>
+            <a:endParaRPr kumimoji="0" lang="en-US" sz="1800" b="0" i="0" u="none" strike="noStrike" kern="1200" cap="none" spc="0" normalizeH="0" baseline="0" noProof="0" dirty="0">
+              <a:ln>
+                <a:noFill/>
+              </a:ln>
+              <a:solidFill>
+                <a:prstClr val="white"/>
+              </a:solidFill>
+              <a:effectLst/>
+              <a:uLnTx/>
+              <a:uFillTx/>
+              <a:latin typeface="Calibri" panose="020F0502020204030204"/>
+              <a:ea typeface="+mn-ea"/>
+              <a:cs typeface="+mn-cs"/>
+            </a:endParaRPr>
+          </a:p>
+        </p:txBody>
+      </p:sp>
+      <p:sp>
+        <p:nvSpPr>
+          <p:cNvPr id="16" name="Rectangle 15">
+            <a:extLst>
+              <a:ext uri="{FF2B5EF4-FFF2-40B4-BE49-F238E27FC236}">
+                <a16:creationId xmlns:a16="http://schemas.microsoft.com/office/drawing/2014/main" id="{DE00DB52-3455-4E2F-867B-A6D0516E175B}"/>
+              </a:ext>
+              <a:ext uri="{C183D7F6-B498-43B3-948B-1728B52AA6E4}">
+                <adec:decorative xmlns:adec="http://schemas.microsoft.com/office/drawing/2017/decorative" val="1"/>
+              </a:ext>
+            </a:extLst>
+          </p:cNvPr>
+          <p:cNvSpPr>
+            <a:spLocks noGrp="1" noRot="1" noChangeAspect="1" noMove="1" noResize="1" noEditPoints="1" noAdjustHandles="1" noChangeArrowheads="1" noChangeShapeType="1" noTextEdit="1"/>
+          </p:cNvSpPr>
+          <p:nvPr>
+            <p:extLst>
+              <p:ext uri="{386F3935-93C4-4BCD-93E2-E3B085C9AB24}">
+                <p16:designElem xmlns:p16="http://schemas.microsoft.com/office/powerpoint/2015/main" val="1"/>
+              </p:ext>
+            </p:extLst>
+          </p:nvPr>
+        </p:nvSpPr>
+        <p:spPr>
+          <a:xfrm rot="2700000">
+            <a:off x="10653800" y="422146"/>
+            <a:ext cx="645368" cy="645368"/>
+          </a:xfrm>
+          <a:prstGeom prst="rect">
+            <a:avLst/>
+          </a:prstGeom>
+          <a:solidFill>
+            <a:schemeClr val="accent1">
+              <a:alpha val="30000"/>
+            </a:schemeClr>
+          </a:solidFill>
+          <a:ln>
+            <a:noFill/>
+          </a:ln>
+        </p:spPr>
+        <p:style>
+          <a:lnRef idx="2">
+            <a:schemeClr val="accent1">
+              <a:shade val="50000"/>
+            </a:schemeClr>
+          </a:lnRef>
+          <a:fillRef idx="1">
+            <a:schemeClr val="accent1"/>
+          </a:fillRef>
+          <a:effectRef idx="0">
+            <a:schemeClr val="accent1"/>
+          </a:effectRef>
+          <a:fontRef idx="minor">
+            <a:schemeClr val="lt1"/>
+          </a:fontRef>
+        </p:style>
+        <p:txBody>
+          <a:bodyPr wrap="square" rtlCol="0" anchor="ctr">
+            <a:noAutofit/>
+          </a:bodyPr>
+          <a:lstStyle/>
+          <a:p>
+            <a:pPr marL="0" marR="0" lvl="0" indent="0" algn="ctr" defTabSz="914400" rtl="0" eaLnBrk="1" fontAlgn="auto" latinLnBrk="0" hangingPunct="1">
+              <a:lnSpc>
+                <a:spcPct val="100000"/>
+              </a:lnSpc>
+              <a:spcBef>
+                <a:spcPts val="0"/>
+              </a:spcBef>
+              <a:spcAft>
+                <a:spcPts val="0"/>
+              </a:spcAft>
+              <a:buClrTx/>
+              <a:buSzTx/>
+              <a:buFontTx/>
+              <a:buNone/>
+              <a:tabLst/>
+              <a:defRPr/>
+            </a:pPr>
+            <a:endParaRPr kumimoji="0" lang="en-US" sz="1800" b="0" i="0" u="none" strike="noStrike" kern="1200" cap="none" spc="0" normalizeH="0" baseline="0" noProof="0">
+              <a:ln>
+                <a:noFill/>
+              </a:ln>
+              <a:solidFill>
+                <a:prstClr val="white"/>
+              </a:solidFill>
+              <a:effectLst/>
+              <a:uLnTx/>
+              <a:uFillTx/>
+              <a:latin typeface="Calibri" panose="020F0502020204030204"/>
+              <a:ea typeface="+mn-ea"/>
+              <a:cs typeface="+mn-cs"/>
+            </a:endParaRPr>
+          </a:p>
+        </p:txBody>
+      </p:sp>
+      <p:sp>
+        <p:nvSpPr>
+          <p:cNvPr id="3" name="Content Placeholder 2">
+            <a:extLst>
+              <a:ext uri="{FF2B5EF4-FFF2-40B4-BE49-F238E27FC236}">
+                <a16:creationId xmlns:a16="http://schemas.microsoft.com/office/drawing/2014/main" id="{029B6321-46E4-4681-8BC3-5866B15E4A09}"/>
+              </a:ext>
+            </a:extLst>
+          </p:cNvPr>
+          <p:cNvSpPr>
+            <a:spLocks noGrp="1"/>
+          </p:cNvSpPr>
+          <p:nvPr>
+            <p:ph idx="1"/>
+          </p:nvPr>
+        </p:nvSpPr>
+        <p:spPr>
+          <a:xfrm>
+            <a:off x="5070020" y="1698170"/>
+            <a:ext cx="6478513" cy="4516361"/>
+          </a:xfrm>
+        </p:spPr>
+        <p:txBody>
+          <a:bodyPr>
+            <a:normAutofit/>
+          </a:bodyPr>
+          <a:lstStyle/>
+          <a:p>
+            <a:r>
+              <a:rPr lang="en-US" sz="2000" dirty="0"/>
+              <a:t>Gartner – </a:t>
+            </a:r>
+            <a:r>
+              <a:rPr lang="en-US" sz="2000" dirty="0">
+                <a:hlinkClick r:id="rId2"/>
+              </a:rPr>
+              <a:t>Data Strategy</a:t>
+            </a:r>
+            <a:endParaRPr lang="en-US" sz="2000" dirty="0"/>
+          </a:p>
+          <a:p>
+            <a:r>
+              <a:rPr lang="en-US" sz="2000" dirty="0"/>
+              <a:t>HBR – </a:t>
+            </a:r>
+            <a:r>
+              <a:rPr lang="en-US" sz="2000" dirty="0">
+                <a:hlinkClick r:id="rId3"/>
+              </a:rPr>
+              <a:t>Data Strategy</a:t>
+            </a:r>
+            <a:endParaRPr lang="en-US" sz="2000" dirty="0"/>
+          </a:p>
+          <a:p>
+            <a:r>
+              <a:rPr lang="en-US" sz="2000" dirty="0"/>
+              <a:t>HBR – </a:t>
+            </a:r>
+            <a:r>
+              <a:rPr lang="en-US" sz="2000" dirty="0">
+                <a:hlinkClick r:id="rId4"/>
+              </a:rPr>
+              <a:t>Data Driven Culture</a:t>
+            </a:r>
+            <a:endParaRPr lang="en-US" sz="2000" dirty="0"/>
+          </a:p>
+          <a:p>
+            <a:r>
+              <a:rPr lang="en-US" sz="2000" dirty="0"/>
+              <a:t>Forbes Data Strategy – </a:t>
+            </a:r>
+            <a:r>
+              <a:rPr lang="en-US" sz="2000" dirty="0">
+                <a:hlinkClick r:id="rId5"/>
+              </a:rPr>
+              <a:t>Every Company</a:t>
+            </a:r>
+            <a:endParaRPr lang="en-US" sz="2000" dirty="0"/>
+          </a:p>
+          <a:p>
+            <a:r>
+              <a:rPr lang="en-US" sz="2000" dirty="0"/>
+              <a:t>Forbes - </a:t>
+            </a:r>
+            <a:r>
+              <a:rPr lang="en-US" sz="2000" i="0" dirty="0">
+                <a:effectLst/>
+                <a:latin typeface="Merriweather"/>
+                <a:hlinkClick r:id="rId6"/>
+              </a:rPr>
+              <a:t>Unlocking Digital Innovation Through A Successful Data Strategy</a:t>
+            </a:r>
+            <a:endParaRPr lang="en-US" sz="2000" i="0" dirty="0">
+              <a:effectLst/>
+              <a:latin typeface="Merriweather"/>
+            </a:endParaRPr>
+          </a:p>
+          <a:p>
+            <a:endParaRPr lang="en-US" sz="2000" dirty="0"/>
+          </a:p>
+        </p:txBody>
+      </p:sp>
+      <p:sp>
+        <p:nvSpPr>
+          <p:cNvPr id="18" name="Isosceles Triangle 17">
+            <a:extLst>
+              <a:ext uri="{FF2B5EF4-FFF2-40B4-BE49-F238E27FC236}">
+                <a16:creationId xmlns:a16="http://schemas.microsoft.com/office/drawing/2014/main" id="{9E914C83-E0D8-4953-92D5-169D28CB43AE}"/>
+              </a:ext>
+              <a:ext uri="{C183D7F6-B498-43B3-948B-1728B52AA6E4}">
+                <adec:decorative xmlns:adec="http://schemas.microsoft.com/office/drawing/2017/decorative" val="1"/>
+              </a:ext>
+            </a:extLst>
+          </p:cNvPr>
+          <p:cNvSpPr>
+            <a:spLocks noGrp="1" noRot="1" noChangeAspect="1" noMove="1" noResize="1" noEditPoints="1" noAdjustHandles="1" noChangeArrowheads="1" noChangeShapeType="1" noTextEdit="1"/>
+          </p:cNvSpPr>
+          <p:nvPr>
+            <p:extLst>
+              <p:ext uri="{386F3935-93C4-4BCD-93E2-E3B085C9AB24}">
+                <p16:designElem xmlns:p16="http://schemas.microsoft.com/office/powerpoint/2015/main" val="1"/>
+              </p:ext>
+            </p:extLst>
+          </p:nvPr>
+        </p:nvSpPr>
+        <p:spPr>
+          <a:xfrm>
+            <a:off x="8115423" y="6115501"/>
+            <a:ext cx="1494513" cy="742499"/>
+          </a:xfrm>
+          <a:prstGeom prst="triangle">
+            <a:avLst/>
+          </a:prstGeom>
+          <a:solidFill>
+            <a:schemeClr val="accent1">
+              <a:alpha val="30000"/>
+            </a:schemeClr>
+          </a:solidFill>
+          <a:ln>
+            <a:noFill/>
+          </a:ln>
+        </p:spPr>
+        <p:style>
+          <a:lnRef idx="2">
+            <a:schemeClr val="accent1">
+              <a:shade val="50000"/>
+            </a:schemeClr>
+          </a:lnRef>
+          <a:fillRef idx="1">
+            <a:schemeClr val="accent1"/>
+          </a:fillRef>
+          <a:effectRef idx="0">
+            <a:schemeClr val="accent1"/>
+          </a:effectRef>
+          <a:fontRef idx="minor">
+            <a:schemeClr val="lt1"/>
+          </a:fontRef>
+        </p:style>
+        <p:txBody>
+          <a:bodyPr wrap="square" rtlCol="0" anchor="ctr">
+            <a:noAutofit/>
+          </a:bodyPr>
+          <a:lstStyle/>
+          <a:p>
+            <a:pPr marL="0" marR="0" lvl="0" indent="0" algn="ctr" defTabSz="914400" rtl="0" eaLnBrk="1" fontAlgn="auto" latinLnBrk="0" hangingPunct="1">
+              <a:lnSpc>
+                <a:spcPct val="100000"/>
+              </a:lnSpc>
+              <a:spcBef>
+                <a:spcPts val="0"/>
+              </a:spcBef>
+              <a:spcAft>
+                <a:spcPts val="0"/>
+              </a:spcAft>
+              <a:buClrTx/>
+              <a:buSzTx/>
+              <a:buFontTx/>
+              <a:buNone/>
+              <a:tabLst/>
+              <a:defRPr/>
+            </a:pPr>
+            <a:endParaRPr kumimoji="0" lang="en-US" sz="1800" b="0" i="0" u="none" strike="noStrike" kern="1200" cap="none" spc="0" normalizeH="0" baseline="0" noProof="0">
+              <a:ln>
+                <a:noFill/>
+              </a:ln>
+              <a:solidFill>
+                <a:prstClr val="white"/>
+              </a:solidFill>
+              <a:effectLst/>
+              <a:uLnTx/>
+              <a:uFillTx/>
+              <a:latin typeface="Calibri" panose="020F0502020204030204"/>
+              <a:ea typeface="+mn-ea"/>
+              <a:cs typeface="+mn-cs"/>
+            </a:endParaRPr>
+          </a:p>
+        </p:txBody>
+      </p:sp>
+      <p:sp>
+        <p:nvSpPr>
+          <p:cNvPr id="20" name="Isosceles Triangle 19">
+            <a:extLst>
+              <a:ext uri="{FF2B5EF4-FFF2-40B4-BE49-F238E27FC236}">
+                <a16:creationId xmlns:a16="http://schemas.microsoft.com/office/drawing/2014/main" id="{3512E083-F550-46AF-8490-767ECFD00CB7}"/>
+              </a:ext>
+              <a:ext uri="{C183D7F6-B498-43B3-948B-1728B52AA6E4}">
+                <adec:decorative xmlns:adec="http://schemas.microsoft.com/office/drawing/2017/decorative" val="1"/>
+              </a:ext>
+            </a:extLst>
+          </p:cNvPr>
+          <p:cNvSpPr>
+            <a:spLocks noGrp="1" noRot="1" noChangeAspect="1" noMove="1" noResize="1" noEditPoints="1" noAdjustHandles="1" noChangeArrowheads="1" noChangeShapeType="1" noTextEdit="1"/>
+          </p:cNvSpPr>
+          <p:nvPr>
+            <p:extLst>
+              <p:ext uri="{386F3935-93C4-4BCD-93E2-E3B085C9AB24}">
+                <p16:designElem xmlns:p16="http://schemas.microsoft.com/office/powerpoint/2015/main" val="1"/>
+              </p:ext>
+            </p:extLst>
+          </p:nvPr>
+        </p:nvSpPr>
+        <p:spPr>
+          <a:xfrm>
+            <a:off x="9167297" y="6453143"/>
+            <a:ext cx="814903" cy="404857"/>
+          </a:xfrm>
+          <a:prstGeom prst="triangle">
+            <a:avLst/>
+          </a:prstGeom>
+          <a:solidFill>
+            <a:schemeClr val="accent1">
+              <a:alpha val="30000"/>
+            </a:schemeClr>
+          </a:solidFill>
+          <a:ln>
+            <a:noFill/>
+          </a:ln>
+        </p:spPr>
+        <p:style>
+          <a:lnRef idx="2">
+            <a:schemeClr val="accent1">
+              <a:shade val="50000"/>
+            </a:schemeClr>
+          </a:lnRef>
+          <a:fillRef idx="1">
+            <a:schemeClr val="accent1"/>
+          </a:fillRef>
+          <a:effectRef idx="0">
+            <a:schemeClr val="accent1"/>
+          </a:effectRef>
+          <a:fontRef idx="minor">
+            <a:schemeClr val="lt1"/>
+          </a:fontRef>
+        </p:style>
+        <p:txBody>
+          <a:bodyPr wrap="square" rtlCol="0" anchor="ctr">
+            <a:noAutofit/>
+          </a:bodyPr>
+          <a:lstStyle/>
+          <a:p>
+            <a:pPr marL="0" marR="0" lvl="0" indent="0" algn="ctr" defTabSz="914400" rtl="0" eaLnBrk="1" fontAlgn="auto" latinLnBrk="0" hangingPunct="1">
+              <a:lnSpc>
+                <a:spcPct val="100000"/>
+              </a:lnSpc>
+              <a:spcBef>
+                <a:spcPts val="0"/>
+              </a:spcBef>
+              <a:spcAft>
+                <a:spcPts val="0"/>
+              </a:spcAft>
+              <a:buClrTx/>
+              <a:buSzTx/>
+              <a:buFontTx/>
+              <a:buNone/>
+              <a:tabLst/>
+              <a:defRPr/>
+            </a:pPr>
+            <a:endParaRPr kumimoji="0" lang="en-US" sz="1800" b="0" i="0" u="none" strike="noStrike" kern="1200" cap="none" spc="0" normalizeH="0" baseline="0" noProof="0">
+              <a:ln>
+                <a:noFill/>
+              </a:ln>
+              <a:solidFill>
+                <a:prstClr val="white"/>
+              </a:solidFill>
+              <a:effectLst/>
+              <a:uLnTx/>
+              <a:uFillTx/>
+              <a:latin typeface="Calibri" panose="020F0502020204030204"/>
+              <a:ea typeface="+mn-ea"/>
+              <a:cs typeface="+mn-cs"/>
+            </a:endParaRPr>
+          </a:p>
+        </p:txBody>
+      </p:sp>
+    </p:spTree>
+    <p:extLst>
+      <p:ext uri="{BB962C8B-B14F-4D97-AF65-F5344CB8AC3E}">
+        <p14:creationId xmlns:p14="http://schemas.microsoft.com/office/powerpoint/2010/main" val="359558186"/>
+      </p:ext>
+    </p:extLst>
+  </p:cSld>
+  <p:clrMapOvr>
+    <a:masterClrMapping/>
+  </p:clrMapOvr>
+</p:sld>
+</file>
+
+<file path=ppt/slides/slide3.xml><?xml version="1.0" encoding="utf-8"?>
 <p:sld xmlns:a="http://schemas.openxmlformats.org/drawingml/2006/main" xmlns:r="http://schemas.openxmlformats.org/officeDocument/2006/relationships" xmlns:p="http://schemas.openxmlformats.org/presentationml/2006/main">
   <p:cSld>
     <p:bg>
@@ -26578,8 +31375,37 @@
           <a:bodyPr rtlCol="0" anchor="ctr"/>
           <a:lstStyle/>
           <a:p>
-            <a:pPr algn="ctr"/>
-            <a:endParaRPr lang="en-US"/>
+            <a:pPr marL="0" marR="0" lvl="0" indent="0" algn="ctr" defTabSz="914400" rtl="0" eaLnBrk="1" fontAlgn="auto" latinLnBrk="0" hangingPunct="1">
+              <a:lnSpc>
+                <a:spcPct val="100000"/>
+              </a:lnSpc>
+              <a:spcBef>
+                <a:spcPts val="0"/>
+              </a:spcBef>
+              <a:spcAft>
+                <a:spcPts val="0"/>
+              </a:spcAft>
+              <a:buClrTx/>
+              <a:buSzTx/>
+              <a:buFontTx/>
+              <a:buNone/>
+              <a:tabLst/>
+              <a:defRPr/>
+            </a:pPr>
+            <a:endParaRPr kumimoji="0" lang="en-US" sz="1800" b="0" i="0" u="none" strike="noStrike" kern="1200" cap="none" spc="0" normalizeH="0" baseline="0" noProof="0">
+              <a:ln>
+                <a:noFill/>
+              </a:ln>
+              <a:solidFill>
+                <a:prstClr val="white"/>
+              </a:solidFill>
+              <a:effectLst/>
+              <a:uLnTx/>
+              <a:uFillTx/>
+              <a:latin typeface="Calibri" panose="020F0502020204030204"/>
+              <a:ea typeface="+mn-ea"/>
+              <a:cs typeface="+mn-cs"/>
+            </a:endParaRPr>
           </a:p>
         </p:txBody>
       </p:sp>
@@ -26633,11 +31459,6 @@
           </p:cNvGraphicFramePr>
           <p:nvPr>
             <p:ph idx="1"/>
-            <p:extLst>
-              <p:ext uri="{D42A27DB-BD31-4B8C-83A1-F6EECF244321}">
-                <p14:modId xmlns:p14="http://schemas.microsoft.com/office/powerpoint/2010/main" val="2003976322"/>
-              </p:ext>
-            </p:extLst>
           </p:nvPr>
         </p:nvGraphicFramePr>
         <p:xfrm>
@@ -26655,7 +31476,7 @@
           <p:cNvPr id="3" name="TextBox 2">
             <a:extLst>
               <a:ext uri="{FF2B5EF4-FFF2-40B4-BE49-F238E27FC236}">
-                <a16:creationId xmlns:a16="http://schemas.microsoft.com/office/drawing/2014/main" id="{66F4A7E2-5AA2-4726-A786-FE0B825B9CBD}"/>
+                <a16:creationId xmlns:a16="http://schemas.microsoft.com/office/drawing/2014/main" id="{57D2B9CE-DB68-4770-BFE7-A3CC2484B20B}"/>
               </a:ext>
             </a:extLst>
           </p:cNvPr>
@@ -26678,14 +31499,74 @@
           </a:bodyPr>
           <a:lstStyle/>
           <a:p>
+            <a:pPr marL="0" marR="0" lvl="0" indent="0" algn="l" defTabSz="914400" rtl="0" eaLnBrk="1" fontAlgn="auto" latinLnBrk="0" hangingPunct="1">
+              <a:lnSpc>
+                <a:spcPct val="100000"/>
+              </a:lnSpc>
+              <a:spcBef>
+                <a:spcPts val="0"/>
+              </a:spcBef>
+              <a:spcAft>
+                <a:spcPts val="0"/>
+              </a:spcAft>
+              <a:buClrTx/>
+              <a:buSzTx/>
+              <a:buFontTx/>
+              <a:buNone/>
+              <a:tabLst/>
+              <a:defRPr/>
+            </a:pPr>
             <a:r>
-              <a:rPr lang="en-US" dirty="0"/>
+              <a:rPr kumimoji="0" lang="en-US" sz="1800" b="0" i="0" u="none" strike="noStrike" kern="1200" cap="none" spc="0" normalizeH="0" baseline="0" noProof="0" dirty="0">
+                <a:ln>
+                  <a:noFill/>
+                </a:ln>
+                <a:solidFill>
+                  <a:prstClr val="black"/>
+                </a:solidFill>
+                <a:effectLst/>
+                <a:uLnTx/>
+                <a:uFillTx/>
+                <a:latin typeface="Calibri" panose="020F0502020204030204"/>
+                <a:ea typeface="+mn-ea"/>
+                <a:cs typeface="+mn-cs"/>
+              </a:rPr>
               <a:t>CDO – Chief Digital/Data Officer</a:t>
             </a:r>
           </a:p>
           <a:p>
+            <a:pPr marL="0" marR="0" lvl="0" indent="0" algn="l" defTabSz="914400" rtl="0" eaLnBrk="1" fontAlgn="auto" latinLnBrk="0" hangingPunct="1">
+              <a:lnSpc>
+                <a:spcPct val="100000"/>
+              </a:lnSpc>
+              <a:spcBef>
+                <a:spcPts val="0"/>
+              </a:spcBef>
+              <a:spcAft>
+                <a:spcPts val="0"/>
+              </a:spcAft>
+              <a:buClrTx/>
+              <a:buSzTx/>
+              <a:buFontTx/>
+              <a:buNone/>
+              <a:tabLst/>
+              <a:defRPr/>
+            </a:pPr>
             <a:r>
-              <a:rPr lang="en-US" dirty="0"/>
+              <a:rPr kumimoji="0" lang="en-US" sz="1800" b="0" i="0" u="none" strike="noStrike" kern="1200" cap="none" spc="0" normalizeH="0" baseline="0" noProof="0" dirty="0">
+                <a:ln>
+                  <a:noFill/>
+                </a:ln>
+                <a:solidFill>
+                  <a:prstClr val="black"/>
+                </a:solidFill>
+                <a:effectLst/>
+                <a:uLnTx/>
+                <a:uFillTx/>
+                <a:latin typeface="Calibri" panose="020F0502020204030204"/>
+                <a:ea typeface="+mn-ea"/>
+                <a:cs typeface="+mn-cs"/>
+              </a:rPr>
               <a:t>CAO – Chief Analytics Officer</a:t>
             </a:r>
           </a:p>
@@ -26704,7 +31585,7 @@
 </p:sld>
 </file>
 
-<file path=ppt/slides/slide3.xml><?xml version="1.0" encoding="utf-8"?>
+<file path=ppt/slides/slide4.xml><?xml version="1.0" encoding="utf-8"?>
 <p:sld xmlns:a="http://schemas.openxmlformats.org/drawingml/2006/main" xmlns:r="http://schemas.openxmlformats.org/officeDocument/2006/relationships" xmlns:p="http://schemas.openxmlformats.org/presentationml/2006/main">
   <p:cSld>
     <p:bg>
@@ -26800,8 +31681,37 @@
           <a:bodyPr rtlCol="0" anchor="ctr"/>
           <a:lstStyle/>
           <a:p>
-            <a:pPr algn="ctr"/>
-            <a:endParaRPr lang="en-US"/>
+            <a:pPr marL="0" marR="0" lvl="0" indent="0" algn="ctr" defTabSz="914400" rtl="0" eaLnBrk="1" fontAlgn="auto" latinLnBrk="0" hangingPunct="1">
+              <a:lnSpc>
+                <a:spcPct val="100000"/>
+              </a:lnSpc>
+              <a:spcBef>
+                <a:spcPts val="0"/>
+              </a:spcBef>
+              <a:spcAft>
+                <a:spcPts val="0"/>
+              </a:spcAft>
+              <a:buClrTx/>
+              <a:buSzTx/>
+              <a:buFontTx/>
+              <a:buNone/>
+              <a:tabLst/>
+              <a:defRPr/>
+            </a:pPr>
+            <a:endParaRPr kumimoji="0" lang="en-US" sz="1800" b="0" i="0" u="none" strike="noStrike" kern="1200" cap="none" spc="0" normalizeH="0" baseline="0" noProof="0">
+              <a:ln>
+                <a:noFill/>
+              </a:ln>
+              <a:solidFill>
+                <a:prstClr val="white"/>
+              </a:solidFill>
+              <a:effectLst/>
+              <a:uLnTx/>
+              <a:uFillTx/>
+              <a:latin typeface="Calibri" panose="020F0502020204030204"/>
+              <a:ea typeface="+mn-ea"/>
+              <a:cs typeface="+mn-cs"/>
+            </a:endParaRPr>
           </a:p>
         </p:txBody>
       </p:sp>
@@ -28238,8 +33148,37 @@
           </a:bodyPr>
           <a:lstStyle/>
           <a:p>
-            <a:pPr algn="ctr"/>
-            <a:endParaRPr lang="en-US"/>
+            <a:pPr marL="0" marR="0" lvl="0" indent="0" algn="ctr" defTabSz="914400" rtl="0" eaLnBrk="1" fontAlgn="auto" latinLnBrk="0" hangingPunct="1">
+              <a:lnSpc>
+                <a:spcPct val="100000"/>
+              </a:lnSpc>
+              <a:spcBef>
+                <a:spcPts val="0"/>
+              </a:spcBef>
+              <a:spcAft>
+                <a:spcPts val="0"/>
+              </a:spcAft>
+              <a:buClrTx/>
+              <a:buSzTx/>
+              <a:buFontTx/>
+              <a:buNone/>
+              <a:tabLst/>
+              <a:defRPr/>
+            </a:pPr>
+            <a:endParaRPr kumimoji="0" lang="en-US" sz="1800" b="0" i="0" u="none" strike="noStrike" kern="1200" cap="none" spc="0" normalizeH="0" baseline="0" noProof="0">
+              <a:ln>
+                <a:noFill/>
+              </a:ln>
+              <a:solidFill>
+                <a:prstClr val="white"/>
+              </a:solidFill>
+              <a:effectLst/>
+              <a:uLnTx/>
+              <a:uFillTx/>
+              <a:latin typeface="Calibri" panose="020F0502020204030204"/>
+              <a:ea typeface="+mn-ea"/>
+              <a:cs typeface="+mn-cs"/>
+            </a:endParaRPr>
           </a:p>
         </p:txBody>
       </p:sp>
@@ -28307,145 +33246,52 @@
           <a:lstStyle/>
           <a:p>
             <a:r>
-              <a:rPr lang="en-US" sz="2000"/>
-              <a:t>Centralized</a:t>
+              <a:rPr lang="en-US" sz="2000" dirty="0"/>
+              <a:t>Centralized governance and management</a:t>
             </a:r>
-            <a:r>
-              <a:rPr lang="en-US" sz="2000" dirty="0"/>
-              <a:t> </a:t>
-            </a:r>
-            <a:r>
-              <a:rPr lang="en-US" sz="2000"/>
-              <a:t>governance</a:t>
-            </a:r>
-            <a:r>
-              <a:rPr lang="en-US" sz="2000" dirty="0"/>
-              <a:t> and </a:t>
-            </a:r>
-            <a:r>
-              <a:rPr lang="en-US" sz="2000"/>
-              <a:t>management</a:t>
-            </a:r>
-            <a:endParaRPr lang="en-US" sz="2000" dirty="0"/>
           </a:p>
           <a:p>
             <a:r>
-              <a:rPr lang="en-US" sz="2000"/>
-              <a:t>Set up</a:t>
+              <a:rPr lang="en-US" sz="2000" dirty="0"/>
+              <a:t>Set up organization for data</a:t>
             </a:r>
-            <a:r>
-              <a:rPr lang="en-US" sz="2000" dirty="0"/>
-              <a:t> </a:t>
-            </a:r>
-            <a:r>
-              <a:rPr lang="en-US" sz="2000"/>
-              <a:t>organization</a:t>
-            </a:r>
-            <a:r>
-              <a:rPr lang="en-US" sz="2000" dirty="0"/>
-              <a:t> for data</a:t>
-            </a:r>
-            <a:endParaRPr lang="en-US" sz="2000">
+            <a:endParaRPr lang="en-US" sz="2000" dirty="0">
               <a:cs typeface="Calibri"/>
             </a:endParaRPr>
           </a:p>
           <a:p>
             <a:r>
-              <a:rPr lang="en-US" sz="2000"/>
-              <a:t>Set up</a:t>
+              <a:rPr lang="en-US" sz="2000" dirty="0"/>
+              <a:t>Set up platforms for data applications</a:t>
             </a:r>
-            <a:r>
-              <a:rPr lang="en-US" sz="2000" dirty="0"/>
-              <a:t> </a:t>
-            </a:r>
-            <a:r>
-              <a:rPr lang="en-US" sz="2000"/>
-              <a:t>platforms</a:t>
-            </a:r>
-            <a:r>
-              <a:rPr lang="en-US" sz="2000" dirty="0"/>
-              <a:t> for data applications</a:t>
-            </a:r>
-            <a:endParaRPr lang="en-US" sz="2000">
+            <a:endParaRPr lang="en-US" sz="2000" dirty="0">
               <a:cs typeface="Calibri" panose="020F0502020204030204"/>
             </a:endParaRPr>
           </a:p>
           <a:p>
             <a:r>
               <a:rPr lang="en-US" sz="2000" dirty="0"/>
-              <a:t>Provide </a:t>
+              <a:t>Provide data security and compliance</a:t>
             </a:r>
-            <a:r>
-              <a:rPr lang="en-US" sz="2000"/>
-              <a:t>data</a:t>
-            </a:r>
-            <a:r>
-              <a:rPr lang="en-US" sz="2000" dirty="0"/>
-              <a:t> security</a:t>
-            </a:r>
-            <a:r>
-              <a:rPr lang="en-US" sz="2000"/>
-              <a:t> and compliance</a:t>
-            </a:r>
-            <a:endParaRPr lang="en-US" sz="2000">
-              <a:cs typeface="Calibri" panose="020F0502020204030204"/>
-            </a:endParaRPr>
-          </a:p>
-          <a:p>
-            <a:r>
-              <a:rPr lang="en-US" sz="2000"/>
-              <a:t>Establish</a:t>
-            </a:r>
-            <a:r>
-              <a:rPr lang="en-US" sz="2000" dirty="0"/>
-              <a:t> </a:t>
-            </a:r>
-            <a:r>
-              <a:rPr lang="en-US" sz="2000"/>
-              <a:t>customer</a:t>
-            </a:r>
-            <a:r>
-              <a:rPr lang="en-US" sz="2000" dirty="0"/>
-              <a:t> </a:t>
-            </a:r>
-            <a:r>
-              <a:rPr lang="en-US" sz="2000"/>
-              <a:t>support</a:t>
-            </a:r>
-            <a:r>
-              <a:rPr lang="en-US" sz="2000" dirty="0"/>
-              <a:t> </a:t>
-            </a:r>
-            <a:r>
-              <a:rPr lang="en-US" sz="2000"/>
-              <a:t>for</a:t>
-            </a:r>
-            <a:r>
-              <a:rPr lang="en-US" sz="2000" dirty="0"/>
-              <a:t> </a:t>
-            </a:r>
-            <a:r>
-              <a:rPr lang="en-US" sz="2000"/>
-              <a:t>data </a:t>
-            </a:r>
-            <a:endParaRPr lang="en-US" sz="2000">
+            <a:endParaRPr lang="en-US" sz="2000" dirty="0">
               <a:cs typeface="Calibri" panose="020F0502020204030204"/>
             </a:endParaRPr>
           </a:p>
           <a:p>
             <a:r>
               <a:rPr lang="en-US" sz="2000" dirty="0"/>
-              <a:t>Provide </a:t>
+              <a:t>Establish customer support for data </a:t>
             </a:r>
-            <a:r>
-              <a:rPr lang="en-US" sz="2000"/>
-              <a:t>standards and guidance</a:t>
-            </a:r>
+            <a:endParaRPr lang="en-US" sz="2000" dirty="0">
+              <a:cs typeface="Calibri" panose="020F0502020204030204"/>
+            </a:endParaRPr>
+          </a:p>
+          <a:p>
             <a:r>
               <a:rPr lang="en-US" sz="2000" dirty="0"/>
-              <a:t> on Data solutions</a:t>
+              <a:t>Provide standards and guidance on Data solutions</a:t>
             </a:r>
-            <a:endParaRPr lang="en-US" sz="2000">
+            <a:endParaRPr lang="en-US" sz="2000" dirty="0">
               <a:cs typeface="Calibri"/>
             </a:endParaRPr>
           </a:p>
@@ -28453,7 +33299,7 @@
             <a:pPr marL="0" indent="0">
               <a:buNone/>
             </a:pPr>
-            <a:endParaRPr lang="en-US" sz="2000">
+            <a:endParaRPr lang="en-US" sz="2000" dirty="0">
               <a:cs typeface="Calibri"/>
             </a:endParaRPr>
           </a:p>
@@ -28503,7 +33349,7 @@
           <p:cNvPr id="4" name="TextBox 3">
             <a:extLst>
               <a:ext uri="{FF2B5EF4-FFF2-40B4-BE49-F238E27FC236}">
-                <a16:creationId xmlns:a16="http://schemas.microsoft.com/office/drawing/2014/main" id="{43C49DBE-FDF0-4781-A668-A96A04B6900B}"/>
+                <a16:creationId xmlns:a16="http://schemas.microsoft.com/office/drawing/2014/main" id="{7A8863CA-12A3-45BC-9374-120248AB08FB}"/>
               </a:ext>
             </a:extLst>
           </p:cNvPr>
@@ -28526,14 +33372,74 @@
           </a:bodyPr>
           <a:lstStyle/>
           <a:p>
+            <a:pPr marL="0" marR="0" lvl="0" indent="0" algn="l" defTabSz="914400" rtl="0" eaLnBrk="1" fontAlgn="auto" latinLnBrk="0" hangingPunct="1">
+              <a:lnSpc>
+                <a:spcPct val="100000"/>
+              </a:lnSpc>
+              <a:spcBef>
+                <a:spcPts val="0"/>
+              </a:spcBef>
+              <a:spcAft>
+                <a:spcPts val="0"/>
+              </a:spcAft>
+              <a:buClrTx/>
+              <a:buSzTx/>
+              <a:buFontTx/>
+              <a:buNone/>
+              <a:tabLst/>
+              <a:defRPr/>
+            </a:pPr>
             <a:r>
-              <a:rPr lang="en-US" dirty="0"/>
+              <a:rPr kumimoji="0" lang="en-US" sz="1800" b="0" i="0" u="none" strike="noStrike" kern="1200" cap="none" spc="0" normalizeH="0" baseline="0" noProof="0" dirty="0">
+                <a:ln>
+                  <a:noFill/>
+                </a:ln>
+                <a:solidFill>
+                  <a:prstClr val="black"/>
+                </a:solidFill>
+                <a:effectLst/>
+                <a:uLnTx/>
+                <a:uFillTx/>
+                <a:latin typeface="Calibri" panose="020F0502020204030204"/>
+                <a:ea typeface="+mn-ea"/>
+                <a:cs typeface="+mn-cs"/>
+              </a:rPr>
               <a:t>CDO – Chief Digital/Data Officer</a:t>
             </a:r>
           </a:p>
           <a:p>
+            <a:pPr marL="0" marR="0" lvl="0" indent="0" algn="l" defTabSz="914400" rtl="0" eaLnBrk="1" fontAlgn="auto" latinLnBrk="0" hangingPunct="1">
+              <a:lnSpc>
+                <a:spcPct val="100000"/>
+              </a:lnSpc>
+              <a:spcBef>
+                <a:spcPts val="0"/>
+              </a:spcBef>
+              <a:spcAft>
+                <a:spcPts val="0"/>
+              </a:spcAft>
+              <a:buClrTx/>
+              <a:buSzTx/>
+              <a:buFontTx/>
+              <a:buNone/>
+              <a:tabLst/>
+              <a:defRPr/>
+            </a:pPr>
             <a:r>
-              <a:rPr lang="en-US" dirty="0"/>
+              <a:rPr kumimoji="0" lang="en-US" sz="1800" b="0" i="0" u="none" strike="noStrike" kern="1200" cap="none" spc="0" normalizeH="0" baseline="0" noProof="0" dirty="0">
+                <a:ln>
+                  <a:noFill/>
+                </a:ln>
+                <a:solidFill>
+                  <a:prstClr val="black"/>
+                </a:solidFill>
+                <a:effectLst/>
+                <a:uLnTx/>
+                <a:uFillTx/>
+                <a:latin typeface="Calibri" panose="020F0502020204030204"/>
+                <a:ea typeface="+mn-ea"/>
+                <a:cs typeface="+mn-cs"/>
+              </a:rPr>
               <a:t>CAO – Chief Analytics Officer</a:t>
             </a:r>
           </a:p>
@@ -28552,7 +33458,7 @@
 </p:sld>
 </file>
 
-<file path=ppt/slides/slide4.xml><?xml version="1.0" encoding="utf-8"?>
+<file path=ppt/slides/slide5.xml><?xml version="1.0" encoding="utf-8"?>
 <p:sld xmlns:a="http://schemas.openxmlformats.org/drawingml/2006/main" xmlns:r="http://schemas.openxmlformats.org/officeDocument/2006/relationships" xmlns:p="http://schemas.openxmlformats.org/presentationml/2006/main">
   <p:cSld>
     <p:spTree>
@@ -28599,7 +33505,7 @@
           <a:p>
             <a:r>
               <a:rPr lang="en-US" sz="3200" dirty="0"/>
-              <a:t>Data Strategy - CDO</a:t>
+              <a:t>Data Strategy – CDO/CAO</a:t>
             </a:r>
           </a:p>
         </p:txBody>
@@ -28618,11 +33524,6 @@
           </p:cNvGraphicFramePr>
           <p:nvPr>
             <p:ph idx="1"/>
-            <p:extLst>
-              <p:ext uri="{D42A27DB-BD31-4B8C-83A1-F6EECF244321}">
-                <p14:modId xmlns:p14="http://schemas.microsoft.com/office/powerpoint/2010/main" val="3068165086"/>
-              </p:ext>
-            </p:extLst>
           </p:nvPr>
         </p:nvGraphicFramePr>
         <p:xfrm>
@@ -28663,8 +33564,38 @@
           </a:bodyPr>
           <a:lstStyle/>
           <a:p>
+            <a:pPr marL="0" marR="0" lvl="0" indent="0" algn="l" defTabSz="914400" rtl="0" eaLnBrk="1" fontAlgn="auto" latinLnBrk="0" hangingPunct="1">
+              <a:lnSpc>
+                <a:spcPct val="100000"/>
+              </a:lnSpc>
+              <a:spcBef>
+                <a:spcPts val="0"/>
+              </a:spcBef>
+              <a:spcAft>
+                <a:spcPts val="0"/>
+              </a:spcAft>
+              <a:buClrTx/>
+              <a:buSzTx/>
+              <a:buFontTx/>
+              <a:buNone/>
+              <a:tabLst/>
+              <a:defRPr/>
+            </a:pPr>
             <a:r>
-              <a:rPr lang="en-US" dirty="0"/>
+              <a:rPr kumimoji="0" lang="en-US" sz="1800" b="0" i="0" u="none" strike="noStrike" kern="1200" cap="none" spc="0" normalizeH="0" baseline="0" noProof="0">
+                <a:ln>
+                  <a:noFill/>
+                </a:ln>
+                <a:solidFill>
+                  <a:prstClr val="black"/>
+                </a:solidFill>
+                <a:effectLst/>
+                <a:uLnTx/>
+                <a:uFillTx/>
+                <a:latin typeface="Calibri" panose="020F0502020204030204"/>
+                <a:ea typeface="+mn-ea"/>
+                <a:cs typeface="+mn-cs"/>
+              </a:rPr>
               <a:t>Horizon 1</a:t>
             </a:r>
           </a:p>
@@ -28698,8 +33629,38 @@
           </a:bodyPr>
           <a:lstStyle/>
           <a:p>
+            <a:pPr marL="0" marR="0" lvl="0" indent="0" algn="l" defTabSz="914400" rtl="0" eaLnBrk="1" fontAlgn="auto" latinLnBrk="0" hangingPunct="1">
+              <a:lnSpc>
+                <a:spcPct val="100000"/>
+              </a:lnSpc>
+              <a:spcBef>
+                <a:spcPts val="0"/>
+              </a:spcBef>
+              <a:spcAft>
+                <a:spcPts val="0"/>
+              </a:spcAft>
+              <a:buClrTx/>
+              <a:buSzTx/>
+              <a:buFontTx/>
+              <a:buNone/>
+              <a:tabLst/>
+              <a:defRPr/>
+            </a:pPr>
             <a:r>
-              <a:rPr lang="en-US" dirty="0"/>
+              <a:rPr kumimoji="0" lang="en-US" sz="1800" b="0" i="0" u="none" strike="noStrike" kern="1200" cap="none" spc="0" normalizeH="0" baseline="0" noProof="0">
+                <a:ln>
+                  <a:noFill/>
+                </a:ln>
+                <a:solidFill>
+                  <a:prstClr val="black"/>
+                </a:solidFill>
+                <a:effectLst/>
+                <a:uLnTx/>
+                <a:uFillTx/>
+                <a:latin typeface="Calibri" panose="020F0502020204030204"/>
+                <a:ea typeface="+mn-ea"/>
+                <a:cs typeface="+mn-cs"/>
+              </a:rPr>
               <a:t>Horizon 2</a:t>
             </a:r>
           </a:p>
@@ -28733,8 +33694,38 @@
           </a:bodyPr>
           <a:lstStyle/>
           <a:p>
+            <a:pPr marL="0" marR="0" lvl="0" indent="0" algn="l" defTabSz="914400" rtl="0" eaLnBrk="1" fontAlgn="auto" latinLnBrk="0" hangingPunct="1">
+              <a:lnSpc>
+                <a:spcPct val="100000"/>
+              </a:lnSpc>
+              <a:spcBef>
+                <a:spcPts val="0"/>
+              </a:spcBef>
+              <a:spcAft>
+                <a:spcPts val="0"/>
+              </a:spcAft>
+              <a:buClrTx/>
+              <a:buSzTx/>
+              <a:buFontTx/>
+              <a:buNone/>
+              <a:tabLst/>
+              <a:defRPr/>
+            </a:pPr>
             <a:r>
-              <a:rPr lang="en-US" dirty="0"/>
+              <a:rPr kumimoji="0" lang="en-US" sz="1800" b="0" i="0" u="none" strike="noStrike" kern="1200" cap="none" spc="0" normalizeH="0" baseline="0" noProof="0">
+                <a:ln>
+                  <a:noFill/>
+                </a:ln>
+                <a:solidFill>
+                  <a:prstClr val="black"/>
+                </a:solidFill>
+                <a:effectLst/>
+                <a:uLnTx/>
+                <a:uFillTx/>
+                <a:latin typeface="Calibri" panose="020F0502020204030204"/>
+                <a:ea typeface="+mn-ea"/>
+                <a:cs typeface="+mn-cs"/>
+              </a:rPr>
               <a:t>Horizon 3</a:t>
             </a:r>
           </a:p>
@@ -28750,13 +33741,7 @@
             </a:extLst>
           </p:cNvPr>
           <p:cNvGraphicFramePr/>
-          <p:nvPr>
-            <p:extLst>
-              <p:ext uri="{D42A27DB-BD31-4B8C-83A1-F6EECF244321}">
-                <p14:modId xmlns:p14="http://schemas.microsoft.com/office/powerpoint/2010/main" val="3420802680"/>
-              </p:ext>
-            </p:extLst>
-          </p:nvPr>
+          <p:nvPr/>
         </p:nvGraphicFramePr>
         <p:xfrm>
           <a:off x="838200" y="6338442"/>
@@ -28781,7 +33766,7 @@
 </p:sld>
 </file>
 
-<file path=ppt/slides/slide5.xml><?xml version="1.0" encoding="utf-8"?>
+<file path=ppt/slides/slide6.xml><?xml version="1.0" encoding="utf-8"?>
 <p:sld xmlns:a="http://schemas.openxmlformats.org/drawingml/2006/main" xmlns:r="http://schemas.openxmlformats.org/officeDocument/2006/relationships" xmlns:p="http://schemas.openxmlformats.org/presentationml/2006/main">
   <p:cSld>
     <p:spTree>
@@ -28825,7 +33810,7 @@
           <a:lstStyle/>
           <a:p>
             <a:r>
-              <a:rPr lang="en-US" dirty="0"/>
+              <a:rPr lang="en-US"/>
               <a:t>AI Strategy</a:t>
             </a:r>
           </a:p>
@@ -28845,11 +33830,6 @@
           </p:cNvGraphicFramePr>
           <p:nvPr>
             <p:ph idx="1"/>
-            <p:extLst>
-              <p:ext uri="{D42A27DB-BD31-4B8C-83A1-F6EECF244321}">
-                <p14:modId xmlns:p14="http://schemas.microsoft.com/office/powerpoint/2010/main" val="3074090773"/>
-              </p:ext>
-            </p:extLst>
           </p:nvPr>
         </p:nvGraphicFramePr>
         <p:xfrm>
@@ -28890,11 +33870,37 @@
           </a:bodyPr>
           <a:lstStyle/>
           <a:p>
+            <a:pPr marL="0" marR="0" lvl="0" indent="0" algn="l" defTabSz="914400" rtl="0" eaLnBrk="1" fontAlgn="auto" latinLnBrk="0" hangingPunct="1">
+              <a:lnSpc>
+                <a:spcPct val="100000"/>
+              </a:lnSpc>
+              <a:spcBef>
+                <a:spcPts val="0"/>
+              </a:spcBef>
+              <a:spcAft>
+                <a:spcPts val="0"/>
+              </a:spcAft>
+              <a:buClrTx/>
+              <a:buSzTx/>
+              <a:buFontTx/>
+              <a:buNone/>
+              <a:tabLst/>
+              <a:defRPr/>
+            </a:pPr>
             <a:r>
-              <a:rPr lang="en-US" dirty="0">
+              <a:rPr kumimoji="0" lang="en-US" sz="1800" b="0" i="0" u="none" strike="noStrike" kern="1200" cap="none" spc="0" normalizeH="0" baseline="0" noProof="0">
+                <a:ln>
+                  <a:noFill/>
+                </a:ln>
                 <a:solidFill>
-                  <a:schemeClr val="bg1"/>
+                  <a:prstClr val="white"/>
                 </a:solidFill>
+                <a:effectLst/>
+                <a:uLnTx/>
+                <a:uFillTx/>
+                <a:latin typeface="Calibri" panose="020F0502020204030204"/>
+                <a:ea typeface="+mn-ea"/>
+                <a:cs typeface="+mn-cs"/>
               </a:rPr>
               <a:t>Horizon 1</a:t>
             </a:r>
@@ -28929,11 +33935,37 @@
           </a:bodyPr>
           <a:lstStyle/>
           <a:p>
+            <a:pPr marL="0" marR="0" lvl="0" indent="0" algn="l" defTabSz="914400" rtl="0" eaLnBrk="1" fontAlgn="auto" latinLnBrk="0" hangingPunct="1">
+              <a:lnSpc>
+                <a:spcPct val="100000"/>
+              </a:lnSpc>
+              <a:spcBef>
+                <a:spcPts val="0"/>
+              </a:spcBef>
+              <a:spcAft>
+                <a:spcPts val="0"/>
+              </a:spcAft>
+              <a:buClrTx/>
+              <a:buSzTx/>
+              <a:buFontTx/>
+              <a:buNone/>
+              <a:tabLst/>
+              <a:defRPr/>
+            </a:pPr>
             <a:r>
-              <a:rPr lang="en-US" dirty="0">
+              <a:rPr kumimoji="0" lang="en-US" sz="1800" b="0" i="0" u="none" strike="noStrike" kern="1200" cap="none" spc="0" normalizeH="0" baseline="0" noProof="0">
+                <a:ln>
+                  <a:noFill/>
+                </a:ln>
                 <a:solidFill>
-                  <a:schemeClr val="bg1"/>
+                  <a:prstClr val="white"/>
                 </a:solidFill>
+                <a:effectLst/>
+                <a:uLnTx/>
+                <a:uFillTx/>
+                <a:latin typeface="Calibri" panose="020F0502020204030204"/>
+                <a:ea typeface="+mn-ea"/>
+                <a:cs typeface="+mn-cs"/>
               </a:rPr>
               <a:t>Horizon 2</a:t>
             </a:r>
@@ -28968,11 +34000,37 @@
           </a:bodyPr>
           <a:lstStyle/>
           <a:p>
+            <a:pPr marL="0" marR="0" lvl="0" indent="0" algn="l" defTabSz="914400" rtl="0" eaLnBrk="1" fontAlgn="auto" latinLnBrk="0" hangingPunct="1">
+              <a:lnSpc>
+                <a:spcPct val="100000"/>
+              </a:lnSpc>
+              <a:spcBef>
+                <a:spcPts val="0"/>
+              </a:spcBef>
+              <a:spcAft>
+                <a:spcPts val="0"/>
+              </a:spcAft>
+              <a:buClrTx/>
+              <a:buSzTx/>
+              <a:buFontTx/>
+              <a:buNone/>
+              <a:tabLst/>
+              <a:defRPr/>
+            </a:pPr>
             <a:r>
-              <a:rPr lang="en-US" dirty="0">
+              <a:rPr kumimoji="0" lang="en-US" sz="1800" b="0" i="0" u="none" strike="noStrike" kern="1200" cap="none" spc="0" normalizeH="0" baseline="0" noProof="0">
+                <a:ln>
+                  <a:noFill/>
+                </a:ln>
                 <a:solidFill>
-                  <a:schemeClr val="bg1"/>
+                  <a:prstClr val="white"/>
                 </a:solidFill>
+                <a:effectLst/>
+                <a:uLnTx/>
+                <a:uFillTx/>
+                <a:latin typeface="Calibri" panose="020F0502020204030204"/>
+                <a:ea typeface="+mn-ea"/>
+                <a:cs typeface="+mn-cs"/>
               </a:rPr>
               <a:t>Horizon 3</a:t>
             </a:r>
@@ -28989,13 +34047,7 @@
             </a:extLst>
           </p:cNvPr>
           <p:cNvGraphicFramePr/>
-          <p:nvPr>
-            <p:extLst>
-              <p:ext uri="{D42A27DB-BD31-4B8C-83A1-F6EECF244321}">
-                <p14:modId xmlns:p14="http://schemas.microsoft.com/office/powerpoint/2010/main" val="3265747861"/>
-              </p:ext>
-            </p:extLst>
-          </p:nvPr>
+          <p:nvPr/>
         </p:nvGraphicFramePr>
         <p:xfrm>
           <a:off x="838200" y="6338442"/>
@@ -29011,6 +34063,2361 @@
     <p:extLst>
       <p:ext uri="{BB962C8B-B14F-4D97-AF65-F5344CB8AC3E}">
         <p14:creationId xmlns:p14="http://schemas.microsoft.com/office/powerpoint/2010/main" val="45177834"/>
+      </p:ext>
+    </p:extLst>
+  </p:cSld>
+  <p:clrMapOvr>
+    <a:masterClrMapping/>
+  </p:clrMapOvr>
+</p:sld>
+</file>
+
+<file path=ppt/slides/slide7.xml><?xml version="1.0" encoding="utf-8"?>
+<p:sld xmlns:a="http://schemas.openxmlformats.org/drawingml/2006/main" xmlns:r="http://schemas.openxmlformats.org/officeDocument/2006/relationships" xmlns:p="http://schemas.openxmlformats.org/presentationml/2006/main">
+  <p:cSld>
+    <p:bg>
+      <p:bgPr>
+        <a:solidFill>
+          <a:schemeClr val="bg1"/>
+        </a:solidFill>
+        <a:effectLst/>
+      </p:bgPr>
+    </p:bg>
+    <p:spTree>
+      <p:nvGrpSpPr>
+        <p:cNvPr id="1" name=""/>
+        <p:cNvGrpSpPr/>
+        <p:nvPr/>
+      </p:nvGrpSpPr>
+      <p:grpSpPr>
+        <a:xfrm>
+          <a:off x="0" y="0"/>
+          <a:ext cx="0" cy="0"/>
+          <a:chOff x="0" y="0"/>
+          <a:chExt cx="0" cy="0"/>
+        </a:xfrm>
+      </p:grpSpPr>
+      <p:sp useBgFill="1">
+        <p:nvSpPr>
+          <p:cNvPr id="27" name="Rectangle 7">
+            <a:extLst>
+              <a:ext uri="{FF2B5EF4-FFF2-40B4-BE49-F238E27FC236}">
+                <a16:creationId xmlns:a16="http://schemas.microsoft.com/office/drawing/2014/main" id="{777A147A-9ED8-46B4-8660-1B3C2AA880B5}"/>
+              </a:ext>
+              <a:ext uri="{C183D7F6-B498-43B3-948B-1728B52AA6E4}">
+                <adec:decorative xmlns:adec="http://schemas.microsoft.com/office/drawing/2017/decorative" val="1"/>
+              </a:ext>
+            </a:extLst>
+          </p:cNvPr>
+          <p:cNvSpPr>
+            <a:spLocks noGrp="1" noRot="1" noChangeAspect="1" noMove="1" noResize="1" noEditPoints="1" noAdjustHandles="1" noChangeArrowheads="1" noChangeShapeType="1" noTextEdit="1"/>
+          </p:cNvSpPr>
+          <p:nvPr>
+            <p:extLst>
+              <p:ext uri="{386F3935-93C4-4BCD-93E2-E3B085C9AB24}">
+                <p16:designElem xmlns:p16="http://schemas.microsoft.com/office/powerpoint/2015/main" val="1"/>
+              </p:ext>
+            </p:extLst>
+          </p:nvPr>
+        </p:nvSpPr>
+        <p:spPr>
+          <a:xfrm>
+            <a:off x="0" y="0"/>
+            <a:ext cx="12188952" cy="6858000"/>
+          </a:xfrm>
+          <a:prstGeom prst="rect">
+            <a:avLst/>
+          </a:prstGeom>
+          <a:ln>
+            <a:noFill/>
+          </a:ln>
+        </p:spPr>
+        <p:style>
+          <a:lnRef idx="2">
+            <a:schemeClr val="accent1">
+              <a:shade val="50000"/>
+            </a:schemeClr>
+          </a:lnRef>
+          <a:fillRef idx="1">
+            <a:schemeClr val="accent1"/>
+          </a:fillRef>
+          <a:effectRef idx="0">
+            <a:schemeClr val="accent1"/>
+          </a:effectRef>
+          <a:fontRef idx="minor">
+            <a:schemeClr val="lt1"/>
+          </a:fontRef>
+        </p:style>
+        <p:txBody>
+          <a:bodyPr rtlCol="0" anchor="ctr"/>
+          <a:lstStyle/>
+          <a:p>
+            <a:pPr marL="0" marR="0" lvl="0" indent="0" algn="ctr" defTabSz="914400" rtl="0" eaLnBrk="1" fontAlgn="auto" latinLnBrk="0" hangingPunct="1">
+              <a:lnSpc>
+                <a:spcPct val="100000"/>
+              </a:lnSpc>
+              <a:spcBef>
+                <a:spcPts val="0"/>
+              </a:spcBef>
+              <a:spcAft>
+                <a:spcPts val="0"/>
+              </a:spcAft>
+              <a:buClrTx/>
+              <a:buSzTx/>
+              <a:buFontTx/>
+              <a:buNone/>
+              <a:tabLst/>
+              <a:defRPr/>
+            </a:pPr>
+            <a:endParaRPr kumimoji="0" lang="en-US" sz="1800" b="0" i="0" u="none" strike="noStrike" kern="1200" cap="none" spc="0" normalizeH="0" baseline="0" noProof="0">
+              <a:ln>
+                <a:noFill/>
+              </a:ln>
+              <a:solidFill>
+                <a:prstClr val="white"/>
+              </a:solidFill>
+              <a:effectLst/>
+              <a:uLnTx/>
+              <a:uFillTx/>
+              <a:latin typeface="Calibri" panose="020F0502020204030204"/>
+              <a:ea typeface="+mn-ea"/>
+              <a:cs typeface="+mn-cs"/>
+            </a:endParaRPr>
+          </a:p>
+        </p:txBody>
+      </p:sp>
+      <p:sp>
+        <p:nvSpPr>
+          <p:cNvPr id="2" name="Title 1">
+            <a:extLst>
+              <a:ext uri="{FF2B5EF4-FFF2-40B4-BE49-F238E27FC236}">
+                <a16:creationId xmlns:a16="http://schemas.microsoft.com/office/drawing/2014/main" id="{A598AEAF-4B9D-4451-8DBB-88B277152D72}"/>
+              </a:ext>
+            </a:extLst>
+          </p:cNvPr>
+          <p:cNvSpPr>
+            <a:spLocks noGrp="1"/>
+          </p:cNvSpPr>
+          <p:nvPr>
+            <p:ph type="title"/>
+          </p:nvPr>
+        </p:nvSpPr>
+        <p:spPr>
+          <a:xfrm>
+            <a:off x="841248" y="548640"/>
+            <a:ext cx="3600860" cy="5431536"/>
+          </a:xfrm>
+        </p:spPr>
+        <p:txBody>
+          <a:bodyPr>
+            <a:normAutofit/>
+          </a:bodyPr>
+          <a:lstStyle/>
+          <a:p>
+            <a:r>
+              <a:rPr lang="en-US" sz="5400"/>
+              <a:t>Business Use Case</a:t>
+            </a:r>
+          </a:p>
+        </p:txBody>
+      </p:sp>
+      <p:sp>
+        <p:nvSpPr>
+          <p:cNvPr id="28" name="sketch line">
+            <a:extLst>
+              <a:ext uri="{FF2B5EF4-FFF2-40B4-BE49-F238E27FC236}">
+                <a16:creationId xmlns:a16="http://schemas.microsoft.com/office/drawing/2014/main" id="{5D6C15A0-C087-4593-8414-2B4EC1CDC3DE}"/>
+              </a:ext>
+              <a:ext uri="{C183D7F6-B498-43B3-948B-1728B52AA6E4}">
+                <adec:decorative xmlns:adec="http://schemas.microsoft.com/office/drawing/2017/decorative" val="1"/>
+              </a:ext>
+            </a:extLst>
+          </p:cNvPr>
+          <p:cNvSpPr>
+            <a:spLocks noGrp="1" noRot="1" noChangeAspect="1" noMove="1" noResize="1" noEditPoints="1" noAdjustHandles="1" noChangeArrowheads="1" noChangeShapeType="1" noTextEdit="1"/>
+          </p:cNvSpPr>
+          <p:nvPr>
+            <p:extLst>
+              <p:ext uri="{386F3935-93C4-4BCD-93E2-E3B085C9AB24}">
+                <p16:designElem xmlns:p16="http://schemas.microsoft.com/office/powerpoint/2015/main" val="1"/>
+              </p:ext>
+            </p:extLst>
+          </p:nvPr>
+        </p:nvSpPr>
+        <p:spPr>
+          <a:xfrm rot="5400000">
+            <a:off x="2543983" y="3258715"/>
+            <a:ext cx="4480560" cy="18288"/>
+          </a:xfrm>
+          <a:custGeom>
+            <a:avLst/>
+            <a:gdLst>
+              <a:gd name="connsiteX0" fmla="*/ 0 w 4480560"/>
+              <a:gd name="connsiteY0" fmla="*/ 0 h 18288"/>
+              <a:gd name="connsiteX1" fmla="*/ 595274 w 4480560"/>
+              <a:gd name="connsiteY1" fmla="*/ 0 h 18288"/>
+              <a:gd name="connsiteX2" fmla="*/ 1100938 w 4480560"/>
+              <a:gd name="connsiteY2" fmla="*/ 0 h 18288"/>
+              <a:gd name="connsiteX3" fmla="*/ 1651406 w 4480560"/>
+              <a:gd name="connsiteY3" fmla="*/ 0 h 18288"/>
+              <a:gd name="connsiteX4" fmla="*/ 2336292 w 4480560"/>
+              <a:gd name="connsiteY4" fmla="*/ 0 h 18288"/>
+              <a:gd name="connsiteX5" fmla="*/ 2931566 w 4480560"/>
+              <a:gd name="connsiteY5" fmla="*/ 0 h 18288"/>
+              <a:gd name="connsiteX6" fmla="*/ 3482035 w 4480560"/>
+              <a:gd name="connsiteY6" fmla="*/ 0 h 18288"/>
+              <a:gd name="connsiteX7" fmla="*/ 4480560 w 4480560"/>
+              <a:gd name="connsiteY7" fmla="*/ 0 h 18288"/>
+              <a:gd name="connsiteX8" fmla="*/ 4480560 w 4480560"/>
+              <a:gd name="connsiteY8" fmla="*/ 18288 h 18288"/>
+              <a:gd name="connsiteX9" fmla="*/ 3840480 w 4480560"/>
+              <a:gd name="connsiteY9" fmla="*/ 18288 h 18288"/>
+              <a:gd name="connsiteX10" fmla="*/ 3290011 w 4480560"/>
+              <a:gd name="connsiteY10" fmla="*/ 18288 h 18288"/>
+              <a:gd name="connsiteX11" fmla="*/ 2560320 w 4480560"/>
+              <a:gd name="connsiteY11" fmla="*/ 18288 h 18288"/>
+              <a:gd name="connsiteX12" fmla="*/ 1965046 w 4480560"/>
+              <a:gd name="connsiteY12" fmla="*/ 18288 h 18288"/>
+              <a:gd name="connsiteX13" fmla="*/ 1459382 w 4480560"/>
+              <a:gd name="connsiteY13" fmla="*/ 18288 h 18288"/>
+              <a:gd name="connsiteX14" fmla="*/ 774497 w 4480560"/>
+              <a:gd name="connsiteY14" fmla="*/ 18288 h 18288"/>
+              <a:gd name="connsiteX15" fmla="*/ 0 w 4480560"/>
+              <a:gd name="connsiteY15" fmla="*/ 18288 h 18288"/>
+              <a:gd name="connsiteX16" fmla="*/ 0 w 4480560"/>
+              <a:gd name="connsiteY16" fmla="*/ 0 h 18288"/>
+            </a:gdLst>
+            <a:ahLst/>
+            <a:cxnLst>
+              <a:cxn ang="0">
+                <a:pos x="connsiteX0" y="connsiteY0"/>
+              </a:cxn>
+              <a:cxn ang="0">
+                <a:pos x="connsiteX1" y="connsiteY1"/>
+              </a:cxn>
+              <a:cxn ang="0">
+                <a:pos x="connsiteX2" y="connsiteY2"/>
+              </a:cxn>
+              <a:cxn ang="0">
+                <a:pos x="connsiteX3" y="connsiteY3"/>
+              </a:cxn>
+              <a:cxn ang="0">
+                <a:pos x="connsiteX4" y="connsiteY4"/>
+              </a:cxn>
+              <a:cxn ang="0">
+                <a:pos x="connsiteX5" y="connsiteY5"/>
+              </a:cxn>
+              <a:cxn ang="0">
+                <a:pos x="connsiteX6" y="connsiteY6"/>
+              </a:cxn>
+              <a:cxn ang="0">
+                <a:pos x="connsiteX7" y="connsiteY7"/>
+              </a:cxn>
+              <a:cxn ang="0">
+                <a:pos x="connsiteX8" y="connsiteY8"/>
+              </a:cxn>
+              <a:cxn ang="0">
+                <a:pos x="connsiteX9" y="connsiteY9"/>
+              </a:cxn>
+              <a:cxn ang="0">
+                <a:pos x="connsiteX10" y="connsiteY10"/>
+              </a:cxn>
+              <a:cxn ang="0">
+                <a:pos x="connsiteX11" y="connsiteY11"/>
+              </a:cxn>
+              <a:cxn ang="0">
+                <a:pos x="connsiteX12" y="connsiteY12"/>
+              </a:cxn>
+              <a:cxn ang="0">
+                <a:pos x="connsiteX13" y="connsiteY13"/>
+              </a:cxn>
+              <a:cxn ang="0">
+                <a:pos x="connsiteX14" y="connsiteY14"/>
+              </a:cxn>
+              <a:cxn ang="0">
+                <a:pos x="connsiteX15" y="connsiteY15"/>
+              </a:cxn>
+              <a:cxn ang="0">
+                <a:pos x="connsiteX16" y="connsiteY16"/>
+              </a:cxn>
+            </a:cxnLst>
+            <a:rect l="l" t="t" r="r" b="b"/>
+            <a:pathLst>
+              <a:path w="4480560" h="18288" fill="none" extrusionOk="0">
+                <a:moveTo>
+                  <a:pt x="0" y="0"/>
+                </a:moveTo>
+                <a:cubicBezTo>
+                  <a:pt x="267821" y="8731"/>
+                  <a:pt x="334105" y="2629"/>
+                  <a:pt x="595274" y="0"/>
+                </a:cubicBezTo>
+                <a:cubicBezTo>
+                  <a:pt x="856443" y="-2629"/>
+                  <a:pt x="863808" y="-13353"/>
+                  <a:pt x="1100938" y="0"/>
+                </a:cubicBezTo>
+                <a:cubicBezTo>
+                  <a:pt x="1338068" y="13353"/>
+                  <a:pt x="1431663" y="-25862"/>
+                  <a:pt x="1651406" y="0"/>
+                </a:cubicBezTo>
+                <a:cubicBezTo>
+                  <a:pt x="1871149" y="25862"/>
+                  <a:pt x="2173163" y="23827"/>
+                  <a:pt x="2336292" y="0"/>
+                </a:cubicBezTo>
+                <a:cubicBezTo>
+                  <a:pt x="2499421" y="-23827"/>
+                  <a:pt x="2720589" y="28148"/>
+                  <a:pt x="2931566" y="0"/>
+                </a:cubicBezTo>
+                <a:cubicBezTo>
+                  <a:pt x="3142543" y="-28148"/>
+                  <a:pt x="3323630" y="27022"/>
+                  <a:pt x="3482035" y="0"/>
+                </a:cubicBezTo>
+                <a:cubicBezTo>
+                  <a:pt x="3640440" y="-27022"/>
+                  <a:pt x="4012110" y="-20118"/>
+                  <a:pt x="4480560" y="0"/>
+                </a:cubicBezTo>
+                <a:cubicBezTo>
+                  <a:pt x="4480958" y="7429"/>
+                  <a:pt x="4480540" y="10822"/>
+                  <a:pt x="4480560" y="18288"/>
+                </a:cubicBezTo>
+                <a:cubicBezTo>
+                  <a:pt x="4314132" y="14924"/>
+                  <a:pt x="4028383" y="36632"/>
+                  <a:pt x="3840480" y="18288"/>
+                </a:cubicBezTo>
+                <a:cubicBezTo>
+                  <a:pt x="3652577" y="-56"/>
+                  <a:pt x="3547615" y="2848"/>
+                  <a:pt x="3290011" y="18288"/>
+                </a:cubicBezTo>
+                <a:cubicBezTo>
+                  <a:pt x="3032407" y="33728"/>
+                  <a:pt x="2830268" y="8719"/>
+                  <a:pt x="2560320" y="18288"/>
+                </a:cubicBezTo>
+                <a:cubicBezTo>
+                  <a:pt x="2290372" y="27857"/>
+                  <a:pt x="2147422" y="6728"/>
+                  <a:pt x="1965046" y="18288"/>
+                </a:cubicBezTo>
+                <a:cubicBezTo>
+                  <a:pt x="1782670" y="29848"/>
+                  <a:pt x="1689791" y="40680"/>
+                  <a:pt x="1459382" y="18288"/>
+                </a:cubicBezTo>
+                <a:cubicBezTo>
+                  <a:pt x="1228973" y="-4104"/>
+                  <a:pt x="915486" y="36501"/>
+                  <a:pt x="774497" y="18288"/>
+                </a:cubicBezTo>
+                <a:cubicBezTo>
+                  <a:pt x="633508" y="75"/>
+                  <a:pt x="361442" y="-11107"/>
+                  <a:pt x="0" y="18288"/>
+                </a:cubicBezTo>
+                <a:cubicBezTo>
+                  <a:pt x="-591" y="13205"/>
+                  <a:pt x="-663" y="6329"/>
+                  <a:pt x="0" y="0"/>
+                </a:cubicBezTo>
+                <a:close/>
+              </a:path>
+              <a:path w="4480560" h="18288" stroke="0" extrusionOk="0">
+                <a:moveTo>
+                  <a:pt x="0" y="0"/>
+                </a:moveTo>
+                <a:cubicBezTo>
+                  <a:pt x="285465" y="225"/>
+                  <a:pt x="322691" y="16223"/>
+                  <a:pt x="595274" y="0"/>
+                </a:cubicBezTo>
+                <a:cubicBezTo>
+                  <a:pt x="867857" y="-16223"/>
+                  <a:pt x="989129" y="-11242"/>
+                  <a:pt x="1100938" y="0"/>
+                </a:cubicBezTo>
+                <a:cubicBezTo>
+                  <a:pt x="1212747" y="11242"/>
+                  <a:pt x="1574350" y="-36410"/>
+                  <a:pt x="1830629" y="0"/>
+                </a:cubicBezTo>
+                <a:cubicBezTo>
+                  <a:pt x="2086908" y="36410"/>
+                  <a:pt x="2180922" y="4645"/>
+                  <a:pt x="2425903" y="0"/>
+                </a:cubicBezTo>
+                <a:cubicBezTo>
+                  <a:pt x="2670884" y="-4645"/>
+                  <a:pt x="2782024" y="22929"/>
+                  <a:pt x="3021178" y="0"/>
+                </a:cubicBezTo>
+                <a:cubicBezTo>
+                  <a:pt x="3260332" y="-22929"/>
+                  <a:pt x="3456982" y="-1586"/>
+                  <a:pt x="3750869" y="0"/>
+                </a:cubicBezTo>
+                <a:cubicBezTo>
+                  <a:pt x="4044756" y="1586"/>
+                  <a:pt x="4302726" y="17043"/>
+                  <a:pt x="4480560" y="0"/>
+                </a:cubicBezTo>
+                <a:cubicBezTo>
+                  <a:pt x="4479674" y="5429"/>
+                  <a:pt x="4481381" y="14046"/>
+                  <a:pt x="4480560" y="18288"/>
+                </a:cubicBezTo>
+                <a:cubicBezTo>
+                  <a:pt x="4279652" y="-6850"/>
+                  <a:pt x="4200762" y="41566"/>
+                  <a:pt x="3930091" y="18288"/>
+                </a:cubicBezTo>
+                <a:cubicBezTo>
+                  <a:pt x="3659420" y="-4990"/>
+                  <a:pt x="3456052" y="22294"/>
+                  <a:pt x="3290011" y="18288"/>
+                </a:cubicBezTo>
+                <a:cubicBezTo>
+                  <a:pt x="3123970" y="14282"/>
+                  <a:pt x="2882392" y="32818"/>
+                  <a:pt x="2649931" y="18288"/>
+                </a:cubicBezTo>
+                <a:cubicBezTo>
+                  <a:pt x="2417470" y="3758"/>
+                  <a:pt x="2238426" y="7337"/>
+                  <a:pt x="2054657" y="18288"/>
+                </a:cubicBezTo>
+                <a:cubicBezTo>
+                  <a:pt x="1870888" y="29239"/>
+                  <a:pt x="1566368" y="45040"/>
+                  <a:pt x="1324966" y="18288"/>
+                </a:cubicBezTo>
+                <a:cubicBezTo>
+                  <a:pt x="1083564" y="-8464"/>
+                  <a:pt x="787410" y="10946"/>
+                  <a:pt x="595274" y="18288"/>
+                </a:cubicBezTo>
+                <a:cubicBezTo>
+                  <a:pt x="403138" y="25630"/>
+                  <a:pt x="169622" y="10499"/>
+                  <a:pt x="0" y="18288"/>
+                </a:cubicBezTo>
+                <a:cubicBezTo>
+                  <a:pt x="668" y="13665"/>
+                  <a:pt x="578" y="5675"/>
+                  <a:pt x="0" y="0"/>
+                </a:cubicBezTo>
+                <a:close/>
+              </a:path>
+            </a:pathLst>
+          </a:custGeom>
+          <a:solidFill>
+            <a:schemeClr val="accent2"/>
+          </a:solidFill>
+          <a:ln w="41275" cap="rnd">
+            <a:solidFill>
+              <a:schemeClr val="accent2"/>
+            </a:solidFill>
+            <a:round/>
+            <a:extLst>
+              <a:ext uri="{C807C97D-BFC1-408E-A445-0C87EB9F89A2}">
+                <ask:lineSketchStyleProps xmlns:ask="http://schemas.microsoft.com/office/drawing/2018/sketchyshapes" sd="1219033472">
+                  <a:prstGeom prst="rect">
+                    <a:avLst/>
+                  </a:prstGeom>
+                  <ask:type>
+                    <ask:lineSketchFreehand/>
+                  </ask:type>
+                </ask:lineSketchStyleProps>
+              </a:ext>
+            </a:extLst>
+          </a:ln>
+        </p:spPr>
+        <p:style>
+          <a:lnRef idx="2">
+            <a:schemeClr val="accent1">
+              <a:shade val="50000"/>
+            </a:schemeClr>
+          </a:lnRef>
+          <a:fillRef idx="1">
+            <a:schemeClr val="accent1"/>
+          </a:fillRef>
+          <a:effectRef idx="0">
+            <a:schemeClr val="accent1"/>
+          </a:effectRef>
+          <a:fontRef idx="minor">
+            <a:schemeClr val="lt1"/>
+          </a:fontRef>
+        </p:style>
+        <p:txBody>
+          <a:bodyPr rtlCol="0" anchor="ctr"/>
+          <a:lstStyle/>
+          <a:p>
+            <a:pPr marL="0" marR="0" lvl="0" indent="0" algn="ctr" defTabSz="914400" rtl="0" eaLnBrk="1" fontAlgn="auto" latinLnBrk="0" hangingPunct="1">
+              <a:lnSpc>
+                <a:spcPct val="100000"/>
+              </a:lnSpc>
+              <a:spcBef>
+                <a:spcPts val="0"/>
+              </a:spcBef>
+              <a:spcAft>
+                <a:spcPts val="0"/>
+              </a:spcAft>
+              <a:buClrTx/>
+              <a:buSzTx/>
+              <a:buFontTx/>
+              <a:buNone/>
+              <a:tabLst/>
+              <a:defRPr/>
+            </a:pPr>
+            <a:endParaRPr kumimoji="0" lang="en-US" sz="1800" b="0" i="0" u="none" strike="noStrike" kern="1200" cap="none" spc="0" normalizeH="0" baseline="0" noProof="0">
+              <a:ln>
+                <a:noFill/>
+              </a:ln>
+              <a:solidFill>
+                <a:prstClr val="white"/>
+              </a:solidFill>
+              <a:effectLst/>
+              <a:uLnTx/>
+              <a:uFillTx/>
+              <a:latin typeface="Calibri" panose="020F0502020204030204"/>
+              <a:ea typeface="+mn-ea"/>
+              <a:cs typeface="+mn-cs"/>
+            </a:endParaRPr>
+          </a:p>
+        </p:txBody>
+      </p:sp>
+      <p:sp>
+        <p:nvSpPr>
+          <p:cNvPr id="3" name="Content Placeholder 2">
+            <a:extLst>
+              <a:ext uri="{FF2B5EF4-FFF2-40B4-BE49-F238E27FC236}">
+                <a16:creationId xmlns:a16="http://schemas.microsoft.com/office/drawing/2014/main" id="{EBE08EED-632E-4A9B-98B6-72B2A0697FC4}"/>
+              </a:ext>
+            </a:extLst>
+          </p:cNvPr>
+          <p:cNvSpPr>
+            <a:spLocks noGrp="1"/>
+          </p:cNvSpPr>
+          <p:nvPr>
+            <p:ph idx="1"/>
+          </p:nvPr>
+        </p:nvSpPr>
+        <p:spPr>
+          <a:xfrm>
+            <a:off x="5126418" y="552091"/>
+            <a:ext cx="6224335" cy="5431536"/>
+          </a:xfrm>
+        </p:spPr>
+        <p:txBody>
+          <a:bodyPr anchor="ctr">
+            <a:normAutofit/>
+          </a:bodyPr>
+          <a:lstStyle/>
+          <a:p>
+            <a:r>
+              <a:rPr lang="en-US" sz="2000"/>
+              <a:t>Frictionless Entry</a:t>
+            </a:r>
+          </a:p>
+          <a:p>
+            <a:r>
+              <a:rPr lang="en-US" sz="2000"/>
+              <a:t>Intelligent Office Space</a:t>
+            </a:r>
+          </a:p>
+          <a:p>
+            <a:r>
+              <a:rPr lang="en-US" sz="2000"/>
+              <a:t>Meetings anywhere</a:t>
+            </a:r>
+          </a:p>
+          <a:p>
+            <a:r>
+              <a:rPr lang="en-US" sz="2000"/>
+              <a:t>Sustainability</a:t>
+            </a:r>
+          </a:p>
+          <a:p>
+            <a:pPr lvl="1"/>
+            <a:r>
+              <a:rPr lang="en-US" sz="2000"/>
+              <a:t>Reduce Travel</a:t>
+            </a:r>
+          </a:p>
+          <a:p>
+            <a:pPr lvl="1"/>
+            <a:r>
+              <a:rPr lang="en-US" sz="2000"/>
+              <a:t>Use Public Transportation</a:t>
+            </a:r>
+          </a:p>
+          <a:p>
+            <a:r>
+              <a:rPr lang="en-US" sz="2000"/>
+              <a:t>Productivity – improve productivity with ML/AI</a:t>
+            </a:r>
+          </a:p>
+          <a:p>
+            <a:r>
+              <a:rPr lang="en-US" sz="2000"/>
+              <a:t>Intelligent Supply Chain - Optimize</a:t>
+            </a:r>
+          </a:p>
+          <a:p>
+            <a:r>
+              <a:rPr lang="en-US" sz="2000"/>
+              <a:t>Data Driven Insight – Customer – Revenue Based Using ML</a:t>
+            </a:r>
+          </a:p>
+          <a:p>
+            <a:r>
+              <a:rPr lang="en-US" sz="2000"/>
+              <a:t>Data Driven Insights – Business Operations Using ML</a:t>
+            </a:r>
+          </a:p>
+          <a:p>
+            <a:r>
+              <a:rPr lang="en-US" sz="2000"/>
+              <a:t>Employee Well Being – ML driven decisions</a:t>
+            </a:r>
+          </a:p>
+          <a:p>
+            <a:r>
+              <a:rPr lang="en-US" sz="2000"/>
+              <a:t>Covid 19 Social Distancing and Tracing</a:t>
+            </a:r>
+          </a:p>
+          <a:p>
+            <a:r>
+              <a:rPr lang="en-US" sz="2000"/>
+              <a:t>Workplace Safety</a:t>
+            </a:r>
+          </a:p>
+          <a:p>
+            <a:endParaRPr lang="en-US" sz="2000"/>
+          </a:p>
+        </p:txBody>
+      </p:sp>
+    </p:spTree>
+    <p:extLst>
+      <p:ext uri="{BB962C8B-B14F-4D97-AF65-F5344CB8AC3E}">
+        <p14:creationId xmlns:p14="http://schemas.microsoft.com/office/powerpoint/2010/main" val="2761115306"/>
+      </p:ext>
+    </p:extLst>
+  </p:cSld>
+  <p:clrMapOvr>
+    <a:masterClrMapping/>
+  </p:clrMapOvr>
+</p:sld>
+</file>
+
+<file path=ppt/slides/slide8.xml><?xml version="1.0" encoding="utf-8"?>
+<p:sld xmlns:a="http://schemas.openxmlformats.org/drawingml/2006/main" xmlns:r="http://schemas.openxmlformats.org/officeDocument/2006/relationships" xmlns:p="http://schemas.openxmlformats.org/presentationml/2006/main">
+  <p:cSld>
+    <p:bg>
+      <p:bgPr>
+        <a:solidFill>
+          <a:schemeClr val="bg1"/>
+        </a:solidFill>
+        <a:effectLst/>
+      </p:bgPr>
+    </p:bg>
+    <p:spTree>
+      <p:nvGrpSpPr>
+        <p:cNvPr id="1" name=""/>
+        <p:cNvGrpSpPr/>
+        <p:nvPr/>
+      </p:nvGrpSpPr>
+      <p:grpSpPr>
+        <a:xfrm>
+          <a:off x="0" y="0"/>
+          <a:ext cx="0" cy="0"/>
+          <a:chOff x="0" y="0"/>
+          <a:chExt cx="0" cy="0"/>
+        </a:xfrm>
+      </p:grpSpPr>
+      <p:sp useBgFill="1">
+        <p:nvSpPr>
+          <p:cNvPr id="54" name="Rectangle 53">
+            <a:extLst>
+              <a:ext uri="{FF2B5EF4-FFF2-40B4-BE49-F238E27FC236}">
+                <a16:creationId xmlns:a16="http://schemas.microsoft.com/office/drawing/2014/main" id="{4FFBEE45-F140-49D5-85EA-C78C24340B23}"/>
+              </a:ext>
+              <a:ext uri="{C183D7F6-B498-43B3-948B-1728B52AA6E4}">
+                <adec:decorative xmlns:adec="http://schemas.microsoft.com/office/drawing/2017/decorative" val="1"/>
+              </a:ext>
+            </a:extLst>
+          </p:cNvPr>
+          <p:cNvSpPr>
+            <a:spLocks noGrp="1" noRot="1" noChangeAspect="1" noMove="1" noResize="1" noEditPoints="1" noAdjustHandles="1" noChangeArrowheads="1" noChangeShapeType="1" noTextEdit="1"/>
+          </p:cNvSpPr>
+          <p:nvPr>
+            <p:extLst>
+              <p:ext uri="{386F3935-93C4-4BCD-93E2-E3B085C9AB24}">
+                <p16:designElem xmlns:p16="http://schemas.microsoft.com/office/powerpoint/2015/main" val="1"/>
+              </p:ext>
+            </p:extLst>
+          </p:nvPr>
+        </p:nvSpPr>
+        <p:spPr>
+          <a:xfrm>
+            <a:off x="0" y="-1"/>
+            <a:ext cx="12188952" cy="6858000"/>
+          </a:xfrm>
+          <a:prstGeom prst="rect">
+            <a:avLst/>
+          </a:prstGeom>
+          <a:ln>
+            <a:noFill/>
+          </a:ln>
+        </p:spPr>
+        <p:style>
+          <a:lnRef idx="2">
+            <a:schemeClr val="accent1">
+              <a:shade val="50000"/>
+            </a:schemeClr>
+          </a:lnRef>
+          <a:fillRef idx="1">
+            <a:schemeClr val="accent1"/>
+          </a:fillRef>
+          <a:effectRef idx="0">
+            <a:schemeClr val="accent1"/>
+          </a:effectRef>
+          <a:fontRef idx="minor">
+            <a:schemeClr val="lt1"/>
+          </a:fontRef>
+        </p:style>
+        <p:txBody>
+          <a:bodyPr rtlCol="0" anchor="ctr"/>
+          <a:lstStyle/>
+          <a:p>
+            <a:pPr marL="0" marR="0" lvl="0" indent="0" algn="ctr" defTabSz="914400" rtl="0" eaLnBrk="1" fontAlgn="auto" latinLnBrk="0" hangingPunct="1">
+              <a:lnSpc>
+                <a:spcPct val="100000"/>
+              </a:lnSpc>
+              <a:spcBef>
+                <a:spcPts val="0"/>
+              </a:spcBef>
+              <a:spcAft>
+                <a:spcPts val="0"/>
+              </a:spcAft>
+              <a:buClrTx/>
+              <a:buSzTx/>
+              <a:buFontTx/>
+              <a:buNone/>
+              <a:tabLst/>
+              <a:defRPr/>
+            </a:pPr>
+            <a:endParaRPr kumimoji="0" lang="en-US" sz="1800" b="0" i="0" u="none" strike="noStrike" kern="1200" cap="none" spc="0" normalizeH="0" baseline="0" noProof="0">
+              <a:ln>
+                <a:noFill/>
+              </a:ln>
+              <a:solidFill>
+                <a:prstClr val="white"/>
+              </a:solidFill>
+              <a:effectLst/>
+              <a:uLnTx/>
+              <a:uFillTx/>
+              <a:latin typeface="Calibri" panose="020F0502020204030204"/>
+              <a:ea typeface="+mn-ea"/>
+              <a:cs typeface="+mn-cs"/>
+            </a:endParaRPr>
+          </a:p>
+        </p:txBody>
+      </p:sp>
+      <p:sp>
+        <p:nvSpPr>
+          <p:cNvPr id="2" name="Title 1">
+            <a:extLst>
+              <a:ext uri="{FF2B5EF4-FFF2-40B4-BE49-F238E27FC236}">
+                <a16:creationId xmlns:a16="http://schemas.microsoft.com/office/drawing/2014/main" id="{BD7E22C7-3412-4B02-A240-F6CDDB271213}"/>
+              </a:ext>
+            </a:extLst>
+          </p:cNvPr>
+          <p:cNvSpPr>
+            <a:spLocks noGrp="1"/>
+          </p:cNvSpPr>
+          <p:nvPr>
+            <p:ph type="title"/>
+          </p:nvPr>
+        </p:nvSpPr>
+        <p:spPr>
+          <a:xfrm>
+            <a:off x="838200" y="365125"/>
+            <a:ext cx="10515600" cy="1828444"/>
+          </a:xfrm>
+        </p:spPr>
+        <p:txBody>
+          <a:bodyPr vert="horz" lIns="91440" tIns="45720" rIns="91440" bIns="45720" rtlCol="0" anchor="ctr">
+            <a:normAutofit/>
+          </a:bodyPr>
+          <a:lstStyle/>
+          <a:p>
+            <a:r>
+              <a:rPr lang="en-US" sz="5200" kern="1200">
+                <a:solidFill>
+                  <a:schemeClr val="tx1"/>
+                </a:solidFill>
+                <a:latin typeface="+mj-lt"/>
+                <a:ea typeface="+mj-ea"/>
+                <a:cs typeface="+mj-cs"/>
+              </a:rPr>
+              <a:t>Use Case – Azure AI</a:t>
+            </a:r>
+          </a:p>
+        </p:txBody>
+      </p:sp>
+      <p:sp>
+        <p:nvSpPr>
+          <p:cNvPr id="3" name="Content Placeholder 2">
+            <a:extLst>
+              <a:ext uri="{FF2B5EF4-FFF2-40B4-BE49-F238E27FC236}">
+                <a16:creationId xmlns:a16="http://schemas.microsoft.com/office/drawing/2014/main" id="{9A7B7AEB-33AC-45F6-8D3B-1D7F865D9C6F}"/>
+              </a:ext>
+            </a:extLst>
+          </p:cNvPr>
+          <p:cNvSpPr>
+            <a:spLocks noGrp="1"/>
+          </p:cNvSpPr>
+          <p:nvPr>
+            <p:ph idx="1"/>
+          </p:nvPr>
+        </p:nvSpPr>
+        <p:spPr>
+          <a:xfrm>
+            <a:off x="838200" y="2398626"/>
+            <a:ext cx="5158427" cy="3730460"/>
+          </a:xfrm>
+        </p:spPr>
+        <p:txBody>
+          <a:bodyPr vert="horz" lIns="91440" tIns="45720" rIns="91440" bIns="45720" rtlCol="0">
+            <a:normAutofit/>
+          </a:bodyPr>
+          <a:lstStyle/>
+          <a:p>
+            <a:r>
+              <a:rPr lang="en-US" sz="1000"/>
+              <a:t>Knowledge Mining – Product Information</a:t>
+            </a:r>
+          </a:p>
+          <a:p>
+            <a:r>
+              <a:rPr lang="en-US" sz="1000"/>
+              <a:t>Knowledge Mining – Engineering product information system</a:t>
+            </a:r>
+          </a:p>
+          <a:p>
+            <a:r>
+              <a:rPr lang="en-US" sz="1000"/>
+              <a:t>W2 Form automated processing</a:t>
+            </a:r>
+          </a:p>
+          <a:p>
+            <a:r>
+              <a:rPr lang="en-US" sz="1000"/>
+              <a:t>Receipt form processing</a:t>
+            </a:r>
+          </a:p>
+          <a:p>
+            <a:r>
+              <a:rPr lang="en-US" sz="1000"/>
+              <a:t>Expense form processing</a:t>
+            </a:r>
+          </a:p>
+          <a:p>
+            <a:r>
+              <a:rPr lang="en-US" sz="1000"/>
+              <a:t>Insurance form processing</a:t>
+            </a:r>
+          </a:p>
+          <a:p>
+            <a:r>
+              <a:rPr lang="en-US" sz="1000"/>
+              <a:t>Mortgage and Loan processing</a:t>
+            </a:r>
+          </a:p>
+          <a:p>
+            <a:r>
+              <a:rPr lang="en-US" sz="1000"/>
+              <a:t>Vision based product identification</a:t>
+            </a:r>
+          </a:p>
+          <a:p>
+            <a:r>
+              <a:rPr lang="en-US" sz="1000"/>
+              <a:t>Vision based Product quality prediction</a:t>
+            </a:r>
+          </a:p>
+          <a:p>
+            <a:r>
+              <a:rPr lang="en-US" sz="1000"/>
+              <a:t>Anomaly Detection</a:t>
+            </a:r>
+          </a:p>
+          <a:p>
+            <a:r>
+              <a:rPr lang="en-US" sz="1000"/>
+              <a:t>Metrics Advisor</a:t>
+            </a:r>
+          </a:p>
+          <a:p>
+            <a:r>
+              <a:rPr lang="en-US" sz="1000"/>
+              <a:t>Sentiment analysis</a:t>
+            </a:r>
+          </a:p>
+          <a:p>
+            <a:r>
+              <a:rPr lang="en-US" sz="1000"/>
+              <a:t>Call Center insights</a:t>
+            </a:r>
+          </a:p>
+          <a:p>
+            <a:r>
+              <a:rPr lang="en-US" sz="1000"/>
+              <a:t>Call Center Bots</a:t>
+            </a:r>
+          </a:p>
+        </p:txBody>
+      </p:sp>
+      <p:sp>
+        <p:nvSpPr>
+          <p:cNvPr id="4" name="Content Placeholder 2">
+            <a:extLst>
+              <a:ext uri="{FF2B5EF4-FFF2-40B4-BE49-F238E27FC236}">
+                <a16:creationId xmlns:a16="http://schemas.microsoft.com/office/drawing/2014/main" id="{DD7A84F9-F48C-488A-A9CA-FFEB1AE4F7E0}"/>
+              </a:ext>
+            </a:extLst>
+          </p:cNvPr>
+          <p:cNvSpPr txBox="1">
+            <a:spLocks/>
+          </p:cNvSpPr>
+          <p:nvPr/>
+        </p:nvSpPr>
+        <p:spPr>
+          <a:xfrm>
+            <a:off x="6189154" y="2398626"/>
+            <a:ext cx="5164645" cy="3730460"/>
+          </a:xfrm>
+          <a:prstGeom prst="rect">
+            <a:avLst/>
+          </a:prstGeom>
+        </p:spPr>
+        <p:txBody>
+          <a:bodyPr vert="horz" lIns="91440" tIns="45720" rIns="91440" bIns="45720" rtlCol="0">
+            <a:normAutofit/>
+          </a:bodyPr>
+          <a:lstStyle>
+            <a:lvl1pPr marL="270000" indent="-270000" algn="l" defTabSz="914400" rtl="0" eaLnBrk="1" latinLnBrk="0" hangingPunct="1">
+              <a:lnSpc>
+                <a:spcPct val="125000"/>
+              </a:lnSpc>
+              <a:spcBef>
+                <a:spcPts val="1000"/>
+              </a:spcBef>
+              <a:buFont typeface="Arial" panose="020B0604020202020204" pitchFamily="34" charset="0"/>
+              <a:buChar char="•"/>
+              <a:defRPr sz="1800" kern="1200" spc="50" baseline="0">
+                <a:solidFill>
+                  <a:schemeClr val="tx1"/>
+                </a:solidFill>
+                <a:latin typeface="+mn-lt"/>
+                <a:ea typeface="+mn-ea"/>
+                <a:cs typeface="+mn-cs"/>
+              </a:defRPr>
+            </a:lvl1pPr>
+            <a:lvl2pPr marL="720000" indent="-270000" algn="l" defTabSz="914400" rtl="0" eaLnBrk="1" latinLnBrk="0" hangingPunct="1">
+              <a:lnSpc>
+                <a:spcPct val="125000"/>
+              </a:lnSpc>
+              <a:spcBef>
+                <a:spcPts val="500"/>
+              </a:spcBef>
+              <a:buFont typeface="Arial" panose="020B0604020202020204" pitchFamily="34" charset="0"/>
+              <a:buChar char="•"/>
+              <a:defRPr sz="1800" kern="1200" spc="50" baseline="0">
+                <a:solidFill>
+                  <a:schemeClr val="tx1"/>
+                </a:solidFill>
+                <a:latin typeface="+mn-lt"/>
+                <a:ea typeface="+mn-ea"/>
+                <a:cs typeface="+mn-cs"/>
+              </a:defRPr>
+            </a:lvl2pPr>
+            <a:lvl3pPr marL="1080000" indent="-270000" algn="l" defTabSz="914400" rtl="0" eaLnBrk="1" latinLnBrk="0" hangingPunct="1">
+              <a:lnSpc>
+                <a:spcPct val="125000"/>
+              </a:lnSpc>
+              <a:spcBef>
+                <a:spcPts val="500"/>
+              </a:spcBef>
+              <a:buFont typeface="Arial" panose="020B0604020202020204" pitchFamily="34" charset="0"/>
+              <a:buChar char="•"/>
+              <a:defRPr sz="1800" kern="1200" spc="50" baseline="0">
+                <a:solidFill>
+                  <a:schemeClr val="tx1"/>
+                </a:solidFill>
+                <a:latin typeface="+mn-lt"/>
+                <a:ea typeface="+mn-ea"/>
+                <a:cs typeface="+mn-cs"/>
+              </a:defRPr>
+            </a:lvl3pPr>
+            <a:lvl4pPr marL="1440000" indent="-270000" algn="l" defTabSz="914400" rtl="0" eaLnBrk="1" latinLnBrk="0" hangingPunct="1">
+              <a:lnSpc>
+                <a:spcPct val="125000"/>
+              </a:lnSpc>
+              <a:spcBef>
+                <a:spcPts val="500"/>
+              </a:spcBef>
+              <a:buFont typeface="Arial" panose="020B0604020202020204" pitchFamily="34" charset="0"/>
+              <a:buChar char="•"/>
+              <a:defRPr sz="1800" kern="1200" spc="50" baseline="0">
+                <a:solidFill>
+                  <a:schemeClr val="tx1"/>
+                </a:solidFill>
+                <a:latin typeface="+mn-lt"/>
+                <a:ea typeface="+mn-ea"/>
+                <a:cs typeface="+mn-cs"/>
+              </a:defRPr>
+            </a:lvl4pPr>
+            <a:lvl5pPr marL="1800000" indent="-270000" algn="l" defTabSz="914400" rtl="0" eaLnBrk="1" latinLnBrk="0" hangingPunct="1">
+              <a:lnSpc>
+                <a:spcPct val="125000"/>
+              </a:lnSpc>
+              <a:spcBef>
+                <a:spcPts val="500"/>
+              </a:spcBef>
+              <a:buFont typeface="Arial" panose="020B0604020202020204" pitchFamily="34" charset="0"/>
+              <a:buChar char="•"/>
+              <a:defRPr sz="1800" kern="1200" spc="50" baseline="0">
+                <a:solidFill>
+                  <a:schemeClr val="tx1"/>
+                </a:solidFill>
+                <a:latin typeface="+mn-lt"/>
+                <a:ea typeface="+mn-ea"/>
+                <a:cs typeface="+mn-cs"/>
+              </a:defRPr>
+            </a:lvl5pPr>
+            <a:lvl6pPr marL="2514600" indent="-228600" algn="l" defTabSz="914400" rtl="0" eaLnBrk="1" latinLnBrk="0" hangingPunct="1">
+              <a:lnSpc>
+                <a:spcPct val="90000"/>
+              </a:lnSpc>
+              <a:spcBef>
+                <a:spcPts val="500"/>
+              </a:spcBef>
+              <a:buFont typeface="Arial" panose="020B0604020202020204" pitchFamily="34" charset="0"/>
+              <a:buChar char="•"/>
+              <a:defRPr sz="1800" kern="1200">
+                <a:solidFill>
+                  <a:schemeClr val="tx1"/>
+                </a:solidFill>
+                <a:latin typeface="+mn-lt"/>
+                <a:ea typeface="+mn-ea"/>
+                <a:cs typeface="+mn-cs"/>
+              </a:defRPr>
+            </a:lvl6pPr>
+            <a:lvl7pPr marL="2971800" indent="-228600" algn="l" defTabSz="914400" rtl="0" eaLnBrk="1" latinLnBrk="0" hangingPunct="1">
+              <a:lnSpc>
+                <a:spcPct val="90000"/>
+              </a:lnSpc>
+              <a:spcBef>
+                <a:spcPts val="500"/>
+              </a:spcBef>
+              <a:buFont typeface="Arial" panose="020B0604020202020204" pitchFamily="34" charset="0"/>
+              <a:buChar char="•"/>
+              <a:defRPr sz="1800" kern="1200">
+                <a:solidFill>
+                  <a:schemeClr val="tx1"/>
+                </a:solidFill>
+                <a:latin typeface="+mn-lt"/>
+                <a:ea typeface="+mn-ea"/>
+                <a:cs typeface="+mn-cs"/>
+              </a:defRPr>
+            </a:lvl7pPr>
+            <a:lvl8pPr marL="3429000" indent="-228600" algn="l" defTabSz="914400" rtl="0" eaLnBrk="1" latinLnBrk="0" hangingPunct="1">
+              <a:lnSpc>
+                <a:spcPct val="90000"/>
+              </a:lnSpc>
+              <a:spcBef>
+                <a:spcPts val="500"/>
+              </a:spcBef>
+              <a:buFont typeface="Arial" panose="020B0604020202020204" pitchFamily="34" charset="0"/>
+              <a:buChar char="•"/>
+              <a:defRPr sz="1800" kern="1200">
+                <a:solidFill>
+                  <a:schemeClr val="tx1"/>
+                </a:solidFill>
+                <a:latin typeface="+mn-lt"/>
+                <a:ea typeface="+mn-ea"/>
+                <a:cs typeface="+mn-cs"/>
+              </a:defRPr>
+            </a:lvl8pPr>
+            <a:lvl9pPr marL="3886200" indent="-228600" algn="l" defTabSz="914400" rtl="0" eaLnBrk="1" latinLnBrk="0" hangingPunct="1">
+              <a:lnSpc>
+                <a:spcPct val="90000"/>
+              </a:lnSpc>
+              <a:spcBef>
+                <a:spcPts val="500"/>
+              </a:spcBef>
+              <a:buFont typeface="Arial" panose="020B0604020202020204" pitchFamily="34" charset="0"/>
+              <a:buChar char="•"/>
+              <a:defRPr sz="1800" kern="1200">
+                <a:solidFill>
+                  <a:schemeClr val="tx1"/>
+                </a:solidFill>
+                <a:latin typeface="+mn-lt"/>
+                <a:ea typeface="+mn-ea"/>
+                <a:cs typeface="+mn-cs"/>
+              </a:defRPr>
+            </a:lvl9pPr>
+          </a:lstStyle>
+          <a:p>
+            <a:pPr marL="270000" marR="0" lvl="0" indent="-228600" algn="l" defTabSz="914400" rtl="0" eaLnBrk="1" fontAlgn="auto" latinLnBrk="0" hangingPunct="1">
+              <a:lnSpc>
+                <a:spcPct val="90000"/>
+              </a:lnSpc>
+              <a:spcBef>
+                <a:spcPts val="1000"/>
+              </a:spcBef>
+              <a:spcAft>
+                <a:spcPts val="0"/>
+              </a:spcAft>
+              <a:buClrTx/>
+              <a:buSzTx/>
+              <a:buFont typeface="Arial" panose="020B0604020202020204" pitchFamily="34" charset="0"/>
+              <a:buChar char="•"/>
+              <a:tabLst/>
+              <a:defRPr/>
+            </a:pPr>
+            <a:r>
+              <a:rPr kumimoji="0" lang="en-US" sz="2000" b="0" i="0" u="none" strike="noStrike" kern="1200" cap="none" spc="50" normalizeH="0" baseline="0" noProof="0">
+                <a:ln>
+                  <a:noFill/>
+                </a:ln>
+                <a:solidFill>
+                  <a:prstClr val="black"/>
+                </a:solidFill>
+                <a:effectLst/>
+                <a:uLnTx/>
+                <a:uFillTx/>
+                <a:latin typeface="Calibri" panose="020F0502020204030204"/>
+                <a:ea typeface="+mn-ea"/>
+                <a:cs typeface="+mn-cs"/>
+              </a:rPr>
+              <a:t>HR new employee onboarding</a:t>
+            </a:r>
+          </a:p>
+          <a:p>
+            <a:pPr marL="270000" marR="0" lvl="0" indent="-228600" algn="l" defTabSz="914400" rtl="0" eaLnBrk="1" fontAlgn="auto" latinLnBrk="0" hangingPunct="1">
+              <a:lnSpc>
+                <a:spcPct val="90000"/>
+              </a:lnSpc>
+              <a:spcBef>
+                <a:spcPts val="1000"/>
+              </a:spcBef>
+              <a:spcAft>
+                <a:spcPts val="0"/>
+              </a:spcAft>
+              <a:buClrTx/>
+              <a:buSzTx/>
+              <a:buFont typeface="Arial" panose="020B0604020202020204" pitchFamily="34" charset="0"/>
+              <a:buChar char="•"/>
+              <a:tabLst/>
+              <a:defRPr/>
+            </a:pPr>
+            <a:r>
+              <a:rPr kumimoji="0" lang="en-US" sz="2000" b="0" i="0" u="none" strike="noStrike" kern="1200" cap="none" spc="50" normalizeH="0" baseline="0" noProof="0">
+                <a:ln>
+                  <a:noFill/>
+                </a:ln>
+                <a:solidFill>
+                  <a:prstClr val="black"/>
+                </a:solidFill>
+                <a:effectLst/>
+                <a:uLnTx/>
+                <a:uFillTx/>
+                <a:latin typeface="Calibri" panose="020F0502020204030204"/>
+                <a:ea typeface="+mn-ea"/>
+                <a:cs typeface="+mn-cs"/>
+              </a:rPr>
+              <a:t>Meeting Request Virtual Agents</a:t>
+            </a:r>
+          </a:p>
+          <a:p>
+            <a:pPr marL="270000" marR="0" lvl="0" indent="-228600" algn="l" defTabSz="914400" rtl="0" eaLnBrk="1" fontAlgn="auto" latinLnBrk="0" hangingPunct="1">
+              <a:lnSpc>
+                <a:spcPct val="90000"/>
+              </a:lnSpc>
+              <a:spcBef>
+                <a:spcPts val="1000"/>
+              </a:spcBef>
+              <a:spcAft>
+                <a:spcPts val="0"/>
+              </a:spcAft>
+              <a:buClrTx/>
+              <a:buSzTx/>
+              <a:buFont typeface="Arial" panose="020B0604020202020204" pitchFamily="34" charset="0"/>
+              <a:buChar char="•"/>
+              <a:tabLst/>
+              <a:defRPr/>
+            </a:pPr>
+            <a:r>
+              <a:rPr kumimoji="0" lang="en-US" sz="2000" b="0" i="0" u="none" strike="noStrike" kern="1200" cap="none" spc="50" normalizeH="0" baseline="0" noProof="0">
+                <a:ln>
+                  <a:noFill/>
+                </a:ln>
+                <a:solidFill>
+                  <a:prstClr val="black"/>
+                </a:solidFill>
+                <a:effectLst/>
+                <a:uLnTx/>
+                <a:uFillTx/>
+                <a:latin typeface="Calibri" panose="020F0502020204030204"/>
+                <a:ea typeface="+mn-ea"/>
+                <a:cs typeface="+mn-cs"/>
+              </a:rPr>
+              <a:t>Warranty processing Agents</a:t>
+            </a:r>
+          </a:p>
+          <a:p>
+            <a:pPr marL="270000" marR="0" lvl="0" indent="-228600" algn="l" defTabSz="914400" rtl="0" eaLnBrk="1" fontAlgn="auto" latinLnBrk="0" hangingPunct="1">
+              <a:lnSpc>
+                <a:spcPct val="90000"/>
+              </a:lnSpc>
+              <a:spcBef>
+                <a:spcPts val="1000"/>
+              </a:spcBef>
+              <a:spcAft>
+                <a:spcPts val="0"/>
+              </a:spcAft>
+              <a:buClrTx/>
+              <a:buSzTx/>
+              <a:buFont typeface="Arial" panose="020B0604020202020204" pitchFamily="34" charset="0"/>
+              <a:buChar char="•"/>
+              <a:tabLst/>
+              <a:defRPr/>
+            </a:pPr>
+            <a:r>
+              <a:rPr kumimoji="0" lang="en-US" sz="2000" b="0" i="0" u="none" strike="noStrike" kern="1200" cap="none" spc="50" normalizeH="0" baseline="0" noProof="0">
+                <a:ln>
+                  <a:noFill/>
+                </a:ln>
+                <a:solidFill>
+                  <a:prstClr val="black"/>
+                </a:solidFill>
+                <a:effectLst/>
+                <a:uLnTx/>
+                <a:uFillTx/>
+                <a:latin typeface="Calibri" panose="020F0502020204030204"/>
+                <a:ea typeface="+mn-ea"/>
+                <a:cs typeface="+mn-cs"/>
+              </a:rPr>
+              <a:t>Product Inspection form processing</a:t>
+            </a:r>
+          </a:p>
+          <a:p>
+            <a:pPr marL="270000" marR="0" lvl="0" indent="-228600" algn="l" defTabSz="914400" rtl="0" eaLnBrk="1" fontAlgn="auto" latinLnBrk="0" hangingPunct="1">
+              <a:lnSpc>
+                <a:spcPct val="90000"/>
+              </a:lnSpc>
+              <a:spcBef>
+                <a:spcPts val="1000"/>
+              </a:spcBef>
+              <a:spcAft>
+                <a:spcPts val="0"/>
+              </a:spcAft>
+              <a:buClrTx/>
+              <a:buSzTx/>
+              <a:buFont typeface="Arial" panose="020B0604020202020204" pitchFamily="34" charset="0"/>
+              <a:buChar char="•"/>
+              <a:tabLst/>
+              <a:defRPr/>
+            </a:pPr>
+            <a:r>
+              <a:rPr kumimoji="0" lang="en-US" sz="2000" b="0" i="0" u="none" strike="noStrike" kern="1200" cap="none" spc="50" normalizeH="0" baseline="0" noProof="0">
+                <a:ln>
+                  <a:noFill/>
+                </a:ln>
+                <a:solidFill>
+                  <a:prstClr val="black"/>
+                </a:solidFill>
+                <a:effectLst/>
+                <a:uLnTx/>
+                <a:uFillTx/>
+                <a:latin typeface="Calibri" panose="020F0502020204030204"/>
+                <a:ea typeface="+mn-ea"/>
+                <a:cs typeface="+mn-cs"/>
+              </a:rPr>
+              <a:t>Palate, Address, Bar code processing</a:t>
+            </a:r>
+          </a:p>
+          <a:p>
+            <a:pPr marL="270000" marR="0" lvl="0" indent="-228600" algn="l" defTabSz="914400" rtl="0" eaLnBrk="1" fontAlgn="auto" latinLnBrk="0" hangingPunct="1">
+              <a:lnSpc>
+                <a:spcPct val="90000"/>
+              </a:lnSpc>
+              <a:spcBef>
+                <a:spcPts val="1000"/>
+              </a:spcBef>
+              <a:spcAft>
+                <a:spcPts val="0"/>
+              </a:spcAft>
+              <a:buClrTx/>
+              <a:buSzTx/>
+              <a:buFont typeface="Arial" panose="020B0604020202020204" pitchFamily="34" charset="0"/>
+              <a:buChar char="•"/>
+              <a:tabLst/>
+              <a:defRPr/>
+            </a:pPr>
+            <a:r>
+              <a:rPr kumimoji="0" lang="en-US" sz="2000" b="0" i="0" u="none" strike="noStrike" kern="1200" cap="none" spc="50" normalizeH="0" baseline="0" noProof="0">
+                <a:ln>
+                  <a:noFill/>
+                </a:ln>
+                <a:solidFill>
+                  <a:prstClr val="black"/>
+                </a:solidFill>
+                <a:effectLst/>
+                <a:uLnTx/>
+                <a:uFillTx/>
+                <a:latin typeface="Calibri" panose="020F0502020204030204"/>
+                <a:ea typeface="+mn-ea"/>
+                <a:cs typeface="+mn-cs"/>
+              </a:rPr>
+              <a:t>Shipping information parsing</a:t>
+            </a:r>
+          </a:p>
+          <a:p>
+            <a:pPr marL="270000" marR="0" lvl="0" indent="-228600" algn="l" defTabSz="914400" rtl="0" eaLnBrk="1" fontAlgn="auto" latinLnBrk="0" hangingPunct="1">
+              <a:lnSpc>
+                <a:spcPct val="90000"/>
+              </a:lnSpc>
+              <a:spcBef>
+                <a:spcPts val="1000"/>
+              </a:spcBef>
+              <a:spcAft>
+                <a:spcPts val="0"/>
+              </a:spcAft>
+              <a:buClrTx/>
+              <a:buSzTx/>
+              <a:buFont typeface="Arial" panose="020B0604020202020204" pitchFamily="34" charset="0"/>
+              <a:buChar char="•"/>
+              <a:tabLst/>
+              <a:defRPr/>
+            </a:pPr>
+            <a:r>
+              <a:rPr kumimoji="0" lang="en-US" sz="2000" b="0" i="0" u="none" strike="noStrike" kern="1200" cap="none" spc="50" normalizeH="0" baseline="0" noProof="0">
+                <a:ln>
+                  <a:noFill/>
+                </a:ln>
+                <a:solidFill>
+                  <a:prstClr val="black"/>
+                </a:solidFill>
+                <a:effectLst/>
+                <a:uLnTx/>
+                <a:uFillTx/>
+                <a:latin typeface="Calibri" panose="020F0502020204030204"/>
+                <a:ea typeface="+mn-ea"/>
+                <a:cs typeface="+mn-cs"/>
+              </a:rPr>
+              <a:t>QnA based Bot?</a:t>
+            </a:r>
+          </a:p>
+          <a:p>
+            <a:pPr marL="270000" marR="0" lvl="0" indent="-228600" algn="l" defTabSz="914400" rtl="0" eaLnBrk="1" fontAlgn="auto" latinLnBrk="0" hangingPunct="1">
+              <a:lnSpc>
+                <a:spcPct val="90000"/>
+              </a:lnSpc>
+              <a:spcBef>
+                <a:spcPts val="1000"/>
+              </a:spcBef>
+              <a:spcAft>
+                <a:spcPts val="0"/>
+              </a:spcAft>
+              <a:buClrTx/>
+              <a:buSzTx/>
+              <a:buFont typeface="Arial" panose="020B0604020202020204" pitchFamily="34" charset="0"/>
+              <a:buChar char="•"/>
+              <a:tabLst/>
+              <a:defRPr/>
+            </a:pPr>
+            <a:r>
+              <a:rPr kumimoji="0" lang="en-US" sz="2000" b="0" i="0" u="none" strike="noStrike" kern="1200" cap="none" spc="50" normalizeH="0" baseline="0" noProof="0">
+                <a:ln>
+                  <a:noFill/>
+                </a:ln>
+                <a:solidFill>
+                  <a:prstClr val="black"/>
+                </a:solidFill>
+                <a:effectLst/>
+                <a:uLnTx/>
+                <a:uFillTx/>
+                <a:latin typeface="Calibri" panose="020F0502020204030204"/>
+                <a:ea typeface="+mn-ea"/>
+                <a:cs typeface="+mn-cs"/>
+              </a:rPr>
+              <a:t>Multiple Speaker Recognition</a:t>
+            </a:r>
+          </a:p>
+          <a:p>
+            <a:pPr marL="270000" marR="0" lvl="0" indent="-228600" algn="l" defTabSz="914400" rtl="0" eaLnBrk="1" fontAlgn="auto" latinLnBrk="0" hangingPunct="1">
+              <a:lnSpc>
+                <a:spcPct val="90000"/>
+              </a:lnSpc>
+              <a:spcBef>
+                <a:spcPts val="1000"/>
+              </a:spcBef>
+              <a:spcAft>
+                <a:spcPts val="0"/>
+              </a:spcAft>
+              <a:buClrTx/>
+              <a:buSzTx/>
+              <a:buFont typeface="Arial" panose="020B0604020202020204" pitchFamily="34" charset="0"/>
+              <a:buChar char="•"/>
+              <a:tabLst/>
+              <a:defRPr/>
+            </a:pPr>
+            <a:r>
+              <a:rPr kumimoji="0" lang="en-US" sz="2000" b="0" i="0" u="none" strike="noStrike" kern="1200" cap="none" spc="50" normalizeH="0" baseline="0" noProof="0">
+                <a:ln>
+                  <a:noFill/>
+                </a:ln>
+                <a:solidFill>
+                  <a:prstClr val="black"/>
+                </a:solidFill>
+                <a:effectLst/>
+                <a:uLnTx/>
+                <a:uFillTx/>
+                <a:latin typeface="Calibri" panose="020F0502020204030204"/>
+                <a:ea typeface="+mn-ea"/>
+                <a:cs typeface="+mn-cs"/>
+              </a:rPr>
+              <a:t>Realtime Transcription for meeting/Events</a:t>
+            </a:r>
+          </a:p>
+          <a:p>
+            <a:pPr marL="270000" marR="0" lvl="0" indent="-228600" algn="l" defTabSz="914400" rtl="0" eaLnBrk="1" fontAlgn="auto" latinLnBrk="0" hangingPunct="1">
+              <a:lnSpc>
+                <a:spcPct val="90000"/>
+              </a:lnSpc>
+              <a:spcBef>
+                <a:spcPts val="1000"/>
+              </a:spcBef>
+              <a:spcAft>
+                <a:spcPts val="0"/>
+              </a:spcAft>
+              <a:buClrTx/>
+              <a:buSzTx/>
+              <a:buFont typeface="Arial" panose="020B0604020202020204" pitchFamily="34" charset="0"/>
+              <a:buChar char="•"/>
+              <a:tabLst/>
+              <a:defRPr/>
+            </a:pPr>
+            <a:endParaRPr kumimoji="0" lang="en-US" sz="2000" b="0" i="0" u="none" strike="noStrike" kern="1200" cap="none" spc="50" normalizeH="0" baseline="0" noProof="0">
+              <a:ln>
+                <a:noFill/>
+              </a:ln>
+              <a:solidFill>
+                <a:prstClr val="black"/>
+              </a:solidFill>
+              <a:effectLst/>
+              <a:uLnTx/>
+              <a:uFillTx/>
+              <a:latin typeface="Calibri" panose="020F0502020204030204"/>
+              <a:ea typeface="+mn-ea"/>
+              <a:cs typeface="+mn-cs"/>
+            </a:endParaRPr>
+          </a:p>
+          <a:p>
+            <a:pPr marL="270000" marR="0" lvl="0" indent="-228600" algn="l" defTabSz="914400" rtl="0" eaLnBrk="1" fontAlgn="auto" latinLnBrk="0" hangingPunct="1">
+              <a:lnSpc>
+                <a:spcPct val="90000"/>
+              </a:lnSpc>
+              <a:spcBef>
+                <a:spcPts val="1000"/>
+              </a:spcBef>
+              <a:spcAft>
+                <a:spcPts val="0"/>
+              </a:spcAft>
+              <a:buClrTx/>
+              <a:buSzTx/>
+              <a:buFont typeface="Arial" panose="020B0604020202020204" pitchFamily="34" charset="0"/>
+              <a:buChar char="•"/>
+              <a:tabLst/>
+              <a:defRPr/>
+            </a:pPr>
+            <a:endParaRPr kumimoji="0" lang="en-US" sz="2000" b="0" i="0" u="none" strike="noStrike" kern="1200" cap="none" spc="50" normalizeH="0" baseline="0" noProof="0">
+              <a:ln>
+                <a:noFill/>
+              </a:ln>
+              <a:solidFill>
+                <a:prstClr val="black"/>
+              </a:solidFill>
+              <a:effectLst/>
+              <a:uLnTx/>
+              <a:uFillTx/>
+              <a:latin typeface="Calibri" panose="020F0502020204030204"/>
+              <a:ea typeface="+mn-ea"/>
+              <a:cs typeface="+mn-cs"/>
+            </a:endParaRPr>
+          </a:p>
+        </p:txBody>
+      </p:sp>
+    </p:spTree>
+    <p:extLst>
+      <p:ext uri="{BB962C8B-B14F-4D97-AF65-F5344CB8AC3E}">
+        <p14:creationId xmlns:p14="http://schemas.microsoft.com/office/powerpoint/2010/main" val="3334779664"/>
+      </p:ext>
+    </p:extLst>
+  </p:cSld>
+  <p:clrMapOvr>
+    <a:masterClrMapping/>
+  </p:clrMapOvr>
+</p:sld>
+</file>
+
+<file path=ppt/slides/slide9.xml><?xml version="1.0" encoding="utf-8"?>
+<p:sld xmlns:a="http://schemas.openxmlformats.org/drawingml/2006/main" xmlns:r="http://schemas.openxmlformats.org/officeDocument/2006/relationships" xmlns:p="http://schemas.openxmlformats.org/presentationml/2006/main">
+  <p:cSld>
+    <p:bg>
+      <p:bgPr>
+        <a:solidFill>
+          <a:schemeClr val="bg1"/>
+        </a:solidFill>
+        <a:effectLst/>
+      </p:bgPr>
+    </p:bg>
+    <p:spTree>
+      <p:nvGrpSpPr>
+        <p:cNvPr id="1" name=""/>
+        <p:cNvGrpSpPr/>
+        <p:nvPr/>
+      </p:nvGrpSpPr>
+      <p:grpSpPr>
+        <a:xfrm>
+          <a:off x="0" y="0"/>
+          <a:ext cx="0" cy="0"/>
+          <a:chOff x="0" y="0"/>
+          <a:chExt cx="0" cy="0"/>
+        </a:xfrm>
+      </p:grpSpPr>
+      <p:sp useBgFill="1">
+        <p:nvSpPr>
+          <p:cNvPr id="34" name="Rectangle 33">
+            <a:extLst>
+              <a:ext uri="{FF2B5EF4-FFF2-40B4-BE49-F238E27FC236}">
+                <a16:creationId xmlns:a16="http://schemas.microsoft.com/office/drawing/2014/main" id="{4FFBEE45-F140-49D5-85EA-C78C24340B23}"/>
+              </a:ext>
+              <a:ext uri="{C183D7F6-B498-43B3-948B-1728B52AA6E4}">
+                <adec:decorative xmlns:adec="http://schemas.microsoft.com/office/drawing/2017/decorative" val="1"/>
+              </a:ext>
+            </a:extLst>
+          </p:cNvPr>
+          <p:cNvSpPr>
+            <a:spLocks noGrp="1" noRot="1" noChangeAspect="1" noMove="1" noResize="1" noEditPoints="1" noAdjustHandles="1" noChangeArrowheads="1" noChangeShapeType="1" noTextEdit="1"/>
+          </p:cNvSpPr>
+          <p:nvPr>
+            <p:extLst>
+              <p:ext uri="{386F3935-93C4-4BCD-93E2-E3B085C9AB24}">
+                <p16:designElem xmlns:p16="http://schemas.microsoft.com/office/powerpoint/2015/main" val="1"/>
+              </p:ext>
+            </p:extLst>
+          </p:nvPr>
+        </p:nvSpPr>
+        <p:spPr>
+          <a:xfrm>
+            <a:off x="0" y="-1"/>
+            <a:ext cx="12188952" cy="6858000"/>
+          </a:xfrm>
+          <a:prstGeom prst="rect">
+            <a:avLst/>
+          </a:prstGeom>
+          <a:ln>
+            <a:noFill/>
+          </a:ln>
+        </p:spPr>
+        <p:style>
+          <a:lnRef idx="2">
+            <a:schemeClr val="accent1">
+              <a:shade val="50000"/>
+            </a:schemeClr>
+          </a:lnRef>
+          <a:fillRef idx="1">
+            <a:schemeClr val="accent1"/>
+          </a:fillRef>
+          <a:effectRef idx="0">
+            <a:schemeClr val="accent1"/>
+          </a:effectRef>
+          <a:fontRef idx="minor">
+            <a:schemeClr val="lt1"/>
+          </a:fontRef>
+        </p:style>
+        <p:txBody>
+          <a:bodyPr rtlCol="0" anchor="ctr"/>
+          <a:lstStyle/>
+          <a:p>
+            <a:pPr marL="0" marR="0" lvl="0" indent="0" algn="ctr" defTabSz="914400" rtl="0" eaLnBrk="1" fontAlgn="auto" latinLnBrk="0" hangingPunct="1">
+              <a:lnSpc>
+                <a:spcPct val="100000"/>
+              </a:lnSpc>
+              <a:spcBef>
+                <a:spcPts val="0"/>
+              </a:spcBef>
+              <a:spcAft>
+                <a:spcPts val="0"/>
+              </a:spcAft>
+              <a:buClrTx/>
+              <a:buSzTx/>
+              <a:buFontTx/>
+              <a:buNone/>
+              <a:tabLst/>
+              <a:defRPr/>
+            </a:pPr>
+            <a:endParaRPr kumimoji="0" lang="en-US" sz="1800" b="0" i="0" u="none" strike="noStrike" kern="1200" cap="none" spc="0" normalizeH="0" baseline="0" noProof="0">
+              <a:ln>
+                <a:noFill/>
+              </a:ln>
+              <a:solidFill>
+                <a:prstClr val="white"/>
+              </a:solidFill>
+              <a:effectLst/>
+              <a:uLnTx/>
+              <a:uFillTx/>
+              <a:latin typeface="Calibri" panose="020F0502020204030204"/>
+              <a:ea typeface="+mn-ea"/>
+              <a:cs typeface="+mn-cs"/>
+            </a:endParaRPr>
+          </a:p>
+        </p:txBody>
+      </p:sp>
+      <p:sp>
+        <p:nvSpPr>
+          <p:cNvPr id="2" name="Title 1">
+            <a:extLst>
+              <a:ext uri="{FF2B5EF4-FFF2-40B4-BE49-F238E27FC236}">
+                <a16:creationId xmlns:a16="http://schemas.microsoft.com/office/drawing/2014/main" id="{13B171DD-B53B-46A1-BF23-545E01DBA332}"/>
+              </a:ext>
+            </a:extLst>
+          </p:cNvPr>
+          <p:cNvSpPr>
+            <a:spLocks noGrp="1"/>
+          </p:cNvSpPr>
+          <p:nvPr>
+            <p:ph type="title"/>
+          </p:nvPr>
+        </p:nvSpPr>
+        <p:spPr>
+          <a:xfrm>
+            <a:off x="838200" y="365125"/>
+            <a:ext cx="10515600" cy="1828444"/>
+          </a:xfrm>
+        </p:spPr>
+        <p:txBody>
+          <a:bodyPr vert="horz" lIns="91440" tIns="45720" rIns="91440" bIns="45720" rtlCol="0" anchor="ctr">
+            <a:normAutofit/>
+          </a:bodyPr>
+          <a:lstStyle/>
+          <a:p>
+            <a:r>
+              <a:rPr lang="en-US" sz="4800" kern="1200">
+                <a:solidFill>
+                  <a:schemeClr val="tx1"/>
+                </a:solidFill>
+                <a:latin typeface="+mj-lt"/>
+                <a:ea typeface="+mj-ea"/>
+                <a:cs typeface="+mj-cs"/>
+              </a:rPr>
+              <a:t>Use Case:</a:t>
+            </a:r>
+            <a:br>
+              <a:rPr lang="en-US" sz="4800" kern="1200">
+                <a:solidFill>
+                  <a:schemeClr val="tx1"/>
+                </a:solidFill>
+                <a:latin typeface="+mj-lt"/>
+                <a:ea typeface="+mj-ea"/>
+                <a:cs typeface="+mj-cs"/>
+              </a:rPr>
+            </a:br>
+            <a:r>
+              <a:rPr lang="en-US" sz="4800" kern="1200">
+                <a:solidFill>
+                  <a:schemeClr val="tx1"/>
+                </a:solidFill>
+                <a:latin typeface="+mj-lt"/>
+                <a:ea typeface="+mj-ea"/>
+                <a:cs typeface="+mj-cs"/>
+              </a:rPr>
+              <a:t>Machine/Deep/Reinforcement Learning</a:t>
+            </a:r>
+          </a:p>
+        </p:txBody>
+      </p:sp>
+      <p:sp>
+        <p:nvSpPr>
+          <p:cNvPr id="3" name="Content Placeholder 2">
+            <a:extLst>
+              <a:ext uri="{FF2B5EF4-FFF2-40B4-BE49-F238E27FC236}">
+                <a16:creationId xmlns:a16="http://schemas.microsoft.com/office/drawing/2014/main" id="{98150407-BE8C-4D57-B2F7-CE238B1204D4}"/>
+              </a:ext>
+            </a:extLst>
+          </p:cNvPr>
+          <p:cNvSpPr>
+            <a:spLocks noGrp="1"/>
+          </p:cNvSpPr>
+          <p:nvPr>
+            <p:ph idx="1"/>
+          </p:nvPr>
+        </p:nvSpPr>
+        <p:spPr>
+          <a:xfrm>
+            <a:off x="838200" y="2398626"/>
+            <a:ext cx="5158427" cy="3730460"/>
+          </a:xfrm>
+        </p:spPr>
+        <p:txBody>
+          <a:bodyPr vert="horz" lIns="91440" tIns="45720" rIns="91440" bIns="45720" rtlCol="0">
+            <a:normAutofit fontScale="92500" lnSpcReduction="10000"/>
+          </a:bodyPr>
+          <a:lstStyle/>
+          <a:p>
+            <a:r>
+              <a:rPr lang="en-US" sz="1600" dirty="0"/>
+              <a:t>Demand forecasting</a:t>
+            </a:r>
+          </a:p>
+          <a:p>
+            <a:r>
+              <a:rPr lang="en-US" sz="1600" dirty="0"/>
+              <a:t>Supplier demand forecasting</a:t>
+            </a:r>
+          </a:p>
+          <a:p>
+            <a:r>
+              <a:rPr lang="en-US" sz="1600" dirty="0"/>
+              <a:t>Material forecasting</a:t>
+            </a:r>
+          </a:p>
+          <a:p>
+            <a:r>
+              <a:rPr lang="en-US" sz="1600" dirty="0"/>
+              <a:t>Dynamics Resource allocation</a:t>
+            </a:r>
+          </a:p>
+          <a:p>
+            <a:r>
+              <a:rPr lang="en-US" sz="1600" dirty="0"/>
+              <a:t>Predictive maintenance – Custom</a:t>
+            </a:r>
+          </a:p>
+          <a:p>
+            <a:r>
+              <a:rPr lang="en-US" sz="1600" dirty="0"/>
+              <a:t>Expense category matching</a:t>
+            </a:r>
+          </a:p>
+          <a:p>
+            <a:r>
+              <a:rPr lang="en-US" sz="1600" dirty="0"/>
+              <a:t>Custom NLP – Entities, Sentiment</a:t>
+            </a:r>
+          </a:p>
+          <a:p>
+            <a:r>
+              <a:rPr lang="en-US" sz="1600" dirty="0"/>
+              <a:t>Custom Vision</a:t>
+            </a:r>
+          </a:p>
+          <a:p>
+            <a:r>
+              <a:rPr lang="en-US" sz="1600" dirty="0"/>
+              <a:t>Image labelling</a:t>
+            </a:r>
+          </a:p>
+          <a:p>
+            <a:r>
+              <a:rPr lang="en-US" sz="1600" dirty="0"/>
+              <a:t>Text Labelling</a:t>
+            </a:r>
+          </a:p>
+          <a:p>
+            <a:r>
+              <a:rPr lang="en-US" sz="1600" dirty="0"/>
+              <a:t>Churn Analysis</a:t>
+            </a:r>
+          </a:p>
+          <a:p>
+            <a:r>
+              <a:rPr lang="en-US" sz="1600" dirty="0"/>
+              <a:t>Customer 360</a:t>
+            </a:r>
+          </a:p>
+          <a:p>
+            <a:endParaRPr lang="en-US" sz="1300" dirty="0"/>
+          </a:p>
+        </p:txBody>
+      </p:sp>
+      <p:sp>
+        <p:nvSpPr>
+          <p:cNvPr id="4" name="Content Placeholder 2">
+            <a:extLst>
+              <a:ext uri="{FF2B5EF4-FFF2-40B4-BE49-F238E27FC236}">
+                <a16:creationId xmlns:a16="http://schemas.microsoft.com/office/drawing/2014/main" id="{B416EC27-1DE2-48E5-B2FF-DC36F1EF50EA}"/>
+              </a:ext>
+            </a:extLst>
+          </p:cNvPr>
+          <p:cNvSpPr txBox="1">
+            <a:spLocks/>
+          </p:cNvSpPr>
+          <p:nvPr/>
+        </p:nvSpPr>
+        <p:spPr>
+          <a:xfrm>
+            <a:off x="6189154" y="2398626"/>
+            <a:ext cx="5164645" cy="3730460"/>
+          </a:xfrm>
+          <a:prstGeom prst="rect">
+            <a:avLst/>
+          </a:prstGeom>
+        </p:spPr>
+        <p:txBody>
+          <a:bodyPr vert="horz" lIns="91440" tIns="45720" rIns="91440" bIns="45720" rtlCol="0">
+            <a:normAutofit/>
+          </a:bodyPr>
+          <a:lstStyle>
+            <a:lvl1pPr marL="270000" indent="-270000" algn="l" defTabSz="914400" rtl="0" eaLnBrk="1" latinLnBrk="0" hangingPunct="1">
+              <a:lnSpc>
+                <a:spcPct val="125000"/>
+              </a:lnSpc>
+              <a:spcBef>
+                <a:spcPts val="1000"/>
+              </a:spcBef>
+              <a:buFont typeface="Arial" panose="020B0604020202020204" pitchFamily="34" charset="0"/>
+              <a:buChar char="•"/>
+              <a:defRPr sz="1800" kern="1200" spc="50" baseline="0">
+                <a:solidFill>
+                  <a:schemeClr val="tx1"/>
+                </a:solidFill>
+                <a:latin typeface="+mn-lt"/>
+                <a:ea typeface="+mn-ea"/>
+                <a:cs typeface="+mn-cs"/>
+              </a:defRPr>
+            </a:lvl1pPr>
+            <a:lvl2pPr marL="720000" indent="-270000" algn="l" defTabSz="914400" rtl="0" eaLnBrk="1" latinLnBrk="0" hangingPunct="1">
+              <a:lnSpc>
+                <a:spcPct val="125000"/>
+              </a:lnSpc>
+              <a:spcBef>
+                <a:spcPts val="500"/>
+              </a:spcBef>
+              <a:buFont typeface="Arial" panose="020B0604020202020204" pitchFamily="34" charset="0"/>
+              <a:buChar char="•"/>
+              <a:defRPr sz="1800" kern="1200" spc="50" baseline="0">
+                <a:solidFill>
+                  <a:schemeClr val="tx1"/>
+                </a:solidFill>
+                <a:latin typeface="+mn-lt"/>
+                <a:ea typeface="+mn-ea"/>
+                <a:cs typeface="+mn-cs"/>
+              </a:defRPr>
+            </a:lvl2pPr>
+            <a:lvl3pPr marL="1080000" indent="-270000" algn="l" defTabSz="914400" rtl="0" eaLnBrk="1" latinLnBrk="0" hangingPunct="1">
+              <a:lnSpc>
+                <a:spcPct val="125000"/>
+              </a:lnSpc>
+              <a:spcBef>
+                <a:spcPts val="500"/>
+              </a:spcBef>
+              <a:buFont typeface="Arial" panose="020B0604020202020204" pitchFamily="34" charset="0"/>
+              <a:buChar char="•"/>
+              <a:defRPr sz="1800" kern="1200" spc="50" baseline="0">
+                <a:solidFill>
+                  <a:schemeClr val="tx1"/>
+                </a:solidFill>
+                <a:latin typeface="+mn-lt"/>
+                <a:ea typeface="+mn-ea"/>
+                <a:cs typeface="+mn-cs"/>
+              </a:defRPr>
+            </a:lvl3pPr>
+            <a:lvl4pPr marL="1440000" indent="-270000" algn="l" defTabSz="914400" rtl="0" eaLnBrk="1" latinLnBrk="0" hangingPunct="1">
+              <a:lnSpc>
+                <a:spcPct val="125000"/>
+              </a:lnSpc>
+              <a:spcBef>
+                <a:spcPts val="500"/>
+              </a:spcBef>
+              <a:buFont typeface="Arial" panose="020B0604020202020204" pitchFamily="34" charset="0"/>
+              <a:buChar char="•"/>
+              <a:defRPr sz="1800" kern="1200" spc="50" baseline="0">
+                <a:solidFill>
+                  <a:schemeClr val="tx1"/>
+                </a:solidFill>
+                <a:latin typeface="+mn-lt"/>
+                <a:ea typeface="+mn-ea"/>
+                <a:cs typeface="+mn-cs"/>
+              </a:defRPr>
+            </a:lvl4pPr>
+            <a:lvl5pPr marL="1800000" indent="-270000" algn="l" defTabSz="914400" rtl="0" eaLnBrk="1" latinLnBrk="0" hangingPunct="1">
+              <a:lnSpc>
+                <a:spcPct val="125000"/>
+              </a:lnSpc>
+              <a:spcBef>
+                <a:spcPts val="500"/>
+              </a:spcBef>
+              <a:buFont typeface="Arial" panose="020B0604020202020204" pitchFamily="34" charset="0"/>
+              <a:buChar char="•"/>
+              <a:defRPr sz="1800" kern="1200" spc="50" baseline="0">
+                <a:solidFill>
+                  <a:schemeClr val="tx1"/>
+                </a:solidFill>
+                <a:latin typeface="+mn-lt"/>
+                <a:ea typeface="+mn-ea"/>
+                <a:cs typeface="+mn-cs"/>
+              </a:defRPr>
+            </a:lvl5pPr>
+            <a:lvl6pPr marL="2514600" indent="-228600" algn="l" defTabSz="914400" rtl="0" eaLnBrk="1" latinLnBrk="0" hangingPunct="1">
+              <a:lnSpc>
+                <a:spcPct val="90000"/>
+              </a:lnSpc>
+              <a:spcBef>
+                <a:spcPts val="500"/>
+              </a:spcBef>
+              <a:buFont typeface="Arial" panose="020B0604020202020204" pitchFamily="34" charset="0"/>
+              <a:buChar char="•"/>
+              <a:defRPr sz="1800" kern="1200">
+                <a:solidFill>
+                  <a:schemeClr val="tx1"/>
+                </a:solidFill>
+                <a:latin typeface="+mn-lt"/>
+                <a:ea typeface="+mn-ea"/>
+                <a:cs typeface="+mn-cs"/>
+              </a:defRPr>
+            </a:lvl6pPr>
+            <a:lvl7pPr marL="2971800" indent="-228600" algn="l" defTabSz="914400" rtl="0" eaLnBrk="1" latinLnBrk="0" hangingPunct="1">
+              <a:lnSpc>
+                <a:spcPct val="90000"/>
+              </a:lnSpc>
+              <a:spcBef>
+                <a:spcPts val="500"/>
+              </a:spcBef>
+              <a:buFont typeface="Arial" panose="020B0604020202020204" pitchFamily="34" charset="0"/>
+              <a:buChar char="•"/>
+              <a:defRPr sz="1800" kern="1200">
+                <a:solidFill>
+                  <a:schemeClr val="tx1"/>
+                </a:solidFill>
+                <a:latin typeface="+mn-lt"/>
+                <a:ea typeface="+mn-ea"/>
+                <a:cs typeface="+mn-cs"/>
+              </a:defRPr>
+            </a:lvl7pPr>
+            <a:lvl8pPr marL="3429000" indent="-228600" algn="l" defTabSz="914400" rtl="0" eaLnBrk="1" latinLnBrk="0" hangingPunct="1">
+              <a:lnSpc>
+                <a:spcPct val="90000"/>
+              </a:lnSpc>
+              <a:spcBef>
+                <a:spcPts val="500"/>
+              </a:spcBef>
+              <a:buFont typeface="Arial" panose="020B0604020202020204" pitchFamily="34" charset="0"/>
+              <a:buChar char="•"/>
+              <a:defRPr sz="1800" kern="1200">
+                <a:solidFill>
+                  <a:schemeClr val="tx1"/>
+                </a:solidFill>
+                <a:latin typeface="+mn-lt"/>
+                <a:ea typeface="+mn-ea"/>
+                <a:cs typeface="+mn-cs"/>
+              </a:defRPr>
+            </a:lvl8pPr>
+            <a:lvl9pPr marL="3886200" indent="-228600" algn="l" defTabSz="914400" rtl="0" eaLnBrk="1" latinLnBrk="0" hangingPunct="1">
+              <a:lnSpc>
+                <a:spcPct val="90000"/>
+              </a:lnSpc>
+              <a:spcBef>
+                <a:spcPts val="500"/>
+              </a:spcBef>
+              <a:buFont typeface="Arial" panose="020B0604020202020204" pitchFamily="34" charset="0"/>
+              <a:buChar char="•"/>
+              <a:defRPr sz="1800" kern="1200">
+                <a:solidFill>
+                  <a:schemeClr val="tx1"/>
+                </a:solidFill>
+                <a:latin typeface="+mn-lt"/>
+                <a:ea typeface="+mn-ea"/>
+                <a:cs typeface="+mn-cs"/>
+              </a:defRPr>
+            </a:lvl9pPr>
+          </a:lstStyle>
+          <a:p>
+            <a:pPr marL="270000" marR="0" lvl="0" indent="-228600" algn="l" defTabSz="914400" rtl="0" eaLnBrk="1" fontAlgn="auto" latinLnBrk="0" hangingPunct="1">
+              <a:lnSpc>
+                <a:spcPct val="90000"/>
+              </a:lnSpc>
+              <a:spcBef>
+                <a:spcPts val="1000"/>
+              </a:spcBef>
+              <a:spcAft>
+                <a:spcPts val="0"/>
+              </a:spcAft>
+              <a:buClrTx/>
+              <a:buSzTx/>
+              <a:buFont typeface="Arial" panose="020B0604020202020204" pitchFamily="34" charset="0"/>
+              <a:buChar char="•"/>
+              <a:tabLst/>
+              <a:defRPr/>
+            </a:pPr>
+            <a:r>
+              <a:rPr kumimoji="0" lang="en-US" sz="2000" b="0" i="0" u="none" strike="noStrike" kern="1200" cap="none" spc="50" normalizeH="0" baseline="0" noProof="0">
+                <a:ln>
+                  <a:noFill/>
+                </a:ln>
+                <a:solidFill>
+                  <a:prstClr val="black"/>
+                </a:solidFill>
+                <a:effectLst/>
+                <a:uLnTx/>
+                <a:uFillTx/>
+                <a:latin typeface="Calibri" panose="020F0502020204030204"/>
+                <a:ea typeface="+mn-ea"/>
+                <a:cs typeface="+mn-cs"/>
+              </a:rPr>
+              <a:t>Co-Sell/Up-Sell</a:t>
+            </a:r>
+          </a:p>
+          <a:p>
+            <a:pPr marL="270000" marR="0" lvl="0" indent="-228600" algn="l" defTabSz="914400" rtl="0" eaLnBrk="1" fontAlgn="auto" latinLnBrk="0" hangingPunct="1">
+              <a:lnSpc>
+                <a:spcPct val="90000"/>
+              </a:lnSpc>
+              <a:spcBef>
+                <a:spcPts val="1000"/>
+              </a:spcBef>
+              <a:spcAft>
+                <a:spcPts val="0"/>
+              </a:spcAft>
+              <a:buClrTx/>
+              <a:buSzTx/>
+              <a:buFont typeface="Arial" panose="020B0604020202020204" pitchFamily="34" charset="0"/>
+              <a:buChar char="•"/>
+              <a:tabLst/>
+              <a:defRPr/>
+            </a:pPr>
+            <a:r>
+              <a:rPr kumimoji="0" lang="en-US" sz="2000" b="0" i="0" u="none" strike="noStrike" kern="1200" cap="none" spc="50" normalizeH="0" baseline="0" noProof="0">
+                <a:ln>
+                  <a:noFill/>
+                </a:ln>
+                <a:solidFill>
+                  <a:prstClr val="black"/>
+                </a:solidFill>
+                <a:effectLst/>
+                <a:uLnTx/>
+                <a:uFillTx/>
+                <a:latin typeface="Calibri" panose="020F0502020204030204"/>
+                <a:ea typeface="+mn-ea"/>
+                <a:cs typeface="+mn-cs"/>
+              </a:rPr>
+              <a:t>Marketing zip code analysis</a:t>
+            </a:r>
+          </a:p>
+          <a:p>
+            <a:pPr marL="270000" marR="0" lvl="0" indent="-228600" algn="l" defTabSz="914400" rtl="0" eaLnBrk="1" fontAlgn="auto" latinLnBrk="0" hangingPunct="1">
+              <a:lnSpc>
+                <a:spcPct val="90000"/>
+              </a:lnSpc>
+              <a:spcBef>
+                <a:spcPts val="1000"/>
+              </a:spcBef>
+              <a:spcAft>
+                <a:spcPts val="0"/>
+              </a:spcAft>
+              <a:buClrTx/>
+              <a:buSzTx/>
+              <a:buFont typeface="Arial" panose="020B0604020202020204" pitchFamily="34" charset="0"/>
+              <a:buChar char="•"/>
+              <a:tabLst/>
+              <a:defRPr/>
+            </a:pPr>
+            <a:r>
+              <a:rPr kumimoji="0" lang="en-US" sz="2000" b="0" i="0" u="none" strike="noStrike" kern="1200" cap="none" spc="50" normalizeH="0" baseline="0" noProof="0">
+                <a:ln>
+                  <a:noFill/>
+                </a:ln>
+                <a:solidFill>
+                  <a:prstClr val="black"/>
+                </a:solidFill>
+                <a:effectLst/>
+                <a:uLnTx/>
+                <a:uFillTx/>
+                <a:latin typeface="Calibri" panose="020F0502020204030204"/>
+                <a:ea typeface="+mn-ea"/>
+                <a:cs typeface="+mn-cs"/>
+              </a:rPr>
+              <a:t>Other Forecasting</a:t>
+            </a:r>
+          </a:p>
+          <a:p>
+            <a:pPr marL="270000" marR="0" lvl="0" indent="-228600" algn="l" defTabSz="914400" rtl="0" eaLnBrk="1" fontAlgn="auto" latinLnBrk="0" hangingPunct="1">
+              <a:lnSpc>
+                <a:spcPct val="90000"/>
+              </a:lnSpc>
+              <a:spcBef>
+                <a:spcPts val="1000"/>
+              </a:spcBef>
+              <a:spcAft>
+                <a:spcPts val="0"/>
+              </a:spcAft>
+              <a:buClrTx/>
+              <a:buSzTx/>
+              <a:buFont typeface="Arial" panose="020B0604020202020204" pitchFamily="34" charset="0"/>
+              <a:buChar char="•"/>
+              <a:tabLst/>
+              <a:defRPr/>
+            </a:pPr>
+            <a:r>
+              <a:rPr kumimoji="0" lang="en-US" sz="2000" b="0" i="0" u="none" strike="noStrike" kern="1200" cap="none" spc="50" normalizeH="0" baseline="0" noProof="0">
+                <a:ln>
+                  <a:noFill/>
+                </a:ln>
+                <a:solidFill>
+                  <a:prstClr val="black"/>
+                </a:solidFill>
+                <a:effectLst/>
+                <a:uLnTx/>
+                <a:uFillTx/>
+                <a:latin typeface="Calibri" panose="020F0502020204030204"/>
+                <a:ea typeface="+mn-ea"/>
+                <a:cs typeface="+mn-cs"/>
+              </a:rPr>
+              <a:t>Citizen Data Science development</a:t>
+            </a:r>
+          </a:p>
+          <a:p>
+            <a:pPr marL="270000" marR="0" lvl="0" indent="-228600" algn="l" defTabSz="914400" rtl="0" eaLnBrk="1" fontAlgn="auto" latinLnBrk="0" hangingPunct="1">
+              <a:lnSpc>
+                <a:spcPct val="90000"/>
+              </a:lnSpc>
+              <a:spcBef>
+                <a:spcPts val="1000"/>
+              </a:spcBef>
+              <a:spcAft>
+                <a:spcPts val="0"/>
+              </a:spcAft>
+              <a:buClrTx/>
+              <a:buSzTx/>
+              <a:buFont typeface="Arial" panose="020B0604020202020204" pitchFamily="34" charset="0"/>
+              <a:buChar char="•"/>
+              <a:tabLst/>
+              <a:defRPr/>
+            </a:pPr>
+            <a:r>
+              <a:rPr kumimoji="0" lang="en-US" sz="2000" b="0" i="0" u="none" strike="noStrike" kern="1200" cap="none" spc="50" normalizeH="0" baseline="0" noProof="0">
+                <a:ln>
+                  <a:noFill/>
+                </a:ln>
+                <a:solidFill>
+                  <a:prstClr val="black"/>
+                </a:solidFill>
+                <a:effectLst/>
+                <a:uLnTx/>
+                <a:uFillTx/>
+                <a:latin typeface="Calibri" panose="020F0502020204030204"/>
+                <a:ea typeface="+mn-ea"/>
+                <a:cs typeface="+mn-cs"/>
+              </a:rPr>
+              <a:t>Low Code Data Science</a:t>
+            </a:r>
+          </a:p>
+          <a:p>
+            <a:pPr marL="270000" marR="0" lvl="0" indent="-228600" algn="l" defTabSz="914400" rtl="0" eaLnBrk="1" fontAlgn="auto" latinLnBrk="0" hangingPunct="1">
+              <a:lnSpc>
+                <a:spcPct val="90000"/>
+              </a:lnSpc>
+              <a:spcBef>
+                <a:spcPts val="1000"/>
+              </a:spcBef>
+              <a:spcAft>
+                <a:spcPts val="0"/>
+              </a:spcAft>
+              <a:buClrTx/>
+              <a:buSzTx/>
+              <a:buFont typeface="Arial" panose="020B0604020202020204" pitchFamily="34" charset="0"/>
+              <a:buChar char="•"/>
+              <a:tabLst/>
+              <a:defRPr/>
+            </a:pPr>
+            <a:r>
+              <a:rPr kumimoji="0" lang="en-US" sz="2000" b="0" i="0" u="none" strike="noStrike" kern="1200" cap="none" spc="50" normalizeH="0" baseline="0" noProof="0">
+                <a:ln>
+                  <a:noFill/>
+                </a:ln>
+                <a:solidFill>
+                  <a:prstClr val="black"/>
+                </a:solidFill>
+                <a:effectLst/>
+                <a:uLnTx/>
+                <a:uFillTx/>
+                <a:latin typeface="Calibri" panose="020F0502020204030204"/>
+                <a:ea typeface="+mn-ea"/>
+                <a:cs typeface="+mn-cs"/>
+              </a:rPr>
+              <a:t>QnA from large data set</a:t>
+            </a:r>
+          </a:p>
+          <a:p>
+            <a:pPr marL="270000" marR="0" lvl="0" indent="-228600" algn="l" defTabSz="914400" rtl="0" eaLnBrk="1" fontAlgn="auto" latinLnBrk="0" hangingPunct="1">
+              <a:lnSpc>
+                <a:spcPct val="90000"/>
+              </a:lnSpc>
+              <a:spcBef>
+                <a:spcPts val="1000"/>
+              </a:spcBef>
+              <a:spcAft>
+                <a:spcPts val="0"/>
+              </a:spcAft>
+              <a:buClrTx/>
+              <a:buSzTx/>
+              <a:buFont typeface="Arial" panose="020B0604020202020204" pitchFamily="34" charset="0"/>
+              <a:buChar char="•"/>
+              <a:tabLst/>
+              <a:defRPr/>
+            </a:pPr>
+            <a:r>
+              <a:rPr kumimoji="0" lang="en-US" sz="2000" b="0" i="0" u="none" strike="noStrike" kern="1200" cap="none" spc="50" normalizeH="0" baseline="0" noProof="0">
+                <a:ln>
+                  <a:noFill/>
+                </a:ln>
+                <a:solidFill>
+                  <a:prstClr val="black"/>
+                </a:solidFill>
+                <a:effectLst/>
+                <a:uLnTx/>
+                <a:uFillTx/>
+                <a:latin typeface="Calibri" panose="020F0502020204030204"/>
+                <a:ea typeface="+mn-ea"/>
+                <a:cs typeface="+mn-cs"/>
+              </a:rPr>
+              <a:t>Text based document classification</a:t>
+            </a:r>
+          </a:p>
+          <a:p>
+            <a:pPr marL="270000" marR="0" lvl="0" indent="-228600" algn="l" defTabSz="914400" rtl="0" eaLnBrk="1" fontAlgn="auto" latinLnBrk="0" hangingPunct="1">
+              <a:lnSpc>
+                <a:spcPct val="90000"/>
+              </a:lnSpc>
+              <a:spcBef>
+                <a:spcPts val="1000"/>
+              </a:spcBef>
+              <a:spcAft>
+                <a:spcPts val="0"/>
+              </a:spcAft>
+              <a:buClrTx/>
+              <a:buSzTx/>
+              <a:buFont typeface="Arial" panose="020B0604020202020204" pitchFamily="34" charset="0"/>
+              <a:buChar char="•"/>
+              <a:tabLst/>
+              <a:defRPr/>
+            </a:pPr>
+            <a:r>
+              <a:rPr kumimoji="0" lang="en-US" sz="2000" b="0" i="0" u="none" strike="noStrike" kern="1200" cap="none" spc="50" normalizeH="0" baseline="0" noProof="0">
+                <a:ln>
+                  <a:noFill/>
+                </a:ln>
+                <a:solidFill>
+                  <a:prstClr val="black"/>
+                </a:solidFill>
+                <a:effectLst/>
+                <a:uLnTx/>
+                <a:uFillTx/>
+                <a:latin typeface="Calibri" panose="020F0502020204030204"/>
+                <a:ea typeface="+mn-ea"/>
+                <a:cs typeface="+mn-cs"/>
+              </a:rPr>
+              <a:t>Technician Troubleshooting</a:t>
+            </a:r>
+          </a:p>
+          <a:p>
+            <a:pPr marL="270000" marR="0" lvl="0" indent="-228600" algn="l" defTabSz="914400" rtl="0" eaLnBrk="1" fontAlgn="auto" latinLnBrk="0" hangingPunct="1">
+              <a:lnSpc>
+                <a:spcPct val="90000"/>
+              </a:lnSpc>
+              <a:spcBef>
+                <a:spcPts val="1000"/>
+              </a:spcBef>
+              <a:spcAft>
+                <a:spcPts val="0"/>
+              </a:spcAft>
+              <a:buClrTx/>
+              <a:buSzTx/>
+              <a:buFont typeface="Arial" panose="020B0604020202020204" pitchFamily="34" charset="0"/>
+              <a:buChar char="•"/>
+              <a:tabLst/>
+              <a:defRPr/>
+            </a:pPr>
+            <a:r>
+              <a:rPr kumimoji="0" lang="en-US" sz="2000" b="0" i="0" u="none" strike="noStrike" kern="1200" cap="none" spc="50" normalizeH="0" baseline="0" noProof="0">
+                <a:ln>
+                  <a:noFill/>
+                </a:ln>
+                <a:solidFill>
+                  <a:prstClr val="black"/>
+                </a:solidFill>
+                <a:effectLst/>
+                <a:uLnTx/>
+                <a:uFillTx/>
+                <a:latin typeface="Calibri" panose="020F0502020204030204"/>
+                <a:ea typeface="+mn-ea"/>
+                <a:cs typeface="+mn-cs"/>
+              </a:rPr>
+              <a:t>Remote Learning and troubleshooting</a:t>
+            </a:r>
+          </a:p>
+          <a:p>
+            <a:pPr marL="270000" marR="0" lvl="0" indent="-228600" algn="l" defTabSz="914400" rtl="0" eaLnBrk="1" fontAlgn="auto" latinLnBrk="0" hangingPunct="1">
+              <a:lnSpc>
+                <a:spcPct val="90000"/>
+              </a:lnSpc>
+              <a:spcBef>
+                <a:spcPts val="1000"/>
+              </a:spcBef>
+              <a:spcAft>
+                <a:spcPts val="0"/>
+              </a:spcAft>
+              <a:buClrTx/>
+              <a:buSzTx/>
+              <a:buFont typeface="Arial" panose="020B0604020202020204" pitchFamily="34" charset="0"/>
+              <a:buChar char="•"/>
+              <a:tabLst/>
+              <a:defRPr/>
+            </a:pPr>
+            <a:endParaRPr kumimoji="0" lang="en-US" sz="2000" b="0" i="0" u="none" strike="noStrike" kern="1200" cap="none" spc="50" normalizeH="0" baseline="0" noProof="0">
+              <a:ln>
+                <a:noFill/>
+              </a:ln>
+              <a:solidFill>
+                <a:prstClr val="black"/>
+              </a:solidFill>
+              <a:effectLst/>
+              <a:uLnTx/>
+              <a:uFillTx/>
+              <a:latin typeface="Calibri" panose="020F0502020204030204"/>
+              <a:ea typeface="+mn-ea"/>
+              <a:cs typeface="+mn-cs"/>
+            </a:endParaRPr>
+          </a:p>
+        </p:txBody>
+      </p:sp>
+    </p:spTree>
+    <p:extLst>
+      <p:ext uri="{BB962C8B-B14F-4D97-AF65-F5344CB8AC3E}">
+        <p14:creationId xmlns:p14="http://schemas.microsoft.com/office/powerpoint/2010/main" val="2251119522"/>
       </p:ext>
     </p:extLst>
   </p:cSld>
